--- a/html-css_ppt/12강. flex(플렉스).pptx
+++ b/html-css_ppt/12강. flex(플렉스).pptx
@@ -5,7 +5,7 @@
     <p:sldMasterId id="2147483648" r:id="rId1"/>
   </p:sldMasterIdLst>
   <p:notesMasterIdLst>
-    <p:notesMasterId r:id="rId16"/>
+    <p:notesMasterId r:id="rId36"/>
   </p:notesMasterIdLst>
   <p:sldIdLst>
     <p:sldId id="256" r:id="rId2"/>
@@ -22,6 +22,26 @@
     <p:sldId id="465" r:id="rId13"/>
     <p:sldId id="466" r:id="rId14"/>
     <p:sldId id="462" r:id="rId15"/>
+    <p:sldId id="479" r:id="rId16"/>
+    <p:sldId id="480" r:id="rId17"/>
+    <p:sldId id="481" r:id="rId18"/>
+    <p:sldId id="482" r:id="rId19"/>
+    <p:sldId id="483" r:id="rId20"/>
+    <p:sldId id="484" r:id="rId21"/>
+    <p:sldId id="485" r:id="rId22"/>
+    <p:sldId id="486" r:id="rId23"/>
+    <p:sldId id="487" r:id="rId24"/>
+    <p:sldId id="488" r:id="rId25"/>
+    <p:sldId id="489" r:id="rId26"/>
+    <p:sldId id="490" r:id="rId27"/>
+    <p:sldId id="491" r:id="rId28"/>
+    <p:sldId id="492" r:id="rId29"/>
+    <p:sldId id="499" r:id="rId30"/>
+    <p:sldId id="493" r:id="rId31"/>
+    <p:sldId id="498" r:id="rId32"/>
+    <p:sldId id="495" r:id="rId33"/>
+    <p:sldId id="496" r:id="rId34"/>
+    <p:sldId id="497" r:id="rId35"/>
   </p:sldIdLst>
   <p:sldSz cx="9906000" cy="6858000" type="A4"/>
   <p:notesSz cx="6858000" cy="9144000"/>
@@ -221,7 +241,7 @@
           <a:p>
             <a:fld id="{7665CDAC-D627-4E87-877A-1B781DD4CADC}" type="datetimeFigureOut">
               <a:rPr lang="ko-KR" altLang="en-US" smtClean="0"/>
-              <a:t>2023-04-12</a:t>
+              <a:t>2023-04-14</a:t>
             </a:fld>
             <a:endParaRPr lang="ko-KR" altLang="en-US"/>
           </a:p>
@@ -993,6 +1013,426 @@
 </p:notes>
 </file>
 
+<file path=ppt/notesSlides/notesSlide15.xml><?xml version="1.0" encoding="utf-8"?>
+<p:notes xmlns:a="http://schemas.openxmlformats.org/drawingml/2006/main" xmlns:r="http://schemas.openxmlformats.org/officeDocument/2006/relationships" xmlns:p="http://schemas.openxmlformats.org/presentationml/2006/main">
+  <p:cSld>
+    <p:spTree>
+      <p:nvGrpSpPr>
+        <p:cNvPr id="1" name=""/>
+        <p:cNvGrpSpPr/>
+        <p:nvPr/>
+      </p:nvGrpSpPr>
+      <p:grpSpPr>
+        <a:xfrm>
+          <a:off x="0" y="0"/>
+          <a:ext cx="0" cy="0"/>
+          <a:chOff x="0" y="0"/>
+          <a:chExt cx="0" cy="0"/>
+        </a:xfrm>
+      </p:grpSpPr>
+      <p:sp>
+        <p:nvSpPr>
+          <p:cNvPr id="2" name="슬라이드 이미지 개체 틀 1"/>
+          <p:cNvSpPr>
+            <a:spLocks noGrp="1" noRot="1" noChangeAspect="1"/>
+          </p:cNvSpPr>
+          <p:nvPr>
+            <p:ph type="sldImg"/>
+          </p:nvPr>
+        </p:nvSpPr>
+        <p:spPr/>
+      </p:sp>
+      <p:sp>
+        <p:nvSpPr>
+          <p:cNvPr id="3" name="슬라이드 노트 개체 틀 2"/>
+          <p:cNvSpPr>
+            <a:spLocks noGrp="1"/>
+          </p:cNvSpPr>
+          <p:nvPr>
+            <p:ph type="body" idx="1"/>
+          </p:nvPr>
+        </p:nvSpPr>
+        <p:spPr/>
+        <p:txBody>
+          <a:bodyPr/>
+          <a:lstStyle/>
+          <a:p>
+            <a:endParaRPr lang="ko-KR" altLang="en-US" dirty="0"/>
+          </a:p>
+        </p:txBody>
+      </p:sp>
+      <p:sp>
+        <p:nvSpPr>
+          <p:cNvPr id="4" name="슬라이드 번호 개체 틀 3"/>
+          <p:cNvSpPr>
+            <a:spLocks noGrp="1"/>
+          </p:cNvSpPr>
+          <p:nvPr>
+            <p:ph type="sldNum" sz="quarter" idx="10"/>
+          </p:nvPr>
+        </p:nvSpPr>
+        <p:spPr/>
+        <p:txBody>
+          <a:bodyPr/>
+          <a:lstStyle/>
+          <a:p>
+            <a:fld id="{0FADDD8A-FD4C-4C63-90D4-202AFE8080B2}" type="slidenum">
+              <a:rPr lang="ko-KR" altLang="en-US" smtClean="0"/>
+              <a:t>15</a:t>
+            </a:fld>
+            <a:endParaRPr lang="ko-KR" altLang="en-US"/>
+          </a:p>
+        </p:txBody>
+      </p:sp>
+    </p:spTree>
+    <p:extLst>
+      <p:ext uri="{BB962C8B-B14F-4D97-AF65-F5344CB8AC3E}">
+        <p14:creationId xmlns:p14="http://schemas.microsoft.com/office/powerpoint/2010/main" val="2195582259"/>
+      </p:ext>
+    </p:extLst>
+  </p:cSld>
+  <p:clrMapOvr>
+    <a:masterClrMapping/>
+  </p:clrMapOvr>
+</p:notes>
+</file>
+
+<file path=ppt/notesSlides/notesSlide16.xml><?xml version="1.0" encoding="utf-8"?>
+<p:notes xmlns:a="http://schemas.openxmlformats.org/drawingml/2006/main" xmlns:r="http://schemas.openxmlformats.org/officeDocument/2006/relationships" xmlns:p="http://schemas.openxmlformats.org/presentationml/2006/main">
+  <p:cSld>
+    <p:spTree>
+      <p:nvGrpSpPr>
+        <p:cNvPr id="1" name=""/>
+        <p:cNvGrpSpPr/>
+        <p:nvPr/>
+      </p:nvGrpSpPr>
+      <p:grpSpPr>
+        <a:xfrm>
+          <a:off x="0" y="0"/>
+          <a:ext cx="0" cy="0"/>
+          <a:chOff x="0" y="0"/>
+          <a:chExt cx="0" cy="0"/>
+        </a:xfrm>
+      </p:grpSpPr>
+      <p:sp>
+        <p:nvSpPr>
+          <p:cNvPr id="2" name="슬라이드 이미지 개체 틀 1"/>
+          <p:cNvSpPr>
+            <a:spLocks noGrp="1" noRot="1" noChangeAspect="1"/>
+          </p:cNvSpPr>
+          <p:nvPr>
+            <p:ph type="sldImg"/>
+          </p:nvPr>
+        </p:nvSpPr>
+        <p:spPr/>
+      </p:sp>
+      <p:sp>
+        <p:nvSpPr>
+          <p:cNvPr id="3" name="슬라이드 노트 개체 틀 2"/>
+          <p:cNvSpPr>
+            <a:spLocks noGrp="1"/>
+          </p:cNvSpPr>
+          <p:nvPr>
+            <p:ph type="body" idx="1"/>
+          </p:nvPr>
+        </p:nvSpPr>
+        <p:spPr/>
+        <p:txBody>
+          <a:bodyPr/>
+          <a:lstStyle/>
+          <a:p>
+            <a:endParaRPr lang="ko-KR" altLang="en-US" dirty="0"/>
+          </a:p>
+        </p:txBody>
+      </p:sp>
+      <p:sp>
+        <p:nvSpPr>
+          <p:cNvPr id="4" name="슬라이드 번호 개체 틀 3"/>
+          <p:cNvSpPr>
+            <a:spLocks noGrp="1"/>
+          </p:cNvSpPr>
+          <p:nvPr>
+            <p:ph type="sldNum" sz="quarter" idx="10"/>
+          </p:nvPr>
+        </p:nvSpPr>
+        <p:spPr/>
+        <p:txBody>
+          <a:bodyPr/>
+          <a:lstStyle/>
+          <a:p>
+            <a:fld id="{0FADDD8A-FD4C-4C63-90D4-202AFE8080B2}" type="slidenum">
+              <a:rPr lang="ko-KR" altLang="en-US" smtClean="0"/>
+              <a:t>16</a:t>
+            </a:fld>
+            <a:endParaRPr lang="ko-KR" altLang="en-US"/>
+          </a:p>
+        </p:txBody>
+      </p:sp>
+    </p:spTree>
+    <p:extLst>
+      <p:ext uri="{BB962C8B-B14F-4D97-AF65-F5344CB8AC3E}">
+        <p14:creationId xmlns:p14="http://schemas.microsoft.com/office/powerpoint/2010/main" val="750943835"/>
+      </p:ext>
+    </p:extLst>
+  </p:cSld>
+  <p:clrMapOvr>
+    <a:masterClrMapping/>
+  </p:clrMapOvr>
+</p:notes>
+</file>
+
+<file path=ppt/notesSlides/notesSlide17.xml><?xml version="1.0" encoding="utf-8"?>
+<p:notes xmlns:a="http://schemas.openxmlformats.org/drawingml/2006/main" xmlns:r="http://schemas.openxmlformats.org/officeDocument/2006/relationships" xmlns:p="http://schemas.openxmlformats.org/presentationml/2006/main">
+  <p:cSld>
+    <p:spTree>
+      <p:nvGrpSpPr>
+        <p:cNvPr id="1" name=""/>
+        <p:cNvGrpSpPr/>
+        <p:nvPr/>
+      </p:nvGrpSpPr>
+      <p:grpSpPr>
+        <a:xfrm>
+          <a:off x="0" y="0"/>
+          <a:ext cx="0" cy="0"/>
+          <a:chOff x="0" y="0"/>
+          <a:chExt cx="0" cy="0"/>
+        </a:xfrm>
+      </p:grpSpPr>
+      <p:sp>
+        <p:nvSpPr>
+          <p:cNvPr id="2" name="슬라이드 이미지 개체 틀 1"/>
+          <p:cNvSpPr>
+            <a:spLocks noGrp="1" noRot="1" noChangeAspect="1"/>
+          </p:cNvSpPr>
+          <p:nvPr>
+            <p:ph type="sldImg"/>
+          </p:nvPr>
+        </p:nvSpPr>
+        <p:spPr/>
+      </p:sp>
+      <p:sp>
+        <p:nvSpPr>
+          <p:cNvPr id="3" name="슬라이드 노트 개체 틀 2"/>
+          <p:cNvSpPr>
+            <a:spLocks noGrp="1"/>
+          </p:cNvSpPr>
+          <p:nvPr>
+            <p:ph type="body" idx="1"/>
+          </p:nvPr>
+        </p:nvSpPr>
+        <p:spPr/>
+        <p:txBody>
+          <a:bodyPr/>
+          <a:lstStyle/>
+          <a:p>
+            <a:endParaRPr lang="ko-KR" altLang="en-US" dirty="0"/>
+          </a:p>
+        </p:txBody>
+      </p:sp>
+      <p:sp>
+        <p:nvSpPr>
+          <p:cNvPr id="4" name="슬라이드 번호 개체 틀 3"/>
+          <p:cNvSpPr>
+            <a:spLocks noGrp="1"/>
+          </p:cNvSpPr>
+          <p:nvPr>
+            <p:ph type="sldNum" sz="quarter" idx="10"/>
+          </p:nvPr>
+        </p:nvSpPr>
+        <p:spPr/>
+        <p:txBody>
+          <a:bodyPr/>
+          <a:lstStyle/>
+          <a:p>
+            <a:fld id="{0FADDD8A-FD4C-4C63-90D4-202AFE8080B2}" type="slidenum">
+              <a:rPr lang="ko-KR" altLang="en-US" smtClean="0"/>
+              <a:t>17</a:t>
+            </a:fld>
+            <a:endParaRPr lang="ko-KR" altLang="en-US"/>
+          </a:p>
+        </p:txBody>
+      </p:sp>
+    </p:spTree>
+    <p:extLst>
+      <p:ext uri="{BB962C8B-B14F-4D97-AF65-F5344CB8AC3E}">
+        <p14:creationId xmlns:p14="http://schemas.microsoft.com/office/powerpoint/2010/main" val="3381303709"/>
+      </p:ext>
+    </p:extLst>
+  </p:cSld>
+  <p:clrMapOvr>
+    <a:masterClrMapping/>
+  </p:clrMapOvr>
+</p:notes>
+</file>
+
+<file path=ppt/notesSlides/notesSlide18.xml><?xml version="1.0" encoding="utf-8"?>
+<p:notes xmlns:a="http://schemas.openxmlformats.org/drawingml/2006/main" xmlns:r="http://schemas.openxmlformats.org/officeDocument/2006/relationships" xmlns:p="http://schemas.openxmlformats.org/presentationml/2006/main">
+  <p:cSld>
+    <p:spTree>
+      <p:nvGrpSpPr>
+        <p:cNvPr id="1" name=""/>
+        <p:cNvGrpSpPr/>
+        <p:nvPr/>
+      </p:nvGrpSpPr>
+      <p:grpSpPr>
+        <a:xfrm>
+          <a:off x="0" y="0"/>
+          <a:ext cx="0" cy="0"/>
+          <a:chOff x="0" y="0"/>
+          <a:chExt cx="0" cy="0"/>
+        </a:xfrm>
+      </p:grpSpPr>
+      <p:sp>
+        <p:nvSpPr>
+          <p:cNvPr id="2" name="슬라이드 이미지 개체 틀 1"/>
+          <p:cNvSpPr>
+            <a:spLocks noGrp="1" noRot="1" noChangeAspect="1"/>
+          </p:cNvSpPr>
+          <p:nvPr>
+            <p:ph type="sldImg"/>
+          </p:nvPr>
+        </p:nvSpPr>
+        <p:spPr/>
+      </p:sp>
+      <p:sp>
+        <p:nvSpPr>
+          <p:cNvPr id="3" name="슬라이드 노트 개체 틀 2"/>
+          <p:cNvSpPr>
+            <a:spLocks noGrp="1"/>
+          </p:cNvSpPr>
+          <p:nvPr>
+            <p:ph type="body" idx="1"/>
+          </p:nvPr>
+        </p:nvSpPr>
+        <p:spPr/>
+        <p:txBody>
+          <a:bodyPr/>
+          <a:lstStyle/>
+          <a:p>
+            <a:endParaRPr lang="ko-KR" altLang="en-US" dirty="0"/>
+          </a:p>
+        </p:txBody>
+      </p:sp>
+      <p:sp>
+        <p:nvSpPr>
+          <p:cNvPr id="4" name="슬라이드 번호 개체 틀 3"/>
+          <p:cNvSpPr>
+            <a:spLocks noGrp="1"/>
+          </p:cNvSpPr>
+          <p:nvPr>
+            <p:ph type="sldNum" sz="quarter" idx="10"/>
+          </p:nvPr>
+        </p:nvSpPr>
+        <p:spPr/>
+        <p:txBody>
+          <a:bodyPr/>
+          <a:lstStyle/>
+          <a:p>
+            <a:fld id="{0FADDD8A-FD4C-4C63-90D4-202AFE8080B2}" type="slidenum">
+              <a:rPr lang="ko-KR" altLang="en-US" smtClean="0"/>
+              <a:t>18</a:t>
+            </a:fld>
+            <a:endParaRPr lang="ko-KR" altLang="en-US"/>
+          </a:p>
+        </p:txBody>
+      </p:sp>
+    </p:spTree>
+    <p:extLst>
+      <p:ext uri="{BB962C8B-B14F-4D97-AF65-F5344CB8AC3E}">
+        <p14:creationId xmlns:p14="http://schemas.microsoft.com/office/powerpoint/2010/main" val="727288578"/>
+      </p:ext>
+    </p:extLst>
+  </p:cSld>
+  <p:clrMapOvr>
+    <a:masterClrMapping/>
+  </p:clrMapOvr>
+</p:notes>
+</file>
+
+<file path=ppt/notesSlides/notesSlide19.xml><?xml version="1.0" encoding="utf-8"?>
+<p:notes xmlns:a="http://schemas.openxmlformats.org/drawingml/2006/main" xmlns:r="http://schemas.openxmlformats.org/officeDocument/2006/relationships" xmlns:p="http://schemas.openxmlformats.org/presentationml/2006/main">
+  <p:cSld>
+    <p:spTree>
+      <p:nvGrpSpPr>
+        <p:cNvPr id="1" name=""/>
+        <p:cNvGrpSpPr/>
+        <p:nvPr/>
+      </p:nvGrpSpPr>
+      <p:grpSpPr>
+        <a:xfrm>
+          <a:off x="0" y="0"/>
+          <a:ext cx="0" cy="0"/>
+          <a:chOff x="0" y="0"/>
+          <a:chExt cx="0" cy="0"/>
+        </a:xfrm>
+      </p:grpSpPr>
+      <p:sp>
+        <p:nvSpPr>
+          <p:cNvPr id="2" name="슬라이드 이미지 개체 틀 1"/>
+          <p:cNvSpPr>
+            <a:spLocks noGrp="1" noRot="1" noChangeAspect="1"/>
+          </p:cNvSpPr>
+          <p:nvPr>
+            <p:ph type="sldImg"/>
+          </p:nvPr>
+        </p:nvSpPr>
+        <p:spPr/>
+      </p:sp>
+      <p:sp>
+        <p:nvSpPr>
+          <p:cNvPr id="3" name="슬라이드 노트 개체 틀 2"/>
+          <p:cNvSpPr>
+            <a:spLocks noGrp="1"/>
+          </p:cNvSpPr>
+          <p:nvPr>
+            <p:ph type="body" idx="1"/>
+          </p:nvPr>
+        </p:nvSpPr>
+        <p:spPr/>
+        <p:txBody>
+          <a:bodyPr/>
+          <a:lstStyle/>
+          <a:p>
+            <a:endParaRPr lang="ko-KR" altLang="en-US" dirty="0"/>
+          </a:p>
+        </p:txBody>
+      </p:sp>
+      <p:sp>
+        <p:nvSpPr>
+          <p:cNvPr id="4" name="슬라이드 번호 개체 틀 3"/>
+          <p:cNvSpPr>
+            <a:spLocks noGrp="1"/>
+          </p:cNvSpPr>
+          <p:nvPr>
+            <p:ph type="sldNum" sz="quarter" idx="10"/>
+          </p:nvPr>
+        </p:nvSpPr>
+        <p:spPr/>
+        <p:txBody>
+          <a:bodyPr/>
+          <a:lstStyle/>
+          <a:p>
+            <a:fld id="{0FADDD8A-FD4C-4C63-90D4-202AFE8080B2}" type="slidenum">
+              <a:rPr lang="ko-KR" altLang="en-US" smtClean="0"/>
+              <a:t>19</a:t>
+            </a:fld>
+            <a:endParaRPr lang="ko-KR" altLang="en-US"/>
+          </a:p>
+        </p:txBody>
+      </p:sp>
+    </p:spTree>
+    <p:extLst>
+      <p:ext uri="{BB962C8B-B14F-4D97-AF65-F5344CB8AC3E}">
+        <p14:creationId xmlns:p14="http://schemas.microsoft.com/office/powerpoint/2010/main" val="295971418"/>
+      </p:ext>
+    </p:extLst>
+  </p:cSld>
+  <p:clrMapOvr>
+    <a:masterClrMapping/>
+  </p:clrMapOvr>
+</p:notes>
+</file>
+
 <file path=ppt/notesSlides/notesSlide2.xml><?xml version="1.0" encoding="utf-8"?>
 <p:notes xmlns:a="http://schemas.openxmlformats.org/drawingml/2006/main" xmlns:r="http://schemas.openxmlformats.org/officeDocument/2006/relationships" xmlns:p="http://schemas.openxmlformats.org/presentationml/2006/main">
   <p:cSld>
@@ -1068,6 +1508,846 @@
     <p:extLst>
       <p:ext uri="{BB962C8B-B14F-4D97-AF65-F5344CB8AC3E}">
         <p14:creationId xmlns:p14="http://schemas.microsoft.com/office/powerpoint/2010/main" val="198399458"/>
+      </p:ext>
+    </p:extLst>
+  </p:cSld>
+  <p:clrMapOvr>
+    <a:masterClrMapping/>
+  </p:clrMapOvr>
+</p:notes>
+</file>
+
+<file path=ppt/notesSlides/notesSlide20.xml><?xml version="1.0" encoding="utf-8"?>
+<p:notes xmlns:a="http://schemas.openxmlformats.org/drawingml/2006/main" xmlns:r="http://schemas.openxmlformats.org/officeDocument/2006/relationships" xmlns:p="http://schemas.openxmlformats.org/presentationml/2006/main">
+  <p:cSld>
+    <p:spTree>
+      <p:nvGrpSpPr>
+        <p:cNvPr id="1" name=""/>
+        <p:cNvGrpSpPr/>
+        <p:nvPr/>
+      </p:nvGrpSpPr>
+      <p:grpSpPr>
+        <a:xfrm>
+          <a:off x="0" y="0"/>
+          <a:ext cx="0" cy="0"/>
+          <a:chOff x="0" y="0"/>
+          <a:chExt cx="0" cy="0"/>
+        </a:xfrm>
+      </p:grpSpPr>
+      <p:sp>
+        <p:nvSpPr>
+          <p:cNvPr id="2" name="슬라이드 이미지 개체 틀 1"/>
+          <p:cNvSpPr>
+            <a:spLocks noGrp="1" noRot="1" noChangeAspect="1"/>
+          </p:cNvSpPr>
+          <p:nvPr>
+            <p:ph type="sldImg"/>
+          </p:nvPr>
+        </p:nvSpPr>
+        <p:spPr/>
+      </p:sp>
+      <p:sp>
+        <p:nvSpPr>
+          <p:cNvPr id="3" name="슬라이드 노트 개체 틀 2"/>
+          <p:cNvSpPr>
+            <a:spLocks noGrp="1"/>
+          </p:cNvSpPr>
+          <p:nvPr>
+            <p:ph type="body" idx="1"/>
+          </p:nvPr>
+        </p:nvSpPr>
+        <p:spPr/>
+        <p:txBody>
+          <a:bodyPr/>
+          <a:lstStyle/>
+          <a:p>
+            <a:endParaRPr lang="ko-KR" altLang="en-US" dirty="0"/>
+          </a:p>
+        </p:txBody>
+      </p:sp>
+      <p:sp>
+        <p:nvSpPr>
+          <p:cNvPr id="4" name="슬라이드 번호 개체 틀 3"/>
+          <p:cNvSpPr>
+            <a:spLocks noGrp="1"/>
+          </p:cNvSpPr>
+          <p:nvPr>
+            <p:ph type="sldNum" sz="quarter" idx="10"/>
+          </p:nvPr>
+        </p:nvSpPr>
+        <p:spPr/>
+        <p:txBody>
+          <a:bodyPr/>
+          <a:lstStyle/>
+          <a:p>
+            <a:fld id="{0FADDD8A-FD4C-4C63-90D4-202AFE8080B2}" type="slidenum">
+              <a:rPr lang="ko-KR" altLang="en-US" smtClean="0"/>
+              <a:t>20</a:t>
+            </a:fld>
+            <a:endParaRPr lang="ko-KR" altLang="en-US"/>
+          </a:p>
+        </p:txBody>
+      </p:sp>
+    </p:spTree>
+    <p:extLst>
+      <p:ext uri="{BB962C8B-B14F-4D97-AF65-F5344CB8AC3E}">
+        <p14:creationId xmlns:p14="http://schemas.microsoft.com/office/powerpoint/2010/main" val="1293847903"/>
+      </p:ext>
+    </p:extLst>
+  </p:cSld>
+  <p:clrMapOvr>
+    <a:masterClrMapping/>
+  </p:clrMapOvr>
+</p:notes>
+</file>
+
+<file path=ppt/notesSlides/notesSlide21.xml><?xml version="1.0" encoding="utf-8"?>
+<p:notes xmlns:a="http://schemas.openxmlformats.org/drawingml/2006/main" xmlns:r="http://schemas.openxmlformats.org/officeDocument/2006/relationships" xmlns:p="http://schemas.openxmlformats.org/presentationml/2006/main">
+  <p:cSld>
+    <p:spTree>
+      <p:nvGrpSpPr>
+        <p:cNvPr id="1" name=""/>
+        <p:cNvGrpSpPr/>
+        <p:nvPr/>
+      </p:nvGrpSpPr>
+      <p:grpSpPr>
+        <a:xfrm>
+          <a:off x="0" y="0"/>
+          <a:ext cx="0" cy="0"/>
+          <a:chOff x="0" y="0"/>
+          <a:chExt cx="0" cy="0"/>
+        </a:xfrm>
+      </p:grpSpPr>
+      <p:sp>
+        <p:nvSpPr>
+          <p:cNvPr id="2" name="슬라이드 이미지 개체 틀 1"/>
+          <p:cNvSpPr>
+            <a:spLocks noGrp="1" noRot="1" noChangeAspect="1"/>
+          </p:cNvSpPr>
+          <p:nvPr>
+            <p:ph type="sldImg"/>
+          </p:nvPr>
+        </p:nvSpPr>
+        <p:spPr/>
+      </p:sp>
+      <p:sp>
+        <p:nvSpPr>
+          <p:cNvPr id="3" name="슬라이드 노트 개체 틀 2"/>
+          <p:cNvSpPr>
+            <a:spLocks noGrp="1"/>
+          </p:cNvSpPr>
+          <p:nvPr>
+            <p:ph type="body" idx="1"/>
+          </p:nvPr>
+        </p:nvSpPr>
+        <p:spPr/>
+        <p:txBody>
+          <a:bodyPr/>
+          <a:lstStyle/>
+          <a:p>
+            <a:endParaRPr lang="ko-KR" altLang="en-US" dirty="0"/>
+          </a:p>
+        </p:txBody>
+      </p:sp>
+      <p:sp>
+        <p:nvSpPr>
+          <p:cNvPr id="4" name="슬라이드 번호 개체 틀 3"/>
+          <p:cNvSpPr>
+            <a:spLocks noGrp="1"/>
+          </p:cNvSpPr>
+          <p:nvPr>
+            <p:ph type="sldNum" sz="quarter" idx="10"/>
+          </p:nvPr>
+        </p:nvSpPr>
+        <p:spPr/>
+        <p:txBody>
+          <a:bodyPr/>
+          <a:lstStyle/>
+          <a:p>
+            <a:fld id="{0FADDD8A-FD4C-4C63-90D4-202AFE8080B2}" type="slidenum">
+              <a:rPr lang="ko-KR" altLang="en-US" smtClean="0"/>
+              <a:t>21</a:t>
+            </a:fld>
+            <a:endParaRPr lang="ko-KR" altLang="en-US"/>
+          </a:p>
+        </p:txBody>
+      </p:sp>
+    </p:spTree>
+    <p:extLst>
+      <p:ext uri="{BB962C8B-B14F-4D97-AF65-F5344CB8AC3E}">
+        <p14:creationId xmlns:p14="http://schemas.microsoft.com/office/powerpoint/2010/main" val="652574492"/>
+      </p:ext>
+    </p:extLst>
+  </p:cSld>
+  <p:clrMapOvr>
+    <a:masterClrMapping/>
+  </p:clrMapOvr>
+</p:notes>
+</file>
+
+<file path=ppt/notesSlides/notesSlide22.xml><?xml version="1.0" encoding="utf-8"?>
+<p:notes xmlns:a="http://schemas.openxmlformats.org/drawingml/2006/main" xmlns:r="http://schemas.openxmlformats.org/officeDocument/2006/relationships" xmlns:p="http://schemas.openxmlformats.org/presentationml/2006/main">
+  <p:cSld>
+    <p:spTree>
+      <p:nvGrpSpPr>
+        <p:cNvPr id="1" name=""/>
+        <p:cNvGrpSpPr/>
+        <p:nvPr/>
+      </p:nvGrpSpPr>
+      <p:grpSpPr>
+        <a:xfrm>
+          <a:off x="0" y="0"/>
+          <a:ext cx="0" cy="0"/>
+          <a:chOff x="0" y="0"/>
+          <a:chExt cx="0" cy="0"/>
+        </a:xfrm>
+      </p:grpSpPr>
+      <p:sp>
+        <p:nvSpPr>
+          <p:cNvPr id="2" name="슬라이드 이미지 개체 틀 1"/>
+          <p:cNvSpPr>
+            <a:spLocks noGrp="1" noRot="1" noChangeAspect="1"/>
+          </p:cNvSpPr>
+          <p:nvPr>
+            <p:ph type="sldImg"/>
+          </p:nvPr>
+        </p:nvSpPr>
+        <p:spPr/>
+      </p:sp>
+      <p:sp>
+        <p:nvSpPr>
+          <p:cNvPr id="3" name="슬라이드 노트 개체 틀 2"/>
+          <p:cNvSpPr>
+            <a:spLocks noGrp="1"/>
+          </p:cNvSpPr>
+          <p:nvPr>
+            <p:ph type="body" idx="1"/>
+          </p:nvPr>
+        </p:nvSpPr>
+        <p:spPr/>
+        <p:txBody>
+          <a:bodyPr/>
+          <a:lstStyle/>
+          <a:p>
+            <a:endParaRPr lang="ko-KR" altLang="en-US" dirty="0"/>
+          </a:p>
+        </p:txBody>
+      </p:sp>
+      <p:sp>
+        <p:nvSpPr>
+          <p:cNvPr id="4" name="슬라이드 번호 개체 틀 3"/>
+          <p:cNvSpPr>
+            <a:spLocks noGrp="1"/>
+          </p:cNvSpPr>
+          <p:nvPr>
+            <p:ph type="sldNum" sz="quarter" idx="10"/>
+          </p:nvPr>
+        </p:nvSpPr>
+        <p:spPr/>
+        <p:txBody>
+          <a:bodyPr/>
+          <a:lstStyle/>
+          <a:p>
+            <a:fld id="{0FADDD8A-FD4C-4C63-90D4-202AFE8080B2}" type="slidenum">
+              <a:rPr lang="ko-KR" altLang="en-US" smtClean="0"/>
+              <a:t>22</a:t>
+            </a:fld>
+            <a:endParaRPr lang="ko-KR" altLang="en-US"/>
+          </a:p>
+        </p:txBody>
+      </p:sp>
+    </p:spTree>
+    <p:extLst>
+      <p:ext uri="{BB962C8B-B14F-4D97-AF65-F5344CB8AC3E}">
+        <p14:creationId xmlns:p14="http://schemas.microsoft.com/office/powerpoint/2010/main" val="2665275740"/>
+      </p:ext>
+    </p:extLst>
+  </p:cSld>
+  <p:clrMapOvr>
+    <a:masterClrMapping/>
+  </p:clrMapOvr>
+</p:notes>
+</file>
+
+<file path=ppt/notesSlides/notesSlide23.xml><?xml version="1.0" encoding="utf-8"?>
+<p:notes xmlns:a="http://schemas.openxmlformats.org/drawingml/2006/main" xmlns:r="http://schemas.openxmlformats.org/officeDocument/2006/relationships" xmlns:p="http://schemas.openxmlformats.org/presentationml/2006/main">
+  <p:cSld>
+    <p:spTree>
+      <p:nvGrpSpPr>
+        <p:cNvPr id="1" name=""/>
+        <p:cNvGrpSpPr/>
+        <p:nvPr/>
+      </p:nvGrpSpPr>
+      <p:grpSpPr>
+        <a:xfrm>
+          <a:off x="0" y="0"/>
+          <a:ext cx="0" cy="0"/>
+          <a:chOff x="0" y="0"/>
+          <a:chExt cx="0" cy="0"/>
+        </a:xfrm>
+      </p:grpSpPr>
+      <p:sp>
+        <p:nvSpPr>
+          <p:cNvPr id="2" name="슬라이드 이미지 개체 틀 1"/>
+          <p:cNvSpPr>
+            <a:spLocks noGrp="1" noRot="1" noChangeAspect="1"/>
+          </p:cNvSpPr>
+          <p:nvPr>
+            <p:ph type="sldImg"/>
+          </p:nvPr>
+        </p:nvSpPr>
+        <p:spPr/>
+      </p:sp>
+      <p:sp>
+        <p:nvSpPr>
+          <p:cNvPr id="3" name="슬라이드 노트 개체 틀 2"/>
+          <p:cNvSpPr>
+            <a:spLocks noGrp="1"/>
+          </p:cNvSpPr>
+          <p:nvPr>
+            <p:ph type="body" idx="1"/>
+          </p:nvPr>
+        </p:nvSpPr>
+        <p:spPr/>
+        <p:txBody>
+          <a:bodyPr/>
+          <a:lstStyle/>
+          <a:p>
+            <a:endParaRPr lang="ko-KR" altLang="en-US" dirty="0"/>
+          </a:p>
+        </p:txBody>
+      </p:sp>
+      <p:sp>
+        <p:nvSpPr>
+          <p:cNvPr id="4" name="슬라이드 번호 개체 틀 3"/>
+          <p:cNvSpPr>
+            <a:spLocks noGrp="1"/>
+          </p:cNvSpPr>
+          <p:nvPr>
+            <p:ph type="sldNum" sz="quarter" idx="10"/>
+          </p:nvPr>
+        </p:nvSpPr>
+        <p:spPr/>
+        <p:txBody>
+          <a:bodyPr/>
+          <a:lstStyle/>
+          <a:p>
+            <a:fld id="{0FADDD8A-FD4C-4C63-90D4-202AFE8080B2}" type="slidenum">
+              <a:rPr lang="ko-KR" altLang="en-US" smtClean="0"/>
+              <a:t>23</a:t>
+            </a:fld>
+            <a:endParaRPr lang="ko-KR" altLang="en-US"/>
+          </a:p>
+        </p:txBody>
+      </p:sp>
+    </p:spTree>
+    <p:extLst>
+      <p:ext uri="{BB962C8B-B14F-4D97-AF65-F5344CB8AC3E}">
+        <p14:creationId xmlns:p14="http://schemas.microsoft.com/office/powerpoint/2010/main" val="2883171591"/>
+      </p:ext>
+    </p:extLst>
+  </p:cSld>
+  <p:clrMapOvr>
+    <a:masterClrMapping/>
+  </p:clrMapOvr>
+</p:notes>
+</file>
+
+<file path=ppt/notesSlides/notesSlide24.xml><?xml version="1.0" encoding="utf-8"?>
+<p:notes xmlns:a="http://schemas.openxmlformats.org/drawingml/2006/main" xmlns:r="http://schemas.openxmlformats.org/officeDocument/2006/relationships" xmlns:p="http://schemas.openxmlformats.org/presentationml/2006/main">
+  <p:cSld>
+    <p:spTree>
+      <p:nvGrpSpPr>
+        <p:cNvPr id="1" name=""/>
+        <p:cNvGrpSpPr/>
+        <p:nvPr/>
+      </p:nvGrpSpPr>
+      <p:grpSpPr>
+        <a:xfrm>
+          <a:off x="0" y="0"/>
+          <a:ext cx="0" cy="0"/>
+          <a:chOff x="0" y="0"/>
+          <a:chExt cx="0" cy="0"/>
+        </a:xfrm>
+      </p:grpSpPr>
+      <p:sp>
+        <p:nvSpPr>
+          <p:cNvPr id="2" name="슬라이드 이미지 개체 틀 1"/>
+          <p:cNvSpPr>
+            <a:spLocks noGrp="1" noRot="1" noChangeAspect="1"/>
+          </p:cNvSpPr>
+          <p:nvPr>
+            <p:ph type="sldImg"/>
+          </p:nvPr>
+        </p:nvSpPr>
+        <p:spPr/>
+      </p:sp>
+      <p:sp>
+        <p:nvSpPr>
+          <p:cNvPr id="3" name="슬라이드 노트 개체 틀 2"/>
+          <p:cNvSpPr>
+            <a:spLocks noGrp="1"/>
+          </p:cNvSpPr>
+          <p:nvPr>
+            <p:ph type="body" idx="1"/>
+          </p:nvPr>
+        </p:nvSpPr>
+        <p:spPr/>
+        <p:txBody>
+          <a:bodyPr/>
+          <a:lstStyle/>
+          <a:p>
+            <a:endParaRPr lang="ko-KR" altLang="en-US" dirty="0"/>
+          </a:p>
+        </p:txBody>
+      </p:sp>
+      <p:sp>
+        <p:nvSpPr>
+          <p:cNvPr id="4" name="슬라이드 번호 개체 틀 3"/>
+          <p:cNvSpPr>
+            <a:spLocks noGrp="1"/>
+          </p:cNvSpPr>
+          <p:nvPr>
+            <p:ph type="sldNum" sz="quarter" idx="10"/>
+          </p:nvPr>
+        </p:nvSpPr>
+        <p:spPr/>
+        <p:txBody>
+          <a:bodyPr/>
+          <a:lstStyle/>
+          <a:p>
+            <a:fld id="{0FADDD8A-FD4C-4C63-90D4-202AFE8080B2}" type="slidenum">
+              <a:rPr lang="ko-KR" altLang="en-US" smtClean="0"/>
+              <a:t>24</a:t>
+            </a:fld>
+            <a:endParaRPr lang="ko-KR" altLang="en-US"/>
+          </a:p>
+        </p:txBody>
+      </p:sp>
+    </p:spTree>
+    <p:extLst>
+      <p:ext uri="{BB962C8B-B14F-4D97-AF65-F5344CB8AC3E}">
+        <p14:creationId xmlns:p14="http://schemas.microsoft.com/office/powerpoint/2010/main" val="3441677648"/>
+      </p:ext>
+    </p:extLst>
+  </p:cSld>
+  <p:clrMapOvr>
+    <a:masterClrMapping/>
+  </p:clrMapOvr>
+</p:notes>
+</file>
+
+<file path=ppt/notesSlides/notesSlide25.xml><?xml version="1.0" encoding="utf-8"?>
+<p:notes xmlns:a="http://schemas.openxmlformats.org/drawingml/2006/main" xmlns:r="http://schemas.openxmlformats.org/officeDocument/2006/relationships" xmlns:p="http://schemas.openxmlformats.org/presentationml/2006/main">
+  <p:cSld>
+    <p:spTree>
+      <p:nvGrpSpPr>
+        <p:cNvPr id="1" name=""/>
+        <p:cNvGrpSpPr/>
+        <p:nvPr/>
+      </p:nvGrpSpPr>
+      <p:grpSpPr>
+        <a:xfrm>
+          <a:off x="0" y="0"/>
+          <a:ext cx="0" cy="0"/>
+          <a:chOff x="0" y="0"/>
+          <a:chExt cx="0" cy="0"/>
+        </a:xfrm>
+      </p:grpSpPr>
+      <p:sp>
+        <p:nvSpPr>
+          <p:cNvPr id="2" name="슬라이드 이미지 개체 틀 1"/>
+          <p:cNvSpPr>
+            <a:spLocks noGrp="1" noRot="1" noChangeAspect="1"/>
+          </p:cNvSpPr>
+          <p:nvPr>
+            <p:ph type="sldImg"/>
+          </p:nvPr>
+        </p:nvSpPr>
+        <p:spPr/>
+      </p:sp>
+      <p:sp>
+        <p:nvSpPr>
+          <p:cNvPr id="3" name="슬라이드 노트 개체 틀 2"/>
+          <p:cNvSpPr>
+            <a:spLocks noGrp="1"/>
+          </p:cNvSpPr>
+          <p:nvPr>
+            <p:ph type="body" idx="1"/>
+          </p:nvPr>
+        </p:nvSpPr>
+        <p:spPr/>
+        <p:txBody>
+          <a:bodyPr/>
+          <a:lstStyle/>
+          <a:p>
+            <a:endParaRPr lang="ko-KR" altLang="en-US" dirty="0"/>
+          </a:p>
+        </p:txBody>
+      </p:sp>
+      <p:sp>
+        <p:nvSpPr>
+          <p:cNvPr id="4" name="슬라이드 번호 개체 틀 3"/>
+          <p:cNvSpPr>
+            <a:spLocks noGrp="1"/>
+          </p:cNvSpPr>
+          <p:nvPr>
+            <p:ph type="sldNum" sz="quarter" idx="10"/>
+          </p:nvPr>
+        </p:nvSpPr>
+        <p:spPr/>
+        <p:txBody>
+          <a:bodyPr/>
+          <a:lstStyle/>
+          <a:p>
+            <a:fld id="{0FADDD8A-FD4C-4C63-90D4-202AFE8080B2}" type="slidenum">
+              <a:rPr lang="ko-KR" altLang="en-US" smtClean="0"/>
+              <a:t>25</a:t>
+            </a:fld>
+            <a:endParaRPr lang="ko-KR" altLang="en-US"/>
+          </a:p>
+        </p:txBody>
+      </p:sp>
+    </p:spTree>
+    <p:extLst>
+      <p:ext uri="{BB962C8B-B14F-4D97-AF65-F5344CB8AC3E}">
+        <p14:creationId xmlns:p14="http://schemas.microsoft.com/office/powerpoint/2010/main" val="2875278310"/>
+      </p:ext>
+    </p:extLst>
+  </p:cSld>
+  <p:clrMapOvr>
+    <a:masterClrMapping/>
+  </p:clrMapOvr>
+</p:notes>
+</file>
+
+<file path=ppt/notesSlides/notesSlide26.xml><?xml version="1.0" encoding="utf-8"?>
+<p:notes xmlns:a="http://schemas.openxmlformats.org/drawingml/2006/main" xmlns:r="http://schemas.openxmlformats.org/officeDocument/2006/relationships" xmlns:p="http://schemas.openxmlformats.org/presentationml/2006/main">
+  <p:cSld>
+    <p:spTree>
+      <p:nvGrpSpPr>
+        <p:cNvPr id="1" name=""/>
+        <p:cNvGrpSpPr/>
+        <p:nvPr/>
+      </p:nvGrpSpPr>
+      <p:grpSpPr>
+        <a:xfrm>
+          <a:off x="0" y="0"/>
+          <a:ext cx="0" cy="0"/>
+          <a:chOff x="0" y="0"/>
+          <a:chExt cx="0" cy="0"/>
+        </a:xfrm>
+      </p:grpSpPr>
+      <p:sp>
+        <p:nvSpPr>
+          <p:cNvPr id="2" name="슬라이드 이미지 개체 틀 1"/>
+          <p:cNvSpPr>
+            <a:spLocks noGrp="1" noRot="1" noChangeAspect="1"/>
+          </p:cNvSpPr>
+          <p:nvPr>
+            <p:ph type="sldImg"/>
+          </p:nvPr>
+        </p:nvSpPr>
+        <p:spPr/>
+      </p:sp>
+      <p:sp>
+        <p:nvSpPr>
+          <p:cNvPr id="3" name="슬라이드 노트 개체 틀 2"/>
+          <p:cNvSpPr>
+            <a:spLocks noGrp="1"/>
+          </p:cNvSpPr>
+          <p:nvPr>
+            <p:ph type="body" idx="1"/>
+          </p:nvPr>
+        </p:nvSpPr>
+        <p:spPr/>
+        <p:txBody>
+          <a:bodyPr/>
+          <a:lstStyle/>
+          <a:p>
+            <a:endParaRPr lang="ko-KR" altLang="en-US" dirty="0"/>
+          </a:p>
+        </p:txBody>
+      </p:sp>
+      <p:sp>
+        <p:nvSpPr>
+          <p:cNvPr id="4" name="슬라이드 번호 개체 틀 3"/>
+          <p:cNvSpPr>
+            <a:spLocks noGrp="1"/>
+          </p:cNvSpPr>
+          <p:nvPr>
+            <p:ph type="sldNum" sz="quarter" idx="10"/>
+          </p:nvPr>
+        </p:nvSpPr>
+        <p:spPr/>
+        <p:txBody>
+          <a:bodyPr/>
+          <a:lstStyle/>
+          <a:p>
+            <a:fld id="{0FADDD8A-FD4C-4C63-90D4-202AFE8080B2}" type="slidenum">
+              <a:rPr lang="ko-KR" altLang="en-US" smtClean="0"/>
+              <a:t>26</a:t>
+            </a:fld>
+            <a:endParaRPr lang="ko-KR" altLang="en-US"/>
+          </a:p>
+        </p:txBody>
+      </p:sp>
+    </p:spTree>
+    <p:extLst>
+      <p:ext uri="{BB962C8B-B14F-4D97-AF65-F5344CB8AC3E}">
+        <p14:creationId xmlns:p14="http://schemas.microsoft.com/office/powerpoint/2010/main" val="467885931"/>
+      </p:ext>
+    </p:extLst>
+  </p:cSld>
+  <p:clrMapOvr>
+    <a:masterClrMapping/>
+  </p:clrMapOvr>
+</p:notes>
+</file>
+
+<file path=ppt/notesSlides/notesSlide27.xml><?xml version="1.0" encoding="utf-8"?>
+<p:notes xmlns:a="http://schemas.openxmlformats.org/drawingml/2006/main" xmlns:r="http://schemas.openxmlformats.org/officeDocument/2006/relationships" xmlns:p="http://schemas.openxmlformats.org/presentationml/2006/main">
+  <p:cSld>
+    <p:spTree>
+      <p:nvGrpSpPr>
+        <p:cNvPr id="1" name=""/>
+        <p:cNvGrpSpPr/>
+        <p:nvPr/>
+      </p:nvGrpSpPr>
+      <p:grpSpPr>
+        <a:xfrm>
+          <a:off x="0" y="0"/>
+          <a:ext cx="0" cy="0"/>
+          <a:chOff x="0" y="0"/>
+          <a:chExt cx="0" cy="0"/>
+        </a:xfrm>
+      </p:grpSpPr>
+      <p:sp>
+        <p:nvSpPr>
+          <p:cNvPr id="2" name="슬라이드 이미지 개체 틀 1"/>
+          <p:cNvSpPr>
+            <a:spLocks noGrp="1" noRot="1" noChangeAspect="1"/>
+          </p:cNvSpPr>
+          <p:nvPr>
+            <p:ph type="sldImg"/>
+          </p:nvPr>
+        </p:nvSpPr>
+        <p:spPr/>
+      </p:sp>
+      <p:sp>
+        <p:nvSpPr>
+          <p:cNvPr id="3" name="슬라이드 노트 개체 틀 2"/>
+          <p:cNvSpPr>
+            <a:spLocks noGrp="1"/>
+          </p:cNvSpPr>
+          <p:nvPr>
+            <p:ph type="body" idx="1"/>
+          </p:nvPr>
+        </p:nvSpPr>
+        <p:spPr/>
+        <p:txBody>
+          <a:bodyPr/>
+          <a:lstStyle/>
+          <a:p>
+            <a:endParaRPr lang="ko-KR" altLang="en-US" dirty="0"/>
+          </a:p>
+        </p:txBody>
+      </p:sp>
+      <p:sp>
+        <p:nvSpPr>
+          <p:cNvPr id="4" name="슬라이드 번호 개체 틀 3"/>
+          <p:cNvSpPr>
+            <a:spLocks noGrp="1"/>
+          </p:cNvSpPr>
+          <p:nvPr>
+            <p:ph type="sldNum" sz="quarter" idx="10"/>
+          </p:nvPr>
+        </p:nvSpPr>
+        <p:spPr/>
+        <p:txBody>
+          <a:bodyPr/>
+          <a:lstStyle/>
+          <a:p>
+            <a:fld id="{0FADDD8A-FD4C-4C63-90D4-202AFE8080B2}" type="slidenum">
+              <a:rPr lang="ko-KR" altLang="en-US" smtClean="0"/>
+              <a:t>27</a:t>
+            </a:fld>
+            <a:endParaRPr lang="ko-KR" altLang="en-US"/>
+          </a:p>
+        </p:txBody>
+      </p:sp>
+    </p:spTree>
+    <p:extLst>
+      <p:ext uri="{BB962C8B-B14F-4D97-AF65-F5344CB8AC3E}">
+        <p14:creationId xmlns:p14="http://schemas.microsoft.com/office/powerpoint/2010/main" val="2636633509"/>
+      </p:ext>
+    </p:extLst>
+  </p:cSld>
+  <p:clrMapOvr>
+    <a:masterClrMapping/>
+  </p:clrMapOvr>
+</p:notes>
+</file>
+
+<file path=ppt/notesSlides/notesSlide28.xml><?xml version="1.0" encoding="utf-8"?>
+<p:notes xmlns:a="http://schemas.openxmlformats.org/drawingml/2006/main" xmlns:r="http://schemas.openxmlformats.org/officeDocument/2006/relationships" xmlns:p="http://schemas.openxmlformats.org/presentationml/2006/main">
+  <p:cSld>
+    <p:spTree>
+      <p:nvGrpSpPr>
+        <p:cNvPr id="1" name=""/>
+        <p:cNvGrpSpPr/>
+        <p:nvPr/>
+      </p:nvGrpSpPr>
+      <p:grpSpPr>
+        <a:xfrm>
+          <a:off x="0" y="0"/>
+          <a:ext cx="0" cy="0"/>
+          <a:chOff x="0" y="0"/>
+          <a:chExt cx="0" cy="0"/>
+        </a:xfrm>
+      </p:grpSpPr>
+      <p:sp>
+        <p:nvSpPr>
+          <p:cNvPr id="2" name="슬라이드 이미지 개체 틀 1"/>
+          <p:cNvSpPr>
+            <a:spLocks noGrp="1" noRot="1" noChangeAspect="1"/>
+          </p:cNvSpPr>
+          <p:nvPr>
+            <p:ph type="sldImg"/>
+          </p:nvPr>
+        </p:nvSpPr>
+        <p:spPr/>
+      </p:sp>
+      <p:sp>
+        <p:nvSpPr>
+          <p:cNvPr id="3" name="슬라이드 노트 개체 틀 2"/>
+          <p:cNvSpPr>
+            <a:spLocks noGrp="1"/>
+          </p:cNvSpPr>
+          <p:nvPr>
+            <p:ph type="body" idx="1"/>
+          </p:nvPr>
+        </p:nvSpPr>
+        <p:spPr/>
+        <p:txBody>
+          <a:bodyPr/>
+          <a:lstStyle/>
+          <a:p>
+            <a:endParaRPr lang="ko-KR" altLang="en-US" dirty="0"/>
+          </a:p>
+        </p:txBody>
+      </p:sp>
+      <p:sp>
+        <p:nvSpPr>
+          <p:cNvPr id="4" name="슬라이드 번호 개체 틀 3"/>
+          <p:cNvSpPr>
+            <a:spLocks noGrp="1"/>
+          </p:cNvSpPr>
+          <p:nvPr>
+            <p:ph type="sldNum" sz="quarter" idx="10"/>
+          </p:nvPr>
+        </p:nvSpPr>
+        <p:spPr/>
+        <p:txBody>
+          <a:bodyPr/>
+          <a:lstStyle/>
+          <a:p>
+            <a:fld id="{0FADDD8A-FD4C-4C63-90D4-202AFE8080B2}" type="slidenum">
+              <a:rPr lang="ko-KR" altLang="en-US" smtClean="0"/>
+              <a:t>28</a:t>
+            </a:fld>
+            <a:endParaRPr lang="ko-KR" altLang="en-US"/>
+          </a:p>
+        </p:txBody>
+      </p:sp>
+    </p:spTree>
+    <p:extLst>
+      <p:ext uri="{BB962C8B-B14F-4D97-AF65-F5344CB8AC3E}">
+        <p14:creationId xmlns:p14="http://schemas.microsoft.com/office/powerpoint/2010/main" val="1720107053"/>
+      </p:ext>
+    </p:extLst>
+  </p:cSld>
+  <p:clrMapOvr>
+    <a:masterClrMapping/>
+  </p:clrMapOvr>
+</p:notes>
+</file>
+
+<file path=ppt/notesSlides/notesSlide29.xml><?xml version="1.0" encoding="utf-8"?>
+<p:notes xmlns:a="http://schemas.openxmlformats.org/drawingml/2006/main" xmlns:r="http://schemas.openxmlformats.org/officeDocument/2006/relationships" xmlns:p="http://schemas.openxmlformats.org/presentationml/2006/main">
+  <p:cSld>
+    <p:spTree>
+      <p:nvGrpSpPr>
+        <p:cNvPr id="1" name=""/>
+        <p:cNvGrpSpPr/>
+        <p:nvPr/>
+      </p:nvGrpSpPr>
+      <p:grpSpPr>
+        <a:xfrm>
+          <a:off x="0" y="0"/>
+          <a:ext cx="0" cy="0"/>
+          <a:chOff x="0" y="0"/>
+          <a:chExt cx="0" cy="0"/>
+        </a:xfrm>
+      </p:grpSpPr>
+      <p:sp>
+        <p:nvSpPr>
+          <p:cNvPr id="2" name="슬라이드 이미지 개체 틀 1"/>
+          <p:cNvSpPr>
+            <a:spLocks noGrp="1" noRot="1" noChangeAspect="1"/>
+          </p:cNvSpPr>
+          <p:nvPr>
+            <p:ph type="sldImg"/>
+          </p:nvPr>
+        </p:nvSpPr>
+        <p:spPr/>
+      </p:sp>
+      <p:sp>
+        <p:nvSpPr>
+          <p:cNvPr id="3" name="슬라이드 노트 개체 틀 2"/>
+          <p:cNvSpPr>
+            <a:spLocks noGrp="1"/>
+          </p:cNvSpPr>
+          <p:nvPr>
+            <p:ph type="body" idx="1"/>
+          </p:nvPr>
+        </p:nvSpPr>
+        <p:spPr/>
+        <p:txBody>
+          <a:bodyPr/>
+          <a:lstStyle/>
+          <a:p>
+            <a:endParaRPr lang="ko-KR" altLang="en-US" dirty="0"/>
+          </a:p>
+        </p:txBody>
+      </p:sp>
+      <p:sp>
+        <p:nvSpPr>
+          <p:cNvPr id="4" name="슬라이드 번호 개체 틀 3"/>
+          <p:cNvSpPr>
+            <a:spLocks noGrp="1"/>
+          </p:cNvSpPr>
+          <p:nvPr>
+            <p:ph type="sldNum" sz="quarter" idx="10"/>
+          </p:nvPr>
+        </p:nvSpPr>
+        <p:spPr/>
+        <p:txBody>
+          <a:bodyPr/>
+          <a:lstStyle/>
+          <a:p>
+            <a:fld id="{0FADDD8A-FD4C-4C63-90D4-202AFE8080B2}" type="slidenum">
+              <a:rPr lang="ko-KR" altLang="en-US" smtClean="0"/>
+              <a:t>29</a:t>
+            </a:fld>
+            <a:endParaRPr lang="ko-KR" altLang="en-US"/>
+          </a:p>
+        </p:txBody>
+      </p:sp>
+    </p:spTree>
+    <p:extLst>
+      <p:ext uri="{BB962C8B-B14F-4D97-AF65-F5344CB8AC3E}">
+        <p14:creationId xmlns:p14="http://schemas.microsoft.com/office/powerpoint/2010/main" val="1695702060"/>
       </p:ext>
     </p:extLst>
   </p:cSld>
@@ -1152,6 +2432,426 @@
     <p:extLst>
       <p:ext uri="{BB962C8B-B14F-4D97-AF65-F5344CB8AC3E}">
         <p14:creationId xmlns:p14="http://schemas.microsoft.com/office/powerpoint/2010/main" val="198399458"/>
+      </p:ext>
+    </p:extLst>
+  </p:cSld>
+  <p:clrMapOvr>
+    <a:masterClrMapping/>
+  </p:clrMapOvr>
+</p:notes>
+</file>
+
+<file path=ppt/notesSlides/notesSlide30.xml><?xml version="1.0" encoding="utf-8"?>
+<p:notes xmlns:a="http://schemas.openxmlformats.org/drawingml/2006/main" xmlns:r="http://schemas.openxmlformats.org/officeDocument/2006/relationships" xmlns:p="http://schemas.openxmlformats.org/presentationml/2006/main">
+  <p:cSld>
+    <p:spTree>
+      <p:nvGrpSpPr>
+        <p:cNvPr id="1" name=""/>
+        <p:cNvGrpSpPr/>
+        <p:nvPr/>
+      </p:nvGrpSpPr>
+      <p:grpSpPr>
+        <a:xfrm>
+          <a:off x="0" y="0"/>
+          <a:ext cx="0" cy="0"/>
+          <a:chOff x="0" y="0"/>
+          <a:chExt cx="0" cy="0"/>
+        </a:xfrm>
+      </p:grpSpPr>
+      <p:sp>
+        <p:nvSpPr>
+          <p:cNvPr id="2" name="슬라이드 이미지 개체 틀 1"/>
+          <p:cNvSpPr>
+            <a:spLocks noGrp="1" noRot="1" noChangeAspect="1"/>
+          </p:cNvSpPr>
+          <p:nvPr>
+            <p:ph type="sldImg"/>
+          </p:nvPr>
+        </p:nvSpPr>
+        <p:spPr/>
+      </p:sp>
+      <p:sp>
+        <p:nvSpPr>
+          <p:cNvPr id="3" name="슬라이드 노트 개체 틀 2"/>
+          <p:cNvSpPr>
+            <a:spLocks noGrp="1"/>
+          </p:cNvSpPr>
+          <p:nvPr>
+            <p:ph type="body" idx="1"/>
+          </p:nvPr>
+        </p:nvSpPr>
+        <p:spPr/>
+        <p:txBody>
+          <a:bodyPr/>
+          <a:lstStyle/>
+          <a:p>
+            <a:endParaRPr lang="ko-KR" altLang="en-US" dirty="0"/>
+          </a:p>
+        </p:txBody>
+      </p:sp>
+      <p:sp>
+        <p:nvSpPr>
+          <p:cNvPr id="4" name="슬라이드 번호 개체 틀 3"/>
+          <p:cNvSpPr>
+            <a:spLocks noGrp="1"/>
+          </p:cNvSpPr>
+          <p:nvPr>
+            <p:ph type="sldNum" sz="quarter" idx="10"/>
+          </p:nvPr>
+        </p:nvSpPr>
+        <p:spPr/>
+        <p:txBody>
+          <a:bodyPr/>
+          <a:lstStyle/>
+          <a:p>
+            <a:fld id="{0FADDD8A-FD4C-4C63-90D4-202AFE8080B2}" type="slidenum">
+              <a:rPr lang="ko-KR" altLang="en-US" smtClean="0"/>
+              <a:t>30</a:t>
+            </a:fld>
+            <a:endParaRPr lang="ko-KR" altLang="en-US"/>
+          </a:p>
+        </p:txBody>
+      </p:sp>
+    </p:spTree>
+    <p:extLst>
+      <p:ext uri="{BB962C8B-B14F-4D97-AF65-F5344CB8AC3E}">
+        <p14:creationId xmlns:p14="http://schemas.microsoft.com/office/powerpoint/2010/main" val="2828749025"/>
+      </p:ext>
+    </p:extLst>
+  </p:cSld>
+  <p:clrMapOvr>
+    <a:masterClrMapping/>
+  </p:clrMapOvr>
+</p:notes>
+</file>
+
+<file path=ppt/notesSlides/notesSlide31.xml><?xml version="1.0" encoding="utf-8"?>
+<p:notes xmlns:a="http://schemas.openxmlformats.org/drawingml/2006/main" xmlns:r="http://schemas.openxmlformats.org/officeDocument/2006/relationships" xmlns:p="http://schemas.openxmlformats.org/presentationml/2006/main">
+  <p:cSld>
+    <p:spTree>
+      <p:nvGrpSpPr>
+        <p:cNvPr id="1" name=""/>
+        <p:cNvGrpSpPr/>
+        <p:nvPr/>
+      </p:nvGrpSpPr>
+      <p:grpSpPr>
+        <a:xfrm>
+          <a:off x="0" y="0"/>
+          <a:ext cx="0" cy="0"/>
+          <a:chOff x="0" y="0"/>
+          <a:chExt cx="0" cy="0"/>
+        </a:xfrm>
+      </p:grpSpPr>
+      <p:sp>
+        <p:nvSpPr>
+          <p:cNvPr id="2" name="슬라이드 이미지 개체 틀 1"/>
+          <p:cNvSpPr>
+            <a:spLocks noGrp="1" noRot="1" noChangeAspect="1"/>
+          </p:cNvSpPr>
+          <p:nvPr>
+            <p:ph type="sldImg"/>
+          </p:nvPr>
+        </p:nvSpPr>
+        <p:spPr/>
+      </p:sp>
+      <p:sp>
+        <p:nvSpPr>
+          <p:cNvPr id="3" name="슬라이드 노트 개체 틀 2"/>
+          <p:cNvSpPr>
+            <a:spLocks noGrp="1"/>
+          </p:cNvSpPr>
+          <p:nvPr>
+            <p:ph type="body" idx="1"/>
+          </p:nvPr>
+        </p:nvSpPr>
+        <p:spPr/>
+        <p:txBody>
+          <a:bodyPr/>
+          <a:lstStyle/>
+          <a:p>
+            <a:endParaRPr lang="ko-KR" altLang="en-US" dirty="0"/>
+          </a:p>
+        </p:txBody>
+      </p:sp>
+      <p:sp>
+        <p:nvSpPr>
+          <p:cNvPr id="4" name="슬라이드 번호 개체 틀 3"/>
+          <p:cNvSpPr>
+            <a:spLocks noGrp="1"/>
+          </p:cNvSpPr>
+          <p:nvPr>
+            <p:ph type="sldNum" sz="quarter" idx="10"/>
+          </p:nvPr>
+        </p:nvSpPr>
+        <p:spPr/>
+        <p:txBody>
+          <a:bodyPr/>
+          <a:lstStyle/>
+          <a:p>
+            <a:fld id="{0FADDD8A-FD4C-4C63-90D4-202AFE8080B2}" type="slidenum">
+              <a:rPr lang="ko-KR" altLang="en-US" smtClean="0"/>
+              <a:t>31</a:t>
+            </a:fld>
+            <a:endParaRPr lang="ko-KR" altLang="en-US"/>
+          </a:p>
+        </p:txBody>
+      </p:sp>
+    </p:spTree>
+    <p:extLst>
+      <p:ext uri="{BB962C8B-B14F-4D97-AF65-F5344CB8AC3E}">
+        <p14:creationId xmlns:p14="http://schemas.microsoft.com/office/powerpoint/2010/main" val="476055742"/>
+      </p:ext>
+    </p:extLst>
+  </p:cSld>
+  <p:clrMapOvr>
+    <a:masterClrMapping/>
+  </p:clrMapOvr>
+</p:notes>
+</file>
+
+<file path=ppt/notesSlides/notesSlide32.xml><?xml version="1.0" encoding="utf-8"?>
+<p:notes xmlns:a="http://schemas.openxmlformats.org/drawingml/2006/main" xmlns:r="http://schemas.openxmlformats.org/officeDocument/2006/relationships" xmlns:p="http://schemas.openxmlformats.org/presentationml/2006/main">
+  <p:cSld>
+    <p:spTree>
+      <p:nvGrpSpPr>
+        <p:cNvPr id="1" name=""/>
+        <p:cNvGrpSpPr/>
+        <p:nvPr/>
+      </p:nvGrpSpPr>
+      <p:grpSpPr>
+        <a:xfrm>
+          <a:off x="0" y="0"/>
+          <a:ext cx="0" cy="0"/>
+          <a:chOff x="0" y="0"/>
+          <a:chExt cx="0" cy="0"/>
+        </a:xfrm>
+      </p:grpSpPr>
+      <p:sp>
+        <p:nvSpPr>
+          <p:cNvPr id="2" name="슬라이드 이미지 개체 틀 1"/>
+          <p:cNvSpPr>
+            <a:spLocks noGrp="1" noRot="1" noChangeAspect="1"/>
+          </p:cNvSpPr>
+          <p:nvPr>
+            <p:ph type="sldImg"/>
+          </p:nvPr>
+        </p:nvSpPr>
+        <p:spPr/>
+      </p:sp>
+      <p:sp>
+        <p:nvSpPr>
+          <p:cNvPr id="3" name="슬라이드 노트 개체 틀 2"/>
+          <p:cNvSpPr>
+            <a:spLocks noGrp="1"/>
+          </p:cNvSpPr>
+          <p:nvPr>
+            <p:ph type="body" idx="1"/>
+          </p:nvPr>
+        </p:nvSpPr>
+        <p:spPr/>
+        <p:txBody>
+          <a:bodyPr/>
+          <a:lstStyle/>
+          <a:p>
+            <a:endParaRPr lang="ko-KR" altLang="en-US" dirty="0"/>
+          </a:p>
+        </p:txBody>
+      </p:sp>
+      <p:sp>
+        <p:nvSpPr>
+          <p:cNvPr id="4" name="슬라이드 번호 개체 틀 3"/>
+          <p:cNvSpPr>
+            <a:spLocks noGrp="1"/>
+          </p:cNvSpPr>
+          <p:nvPr>
+            <p:ph type="sldNum" sz="quarter" idx="10"/>
+          </p:nvPr>
+        </p:nvSpPr>
+        <p:spPr/>
+        <p:txBody>
+          <a:bodyPr/>
+          <a:lstStyle/>
+          <a:p>
+            <a:fld id="{0FADDD8A-FD4C-4C63-90D4-202AFE8080B2}" type="slidenum">
+              <a:rPr lang="ko-KR" altLang="en-US" smtClean="0"/>
+              <a:t>32</a:t>
+            </a:fld>
+            <a:endParaRPr lang="ko-KR" altLang="en-US"/>
+          </a:p>
+        </p:txBody>
+      </p:sp>
+    </p:spTree>
+    <p:extLst>
+      <p:ext uri="{BB962C8B-B14F-4D97-AF65-F5344CB8AC3E}">
+        <p14:creationId xmlns:p14="http://schemas.microsoft.com/office/powerpoint/2010/main" val="1847897301"/>
+      </p:ext>
+    </p:extLst>
+  </p:cSld>
+  <p:clrMapOvr>
+    <a:masterClrMapping/>
+  </p:clrMapOvr>
+</p:notes>
+</file>
+
+<file path=ppt/notesSlides/notesSlide33.xml><?xml version="1.0" encoding="utf-8"?>
+<p:notes xmlns:a="http://schemas.openxmlformats.org/drawingml/2006/main" xmlns:r="http://schemas.openxmlformats.org/officeDocument/2006/relationships" xmlns:p="http://schemas.openxmlformats.org/presentationml/2006/main">
+  <p:cSld>
+    <p:spTree>
+      <p:nvGrpSpPr>
+        <p:cNvPr id="1" name=""/>
+        <p:cNvGrpSpPr/>
+        <p:nvPr/>
+      </p:nvGrpSpPr>
+      <p:grpSpPr>
+        <a:xfrm>
+          <a:off x="0" y="0"/>
+          <a:ext cx="0" cy="0"/>
+          <a:chOff x="0" y="0"/>
+          <a:chExt cx="0" cy="0"/>
+        </a:xfrm>
+      </p:grpSpPr>
+      <p:sp>
+        <p:nvSpPr>
+          <p:cNvPr id="2" name="슬라이드 이미지 개체 틀 1"/>
+          <p:cNvSpPr>
+            <a:spLocks noGrp="1" noRot="1" noChangeAspect="1"/>
+          </p:cNvSpPr>
+          <p:nvPr>
+            <p:ph type="sldImg"/>
+          </p:nvPr>
+        </p:nvSpPr>
+        <p:spPr/>
+      </p:sp>
+      <p:sp>
+        <p:nvSpPr>
+          <p:cNvPr id="3" name="슬라이드 노트 개체 틀 2"/>
+          <p:cNvSpPr>
+            <a:spLocks noGrp="1"/>
+          </p:cNvSpPr>
+          <p:nvPr>
+            <p:ph type="body" idx="1"/>
+          </p:nvPr>
+        </p:nvSpPr>
+        <p:spPr/>
+        <p:txBody>
+          <a:bodyPr/>
+          <a:lstStyle/>
+          <a:p>
+            <a:endParaRPr lang="ko-KR" altLang="en-US" dirty="0"/>
+          </a:p>
+        </p:txBody>
+      </p:sp>
+      <p:sp>
+        <p:nvSpPr>
+          <p:cNvPr id="4" name="슬라이드 번호 개체 틀 3"/>
+          <p:cNvSpPr>
+            <a:spLocks noGrp="1"/>
+          </p:cNvSpPr>
+          <p:nvPr>
+            <p:ph type="sldNum" sz="quarter" idx="10"/>
+          </p:nvPr>
+        </p:nvSpPr>
+        <p:spPr/>
+        <p:txBody>
+          <a:bodyPr/>
+          <a:lstStyle/>
+          <a:p>
+            <a:fld id="{0FADDD8A-FD4C-4C63-90D4-202AFE8080B2}" type="slidenum">
+              <a:rPr lang="ko-KR" altLang="en-US" smtClean="0"/>
+              <a:t>33</a:t>
+            </a:fld>
+            <a:endParaRPr lang="ko-KR" altLang="en-US"/>
+          </a:p>
+        </p:txBody>
+      </p:sp>
+    </p:spTree>
+    <p:extLst>
+      <p:ext uri="{BB962C8B-B14F-4D97-AF65-F5344CB8AC3E}">
+        <p14:creationId xmlns:p14="http://schemas.microsoft.com/office/powerpoint/2010/main" val="808374559"/>
+      </p:ext>
+    </p:extLst>
+  </p:cSld>
+  <p:clrMapOvr>
+    <a:masterClrMapping/>
+  </p:clrMapOvr>
+</p:notes>
+</file>
+
+<file path=ppt/notesSlides/notesSlide34.xml><?xml version="1.0" encoding="utf-8"?>
+<p:notes xmlns:a="http://schemas.openxmlformats.org/drawingml/2006/main" xmlns:r="http://schemas.openxmlformats.org/officeDocument/2006/relationships" xmlns:p="http://schemas.openxmlformats.org/presentationml/2006/main">
+  <p:cSld>
+    <p:spTree>
+      <p:nvGrpSpPr>
+        <p:cNvPr id="1" name=""/>
+        <p:cNvGrpSpPr/>
+        <p:nvPr/>
+      </p:nvGrpSpPr>
+      <p:grpSpPr>
+        <a:xfrm>
+          <a:off x="0" y="0"/>
+          <a:ext cx="0" cy="0"/>
+          <a:chOff x="0" y="0"/>
+          <a:chExt cx="0" cy="0"/>
+        </a:xfrm>
+      </p:grpSpPr>
+      <p:sp>
+        <p:nvSpPr>
+          <p:cNvPr id="2" name="슬라이드 이미지 개체 틀 1"/>
+          <p:cNvSpPr>
+            <a:spLocks noGrp="1" noRot="1" noChangeAspect="1"/>
+          </p:cNvSpPr>
+          <p:nvPr>
+            <p:ph type="sldImg"/>
+          </p:nvPr>
+        </p:nvSpPr>
+        <p:spPr/>
+      </p:sp>
+      <p:sp>
+        <p:nvSpPr>
+          <p:cNvPr id="3" name="슬라이드 노트 개체 틀 2"/>
+          <p:cNvSpPr>
+            <a:spLocks noGrp="1"/>
+          </p:cNvSpPr>
+          <p:nvPr>
+            <p:ph type="body" idx="1"/>
+          </p:nvPr>
+        </p:nvSpPr>
+        <p:spPr/>
+        <p:txBody>
+          <a:bodyPr/>
+          <a:lstStyle/>
+          <a:p>
+            <a:endParaRPr lang="ko-KR" altLang="en-US" dirty="0"/>
+          </a:p>
+        </p:txBody>
+      </p:sp>
+      <p:sp>
+        <p:nvSpPr>
+          <p:cNvPr id="4" name="슬라이드 번호 개체 틀 3"/>
+          <p:cNvSpPr>
+            <a:spLocks noGrp="1"/>
+          </p:cNvSpPr>
+          <p:nvPr>
+            <p:ph type="sldNum" sz="quarter" idx="10"/>
+          </p:nvPr>
+        </p:nvSpPr>
+        <p:spPr/>
+        <p:txBody>
+          <a:bodyPr/>
+          <a:lstStyle/>
+          <a:p>
+            <a:fld id="{0FADDD8A-FD4C-4C63-90D4-202AFE8080B2}" type="slidenum">
+              <a:rPr lang="ko-KR" altLang="en-US" smtClean="0"/>
+              <a:t>34</a:t>
+            </a:fld>
+            <a:endParaRPr lang="ko-KR" altLang="en-US"/>
+          </a:p>
+        </p:txBody>
+      </p:sp>
+    </p:spTree>
+    <p:extLst>
+      <p:ext uri="{BB962C8B-B14F-4D97-AF65-F5344CB8AC3E}">
+        <p14:creationId xmlns:p14="http://schemas.microsoft.com/office/powerpoint/2010/main" val="3291962782"/>
       </p:ext>
     </p:extLst>
   </p:cSld>
@@ -1727,7 +3427,7 @@
           <a:p>
             <a:fld id="{C25BCFD5-C4DF-4EBC-B718-C69ED2FBDE6F}" type="datetime1">
               <a:rPr lang="ko-KR" altLang="en-US" smtClean="0"/>
-              <a:t>2023-04-12</a:t>
+              <a:t>2023-04-14</a:t>
             </a:fld>
             <a:endParaRPr lang="ko-KR" altLang="en-US"/>
           </a:p>
@@ -2145,7 +3845,7 @@
           <a:p>
             <a:fld id="{AB448CD7-D367-43D5-B461-ACE552E75063}" type="datetime1">
               <a:rPr lang="ko-KR" altLang="en-US" smtClean="0"/>
-              <a:t>2023-04-12</a:t>
+              <a:t>2023-04-14</a:t>
             </a:fld>
             <a:endParaRPr lang="ko-KR" altLang="en-US"/>
           </a:p>
@@ -2325,7 +4025,7 @@
           <a:p>
             <a:fld id="{B6E49E79-7361-4780-8BEF-7EDE3708298A}" type="datetime1">
               <a:rPr lang="ko-KR" altLang="en-US" smtClean="0"/>
-              <a:t>2023-04-12</a:t>
+              <a:t>2023-04-14</a:t>
             </a:fld>
             <a:endParaRPr lang="ko-KR" altLang="en-US"/>
           </a:p>
@@ -2499,7 +4199,7 @@
           <a:p>
             <a:fld id="{A4D42E3C-B70B-437C-85CF-1286301B9CBA}" type="datetime1">
               <a:rPr lang="ko-KR" altLang="en-US" smtClean="0"/>
-              <a:t>2023-04-12</a:t>
+              <a:t>2023-04-14</a:t>
             </a:fld>
             <a:endParaRPr lang="ko-KR" altLang="en-US"/>
           </a:p>
@@ -2745,7 +4445,7 @@
           <a:p>
             <a:fld id="{B3369A20-5B3D-4D98-A822-26B93D177A40}" type="datetime1">
               <a:rPr lang="ko-KR" altLang="en-US" smtClean="0"/>
-              <a:t>2023-04-12</a:t>
+              <a:t>2023-04-14</a:t>
             </a:fld>
             <a:endParaRPr lang="ko-KR" altLang="en-US"/>
           </a:p>
@@ -3033,7 +4733,7 @@
           <a:p>
             <a:fld id="{685CD4CE-9E43-4F70-A9D8-A2130CA7D92A}" type="datetime1">
               <a:rPr lang="ko-KR" altLang="en-US" smtClean="0"/>
-              <a:t>2023-04-12</a:t>
+              <a:t>2023-04-14</a:t>
             </a:fld>
             <a:endParaRPr lang="ko-KR" altLang="en-US"/>
           </a:p>
@@ -3455,7 +5155,7 @@
           <a:p>
             <a:fld id="{F752BD92-DA3E-4A0B-90C9-7DE5E15B6E96}" type="datetime1">
               <a:rPr lang="ko-KR" altLang="en-US" smtClean="0"/>
-              <a:t>2023-04-12</a:t>
+              <a:t>2023-04-14</a:t>
             </a:fld>
             <a:endParaRPr lang="ko-KR" altLang="en-US"/>
           </a:p>
@@ -3573,7 +5273,7 @@
           <a:p>
             <a:fld id="{8EA2B83A-F366-424E-B742-340ACF856BB5}" type="datetime1">
               <a:rPr lang="ko-KR" altLang="en-US" smtClean="0"/>
-              <a:t>2023-04-12</a:t>
+              <a:t>2023-04-14</a:t>
             </a:fld>
             <a:endParaRPr lang="ko-KR" altLang="en-US"/>
           </a:p>
@@ -3668,7 +5368,7 @@
           <a:p>
             <a:fld id="{9A49D68B-5DBD-48E9-A8D4-FCBC4B3DD9C6}" type="datetime1">
               <a:rPr lang="ko-KR" altLang="en-US" smtClean="0"/>
-              <a:t>2023-04-12</a:t>
+              <a:t>2023-04-14</a:t>
             </a:fld>
             <a:endParaRPr lang="ko-KR" altLang="en-US"/>
           </a:p>
@@ -3945,7 +5645,7 @@
           <a:p>
             <a:fld id="{4CAB534F-7D16-467B-9320-91F98915D181}" type="datetime1">
               <a:rPr lang="ko-KR" altLang="en-US" smtClean="0"/>
-              <a:t>2023-04-12</a:t>
+              <a:t>2023-04-14</a:t>
             </a:fld>
             <a:endParaRPr lang="ko-KR" altLang="en-US"/>
           </a:p>
@@ -4198,7 +5898,7 @@
           <a:p>
             <a:fld id="{A390A91F-2F8D-4486-A69D-D680F95444B0}" type="datetime1">
               <a:rPr lang="ko-KR" altLang="en-US" smtClean="0"/>
-              <a:t>2023-04-12</a:t>
+              <a:t>2023-04-14</a:t>
             </a:fld>
             <a:endParaRPr lang="ko-KR" altLang="en-US"/>
           </a:p>
@@ -4378,7 +6078,7 @@
           <a:p>
             <a:fld id="{2238BBEA-E8DD-414A-BF68-FC2AFA7CFF2D}" type="datetime1">
               <a:rPr lang="ko-KR" altLang="en-US" smtClean="0"/>
-              <a:t>2023-04-12</a:t>
+              <a:t>2023-04-14</a:t>
             </a:fld>
             <a:endParaRPr lang="ko-KR" altLang="en-US"/>
           </a:p>
@@ -5229,15 +6929,7 @@
                   <a:schemeClr val="tx1"/>
                 </a:solidFill>
               </a:rPr>
-              <a:t>. </a:t>
-            </a:r>
-            <a:r>
-              <a:rPr lang="en-US" altLang="ko-KR" sz="2800" b="1" dirty="0" smtClean="0">
-                <a:solidFill>
-                  <a:schemeClr val="tx1"/>
-                </a:solidFill>
-              </a:rPr>
-              <a:t>flex(</a:t>
+              <a:t>. flex(</a:t>
             </a:r>
             <a:r>
               <a:rPr lang="ko-KR" altLang="en-US" sz="2800" b="1" dirty="0" err="1" smtClean="0">
@@ -5253,7 +6945,15 @@
                   <a:schemeClr val="tx1"/>
                 </a:solidFill>
               </a:rPr>
-              <a:t>)</a:t>
+              <a:t>) &amp; </a:t>
+            </a:r>
+            <a:r>
+              <a:rPr lang="ko-KR" altLang="en-US" sz="2800" b="1" dirty="0" smtClean="0">
+                <a:solidFill>
+                  <a:schemeClr val="tx1"/>
+                </a:solidFill>
+              </a:rPr>
+              <a:t>부트스트랩</a:t>
             </a:r>
             <a:endParaRPr lang="ko-KR" altLang="en-US" sz="2800" b="1" dirty="0">
               <a:solidFill>
@@ -7351,6 +9051,1941 @@
 </p:sld>
 </file>
 
+<file path=ppt/slides/slide15.xml><?xml version="1.0" encoding="utf-8"?>
+<p:sld xmlns:a="http://schemas.openxmlformats.org/drawingml/2006/main" xmlns:r="http://schemas.openxmlformats.org/officeDocument/2006/relationships" xmlns:p="http://schemas.openxmlformats.org/presentationml/2006/main">
+  <p:cSld>
+    <p:spTree>
+      <p:nvGrpSpPr>
+        <p:cNvPr id="1" name=""/>
+        <p:cNvGrpSpPr/>
+        <p:nvPr/>
+      </p:nvGrpSpPr>
+      <p:grpSpPr>
+        <a:xfrm>
+          <a:off x="0" y="0"/>
+          <a:ext cx="0" cy="0"/>
+          <a:chOff x="0" y="0"/>
+          <a:chExt cx="0" cy="0"/>
+        </a:xfrm>
+      </p:grpSpPr>
+      <p:sp>
+        <p:nvSpPr>
+          <p:cNvPr id="4" name="슬라이드 번호 개체 틀 3"/>
+          <p:cNvSpPr>
+            <a:spLocks noGrp="1"/>
+          </p:cNvSpPr>
+          <p:nvPr>
+            <p:ph type="sldNum" sz="quarter" idx="12"/>
+          </p:nvPr>
+        </p:nvSpPr>
+        <p:spPr/>
+        <p:txBody>
+          <a:bodyPr/>
+          <a:lstStyle/>
+          <a:p>
+            <a:fld id="{1BDE3FE7-3AEA-4B05-AC5A-802D1816ACF0}" type="slidenum">
+              <a:rPr lang="ko-KR" altLang="en-US" smtClean="0"/>
+              <a:t>15</a:t>
+            </a:fld>
+            <a:endParaRPr lang="ko-KR" altLang="en-US"/>
+          </a:p>
+        </p:txBody>
+      </p:sp>
+      <p:sp>
+        <p:nvSpPr>
+          <p:cNvPr id="11" name="TextBox 10"/>
+          <p:cNvSpPr txBox="1"/>
+          <p:nvPr/>
+        </p:nvSpPr>
+        <p:spPr>
+          <a:xfrm>
+            <a:off x="776536" y="1230121"/>
+            <a:ext cx="8280920" cy="494494"/>
+          </a:xfrm>
+          <a:prstGeom prst="rect">
+            <a:avLst/>
+          </a:prstGeom>
+          <a:noFill/>
+        </p:spPr>
+        <p:txBody>
+          <a:bodyPr wrap="square" rtlCol="0">
+            <a:spAutoFit/>
+          </a:bodyPr>
+          <a:lstStyle/>
+          <a:p>
+            <a:pPr>
+              <a:lnSpc>
+                <a:spcPct val="150000"/>
+              </a:lnSpc>
+            </a:pPr>
+            <a:r>
+              <a:rPr lang="ko-KR" altLang="en-US" sz="2000" dirty="0"/>
+              <a:t> </a:t>
+            </a:r>
+            <a:r>
+              <a:rPr lang="en-US" altLang="ko-KR" sz="2000" b="1" dirty="0" smtClean="0"/>
+              <a:t>Bootstrap(</a:t>
+            </a:r>
+            <a:r>
+              <a:rPr lang="ko-KR" altLang="en-US" sz="2000" b="1" dirty="0" smtClean="0"/>
+              <a:t>부트스트랩</a:t>
+            </a:r>
+            <a:r>
+              <a:rPr lang="en-US" altLang="ko-KR" sz="2000" b="1" dirty="0" smtClean="0"/>
+              <a:t>) </a:t>
+            </a:r>
+            <a:r>
+              <a:rPr lang="ko-KR" altLang="en-US" sz="2000" b="1" dirty="0" smtClean="0"/>
+              <a:t>이란</a:t>
+            </a:r>
+            <a:r>
+              <a:rPr lang="en-US" altLang="ko-KR" sz="2000" b="1" dirty="0" smtClean="0"/>
+              <a:t>?</a:t>
+            </a:r>
+          </a:p>
+        </p:txBody>
+      </p:sp>
+      <p:sp>
+        <p:nvSpPr>
+          <p:cNvPr id="14" name="제목 5"/>
+          <p:cNvSpPr>
+            <a:spLocks noGrp="1"/>
+          </p:cNvSpPr>
+          <p:nvPr>
+            <p:ph type="title"/>
+          </p:nvPr>
+        </p:nvSpPr>
+        <p:spPr>
+          <a:xfrm>
+            <a:off x="552061" y="197768"/>
+            <a:ext cx="6201139" cy="854968"/>
+          </a:xfrm>
+        </p:spPr>
+        <p:txBody>
+          <a:bodyPr/>
+          <a:lstStyle/>
+          <a:p>
+            <a:r>
+              <a:rPr lang="en-US" altLang="ko-KR" dirty="0" smtClean="0"/>
+              <a:t> </a:t>
+            </a:r>
+            <a:r>
+              <a:rPr lang="ko-KR" altLang="en-US" sz="2800" dirty="0" smtClean="0"/>
+              <a:t>부트 </a:t>
+            </a:r>
+            <a:r>
+              <a:rPr lang="ko-KR" altLang="en-US" sz="2800" dirty="0" err="1" smtClean="0"/>
+              <a:t>스트랩</a:t>
+            </a:r>
+            <a:r>
+              <a:rPr lang="ko-KR" altLang="en-US" sz="2800" dirty="0" smtClean="0"/>
+              <a:t> 환경 설정</a:t>
+            </a:r>
+            <a:endParaRPr lang="ko-KR" altLang="en-US" sz="2800" dirty="0"/>
+          </a:p>
+        </p:txBody>
+      </p:sp>
+      <p:sp>
+        <p:nvSpPr>
+          <p:cNvPr id="20" name="직사각형 19"/>
+          <p:cNvSpPr/>
+          <p:nvPr/>
+        </p:nvSpPr>
+        <p:spPr>
+          <a:xfrm>
+            <a:off x="848544" y="1724615"/>
+            <a:ext cx="8205672" cy="1200329"/>
+          </a:xfrm>
+          <a:prstGeom prst="rect">
+            <a:avLst/>
+          </a:prstGeom>
+        </p:spPr>
+        <p:txBody>
+          <a:bodyPr wrap="square">
+            <a:spAutoFit/>
+          </a:bodyPr>
+          <a:lstStyle/>
+          <a:p>
+            <a:pPr>
+              <a:lnSpc>
+                <a:spcPct val="150000"/>
+              </a:lnSpc>
+            </a:pPr>
+            <a:r>
+              <a:rPr lang="ko-KR" altLang="en-US" sz="1600" dirty="0" smtClean="0"/>
+              <a:t>부트스트랩은 </a:t>
+            </a:r>
+            <a:r>
+              <a:rPr lang="ko-KR" altLang="en-US" sz="1600" dirty="0"/>
+              <a:t>웹사이트를 쉽게 만들 수 있게 도와주는 </a:t>
+            </a:r>
+            <a:r>
+              <a:rPr lang="en-US" altLang="ko-KR" sz="1600" dirty="0"/>
+              <a:t>HTML, CSS, JS </a:t>
+            </a:r>
+            <a:r>
+              <a:rPr lang="ko-KR" altLang="en-US" sz="1600" dirty="0" smtClean="0"/>
+              <a:t>라이브러</a:t>
+            </a:r>
+            <a:r>
+              <a:rPr lang="ko-KR" altLang="en-US" sz="1600" dirty="0"/>
+              <a:t>리</a:t>
+            </a:r>
+            <a:r>
+              <a:rPr lang="ko-KR" altLang="en-US" sz="1600" dirty="0" smtClean="0"/>
+              <a:t>이다</a:t>
+            </a:r>
+            <a:r>
+              <a:rPr lang="en-US" altLang="ko-KR" sz="1600" dirty="0"/>
+              <a:t>. </a:t>
+            </a:r>
+            <a:r>
+              <a:rPr lang="ko-KR" altLang="en-US" sz="1600" dirty="0"/>
+              <a:t>하나의 </a:t>
+            </a:r>
+            <a:r>
+              <a:rPr lang="en-US" altLang="ko-KR" sz="1600" dirty="0"/>
+              <a:t>CSS</a:t>
+            </a:r>
+            <a:r>
+              <a:rPr lang="ko-KR" altLang="en-US" sz="1600" dirty="0"/>
+              <a:t>로 휴대폰</a:t>
+            </a:r>
+            <a:r>
+              <a:rPr lang="en-US" altLang="ko-KR" sz="1600" dirty="0"/>
+              <a:t>, </a:t>
+            </a:r>
+            <a:r>
+              <a:rPr lang="ko-KR" altLang="en-US" sz="1600" dirty="0" err="1"/>
+              <a:t>태블릿</a:t>
+            </a:r>
+            <a:r>
+              <a:rPr lang="en-US" altLang="ko-KR" sz="1600" dirty="0"/>
+              <a:t>, </a:t>
+            </a:r>
+            <a:r>
+              <a:rPr lang="ko-KR" altLang="en-US" sz="1600" dirty="0" err="1"/>
+              <a:t>데스크탑까지</a:t>
+            </a:r>
+            <a:r>
+              <a:rPr lang="ko-KR" altLang="en-US" sz="1600" dirty="0"/>
+              <a:t> 다양한 기기에서 </a:t>
+            </a:r>
+            <a:r>
+              <a:rPr lang="ko-KR" altLang="en-US" sz="1600" dirty="0" smtClean="0"/>
+              <a:t>작동하는 </a:t>
+            </a:r>
+            <a:r>
+              <a:rPr lang="ko-KR" altLang="en-US" sz="1600" dirty="0" err="1" smtClean="0"/>
+              <a:t>반응형</a:t>
+            </a:r>
+            <a:r>
+              <a:rPr lang="ko-KR" altLang="en-US" sz="1600" dirty="0" smtClean="0"/>
+              <a:t> 웹을 구현할 수 있다</a:t>
+            </a:r>
+            <a:r>
+              <a:rPr lang="en-US" altLang="ko-KR" sz="1600" dirty="0" smtClean="0"/>
+              <a:t>.</a:t>
+            </a:r>
+          </a:p>
+        </p:txBody>
+      </p:sp>
+      <p:pic>
+        <p:nvPicPr>
+          <p:cNvPr id="2" name="그림 1"/>
+          <p:cNvPicPr>
+            <a:picLocks noChangeAspect="1"/>
+          </p:cNvPicPr>
+          <p:nvPr/>
+        </p:nvPicPr>
+        <p:blipFill>
+          <a:blip r:embed="rId3">
+            <a:extLst>
+              <a:ext uri="{28A0092B-C50C-407E-A947-70E740481C1C}">
+                <a14:useLocalDpi xmlns:a14="http://schemas.microsoft.com/office/drawing/2010/main" val="0"/>
+              </a:ext>
+            </a:extLst>
+          </a:blip>
+          <a:stretch>
+            <a:fillRect/>
+          </a:stretch>
+        </p:blipFill>
+        <p:spPr>
+          <a:xfrm>
+            <a:off x="5241032" y="3933056"/>
+            <a:ext cx="3642676" cy="1432684"/>
+          </a:xfrm>
+          <a:prstGeom prst="rect">
+            <a:avLst/>
+          </a:prstGeom>
+          <a:ln>
+            <a:solidFill>
+              <a:schemeClr val="bg1">
+                <a:lumMod val="85000"/>
+              </a:schemeClr>
+            </a:solidFill>
+          </a:ln>
+        </p:spPr>
+      </p:pic>
+      <p:pic>
+        <p:nvPicPr>
+          <p:cNvPr id="3" name="그림 2"/>
+          <p:cNvPicPr>
+            <a:picLocks noChangeAspect="1"/>
+          </p:cNvPicPr>
+          <p:nvPr/>
+        </p:nvPicPr>
+        <p:blipFill>
+          <a:blip r:embed="rId4">
+            <a:extLst>
+              <a:ext uri="{28A0092B-C50C-407E-A947-70E740481C1C}">
+                <a14:useLocalDpi xmlns:a14="http://schemas.microsoft.com/office/drawing/2010/main" val="0"/>
+              </a:ext>
+            </a:extLst>
+          </a:blip>
+          <a:stretch>
+            <a:fillRect/>
+          </a:stretch>
+        </p:blipFill>
+        <p:spPr>
+          <a:xfrm>
+            <a:off x="1280592" y="2996952"/>
+            <a:ext cx="3636404" cy="3145539"/>
+          </a:xfrm>
+          <a:prstGeom prst="rect">
+            <a:avLst/>
+          </a:prstGeom>
+          <a:ln>
+            <a:solidFill>
+              <a:schemeClr val="bg1">
+                <a:lumMod val="85000"/>
+              </a:schemeClr>
+            </a:solidFill>
+          </a:ln>
+        </p:spPr>
+      </p:pic>
+      <p:cxnSp>
+        <p:nvCxnSpPr>
+          <p:cNvPr id="16" name="직선 화살표 연결선 15"/>
+          <p:cNvCxnSpPr/>
+          <p:nvPr/>
+        </p:nvCxnSpPr>
+        <p:spPr>
+          <a:xfrm flipV="1">
+            <a:off x="3656856" y="4365104"/>
+            <a:ext cx="2448272" cy="1512168"/>
+          </a:xfrm>
+          <a:prstGeom prst="straightConnector1">
+            <a:avLst/>
+          </a:prstGeom>
+          <a:ln w="12700">
+            <a:solidFill>
+              <a:srgbClr val="C00000"/>
+            </a:solidFill>
+            <a:headEnd type="none" w="med" len="med"/>
+            <a:tailEnd type="triangle" w="med" len="med"/>
+          </a:ln>
+        </p:spPr>
+        <p:style>
+          <a:lnRef idx="2">
+            <a:schemeClr val="dk1"/>
+          </a:lnRef>
+          <a:fillRef idx="1">
+            <a:schemeClr val="lt1"/>
+          </a:fillRef>
+          <a:effectRef idx="0">
+            <a:schemeClr val="dk1"/>
+          </a:effectRef>
+          <a:fontRef idx="minor">
+            <a:schemeClr val="dk1"/>
+          </a:fontRef>
+        </p:style>
+      </p:cxnSp>
+      <p:sp>
+        <p:nvSpPr>
+          <p:cNvPr id="13" name="TextBox 12"/>
+          <p:cNvSpPr txBox="1"/>
+          <p:nvPr/>
+        </p:nvSpPr>
+        <p:spPr>
+          <a:xfrm>
+            <a:off x="4214143" y="5653599"/>
+            <a:ext cx="2755081" cy="408623"/>
+          </a:xfrm>
+          <a:prstGeom prst="roundRect">
+            <a:avLst/>
+          </a:prstGeom>
+        </p:spPr>
+        <p:style>
+          <a:lnRef idx="2">
+            <a:schemeClr val="accent3"/>
+          </a:lnRef>
+          <a:fillRef idx="1">
+            <a:schemeClr val="lt1"/>
+          </a:fillRef>
+          <a:effectRef idx="0">
+            <a:schemeClr val="accent3"/>
+          </a:effectRef>
+          <a:fontRef idx="minor">
+            <a:schemeClr val="dk1"/>
+          </a:fontRef>
+        </p:style>
+        <p:txBody>
+          <a:bodyPr wrap="square" rtlCol="0">
+            <a:spAutoFit/>
+          </a:bodyPr>
+          <a:lstStyle/>
+          <a:p>
+            <a:r>
+              <a:rPr lang="en-US" altLang="ko-KR" dirty="0" smtClean="0"/>
+              <a:t>4.6</a:t>
+            </a:r>
+            <a:r>
+              <a:rPr lang="ko-KR" altLang="en-US" dirty="0" smtClean="0"/>
+              <a:t>버전 </a:t>
+            </a:r>
+            <a:r>
+              <a:rPr lang="ko-KR" altLang="en-US" dirty="0" err="1" smtClean="0"/>
+              <a:t>선택후</a:t>
+            </a:r>
+            <a:r>
+              <a:rPr lang="ko-KR" altLang="en-US" dirty="0" smtClean="0"/>
+              <a:t> 다운로드</a:t>
+            </a:r>
+            <a:endParaRPr lang="ko-KR" altLang="en-US" dirty="0"/>
+          </a:p>
+        </p:txBody>
+      </p:sp>
+    </p:spTree>
+    <p:extLst>
+      <p:ext uri="{BB962C8B-B14F-4D97-AF65-F5344CB8AC3E}">
+        <p14:creationId xmlns:p14="http://schemas.microsoft.com/office/powerpoint/2010/main" val="2311802649"/>
+      </p:ext>
+    </p:extLst>
+  </p:cSld>
+  <p:clrMapOvr>
+    <a:masterClrMapping/>
+  </p:clrMapOvr>
+  <p:timing>
+    <p:tnLst>
+      <p:par>
+        <p:cTn id="1" dur="indefinite" restart="never" nodeType="tmRoot"/>
+      </p:par>
+    </p:tnLst>
+  </p:timing>
+</p:sld>
+</file>
+
+<file path=ppt/slides/slide16.xml><?xml version="1.0" encoding="utf-8"?>
+<p:sld xmlns:a="http://schemas.openxmlformats.org/drawingml/2006/main" xmlns:r="http://schemas.openxmlformats.org/officeDocument/2006/relationships" xmlns:p="http://schemas.openxmlformats.org/presentationml/2006/main">
+  <p:cSld>
+    <p:spTree>
+      <p:nvGrpSpPr>
+        <p:cNvPr id="1" name=""/>
+        <p:cNvGrpSpPr/>
+        <p:nvPr/>
+      </p:nvGrpSpPr>
+      <p:grpSpPr>
+        <a:xfrm>
+          <a:off x="0" y="0"/>
+          <a:ext cx="0" cy="0"/>
+          <a:chOff x="0" y="0"/>
+          <a:chExt cx="0" cy="0"/>
+        </a:xfrm>
+      </p:grpSpPr>
+      <p:sp>
+        <p:nvSpPr>
+          <p:cNvPr id="4" name="슬라이드 번호 개체 틀 3"/>
+          <p:cNvSpPr>
+            <a:spLocks noGrp="1"/>
+          </p:cNvSpPr>
+          <p:nvPr>
+            <p:ph type="sldNum" sz="quarter" idx="12"/>
+          </p:nvPr>
+        </p:nvSpPr>
+        <p:spPr/>
+        <p:txBody>
+          <a:bodyPr/>
+          <a:lstStyle/>
+          <a:p>
+            <a:fld id="{1BDE3FE7-3AEA-4B05-AC5A-802D1816ACF0}" type="slidenum">
+              <a:rPr lang="ko-KR" altLang="en-US" smtClean="0"/>
+              <a:t>16</a:t>
+            </a:fld>
+            <a:endParaRPr lang="ko-KR" altLang="en-US"/>
+          </a:p>
+        </p:txBody>
+      </p:sp>
+      <p:sp>
+        <p:nvSpPr>
+          <p:cNvPr id="14" name="제목 5"/>
+          <p:cNvSpPr>
+            <a:spLocks noGrp="1"/>
+          </p:cNvSpPr>
+          <p:nvPr>
+            <p:ph type="title"/>
+          </p:nvPr>
+        </p:nvSpPr>
+        <p:spPr>
+          <a:xfrm>
+            <a:off x="552061" y="188640"/>
+            <a:ext cx="6201139" cy="854968"/>
+          </a:xfrm>
+        </p:spPr>
+        <p:txBody>
+          <a:bodyPr/>
+          <a:lstStyle/>
+          <a:p>
+            <a:r>
+              <a:rPr lang="en-US" altLang="ko-KR" dirty="0" smtClean="0"/>
+              <a:t> </a:t>
+            </a:r>
+            <a:r>
+              <a:rPr lang="ko-KR" altLang="en-US" sz="2800" dirty="0" smtClean="0"/>
+              <a:t>부트 </a:t>
+            </a:r>
+            <a:r>
+              <a:rPr lang="ko-KR" altLang="en-US" sz="2800" dirty="0" err="1" smtClean="0"/>
+              <a:t>스트랩</a:t>
+            </a:r>
+            <a:r>
+              <a:rPr lang="ko-KR" altLang="en-US" sz="2800" dirty="0" smtClean="0"/>
+              <a:t> 환경 설정</a:t>
+            </a:r>
+            <a:endParaRPr lang="ko-KR" altLang="en-US" dirty="0"/>
+          </a:p>
+        </p:txBody>
+      </p:sp>
+      <p:pic>
+        <p:nvPicPr>
+          <p:cNvPr id="6" name="그림 5"/>
+          <p:cNvPicPr>
+            <a:picLocks noChangeAspect="1"/>
+          </p:cNvPicPr>
+          <p:nvPr/>
+        </p:nvPicPr>
+        <p:blipFill>
+          <a:blip r:embed="rId3">
+            <a:extLst>
+              <a:ext uri="{28A0092B-C50C-407E-A947-70E740481C1C}">
+                <a14:useLocalDpi xmlns:a14="http://schemas.microsoft.com/office/drawing/2010/main" val="0"/>
+              </a:ext>
+            </a:extLst>
+          </a:blip>
+          <a:stretch>
+            <a:fillRect/>
+          </a:stretch>
+        </p:blipFill>
+        <p:spPr>
+          <a:xfrm>
+            <a:off x="5169024" y="4149079"/>
+            <a:ext cx="2408129" cy="1036410"/>
+          </a:xfrm>
+          <a:prstGeom prst="rect">
+            <a:avLst/>
+          </a:prstGeom>
+        </p:spPr>
+      </p:pic>
+      <p:pic>
+        <p:nvPicPr>
+          <p:cNvPr id="7" name="그림 6"/>
+          <p:cNvPicPr>
+            <a:picLocks noChangeAspect="1"/>
+          </p:cNvPicPr>
+          <p:nvPr/>
+        </p:nvPicPr>
+        <p:blipFill>
+          <a:blip r:embed="rId4">
+            <a:extLst>
+              <a:ext uri="{28A0092B-C50C-407E-A947-70E740481C1C}">
+                <a14:useLocalDpi xmlns:a14="http://schemas.microsoft.com/office/drawing/2010/main" val="0"/>
+              </a:ext>
+            </a:extLst>
+          </a:blip>
+          <a:stretch>
+            <a:fillRect/>
+          </a:stretch>
+        </p:blipFill>
+        <p:spPr>
+          <a:xfrm>
+            <a:off x="1761312" y="3861047"/>
+            <a:ext cx="2880320" cy="1479318"/>
+          </a:xfrm>
+          <a:prstGeom prst="rect">
+            <a:avLst/>
+          </a:prstGeom>
+          <a:ln>
+            <a:solidFill>
+              <a:schemeClr val="bg1">
+                <a:lumMod val="85000"/>
+              </a:schemeClr>
+            </a:solidFill>
+          </a:ln>
+        </p:spPr>
+      </p:pic>
+      <p:sp>
+        <p:nvSpPr>
+          <p:cNvPr id="17" name="모서리가 둥근 직사각형 16"/>
+          <p:cNvSpPr/>
+          <p:nvPr/>
+        </p:nvSpPr>
+        <p:spPr>
+          <a:xfrm>
+            <a:off x="1856656" y="5370265"/>
+            <a:ext cx="4032448" cy="504056"/>
+          </a:xfrm>
+          <a:prstGeom prst="roundRect">
+            <a:avLst/>
+          </a:prstGeom>
+          <a:noFill/>
+          <a:ln w="28575">
+            <a:noFill/>
+          </a:ln>
+        </p:spPr>
+        <p:style>
+          <a:lnRef idx="2">
+            <a:schemeClr val="accent1">
+              <a:shade val="50000"/>
+            </a:schemeClr>
+          </a:lnRef>
+          <a:fillRef idx="1">
+            <a:schemeClr val="accent1"/>
+          </a:fillRef>
+          <a:effectRef idx="0">
+            <a:schemeClr val="accent1"/>
+          </a:effectRef>
+          <a:fontRef idx="minor">
+            <a:schemeClr val="lt1"/>
+          </a:fontRef>
+        </p:style>
+        <p:txBody>
+          <a:bodyPr rtlCol="0" anchor="ctr"/>
+          <a:lstStyle/>
+          <a:p>
+            <a:r>
+              <a:rPr lang="ko-KR" altLang="en-US" sz="1600" dirty="0" smtClean="0">
+                <a:solidFill>
+                  <a:sysClr val="windowText" lastClr="000000"/>
+                </a:solidFill>
+              </a:rPr>
+              <a:t>☞ </a:t>
+            </a:r>
+            <a:r>
+              <a:rPr lang="ko-KR" altLang="en-US" dirty="0" smtClean="0">
+                <a:solidFill>
+                  <a:sysClr val="windowText" lastClr="000000"/>
+                </a:solidFill>
+              </a:rPr>
+              <a:t>부트스트랩 내부 </a:t>
+            </a:r>
+            <a:r>
+              <a:rPr lang="ko-KR" altLang="en-US" dirty="0" err="1" smtClean="0">
+                <a:solidFill>
+                  <a:sysClr val="windowText" lastClr="000000"/>
+                </a:solidFill>
+              </a:rPr>
+              <a:t>링크걸기</a:t>
+            </a:r>
+            <a:endParaRPr lang="ko-KR" altLang="en-US" sz="1600" dirty="0">
+              <a:solidFill>
+                <a:sysClr val="windowText" lastClr="000000"/>
+              </a:solidFill>
+            </a:endParaRPr>
+          </a:p>
+        </p:txBody>
+      </p:sp>
+      <p:sp>
+        <p:nvSpPr>
+          <p:cNvPr id="15" name="직사각형 14"/>
+          <p:cNvSpPr/>
+          <p:nvPr/>
+        </p:nvSpPr>
+        <p:spPr>
+          <a:xfrm>
+            <a:off x="1828428" y="5867979"/>
+            <a:ext cx="5356820" cy="369332"/>
+          </a:xfrm>
+          <a:prstGeom prst="rect">
+            <a:avLst/>
+          </a:prstGeom>
+        </p:spPr>
+        <p:txBody>
+          <a:bodyPr wrap="square">
+            <a:spAutoFit/>
+          </a:bodyPr>
+          <a:lstStyle/>
+          <a:p>
+            <a:r>
+              <a:rPr lang="en-US" altLang="ko-KR" dirty="0"/>
+              <a:t>&lt;link </a:t>
+            </a:r>
+            <a:r>
+              <a:rPr lang="en-US" altLang="ko-KR" dirty="0" err="1"/>
+              <a:t>rel</a:t>
+            </a:r>
+            <a:r>
+              <a:rPr lang="en-US" altLang="ko-KR" dirty="0"/>
+              <a:t>="stylesheet" </a:t>
+            </a:r>
+            <a:r>
+              <a:rPr lang="en-US" altLang="ko-KR" dirty="0" err="1"/>
+              <a:t>href</a:t>
+            </a:r>
+            <a:r>
+              <a:rPr lang="en-US" altLang="ko-KR" dirty="0"/>
+              <a:t>="</a:t>
+            </a:r>
+            <a:r>
+              <a:rPr lang="en-US" altLang="ko-KR" dirty="0" err="1"/>
+              <a:t>css</a:t>
+            </a:r>
+            <a:r>
+              <a:rPr lang="en-US" altLang="ko-KR" dirty="0"/>
+              <a:t>/bootstrap.css"&gt;</a:t>
+            </a:r>
+          </a:p>
+        </p:txBody>
+      </p:sp>
+      <p:cxnSp>
+        <p:nvCxnSpPr>
+          <p:cNvPr id="18" name="직선 화살표 연결선 17"/>
+          <p:cNvCxnSpPr/>
+          <p:nvPr/>
+        </p:nvCxnSpPr>
+        <p:spPr>
+          <a:xfrm>
+            <a:off x="3008784" y="4725143"/>
+            <a:ext cx="1944216" cy="0"/>
+          </a:xfrm>
+          <a:prstGeom prst="straightConnector1">
+            <a:avLst/>
+          </a:prstGeom>
+          <a:ln w="12700">
+            <a:solidFill>
+              <a:srgbClr val="C00000"/>
+            </a:solidFill>
+            <a:headEnd type="none" w="med" len="med"/>
+            <a:tailEnd type="triangle" w="med" len="med"/>
+          </a:ln>
+        </p:spPr>
+        <p:style>
+          <a:lnRef idx="2">
+            <a:schemeClr val="dk1"/>
+          </a:lnRef>
+          <a:fillRef idx="1">
+            <a:schemeClr val="lt1"/>
+          </a:fillRef>
+          <a:effectRef idx="0">
+            <a:schemeClr val="dk1"/>
+          </a:effectRef>
+          <a:fontRef idx="minor">
+            <a:schemeClr val="dk1"/>
+          </a:fontRef>
+        </p:style>
+      </p:cxnSp>
+      <p:pic>
+        <p:nvPicPr>
+          <p:cNvPr id="13" name="그림 12"/>
+          <p:cNvPicPr>
+            <a:picLocks noChangeAspect="1"/>
+          </p:cNvPicPr>
+          <p:nvPr/>
+        </p:nvPicPr>
+        <p:blipFill>
+          <a:blip r:embed="rId5">
+            <a:extLst>
+              <a:ext uri="{28A0092B-C50C-407E-A947-70E740481C1C}">
+                <a14:useLocalDpi xmlns:a14="http://schemas.microsoft.com/office/drawing/2010/main" val="0"/>
+              </a:ext>
+            </a:extLst>
+          </a:blip>
+          <a:stretch>
+            <a:fillRect/>
+          </a:stretch>
+        </p:blipFill>
+        <p:spPr>
+          <a:xfrm>
+            <a:off x="1352601" y="1268760"/>
+            <a:ext cx="6624736" cy="2069782"/>
+          </a:xfrm>
+          <a:prstGeom prst="rect">
+            <a:avLst/>
+          </a:prstGeom>
+          <a:ln>
+            <a:solidFill>
+              <a:schemeClr val="bg1">
+                <a:lumMod val="85000"/>
+              </a:schemeClr>
+            </a:solidFill>
+          </a:ln>
+        </p:spPr>
+      </p:pic>
+      <p:sp>
+        <p:nvSpPr>
+          <p:cNvPr id="16" name="TextBox 15"/>
+          <p:cNvSpPr txBox="1"/>
+          <p:nvPr/>
+        </p:nvSpPr>
+        <p:spPr>
+          <a:xfrm>
+            <a:off x="1424608" y="3428999"/>
+            <a:ext cx="7272808" cy="369332"/>
+          </a:xfrm>
+          <a:prstGeom prst="rect">
+            <a:avLst/>
+          </a:prstGeom>
+          <a:noFill/>
+        </p:spPr>
+        <p:txBody>
+          <a:bodyPr wrap="square" rtlCol="0">
+            <a:spAutoFit/>
+          </a:bodyPr>
+          <a:lstStyle/>
+          <a:p>
+            <a:r>
+              <a:rPr lang="ko-KR" altLang="en-US" dirty="0" smtClean="0">
+                <a:solidFill>
+                  <a:srgbClr val="C00000"/>
+                </a:solidFill>
+              </a:rPr>
+              <a:t>다운로드 후 </a:t>
+            </a:r>
+            <a:r>
+              <a:rPr lang="ko-KR" altLang="en-US" dirty="0" err="1" smtClean="0">
+                <a:solidFill>
+                  <a:srgbClr val="C00000"/>
+                </a:solidFill>
+              </a:rPr>
+              <a:t>압축풀고</a:t>
+            </a:r>
+            <a:r>
+              <a:rPr lang="ko-KR" altLang="en-US" dirty="0" smtClean="0">
+                <a:solidFill>
+                  <a:srgbClr val="C00000"/>
+                </a:solidFill>
+              </a:rPr>
+              <a:t> </a:t>
+            </a:r>
+            <a:r>
+              <a:rPr lang="en-US" altLang="ko-KR" dirty="0" smtClean="0">
+                <a:solidFill>
+                  <a:srgbClr val="C00000"/>
+                </a:solidFill>
+              </a:rPr>
+              <a:t>bootstrap.css </a:t>
+            </a:r>
+            <a:r>
+              <a:rPr lang="ko-KR" altLang="en-US" dirty="0" smtClean="0">
+                <a:solidFill>
+                  <a:srgbClr val="C00000"/>
+                </a:solidFill>
+              </a:rPr>
+              <a:t>파일을 </a:t>
+            </a:r>
+            <a:r>
+              <a:rPr lang="en-US" altLang="ko-KR" dirty="0" err="1" smtClean="0">
+                <a:solidFill>
+                  <a:srgbClr val="C00000"/>
+                </a:solidFill>
+              </a:rPr>
+              <a:t>css</a:t>
+            </a:r>
+            <a:r>
+              <a:rPr lang="ko-KR" altLang="en-US" dirty="0">
+                <a:solidFill>
+                  <a:srgbClr val="C00000"/>
+                </a:solidFill>
+              </a:rPr>
+              <a:t> </a:t>
+            </a:r>
+            <a:r>
+              <a:rPr lang="ko-KR" altLang="en-US" dirty="0" smtClean="0">
+                <a:solidFill>
+                  <a:srgbClr val="C00000"/>
+                </a:solidFill>
+              </a:rPr>
+              <a:t>디렉터리 안에 삽입</a:t>
+            </a:r>
+            <a:endParaRPr lang="ko-KR" altLang="en-US" dirty="0">
+              <a:solidFill>
+                <a:srgbClr val="C00000"/>
+              </a:solidFill>
+            </a:endParaRPr>
+          </a:p>
+        </p:txBody>
+      </p:sp>
+    </p:spTree>
+    <p:extLst>
+      <p:ext uri="{BB962C8B-B14F-4D97-AF65-F5344CB8AC3E}">
+        <p14:creationId xmlns:p14="http://schemas.microsoft.com/office/powerpoint/2010/main" val="3548662612"/>
+      </p:ext>
+    </p:extLst>
+  </p:cSld>
+  <p:clrMapOvr>
+    <a:masterClrMapping/>
+  </p:clrMapOvr>
+  <p:timing>
+    <p:tnLst>
+      <p:par>
+        <p:cTn id="1" dur="indefinite" restart="never" nodeType="tmRoot"/>
+      </p:par>
+    </p:tnLst>
+  </p:timing>
+</p:sld>
+</file>
+
+<file path=ppt/slides/slide17.xml><?xml version="1.0" encoding="utf-8"?>
+<p:sld xmlns:a="http://schemas.openxmlformats.org/drawingml/2006/main" xmlns:r="http://schemas.openxmlformats.org/officeDocument/2006/relationships" xmlns:p="http://schemas.openxmlformats.org/presentationml/2006/main">
+  <p:cSld>
+    <p:spTree>
+      <p:nvGrpSpPr>
+        <p:cNvPr id="1" name=""/>
+        <p:cNvGrpSpPr/>
+        <p:nvPr/>
+      </p:nvGrpSpPr>
+      <p:grpSpPr>
+        <a:xfrm>
+          <a:off x="0" y="0"/>
+          <a:ext cx="0" cy="0"/>
+          <a:chOff x="0" y="0"/>
+          <a:chExt cx="0" cy="0"/>
+        </a:xfrm>
+      </p:grpSpPr>
+      <p:sp>
+        <p:nvSpPr>
+          <p:cNvPr id="4" name="슬라이드 번호 개체 틀 3"/>
+          <p:cNvSpPr>
+            <a:spLocks noGrp="1"/>
+          </p:cNvSpPr>
+          <p:nvPr>
+            <p:ph type="sldNum" sz="quarter" idx="12"/>
+          </p:nvPr>
+        </p:nvSpPr>
+        <p:spPr/>
+        <p:txBody>
+          <a:bodyPr/>
+          <a:lstStyle/>
+          <a:p>
+            <a:fld id="{1BDE3FE7-3AEA-4B05-AC5A-802D1816ACF0}" type="slidenum">
+              <a:rPr lang="ko-KR" altLang="en-US" smtClean="0"/>
+              <a:t>17</a:t>
+            </a:fld>
+            <a:endParaRPr lang="ko-KR" altLang="en-US"/>
+          </a:p>
+        </p:txBody>
+      </p:sp>
+      <p:sp>
+        <p:nvSpPr>
+          <p:cNvPr id="14" name="제목 5"/>
+          <p:cNvSpPr>
+            <a:spLocks noGrp="1"/>
+          </p:cNvSpPr>
+          <p:nvPr>
+            <p:ph type="title"/>
+          </p:nvPr>
+        </p:nvSpPr>
+        <p:spPr>
+          <a:xfrm>
+            <a:off x="552061" y="188640"/>
+            <a:ext cx="6201139" cy="854968"/>
+          </a:xfrm>
+        </p:spPr>
+        <p:txBody>
+          <a:bodyPr/>
+          <a:lstStyle/>
+          <a:p>
+            <a:r>
+              <a:rPr lang="en-US" altLang="ko-KR" dirty="0" smtClean="0"/>
+              <a:t> </a:t>
+            </a:r>
+            <a:r>
+              <a:rPr lang="ko-KR" altLang="en-US" sz="2800" dirty="0" smtClean="0"/>
+              <a:t>부트 </a:t>
+            </a:r>
+            <a:r>
+              <a:rPr lang="ko-KR" altLang="en-US" sz="2800" dirty="0" err="1" smtClean="0"/>
+              <a:t>스트랩</a:t>
+            </a:r>
+            <a:r>
+              <a:rPr lang="ko-KR" altLang="en-US" sz="2800" dirty="0" smtClean="0"/>
+              <a:t> </a:t>
+            </a:r>
+            <a:r>
+              <a:rPr lang="en-US" altLang="ko-KR" sz="2800" dirty="0" smtClean="0"/>
+              <a:t>Components</a:t>
+            </a:r>
+            <a:endParaRPr lang="ko-KR" altLang="en-US" dirty="0"/>
+          </a:p>
+        </p:txBody>
+      </p:sp>
+      <p:pic>
+        <p:nvPicPr>
+          <p:cNvPr id="11" name="그림 10"/>
+          <p:cNvPicPr>
+            <a:picLocks noChangeAspect="1"/>
+          </p:cNvPicPr>
+          <p:nvPr/>
+        </p:nvPicPr>
+        <p:blipFill>
+          <a:blip r:embed="rId3" cstate="print">
+            <a:extLst>
+              <a:ext uri="{28A0092B-C50C-407E-A947-70E740481C1C}">
+                <a14:useLocalDpi xmlns:a14="http://schemas.microsoft.com/office/drawing/2010/main" val="0"/>
+              </a:ext>
+            </a:extLst>
+          </a:blip>
+          <a:stretch>
+            <a:fillRect/>
+          </a:stretch>
+        </p:blipFill>
+        <p:spPr>
+          <a:xfrm>
+            <a:off x="943290" y="1916832"/>
+            <a:ext cx="2664296" cy="2304652"/>
+          </a:xfrm>
+          <a:prstGeom prst="rect">
+            <a:avLst/>
+          </a:prstGeom>
+          <a:ln>
+            <a:solidFill>
+              <a:schemeClr val="bg1">
+                <a:lumMod val="85000"/>
+              </a:schemeClr>
+            </a:solidFill>
+          </a:ln>
+        </p:spPr>
+      </p:pic>
+      <p:pic>
+        <p:nvPicPr>
+          <p:cNvPr id="2" name="그림 1"/>
+          <p:cNvPicPr>
+            <a:picLocks noChangeAspect="1"/>
+          </p:cNvPicPr>
+          <p:nvPr/>
+        </p:nvPicPr>
+        <p:blipFill>
+          <a:blip r:embed="rId4">
+            <a:extLst>
+              <a:ext uri="{28A0092B-C50C-407E-A947-70E740481C1C}">
+                <a14:useLocalDpi xmlns:a14="http://schemas.microsoft.com/office/drawing/2010/main" val="0"/>
+              </a:ext>
+            </a:extLst>
+          </a:blip>
+          <a:stretch>
+            <a:fillRect/>
+          </a:stretch>
+        </p:blipFill>
+        <p:spPr>
+          <a:xfrm>
+            <a:off x="3944888" y="1906706"/>
+            <a:ext cx="5000497" cy="4114582"/>
+          </a:xfrm>
+          <a:prstGeom prst="rect">
+            <a:avLst/>
+          </a:prstGeom>
+          <a:ln>
+            <a:solidFill>
+              <a:schemeClr val="bg1">
+                <a:lumMod val="85000"/>
+              </a:schemeClr>
+            </a:solidFill>
+          </a:ln>
+        </p:spPr>
+      </p:pic>
+      <p:sp>
+        <p:nvSpPr>
+          <p:cNvPr id="19" name="내용 개체 틀 2">
+            <a:extLst>
+              <a:ext uri="{FF2B5EF4-FFF2-40B4-BE49-F238E27FC236}">
+                <a16:creationId xmlns:a16="http://schemas.microsoft.com/office/drawing/2014/main" id="{98AF3A4E-7D90-4241-89FE-799D6F9D5A94}"/>
+              </a:ext>
+            </a:extLst>
+          </p:cNvPr>
+          <p:cNvSpPr txBox="1">
+            <a:spLocks/>
+          </p:cNvSpPr>
+          <p:nvPr/>
+        </p:nvSpPr>
+        <p:spPr>
+          <a:xfrm>
+            <a:off x="920552" y="1196752"/>
+            <a:ext cx="7848872" cy="596952"/>
+          </a:xfrm>
+          <a:prstGeom prst="rect">
+            <a:avLst/>
+          </a:prstGeom>
+        </p:spPr>
+        <p:txBody>
+          <a:bodyPr/>
+          <a:lstStyle>
+            <a:lvl1pPr marL="228600" indent="-228600" algn="l" defTabSz="914400" rtl="0" eaLnBrk="1" latinLnBrk="1" hangingPunct="1">
+              <a:lnSpc>
+                <a:spcPct val="90000"/>
+              </a:lnSpc>
+              <a:spcBef>
+                <a:spcPts val="1000"/>
+              </a:spcBef>
+              <a:buFont typeface="Arial" panose="020B0604020202020204" pitchFamily="34" charset="0"/>
+              <a:buChar char="•"/>
+              <a:defRPr sz="2800" kern="1200">
+                <a:solidFill>
+                  <a:schemeClr val="tx1"/>
+                </a:solidFill>
+                <a:latin typeface="+mn-lt"/>
+                <a:ea typeface="+mn-ea"/>
+                <a:cs typeface="+mn-cs"/>
+              </a:defRPr>
+            </a:lvl1pPr>
+            <a:lvl2pPr marL="685800" indent="-228600" algn="l" defTabSz="914400" rtl="0" eaLnBrk="1" latinLnBrk="1" hangingPunct="1">
+              <a:lnSpc>
+                <a:spcPct val="90000"/>
+              </a:lnSpc>
+              <a:spcBef>
+                <a:spcPts val="500"/>
+              </a:spcBef>
+              <a:buFont typeface="Arial" panose="020B0604020202020204" pitchFamily="34" charset="0"/>
+              <a:buChar char="•"/>
+              <a:defRPr sz="2400" kern="1200">
+                <a:solidFill>
+                  <a:schemeClr val="tx1"/>
+                </a:solidFill>
+                <a:latin typeface="+mn-lt"/>
+                <a:ea typeface="+mn-ea"/>
+                <a:cs typeface="+mn-cs"/>
+              </a:defRPr>
+            </a:lvl2pPr>
+            <a:lvl3pPr marL="1143000" indent="-228600" algn="l" defTabSz="914400" rtl="0" eaLnBrk="1" latinLnBrk="1" hangingPunct="1">
+              <a:lnSpc>
+                <a:spcPct val="90000"/>
+              </a:lnSpc>
+              <a:spcBef>
+                <a:spcPts val="500"/>
+              </a:spcBef>
+              <a:buFont typeface="Arial" panose="020B0604020202020204" pitchFamily="34" charset="0"/>
+              <a:buChar char="•"/>
+              <a:defRPr sz="2000" kern="1200">
+                <a:solidFill>
+                  <a:schemeClr val="tx1"/>
+                </a:solidFill>
+                <a:latin typeface="+mn-lt"/>
+                <a:ea typeface="+mn-ea"/>
+                <a:cs typeface="+mn-cs"/>
+              </a:defRPr>
+            </a:lvl3pPr>
+            <a:lvl4pPr marL="1600200" indent="-228600" algn="l" defTabSz="914400" rtl="0" eaLnBrk="1" latinLnBrk="1" hangingPunct="1">
+              <a:lnSpc>
+                <a:spcPct val="90000"/>
+              </a:lnSpc>
+              <a:spcBef>
+                <a:spcPts val="500"/>
+              </a:spcBef>
+              <a:buFont typeface="Arial" panose="020B0604020202020204" pitchFamily="34" charset="0"/>
+              <a:buChar char="•"/>
+              <a:defRPr sz="1800" kern="1200">
+                <a:solidFill>
+                  <a:schemeClr val="tx1"/>
+                </a:solidFill>
+                <a:latin typeface="+mn-lt"/>
+                <a:ea typeface="+mn-ea"/>
+                <a:cs typeface="+mn-cs"/>
+              </a:defRPr>
+            </a:lvl4pPr>
+            <a:lvl5pPr marL="2057400" indent="-228600" algn="l" defTabSz="914400" rtl="0" eaLnBrk="1" latinLnBrk="1" hangingPunct="1">
+              <a:lnSpc>
+                <a:spcPct val="90000"/>
+              </a:lnSpc>
+              <a:spcBef>
+                <a:spcPts val="500"/>
+              </a:spcBef>
+              <a:buFont typeface="Arial" panose="020B0604020202020204" pitchFamily="34" charset="0"/>
+              <a:buChar char="•"/>
+              <a:defRPr sz="1800" kern="1200">
+                <a:solidFill>
+                  <a:schemeClr val="tx1"/>
+                </a:solidFill>
+                <a:latin typeface="+mn-lt"/>
+                <a:ea typeface="+mn-ea"/>
+                <a:cs typeface="+mn-cs"/>
+              </a:defRPr>
+            </a:lvl5pPr>
+            <a:lvl6pPr marL="2514600" indent="-228600" algn="l" defTabSz="914400" rtl="0" eaLnBrk="1" latinLnBrk="1" hangingPunct="1">
+              <a:lnSpc>
+                <a:spcPct val="90000"/>
+              </a:lnSpc>
+              <a:spcBef>
+                <a:spcPts val="500"/>
+              </a:spcBef>
+              <a:buFont typeface="Arial" panose="020B0604020202020204" pitchFamily="34" charset="0"/>
+              <a:buChar char="•"/>
+              <a:defRPr sz="1800" kern="1200">
+                <a:solidFill>
+                  <a:schemeClr val="tx1"/>
+                </a:solidFill>
+                <a:latin typeface="+mn-lt"/>
+                <a:ea typeface="+mn-ea"/>
+                <a:cs typeface="+mn-cs"/>
+              </a:defRPr>
+            </a:lvl6pPr>
+            <a:lvl7pPr marL="2971800" indent="-228600" algn="l" defTabSz="914400" rtl="0" eaLnBrk="1" latinLnBrk="1" hangingPunct="1">
+              <a:lnSpc>
+                <a:spcPct val="90000"/>
+              </a:lnSpc>
+              <a:spcBef>
+                <a:spcPts val="500"/>
+              </a:spcBef>
+              <a:buFont typeface="Arial" panose="020B0604020202020204" pitchFamily="34" charset="0"/>
+              <a:buChar char="•"/>
+              <a:defRPr sz="1800" kern="1200">
+                <a:solidFill>
+                  <a:schemeClr val="tx1"/>
+                </a:solidFill>
+                <a:latin typeface="+mn-lt"/>
+                <a:ea typeface="+mn-ea"/>
+                <a:cs typeface="+mn-cs"/>
+              </a:defRPr>
+            </a:lvl7pPr>
+            <a:lvl8pPr marL="3429000" indent="-228600" algn="l" defTabSz="914400" rtl="0" eaLnBrk="1" latinLnBrk="1" hangingPunct="1">
+              <a:lnSpc>
+                <a:spcPct val="90000"/>
+              </a:lnSpc>
+              <a:spcBef>
+                <a:spcPts val="500"/>
+              </a:spcBef>
+              <a:buFont typeface="Arial" panose="020B0604020202020204" pitchFamily="34" charset="0"/>
+              <a:buChar char="•"/>
+              <a:defRPr sz="1800" kern="1200">
+                <a:solidFill>
+                  <a:schemeClr val="tx1"/>
+                </a:solidFill>
+                <a:latin typeface="+mn-lt"/>
+                <a:ea typeface="+mn-ea"/>
+                <a:cs typeface="+mn-cs"/>
+              </a:defRPr>
+            </a:lvl8pPr>
+            <a:lvl9pPr marL="3886200" indent="-228600" algn="l" defTabSz="914400" rtl="0" eaLnBrk="1" latinLnBrk="1" hangingPunct="1">
+              <a:lnSpc>
+                <a:spcPct val="90000"/>
+              </a:lnSpc>
+              <a:spcBef>
+                <a:spcPts val="500"/>
+              </a:spcBef>
+              <a:buFont typeface="Arial" panose="020B0604020202020204" pitchFamily="34" charset="0"/>
+              <a:buChar char="•"/>
+              <a:defRPr sz="1800" kern="1200">
+                <a:solidFill>
+                  <a:schemeClr val="tx1"/>
+                </a:solidFill>
+                <a:latin typeface="+mn-lt"/>
+                <a:ea typeface="+mn-ea"/>
+                <a:cs typeface="+mn-cs"/>
+              </a:defRPr>
+            </a:lvl9pPr>
+          </a:lstStyle>
+          <a:p>
+            <a:pPr>
+              <a:lnSpc>
+                <a:spcPct val="150000"/>
+              </a:lnSpc>
+              <a:buFont typeface="Wingdings" panose="05000000000000000000" pitchFamily="2" charset="2"/>
+              <a:buChar char="§"/>
+            </a:pPr>
+            <a:r>
+              <a:rPr lang="en-US" altLang="ko-KR" sz="2000" b="1" dirty="0" smtClean="0">
+                <a:solidFill>
+                  <a:srgbClr val="002060"/>
+                </a:solidFill>
+              </a:rPr>
+              <a:t>Get started &gt; </a:t>
+            </a:r>
+            <a:r>
+              <a:rPr lang="ko-KR" altLang="en-US" sz="2000" b="1" dirty="0" smtClean="0">
+                <a:solidFill>
+                  <a:srgbClr val="002060"/>
+                </a:solidFill>
+              </a:rPr>
+              <a:t>좌측 메뉴 </a:t>
+            </a:r>
+            <a:r>
+              <a:rPr lang="en-US" altLang="ko-KR" sz="2000" b="1" dirty="0" smtClean="0">
+                <a:solidFill>
+                  <a:srgbClr val="002060"/>
+                </a:solidFill>
+              </a:rPr>
+              <a:t>: Components &gt; Button, Card </a:t>
+            </a:r>
+            <a:r>
+              <a:rPr lang="ko-KR" altLang="en-US" sz="2000" b="1" dirty="0" smtClean="0">
+                <a:solidFill>
+                  <a:srgbClr val="002060"/>
+                </a:solidFill>
+              </a:rPr>
+              <a:t>등 </a:t>
+            </a:r>
+            <a:endParaRPr lang="en-US" altLang="ko-KR" sz="2000" b="1" dirty="0">
+              <a:solidFill>
+                <a:srgbClr val="002060"/>
+              </a:solidFill>
+            </a:endParaRPr>
+          </a:p>
+        </p:txBody>
+      </p:sp>
+    </p:spTree>
+    <p:extLst>
+      <p:ext uri="{BB962C8B-B14F-4D97-AF65-F5344CB8AC3E}">
+        <p14:creationId xmlns:p14="http://schemas.microsoft.com/office/powerpoint/2010/main" val="339745935"/>
+      </p:ext>
+    </p:extLst>
+  </p:cSld>
+  <p:clrMapOvr>
+    <a:masterClrMapping/>
+  </p:clrMapOvr>
+  <p:timing>
+    <p:tnLst>
+      <p:par>
+        <p:cTn id="1" dur="indefinite" restart="never" nodeType="tmRoot"/>
+      </p:par>
+    </p:tnLst>
+  </p:timing>
+</p:sld>
+</file>
+
+<file path=ppt/slides/slide18.xml><?xml version="1.0" encoding="utf-8"?>
+<p:sld xmlns:a="http://schemas.openxmlformats.org/drawingml/2006/main" xmlns:r="http://schemas.openxmlformats.org/officeDocument/2006/relationships" xmlns:p="http://schemas.openxmlformats.org/presentationml/2006/main">
+  <p:cSld>
+    <p:spTree>
+      <p:nvGrpSpPr>
+        <p:cNvPr id="1" name=""/>
+        <p:cNvGrpSpPr/>
+        <p:nvPr/>
+      </p:nvGrpSpPr>
+      <p:grpSpPr>
+        <a:xfrm>
+          <a:off x="0" y="0"/>
+          <a:ext cx="0" cy="0"/>
+          <a:chOff x="0" y="0"/>
+          <a:chExt cx="0" cy="0"/>
+        </a:xfrm>
+      </p:grpSpPr>
+      <p:sp>
+        <p:nvSpPr>
+          <p:cNvPr id="6" name="제목 5"/>
+          <p:cNvSpPr>
+            <a:spLocks noGrp="1"/>
+          </p:cNvSpPr>
+          <p:nvPr>
+            <p:ph type="title"/>
+          </p:nvPr>
+        </p:nvSpPr>
+        <p:spPr/>
+        <p:txBody>
+          <a:bodyPr/>
+          <a:lstStyle/>
+          <a:p>
+            <a:r>
+              <a:rPr lang="en-US" altLang="ko-KR" dirty="0" smtClean="0"/>
+              <a:t> </a:t>
+            </a:r>
+            <a:r>
+              <a:rPr lang="en-US" altLang="ko-KR" sz="2800" dirty="0" smtClean="0"/>
+              <a:t>Components</a:t>
+            </a:r>
+            <a:r>
+              <a:rPr lang="ko-KR" altLang="en-US" sz="2800" dirty="0" smtClean="0"/>
+              <a:t> </a:t>
+            </a:r>
+            <a:r>
+              <a:rPr lang="en-US" altLang="ko-KR" sz="2800" dirty="0" smtClean="0"/>
+              <a:t>– Buttons</a:t>
+            </a:r>
+            <a:endParaRPr lang="ko-KR" altLang="en-US" sz="2800" dirty="0"/>
+          </a:p>
+        </p:txBody>
+      </p:sp>
+      <p:sp>
+        <p:nvSpPr>
+          <p:cNvPr id="5" name="슬라이드 번호 개체 틀 4"/>
+          <p:cNvSpPr>
+            <a:spLocks noGrp="1"/>
+          </p:cNvSpPr>
+          <p:nvPr>
+            <p:ph type="sldNum" sz="quarter" idx="12"/>
+          </p:nvPr>
+        </p:nvSpPr>
+        <p:spPr/>
+        <p:txBody>
+          <a:bodyPr/>
+          <a:lstStyle/>
+          <a:p>
+            <a:fld id="{1BDE3FE7-3AEA-4B05-AC5A-802D1816ACF0}" type="slidenum">
+              <a:rPr lang="ko-KR" altLang="en-US" smtClean="0"/>
+              <a:t>18</a:t>
+            </a:fld>
+            <a:endParaRPr lang="ko-KR" altLang="en-US"/>
+          </a:p>
+        </p:txBody>
+      </p:sp>
+      <p:pic>
+        <p:nvPicPr>
+          <p:cNvPr id="2" name="그림 1"/>
+          <p:cNvPicPr>
+            <a:picLocks noChangeAspect="1"/>
+          </p:cNvPicPr>
+          <p:nvPr/>
+        </p:nvPicPr>
+        <p:blipFill rotWithShape="1">
+          <a:blip r:embed="rId3">
+            <a:extLst>
+              <a:ext uri="{28A0092B-C50C-407E-A947-70E740481C1C}">
+                <a14:useLocalDpi xmlns:a14="http://schemas.microsoft.com/office/drawing/2010/main" val="0"/>
+              </a:ext>
+            </a:extLst>
+          </a:blip>
+          <a:srcRect b="28598"/>
+          <a:stretch/>
+        </p:blipFill>
+        <p:spPr>
+          <a:xfrm>
+            <a:off x="1496616" y="4365104"/>
+            <a:ext cx="5544616" cy="1946103"/>
+          </a:xfrm>
+          <a:prstGeom prst="rect">
+            <a:avLst/>
+          </a:prstGeom>
+          <a:ln>
+            <a:solidFill>
+              <a:schemeClr val="accent5">
+                <a:lumMod val="20000"/>
+                <a:lumOff val="80000"/>
+              </a:schemeClr>
+            </a:solidFill>
+          </a:ln>
+        </p:spPr>
+      </p:pic>
+      <p:pic>
+        <p:nvPicPr>
+          <p:cNvPr id="3" name="그림 2"/>
+          <p:cNvPicPr>
+            <a:picLocks noChangeAspect="1"/>
+          </p:cNvPicPr>
+          <p:nvPr/>
+        </p:nvPicPr>
+        <p:blipFill>
+          <a:blip r:embed="rId4">
+            <a:extLst>
+              <a:ext uri="{28A0092B-C50C-407E-A947-70E740481C1C}">
+                <a14:useLocalDpi xmlns:a14="http://schemas.microsoft.com/office/drawing/2010/main" val="0"/>
+              </a:ext>
+            </a:extLst>
+          </a:blip>
+          <a:stretch>
+            <a:fillRect/>
+          </a:stretch>
+        </p:blipFill>
+        <p:spPr>
+          <a:xfrm>
+            <a:off x="1280592" y="1826014"/>
+            <a:ext cx="3364087" cy="2298986"/>
+          </a:xfrm>
+          <a:prstGeom prst="rect">
+            <a:avLst/>
+          </a:prstGeom>
+          <a:ln>
+            <a:solidFill>
+              <a:schemeClr val="bg1">
+                <a:lumMod val="85000"/>
+              </a:schemeClr>
+            </a:solidFill>
+          </a:ln>
+        </p:spPr>
+      </p:pic>
+      <p:sp>
+        <p:nvSpPr>
+          <p:cNvPr id="4" name="TextBox 3"/>
+          <p:cNvSpPr txBox="1"/>
+          <p:nvPr/>
+        </p:nvSpPr>
+        <p:spPr>
+          <a:xfrm>
+            <a:off x="1064568" y="1228690"/>
+            <a:ext cx="4968552" cy="400110"/>
+          </a:xfrm>
+          <a:prstGeom prst="rect">
+            <a:avLst/>
+          </a:prstGeom>
+          <a:noFill/>
+        </p:spPr>
+        <p:txBody>
+          <a:bodyPr wrap="square" rtlCol="0">
+            <a:spAutoFit/>
+          </a:bodyPr>
+          <a:lstStyle/>
+          <a:p>
+            <a:pPr marL="342900" indent="-342900">
+              <a:buFont typeface="Wingdings" panose="05000000000000000000" pitchFamily="2" charset="2"/>
+              <a:buChar char="l"/>
+            </a:pPr>
+            <a:r>
+              <a:rPr lang="en-US" altLang="ko-KR" sz="2000" dirty="0" smtClean="0"/>
+              <a:t>bootstrap.css &gt; </a:t>
+            </a:r>
+            <a:r>
+              <a:rPr lang="en-US" altLang="ko-KR" sz="2000" dirty="0" err="1" smtClean="0"/>
+              <a:t>ctrl+F</a:t>
+            </a:r>
+            <a:r>
+              <a:rPr lang="en-US" altLang="ko-KR" sz="2000" dirty="0" smtClean="0"/>
+              <a:t>(</a:t>
+            </a:r>
+            <a:r>
+              <a:rPr lang="ko-KR" altLang="en-US" sz="2000" dirty="0" smtClean="0"/>
+              <a:t>찾기</a:t>
+            </a:r>
+            <a:r>
+              <a:rPr lang="en-US" altLang="ko-KR" sz="2000" dirty="0" smtClean="0"/>
+              <a:t>) &gt; .</a:t>
+            </a:r>
+            <a:r>
+              <a:rPr lang="en-US" altLang="ko-KR" sz="2000" dirty="0" err="1" smtClean="0"/>
+              <a:t>btn</a:t>
+            </a:r>
+            <a:endParaRPr lang="ko-KR" altLang="en-US" sz="2000" dirty="0"/>
+          </a:p>
+        </p:txBody>
+      </p:sp>
+      <p:pic>
+        <p:nvPicPr>
+          <p:cNvPr id="7" name="그림 6"/>
+          <p:cNvPicPr>
+            <a:picLocks noChangeAspect="1"/>
+          </p:cNvPicPr>
+          <p:nvPr/>
+        </p:nvPicPr>
+        <p:blipFill>
+          <a:blip r:embed="rId5">
+            <a:extLst>
+              <a:ext uri="{28A0092B-C50C-407E-A947-70E740481C1C}">
+                <a14:useLocalDpi xmlns:a14="http://schemas.microsoft.com/office/drawing/2010/main" val="0"/>
+              </a:ext>
+            </a:extLst>
+          </a:blip>
+          <a:stretch>
+            <a:fillRect/>
+          </a:stretch>
+        </p:blipFill>
+        <p:spPr>
+          <a:xfrm>
+            <a:off x="5169024" y="1801750"/>
+            <a:ext cx="2712158" cy="2402197"/>
+          </a:xfrm>
+          <a:prstGeom prst="rect">
+            <a:avLst/>
+          </a:prstGeom>
+          <a:ln>
+            <a:solidFill>
+              <a:schemeClr val="bg1">
+                <a:lumMod val="85000"/>
+              </a:schemeClr>
+            </a:solidFill>
+          </a:ln>
+        </p:spPr>
+      </p:pic>
+    </p:spTree>
+    <p:extLst>
+      <p:ext uri="{BB962C8B-B14F-4D97-AF65-F5344CB8AC3E}">
+        <p14:creationId xmlns:p14="http://schemas.microsoft.com/office/powerpoint/2010/main" val="3613688685"/>
+      </p:ext>
+    </p:extLst>
+  </p:cSld>
+  <p:clrMapOvr>
+    <a:masterClrMapping/>
+  </p:clrMapOvr>
+  <p:timing>
+    <p:tnLst>
+      <p:par>
+        <p:cTn id="1" dur="indefinite" restart="never" nodeType="tmRoot"/>
+      </p:par>
+    </p:tnLst>
+  </p:timing>
+</p:sld>
+</file>
+
+<file path=ppt/slides/slide19.xml><?xml version="1.0" encoding="utf-8"?>
+<p:sld xmlns:a="http://schemas.openxmlformats.org/drawingml/2006/main" xmlns:r="http://schemas.openxmlformats.org/officeDocument/2006/relationships" xmlns:p="http://schemas.openxmlformats.org/presentationml/2006/main">
+  <p:cSld>
+    <p:spTree>
+      <p:nvGrpSpPr>
+        <p:cNvPr id="1" name=""/>
+        <p:cNvGrpSpPr/>
+        <p:nvPr/>
+      </p:nvGrpSpPr>
+      <p:grpSpPr>
+        <a:xfrm>
+          <a:off x="0" y="0"/>
+          <a:ext cx="0" cy="0"/>
+          <a:chOff x="0" y="0"/>
+          <a:chExt cx="0" cy="0"/>
+        </a:xfrm>
+      </p:grpSpPr>
+      <p:sp>
+        <p:nvSpPr>
+          <p:cNvPr id="6" name="제목 5"/>
+          <p:cNvSpPr>
+            <a:spLocks noGrp="1"/>
+          </p:cNvSpPr>
+          <p:nvPr>
+            <p:ph type="title"/>
+          </p:nvPr>
+        </p:nvSpPr>
+        <p:spPr/>
+        <p:txBody>
+          <a:bodyPr/>
+          <a:lstStyle/>
+          <a:p>
+            <a:r>
+              <a:rPr lang="en-US" altLang="ko-KR" dirty="0" smtClean="0"/>
+              <a:t> </a:t>
+            </a:r>
+            <a:r>
+              <a:rPr lang="en-US" altLang="ko-KR" sz="2800" dirty="0" smtClean="0"/>
+              <a:t>components</a:t>
+            </a:r>
+            <a:r>
+              <a:rPr lang="ko-KR" altLang="en-US" sz="2800" dirty="0" smtClean="0"/>
+              <a:t> </a:t>
+            </a:r>
+            <a:r>
+              <a:rPr lang="en-US" altLang="ko-KR" sz="2800" dirty="0" smtClean="0"/>
+              <a:t>– Badge</a:t>
+            </a:r>
+            <a:endParaRPr lang="ko-KR" altLang="en-US" sz="2800" dirty="0"/>
+          </a:p>
+        </p:txBody>
+      </p:sp>
+      <p:sp>
+        <p:nvSpPr>
+          <p:cNvPr id="5" name="슬라이드 번호 개체 틀 4"/>
+          <p:cNvSpPr>
+            <a:spLocks noGrp="1"/>
+          </p:cNvSpPr>
+          <p:nvPr>
+            <p:ph type="sldNum" sz="quarter" idx="12"/>
+          </p:nvPr>
+        </p:nvSpPr>
+        <p:spPr/>
+        <p:txBody>
+          <a:bodyPr/>
+          <a:lstStyle/>
+          <a:p>
+            <a:fld id="{1BDE3FE7-3AEA-4B05-AC5A-802D1816ACF0}" type="slidenum">
+              <a:rPr lang="ko-KR" altLang="en-US" smtClean="0"/>
+              <a:t>19</a:t>
+            </a:fld>
+            <a:endParaRPr lang="ko-KR" altLang="en-US"/>
+          </a:p>
+        </p:txBody>
+      </p:sp>
+      <p:sp>
+        <p:nvSpPr>
+          <p:cNvPr id="24" name="내용 개체 틀 2">
+            <a:extLst>
+              <a:ext uri="{FF2B5EF4-FFF2-40B4-BE49-F238E27FC236}">
+                <a16:creationId xmlns:a16="http://schemas.microsoft.com/office/drawing/2014/main" id="{98AF3A4E-7D90-4241-89FE-799D6F9D5A94}"/>
+              </a:ext>
+            </a:extLst>
+          </p:cNvPr>
+          <p:cNvSpPr txBox="1">
+            <a:spLocks/>
+          </p:cNvSpPr>
+          <p:nvPr/>
+        </p:nvSpPr>
+        <p:spPr>
+          <a:xfrm>
+            <a:off x="1064568" y="1124744"/>
+            <a:ext cx="3096344" cy="596952"/>
+          </a:xfrm>
+          <a:prstGeom prst="rect">
+            <a:avLst/>
+          </a:prstGeom>
+        </p:spPr>
+        <p:txBody>
+          <a:bodyPr/>
+          <a:lstStyle>
+            <a:lvl1pPr marL="228600" indent="-228600" algn="l" defTabSz="914400" rtl="0" eaLnBrk="1" latinLnBrk="1" hangingPunct="1">
+              <a:lnSpc>
+                <a:spcPct val="90000"/>
+              </a:lnSpc>
+              <a:spcBef>
+                <a:spcPts val="1000"/>
+              </a:spcBef>
+              <a:buFont typeface="Arial" panose="020B0604020202020204" pitchFamily="34" charset="0"/>
+              <a:buChar char="•"/>
+              <a:defRPr sz="2800" kern="1200">
+                <a:solidFill>
+                  <a:schemeClr val="tx1"/>
+                </a:solidFill>
+                <a:latin typeface="+mn-lt"/>
+                <a:ea typeface="+mn-ea"/>
+                <a:cs typeface="+mn-cs"/>
+              </a:defRPr>
+            </a:lvl1pPr>
+            <a:lvl2pPr marL="685800" indent="-228600" algn="l" defTabSz="914400" rtl="0" eaLnBrk="1" latinLnBrk="1" hangingPunct="1">
+              <a:lnSpc>
+                <a:spcPct val="90000"/>
+              </a:lnSpc>
+              <a:spcBef>
+                <a:spcPts val="500"/>
+              </a:spcBef>
+              <a:buFont typeface="Arial" panose="020B0604020202020204" pitchFamily="34" charset="0"/>
+              <a:buChar char="•"/>
+              <a:defRPr sz="2400" kern="1200">
+                <a:solidFill>
+                  <a:schemeClr val="tx1"/>
+                </a:solidFill>
+                <a:latin typeface="+mn-lt"/>
+                <a:ea typeface="+mn-ea"/>
+                <a:cs typeface="+mn-cs"/>
+              </a:defRPr>
+            </a:lvl2pPr>
+            <a:lvl3pPr marL="1143000" indent="-228600" algn="l" defTabSz="914400" rtl="0" eaLnBrk="1" latinLnBrk="1" hangingPunct="1">
+              <a:lnSpc>
+                <a:spcPct val="90000"/>
+              </a:lnSpc>
+              <a:spcBef>
+                <a:spcPts val="500"/>
+              </a:spcBef>
+              <a:buFont typeface="Arial" panose="020B0604020202020204" pitchFamily="34" charset="0"/>
+              <a:buChar char="•"/>
+              <a:defRPr sz="2000" kern="1200">
+                <a:solidFill>
+                  <a:schemeClr val="tx1"/>
+                </a:solidFill>
+                <a:latin typeface="+mn-lt"/>
+                <a:ea typeface="+mn-ea"/>
+                <a:cs typeface="+mn-cs"/>
+              </a:defRPr>
+            </a:lvl3pPr>
+            <a:lvl4pPr marL="1600200" indent="-228600" algn="l" defTabSz="914400" rtl="0" eaLnBrk="1" latinLnBrk="1" hangingPunct="1">
+              <a:lnSpc>
+                <a:spcPct val="90000"/>
+              </a:lnSpc>
+              <a:spcBef>
+                <a:spcPts val="500"/>
+              </a:spcBef>
+              <a:buFont typeface="Arial" panose="020B0604020202020204" pitchFamily="34" charset="0"/>
+              <a:buChar char="•"/>
+              <a:defRPr sz="1800" kern="1200">
+                <a:solidFill>
+                  <a:schemeClr val="tx1"/>
+                </a:solidFill>
+                <a:latin typeface="+mn-lt"/>
+                <a:ea typeface="+mn-ea"/>
+                <a:cs typeface="+mn-cs"/>
+              </a:defRPr>
+            </a:lvl4pPr>
+            <a:lvl5pPr marL="2057400" indent="-228600" algn="l" defTabSz="914400" rtl="0" eaLnBrk="1" latinLnBrk="1" hangingPunct="1">
+              <a:lnSpc>
+                <a:spcPct val="90000"/>
+              </a:lnSpc>
+              <a:spcBef>
+                <a:spcPts val="500"/>
+              </a:spcBef>
+              <a:buFont typeface="Arial" panose="020B0604020202020204" pitchFamily="34" charset="0"/>
+              <a:buChar char="•"/>
+              <a:defRPr sz="1800" kern="1200">
+                <a:solidFill>
+                  <a:schemeClr val="tx1"/>
+                </a:solidFill>
+                <a:latin typeface="+mn-lt"/>
+                <a:ea typeface="+mn-ea"/>
+                <a:cs typeface="+mn-cs"/>
+              </a:defRPr>
+            </a:lvl5pPr>
+            <a:lvl6pPr marL="2514600" indent="-228600" algn="l" defTabSz="914400" rtl="0" eaLnBrk="1" latinLnBrk="1" hangingPunct="1">
+              <a:lnSpc>
+                <a:spcPct val="90000"/>
+              </a:lnSpc>
+              <a:spcBef>
+                <a:spcPts val="500"/>
+              </a:spcBef>
+              <a:buFont typeface="Arial" panose="020B0604020202020204" pitchFamily="34" charset="0"/>
+              <a:buChar char="•"/>
+              <a:defRPr sz="1800" kern="1200">
+                <a:solidFill>
+                  <a:schemeClr val="tx1"/>
+                </a:solidFill>
+                <a:latin typeface="+mn-lt"/>
+                <a:ea typeface="+mn-ea"/>
+                <a:cs typeface="+mn-cs"/>
+              </a:defRPr>
+            </a:lvl6pPr>
+            <a:lvl7pPr marL="2971800" indent="-228600" algn="l" defTabSz="914400" rtl="0" eaLnBrk="1" latinLnBrk="1" hangingPunct="1">
+              <a:lnSpc>
+                <a:spcPct val="90000"/>
+              </a:lnSpc>
+              <a:spcBef>
+                <a:spcPts val="500"/>
+              </a:spcBef>
+              <a:buFont typeface="Arial" panose="020B0604020202020204" pitchFamily="34" charset="0"/>
+              <a:buChar char="•"/>
+              <a:defRPr sz="1800" kern="1200">
+                <a:solidFill>
+                  <a:schemeClr val="tx1"/>
+                </a:solidFill>
+                <a:latin typeface="+mn-lt"/>
+                <a:ea typeface="+mn-ea"/>
+                <a:cs typeface="+mn-cs"/>
+              </a:defRPr>
+            </a:lvl7pPr>
+            <a:lvl8pPr marL="3429000" indent="-228600" algn="l" defTabSz="914400" rtl="0" eaLnBrk="1" latinLnBrk="1" hangingPunct="1">
+              <a:lnSpc>
+                <a:spcPct val="90000"/>
+              </a:lnSpc>
+              <a:spcBef>
+                <a:spcPts val="500"/>
+              </a:spcBef>
+              <a:buFont typeface="Arial" panose="020B0604020202020204" pitchFamily="34" charset="0"/>
+              <a:buChar char="•"/>
+              <a:defRPr sz="1800" kern="1200">
+                <a:solidFill>
+                  <a:schemeClr val="tx1"/>
+                </a:solidFill>
+                <a:latin typeface="+mn-lt"/>
+                <a:ea typeface="+mn-ea"/>
+                <a:cs typeface="+mn-cs"/>
+              </a:defRPr>
+            </a:lvl8pPr>
+            <a:lvl9pPr marL="3886200" indent="-228600" algn="l" defTabSz="914400" rtl="0" eaLnBrk="1" latinLnBrk="1" hangingPunct="1">
+              <a:lnSpc>
+                <a:spcPct val="90000"/>
+              </a:lnSpc>
+              <a:spcBef>
+                <a:spcPts val="500"/>
+              </a:spcBef>
+              <a:buFont typeface="Arial" panose="020B0604020202020204" pitchFamily="34" charset="0"/>
+              <a:buChar char="•"/>
+              <a:defRPr sz="1800" kern="1200">
+                <a:solidFill>
+                  <a:schemeClr val="tx1"/>
+                </a:solidFill>
+                <a:latin typeface="+mn-lt"/>
+                <a:ea typeface="+mn-ea"/>
+                <a:cs typeface="+mn-cs"/>
+              </a:defRPr>
+            </a:lvl9pPr>
+          </a:lstStyle>
+          <a:p>
+            <a:pPr>
+              <a:lnSpc>
+                <a:spcPct val="150000"/>
+              </a:lnSpc>
+              <a:buFont typeface="Wingdings" panose="05000000000000000000" pitchFamily="2" charset="2"/>
+              <a:buChar char="§"/>
+            </a:pPr>
+            <a:r>
+              <a:rPr lang="ko-KR" altLang="en-US" sz="2000" b="1" dirty="0" smtClean="0">
+                <a:solidFill>
+                  <a:srgbClr val="002060"/>
+                </a:solidFill>
+              </a:rPr>
+              <a:t>구성요소 </a:t>
+            </a:r>
+            <a:r>
+              <a:rPr lang="en-US" altLang="ko-KR" sz="2000" b="1" dirty="0" smtClean="0">
+                <a:solidFill>
+                  <a:srgbClr val="002060"/>
+                </a:solidFill>
+              </a:rPr>
+              <a:t>- Badge </a:t>
+            </a:r>
+            <a:r>
+              <a:rPr lang="ko-KR" altLang="en-US" sz="2000" b="1" dirty="0" smtClean="0">
+                <a:solidFill>
+                  <a:srgbClr val="002060"/>
+                </a:solidFill>
+              </a:rPr>
+              <a:t>  </a:t>
+            </a:r>
+            <a:r>
+              <a:rPr lang="en-US" altLang="ko-KR" sz="2000" b="1" dirty="0" smtClean="0">
+                <a:solidFill>
+                  <a:srgbClr val="002060"/>
+                </a:solidFill>
+              </a:rPr>
+              <a:t> </a:t>
+            </a:r>
+            <a:r>
+              <a:rPr lang="ko-KR" altLang="en-US" sz="2000" b="1" dirty="0" smtClean="0">
+                <a:solidFill>
+                  <a:srgbClr val="002060"/>
+                </a:solidFill>
+              </a:rPr>
+              <a:t> </a:t>
+            </a:r>
+            <a:endParaRPr lang="en-US" altLang="ko-KR" sz="2000" b="1" dirty="0">
+              <a:solidFill>
+                <a:srgbClr val="002060"/>
+              </a:solidFill>
+            </a:endParaRPr>
+          </a:p>
+        </p:txBody>
+      </p:sp>
+      <p:pic>
+        <p:nvPicPr>
+          <p:cNvPr id="2" name="그림 1"/>
+          <p:cNvPicPr>
+            <a:picLocks noChangeAspect="1"/>
+          </p:cNvPicPr>
+          <p:nvPr/>
+        </p:nvPicPr>
+        <p:blipFill>
+          <a:blip r:embed="rId3">
+            <a:extLst>
+              <a:ext uri="{28A0092B-C50C-407E-A947-70E740481C1C}">
+                <a14:useLocalDpi xmlns:a14="http://schemas.microsoft.com/office/drawing/2010/main" val="0"/>
+              </a:ext>
+            </a:extLst>
+          </a:blip>
+          <a:stretch>
+            <a:fillRect/>
+          </a:stretch>
+        </p:blipFill>
+        <p:spPr>
+          <a:xfrm>
+            <a:off x="1640632" y="1721696"/>
+            <a:ext cx="6192688" cy="4041894"/>
+          </a:xfrm>
+          <a:prstGeom prst="rect">
+            <a:avLst/>
+          </a:prstGeom>
+          <a:ln>
+            <a:solidFill>
+              <a:schemeClr val="bg1">
+                <a:lumMod val="85000"/>
+              </a:schemeClr>
+            </a:solidFill>
+          </a:ln>
+        </p:spPr>
+      </p:pic>
+    </p:spTree>
+    <p:extLst>
+      <p:ext uri="{BB962C8B-B14F-4D97-AF65-F5344CB8AC3E}">
+        <p14:creationId xmlns:p14="http://schemas.microsoft.com/office/powerpoint/2010/main" val="3264976111"/>
+      </p:ext>
+    </p:extLst>
+  </p:cSld>
+  <p:clrMapOvr>
+    <a:masterClrMapping/>
+  </p:clrMapOvr>
+  <p:timing>
+    <p:tnLst>
+      <p:par>
+        <p:cTn id="1" dur="indefinite" restart="never" nodeType="tmRoot"/>
+      </p:par>
+    </p:tnLst>
+  </p:timing>
+</p:sld>
+</file>
+
 <file path=ppt/slides/slide2.xml><?xml version="1.0" encoding="utf-8"?>
 <p:sld xmlns:a="http://schemas.openxmlformats.org/drawingml/2006/main" xmlns:r="http://schemas.openxmlformats.org/officeDocument/2006/relationships" xmlns:p="http://schemas.openxmlformats.org/presentationml/2006/main">
   <p:cSld>
@@ -8180,6 +11815,3503 @@
     <p:extLst>
       <p:ext uri="{BB962C8B-B14F-4D97-AF65-F5344CB8AC3E}">
         <p14:creationId xmlns:p14="http://schemas.microsoft.com/office/powerpoint/2010/main" val="1379887232"/>
+      </p:ext>
+    </p:extLst>
+  </p:cSld>
+  <p:clrMapOvr>
+    <a:masterClrMapping/>
+  </p:clrMapOvr>
+  <p:timing>
+    <p:tnLst>
+      <p:par>
+        <p:cTn id="1" dur="indefinite" restart="never" nodeType="tmRoot"/>
+      </p:par>
+    </p:tnLst>
+  </p:timing>
+</p:sld>
+</file>
+
+<file path=ppt/slides/slide20.xml><?xml version="1.0" encoding="utf-8"?>
+<p:sld xmlns:a="http://schemas.openxmlformats.org/drawingml/2006/main" xmlns:r="http://schemas.openxmlformats.org/officeDocument/2006/relationships" xmlns:p="http://schemas.openxmlformats.org/presentationml/2006/main">
+  <p:cSld>
+    <p:spTree>
+      <p:nvGrpSpPr>
+        <p:cNvPr id="1" name=""/>
+        <p:cNvGrpSpPr/>
+        <p:nvPr/>
+      </p:nvGrpSpPr>
+      <p:grpSpPr>
+        <a:xfrm>
+          <a:off x="0" y="0"/>
+          <a:ext cx="0" cy="0"/>
+          <a:chOff x="0" y="0"/>
+          <a:chExt cx="0" cy="0"/>
+        </a:xfrm>
+      </p:grpSpPr>
+      <p:sp>
+        <p:nvSpPr>
+          <p:cNvPr id="6" name="제목 5"/>
+          <p:cNvSpPr>
+            <a:spLocks noGrp="1"/>
+          </p:cNvSpPr>
+          <p:nvPr>
+            <p:ph type="title"/>
+          </p:nvPr>
+        </p:nvSpPr>
+        <p:spPr/>
+        <p:txBody>
+          <a:bodyPr>
+            <a:normAutofit/>
+          </a:bodyPr>
+          <a:lstStyle/>
+          <a:p>
+            <a:r>
+              <a:rPr lang="en-US" altLang="ko-KR" sz="2800" dirty="0" smtClean="0"/>
+              <a:t> components</a:t>
+            </a:r>
+            <a:r>
+              <a:rPr lang="ko-KR" altLang="en-US" sz="2800" dirty="0" smtClean="0"/>
+              <a:t> </a:t>
+            </a:r>
+            <a:r>
+              <a:rPr lang="en-US" altLang="ko-KR" sz="2800" dirty="0" smtClean="0"/>
+              <a:t>– card</a:t>
+            </a:r>
+            <a:endParaRPr lang="ko-KR" altLang="en-US" sz="2800" dirty="0"/>
+          </a:p>
+        </p:txBody>
+      </p:sp>
+      <p:sp>
+        <p:nvSpPr>
+          <p:cNvPr id="5" name="슬라이드 번호 개체 틀 4"/>
+          <p:cNvSpPr>
+            <a:spLocks noGrp="1"/>
+          </p:cNvSpPr>
+          <p:nvPr>
+            <p:ph type="sldNum" sz="quarter" idx="12"/>
+          </p:nvPr>
+        </p:nvSpPr>
+        <p:spPr/>
+        <p:txBody>
+          <a:bodyPr/>
+          <a:lstStyle/>
+          <a:p>
+            <a:fld id="{1BDE3FE7-3AEA-4B05-AC5A-802D1816ACF0}" type="slidenum">
+              <a:rPr lang="ko-KR" altLang="en-US" smtClean="0"/>
+              <a:t>20</a:t>
+            </a:fld>
+            <a:endParaRPr lang="ko-KR" altLang="en-US"/>
+          </a:p>
+        </p:txBody>
+      </p:sp>
+      <p:sp>
+        <p:nvSpPr>
+          <p:cNvPr id="24" name="내용 개체 틀 2">
+            <a:extLst>
+              <a:ext uri="{FF2B5EF4-FFF2-40B4-BE49-F238E27FC236}">
+                <a16:creationId xmlns:a16="http://schemas.microsoft.com/office/drawing/2014/main" id="{98AF3A4E-7D90-4241-89FE-799D6F9D5A94}"/>
+              </a:ext>
+            </a:extLst>
+          </p:cNvPr>
+          <p:cNvSpPr txBox="1">
+            <a:spLocks/>
+          </p:cNvSpPr>
+          <p:nvPr/>
+        </p:nvSpPr>
+        <p:spPr>
+          <a:xfrm>
+            <a:off x="920552" y="1196752"/>
+            <a:ext cx="3096344" cy="596952"/>
+          </a:xfrm>
+          <a:prstGeom prst="rect">
+            <a:avLst/>
+          </a:prstGeom>
+        </p:spPr>
+        <p:txBody>
+          <a:bodyPr/>
+          <a:lstStyle>
+            <a:lvl1pPr marL="228600" indent="-228600" algn="l" defTabSz="914400" rtl="0" eaLnBrk="1" latinLnBrk="1" hangingPunct="1">
+              <a:lnSpc>
+                <a:spcPct val="90000"/>
+              </a:lnSpc>
+              <a:spcBef>
+                <a:spcPts val="1000"/>
+              </a:spcBef>
+              <a:buFont typeface="Arial" panose="020B0604020202020204" pitchFamily="34" charset="0"/>
+              <a:buChar char="•"/>
+              <a:defRPr sz="2800" kern="1200">
+                <a:solidFill>
+                  <a:schemeClr val="tx1"/>
+                </a:solidFill>
+                <a:latin typeface="+mn-lt"/>
+                <a:ea typeface="+mn-ea"/>
+                <a:cs typeface="+mn-cs"/>
+              </a:defRPr>
+            </a:lvl1pPr>
+            <a:lvl2pPr marL="685800" indent="-228600" algn="l" defTabSz="914400" rtl="0" eaLnBrk="1" latinLnBrk="1" hangingPunct="1">
+              <a:lnSpc>
+                <a:spcPct val="90000"/>
+              </a:lnSpc>
+              <a:spcBef>
+                <a:spcPts val="500"/>
+              </a:spcBef>
+              <a:buFont typeface="Arial" panose="020B0604020202020204" pitchFamily="34" charset="0"/>
+              <a:buChar char="•"/>
+              <a:defRPr sz="2400" kern="1200">
+                <a:solidFill>
+                  <a:schemeClr val="tx1"/>
+                </a:solidFill>
+                <a:latin typeface="+mn-lt"/>
+                <a:ea typeface="+mn-ea"/>
+                <a:cs typeface="+mn-cs"/>
+              </a:defRPr>
+            </a:lvl2pPr>
+            <a:lvl3pPr marL="1143000" indent="-228600" algn="l" defTabSz="914400" rtl="0" eaLnBrk="1" latinLnBrk="1" hangingPunct="1">
+              <a:lnSpc>
+                <a:spcPct val="90000"/>
+              </a:lnSpc>
+              <a:spcBef>
+                <a:spcPts val="500"/>
+              </a:spcBef>
+              <a:buFont typeface="Arial" panose="020B0604020202020204" pitchFamily="34" charset="0"/>
+              <a:buChar char="•"/>
+              <a:defRPr sz="2000" kern="1200">
+                <a:solidFill>
+                  <a:schemeClr val="tx1"/>
+                </a:solidFill>
+                <a:latin typeface="+mn-lt"/>
+                <a:ea typeface="+mn-ea"/>
+                <a:cs typeface="+mn-cs"/>
+              </a:defRPr>
+            </a:lvl3pPr>
+            <a:lvl4pPr marL="1600200" indent="-228600" algn="l" defTabSz="914400" rtl="0" eaLnBrk="1" latinLnBrk="1" hangingPunct="1">
+              <a:lnSpc>
+                <a:spcPct val="90000"/>
+              </a:lnSpc>
+              <a:spcBef>
+                <a:spcPts val="500"/>
+              </a:spcBef>
+              <a:buFont typeface="Arial" panose="020B0604020202020204" pitchFamily="34" charset="0"/>
+              <a:buChar char="•"/>
+              <a:defRPr sz="1800" kern="1200">
+                <a:solidFill>
+                  <a:schemeClr val="tx1"/>
+                </a:solidFill>
+                <a:latin typeface="+mn-lt"/>
+                <a:ea typeface="+mn-ea"/>
+                <a:cs typeface="+mn-cs"/>
+              </a:defRPr>
+            </a:lvl4pPr>
+            <a:lvl5pPr marL="2057400" indent="-228600" algn="l" defTabSz="914400" rtl="0" eaLnBrk="1" latinLnBrk="1" hangingPunct="1">
+              <a:lnSpc>
+                <a:spcPct val="90000"/>
+              </a:lnSpc>
+              <a:spcBef>
+                <a:spcPts val="500"/>
+              </a:spcBef>
+              <a:buFont typeface="Arial" panose="020B0604020202020204" pitchFamily="34" charset="0"/>
+              <a:buChar char="•"/>
+              <a:defRPr sz="1800" kern="1200">
+                <a:solidFill>
+                  <a:schemeClr val="tx1"/>
+                </a:solidFill>
+                <a:latin typeface="+mn-lt"/>
+                <a:ea typeface="+mn-ea"/>
+                <a:cs typeface="+mn-cs"/>
+              </a:defRPr>
+            </a:lvl5pPr>
+            <a:lvl6pPr marL="2514600" indent="-228600" algn="l" defTabSz="914400" rtl="0" eaLnBrk="1" latinLnBrk="1" hangingPunct="1">
+              <a:lnSpc>
+                <a:spcPct val="90000"/>
+              </a:lnSpc>
+              <a:spcBef>
+                <a:spcPts val="500"/>
+              </a:spcBef>
+              <a:buFont typeface="Arial" panose="020B0604020202020204" pitchFamily="34" charset="0"/>
+              <a:buChar char="•"/>
+              <a:defRPr sz="1800" kern="1200">
+                <a:solidFill>
+                  <a:schemeClr val="tx1"/>
+                </a:solidFill>
+                <a:latin typeface="+mn-lt"/>
+                <a:ea typeface="+mn-ea"/>
+                <a:cs typeface="+mn-cs"/>
+              </a:defRPr>
+            </a:lvl6pPr>
+            <a:lvl7pPr marL="2971800" indent="-228600" algn="l" defTabSz="914400" rtl="0" eaLnBrk="1" latinLnBrk="1" hangingPunct="1">
+              <a:lnSpc>
+                <a:spcPct val="90000"/>
+              </a:lnSpc>
+              <a:spcBef>
+                <a:spcPts val="500"/>
+              </a:spcBef>
+              <a:buFont typeface="Arial" panose="020B0604020202020204" pitchFamily="34" charset="0"/>
+              <a:buChar char="•"/>
+              <a:defRPr sz="1800" kern="1200">
+                <a:solidFill>
+                  <a:schemeClr val="tx1"/>
+                </a:solidFill>
+                <a:latin typeface="+mn-lt"/>
+                <a:ea typeface="+mn-ea"/>
+                <a:cs typeface="+mn-cs"/>
+              </a:defRPr>
+            </a:lvl7pPr>
+            <a:lvl8pPr marL="3429000" indent="-228600" algn="l" defTabSz="914400" rtl="0" eaLnBrk="1" latinLnBrk="1" hangingPunct="1">
+              <a:lnSpc>
+                <a:spcPct val="90000"/>
+              </a:lnSpc>
+              <a:spcBef>
+                <a:spcPts val="500"/>
+              </a:spcBef>
+              <a:buFont typeface="Arial" panose="020B0604020202020204" pitchFamily="34" charset="0"/>
+              <a:buChar char="•"/>
+              <a:defRPr sz="1800" kern="1200">
+                <a:solidFill>
+                  <a:schemeClr val="tx1"/>
+                </a:solidFill>
+                <a:latin typeface="+mn-lt"/>
+                <a:ea typeface="+mn-ea"/>
+                <a:cs typeface="+mn-cs"/>
+              </a:defRPr>
+            </a:lvl8pPr>
+            <a:lvl9pPr marL="3886200" indent="-228600" algn="l" defTabSz="914400" rtl="0" eaLnBrk="1" latinLnBrk="1" hangingPunct="1">
+              <a:lnSpc>
+                <a:spcPct val="90000"/>
+              </a:lnSpc>
+              <a:spcBef>
+                <a:spcPts val="500"/>
+              </a:spcBef>
+              <a:buFont typeface="Arial" panose="020B0604020202020204" pitchFamily="34" charset="0"/>
+              <a:buChar char="•"/>
+              <a:defRPr sz="1800" kern="1200">
+                <a:solidFill>
+                  <a:schemeClr val="tx1"/>
+                </a:solidFill>
+                <a:latin typeface="+mn-lt"/>
+                <a:ea typeface="+mn-ea"/>
+                <a:cs typeface="+mn-cs"/>
+              </a:defRPr>
+            </a:lvl9pPr>
+          </a:lstStyle>
+          <a:p>
+            <a:pPr>
+              <a:lnSpc>
+                <a:spcPct val="150000"/>
+              </a:lnSpc>
+              <a:buFont typeface="Wingdings" panose="05000000000000000000" pitchFamily="2" charset="2"/>
+              <a:buChar char="§"/>
+            </a:pPr>
+            <a:r>
+              <a:rPr lang="ko-KR" altLang="en-US" sz="2000" b="1" dirty="0" smtClean="0">
+                <a:solidFill>
+                  <a:srgbClr val="002060"/>
+                </a:solidFill>
+              </a:rPr>
+              <a:t>구성요소 </a:t>
+            </a:r>
+            <a:r>
+              <a:rPr lang="en-US" altLang="ko-KR" sz="2000" b="1" dirty="0" smtClean="0">
+                <a:solidFill>
+                  <a:srgbClr val="002060"/>
+                </a:solidFill>
+              </a:rPr>
+              <a:t>- Card </a:t>
+            </a:r>
+            <a:r>
+              <a:rPr lang="ko-KR" altLang="en-US" sz="2000" b="1" dirty="0" smtClean="0">
+                <a:solidFill>
+                  <a:srgbClr val="002060"/>
+                </a:solidFill>
+              </a:rPr>
+              <a:t>  </a:t>
+            </a:r>
+            <a:r>
+              <a:rPr lang="en-US" altLang="ko-KR" sz="2000" b="1" dirty="0" smtClean="0">
+                <a:solidFill>
+                  <a:srgbClr val="002060"/>
+                </a:solidFill>
+              </a:rPr>
+              <a:t> </a:t>
+            </a:r>
+            <a:r>
+              <a:rPr lang="ko-KR" altLang="en-US" sz="2000" b="1" dirty="0" smtClean="0">
+                <a:solidFill>
+                  <a:srgbClr val="002060"/>
+                </a:solidFill>
+              </a:rPr>
+              <a:t> </a:t>
+            </a:r>
+            <a:endParaRPr lang="en-US" altLang="ko-KR" sz="2000" b="1" dirty="0">
+              <a:solidFill>
+                <a:srgbClr val="002060"/>
+              </a:solidFill>
+            </a:endParaRPr>
+          </a:p>
+        </p:txBody>
+      </p:sp>
+      <p:pic>
+        <p:nvPicPr>
+          <p:cNvPr id="2" name="그림 1"/>
+          <p:cNvPicPr>
+            <a:picLocks noChangeAspect="1"/>
+          </p:cNvPicPr>
+          <p:nvPr/>
+        </p:nvPicPr>
+        <p:blipFill>
+          <a:blip r:embed="rId3">
+            <a:extLst>
+              <a:ext uri="{28A0092B-C50C-407E-A947-70E740481C1C}">
+                <a14:useLocalDpi xmlns:a14="http://schemas.microsoft.com/office/drawing/2010/main" val="0"/>
+              </a:ext>
+            </a:extLst>
+          </a:blip>
+          <a:stretch>
+            <a:fillRect/>
+          </a:stretch>
+        </p:blipFill>
+        <p:spPr>
+          <a:xfrm>
+            <a:off x="1280592" y="1793704"/>
+            <a:ext cx="6713802" cy="3894158"/>
+          </a:xfrm>
+          <a:prstGeom prst="rect">
+            <a:avLst/>
+          </a:prstGeom>
+          <a:ln>
+            <a:solidFill>
+              <a:schemeClr val="bg1">
+                <a:lumMod val="85000"/>
+              </a:schemeClr>
+            </a:solidFill>
+          </a:ln>
+        </p:spPr>
+      </p:pic>
+    </p:spTree>
+    <p:extLst>
+      <p:ext uri="{BB962C8B-B14F-4D97-AF65-F5344CB8AC3E}">
+        <p14:creationId xmlns:p14="http://schemas.microsoft.com/office/powerpoint/2010/main" val="2351156991"/>
+      </p:ext>
+    </p:extLst>
+  </p:cSld>
+  <p:clrMapOvr>
+    <a:masterClrMapping/>
+  </p:clrMapOvr>
+  <p:timing>
+    <p:tnLst>
+      <p:par>
+        <p:cTn id="1" dur="indefinite" restart="never" nodeType="tmRoot"/>
+      </p:par>
+    </p:tnLst>
+  </p:timing>
+</p:sld>
+</file>
+
+<file path=ppt/slides/slide21.xml><?xml version="1.0" encoding="utf-8"?>
+<p:sld xmlns:a="http://schemas.openxmlformats.org/drawingml/2006/main" xmlns:r="http://schemas.openxmlformats.org/officeDocument/2006/relationships" xmlns:p="http://schemas.openxmlformats.org/presentationml/2006/main">
+  <p:cSld>
+    <p:spTree>
+      <p:nvGrpSpPr>
+        <p:cNvPr id="1" name=""/>
+        <p:cNvGrpSpPr/>
+        <p:nvPr/>
+      </p:nvGrpSpPr>
+      <p:grpSpPr>
+        <a:xfrm>
+          <a:off x="0" y="0"/>
+          <a:ext cx="0" cy="0"/>
+          <a:chOff x="0" y="0"/>
+          <a:chExt cx="0" cy="0"/>
+        </a:xfrm>
+      </p:grpSpPr>
+      <p:sp>
+        <p:nvSpPr>
+          <p:cNvPr id="6" name="제목 5"/>
+          <p:cNvSpPr>
+            <a:spLocks noGrp="1"/>
+          </p:cNvSpPr>
+          <p:nvPr>
+            <p:ph type="title"/>
+          </p:nvPr>
+        </p:nvSpPr>
+        <p:spPr/>
+        <p:txBody>
+          <a:bodyPr/>
+          <a:lstStyle/>
+          <a:p>
+            <a:r>
+              <a:rPr lang="en-US" altLang="ko-KR" dirty="0" smtClean="0"/>
+              <a:t> </a:t>
+            </a:r>
+            <a:r>
+              <a:rPr lang="en-US" altLang="ko-KR" sz="2800" dirty="0" smtClean="0"/>
+              <a:t>components</a:t>
+            </a:r>
+            <a:r>
+              <a:rPr lang="ko-KR" altLang="en-US" sz="2800" dirty="0" smtClean="0"/>
+              <a:t> </a:t>
+            </a:r>
+            <a:r>
+              <a:rPr lang="en-US" altLang="ko-KR" sz="2800" dirty="0" smtClean="0"/>
+              <a:t>– Pagination</a:t>
+            </a:r>
+            <a:endParaRPr lang="ko-KR" altLang="en-US" dirty="0"/>
+          </a:p>
+        </p:txBody>
+      </p:sp>
+      <p:sp>
+        <p:nvSpPr>
+          <p:cNvPr id="5" name="슬라이드 번호 개체 틀 4"/>
+          <p:cNvSpPr>
+            <a:spLocks noGrp="1"/>
+          </p:cNvSpPr>
+          <p:nvPr>
+            <p:ph type="sldNum" sz="quarter" idx="12"/>
+          </p:nvPr>
+        </p:nvSpPr>
+        <p:spPr/>
+        <p:txBody>
+          <a:bodyPr/>
+          <a:lstStyle/>
+          <a:p>
+            <a:fld id="{1BDE3FE7-3AEA-4B05-AC5A-802D1816ACF0}" type="slidenum">
+              <a:rPr lang="ko-KR" altLang="en-US" smtClean="0"/>
+              <a:t>21</a:t>
+            </a:fld>
+            <a:endParaRPr lang="ko-KR" altLang="en-US"/>
+          </a:p>
+        </p:txBody>
+      </p:sp>
+      <p:sp>
+        <p:nvSpPr>
+          <p:cNvPr id="24" name="내용 개체 틀 2">
+            <a:extLst>
+              <a:ext uri="{FF2B5EF4-FFF2-40B4-BE49-F238E27FC236}">
+                <a16:creationId xmlns:a16="http://schemas.microsoft.com/office/drawing/2014/main" id="{98AF3A4E-7D90-4241-89FE-799D6F9D5A94}"/>
+              </a:ext>
+            </a:extLst>
+          </p:cNvPr>
+          <p:cNvSpPr txBox="1">
+            <a:spLocks/>
+          </p:cNvSpPr>
+          <p:nvPr/>
+        </p:nvSpPr>
+        <p:spPr>
+          <a:xfrm>
+            <a:off x="1064568" y="1124744"/>
+            <a:ext cx="4752528" cy="596952"/>
+          </a:xfrm>
+          <a:prstGeom prst="rect">
+            <a:avLst/>
+          </a:prstGeom>
+        </p:spPr>
+        <p:txBody>
+          <a:bodyPr/>
+          <a:lstStyle>
+            <a:lvl1pPr marL="228600" indent="-228600" algn="l" defTabSz="914400" rtl="0" eaLnBrk="1" latinLnBrk="1" hangingPunct="1">
+              <a:lnSpc>
+                <a:spcPct val="90000"/>
+              </a:lnSpc>
+              <a:spcBef>
+                <a:spcPts val="1000"/>
+              </a:spcBef>
+              <a:buFont typeface="Arial" panose="020B0604020202020204" pitchFamily="34" charset="0"/>
+              <a:buChar char="•"/>
+              <a:defRPr sz="2800" kern="1200">
+                <a:solidFill>
+                  <a:schemeClr val="tx1"/>
+                </a:solidFill>
+                <a:latin typeface="+mn-lt"/>
+                <a:ea typeface="+mn-ea"/>
+                <a:cs typeface="+mn-cs"/>
+              </a:defRPr>
+            </a:lvl1pPr>
+            <a:lvl2pPr marL="685800" indent="-228600" algn="l" defTabSz="914400" rtl="0" eaLnBrk="1" latinLnBrk="1" hangingPunct="1">
+              <a:lnSpc>
+                <a:spcPct val="90000"/>
+              </a:lnSpc>
+              <a:spcBef>
+                <a:spcPts val="500"/>
+              </a:spcBef>
+              <a:buFont typeface="Arial" panose="020B0604020202020204" pitchFamily="34" charset="0"/>
+              <a:buChar char="•"/>
+              <a:defRPr sz="2400" kern="1200">
+                <a:solidFill>
+                  <a:schemeClr val="tx1"/>
+                </a:solidFill>
+                <a:latin typeface="+mn-lt"/>
+                <a:ea typeface="+mn-ea"/>
+                <a:cs typeface="+mn-cs"/>
+              </a:defRPr>
+            </a:lvl2pPr>
+            <a:lvl3pPr marL="1143000" indent="-228600" algn="l" defTabSz="914400" rtl="0" eaLnBrk="1" latinLnBrk="1" hangingPunct="1">
+              <a:lnSpc>
+                <a:spcPct val="90000"/>
+              </a:lnSpc>
+              <a:spcBef>
+                <a:spcPts val="500"/>
+              </a:spcBef>
+              <a:buFont typeface="Arial" panose="020B0604020202020204" pitchFamily="34" charset="0"/>
+              <a:buChar char="•"/>
+              <a:defRPr sz="2000" kern="1200">
+                <a:solidFill>
+                  <a:schemeClr val="tx1"/>
+                </a:solidFill>
+                <a:latin typeface="+mn-lt"/>
+                <a:ea typeface="+mn-ea"/>
+                <a:cs typeface="+mn-cs"/>
+              </a:defRPr>
+            </a:lvl3pPr>
+            <a:lvl4pPr marL="1600200" indent="-228600" algn="l" defTabSz="914400" rtl="0" eaLnBrk="1" latinLnBrk="1" hangingPunct="1">
+              <a:lnSpc>
+                <a:spcPct val="90000"/>
+              </a:lnSpc>
+              <a:spcBef>
+                <a:spcPts val="500"/>
+              </a:spcBef>
+              <a:buFont typeface="Arial" panose="020B0604020202020204" pitchFamily="34" charset="0"/>
+              <a:buChar char="•"/>
+              <a:defRPr sz="1800" kern="1200">
+                <a:solidFill>
+                  <a:schemeClr val="tx1"/>
+                </a:solidFill>
+                <a:latin typeface="+mn-lt"/>
+                <a:ea typeface="+mn-ea"/>
+                <a:cs typeface="+mn-cs"/>
+              </a:defRPr>
+            </a:lvl4pPr>
+            <a:lvl5pPr marL="2057400" indent="-228600" algn="l" defTabSz="914400" rtl="0" eaLnBrk="1" latinLnBrk="1" hangingPunct="1">
+              <a:lnSpc>
+                <a:spcPct val="90000"/>
+              </a:lnSpc>
+              <a:spcBef>
+                <a:spcPts val="500"/>
+              </a:spcBef>
+              <a:buFont typeface="Arial" panose="020B0604020202020204" pitchFamily="34" charset="0"/>
+              <a:buChar char="•"/>
+              <a:defRPr sz="1800" kern="1200">
+                <a:solidFill>
+                  <a:schemeClr val="tx1"/>
+                </a:solidFill>
+                <a:latin typeface="+mn-lt"/>
+                <a:ea typeface="+mn-ea"/>
+                <a:cs typeface="+mn-cs"/>
+              </a:defRPr>
+            </a:lvl5pPr>
+            <a:lvl6pPr marL="2514600" indent="-228600" algn="l" defTabSz="914400" rtl="0" eaLnBrk="1" latinLnBrk="1" hangingPunct="1">
+              <a:lnSpc>
+                <a:spcPct val="90000"/>
+              </a:lnSpc>
+              <a:spcBef>
+                <a:spcPts val="500"/>
+              </a:spcBef>
+              <a:buFont typeface="Arial" panose="020B0604020202020204" pitchFamily="34" charset="0"/>
+              <a:buChar char="•"/>
+              <a:defRPr sz="1800" kern="1200">
+                <a:solidFill>
+                  <a:schemeClr val="tx1"/>
+                </a:solidFill>
+                <a:latin typeface="+mn-lt"/>
+                <a:ea typeface="+mn-ea"/>
+                <a:cs typeface="+mn-cs"/>
+              </a:defRPr>
+            </a:lvl6pPr>
+            <a:lvl7pPr marL="2971800" indent="-228600" algn="l" defTabSz="914400" rtl="0" eaLnBrk="1" latinLnBrk="1" hangingPunct="1">
+              <a:lnSpc>
+                <a:spcPct val="90000"/>
+              </a:lnSpc>
+              <a:spcBef>
+                <a:spcPts val="500"/>
+              </a:spcBef>
+              <a:buFont typeface="Arial" panose="020B0604020202020204" pitchFamily="34" charset="0"/>
+              <a:buChar char="•"/>
+              <a:defRPr sz="1800" kern="1200">
+                <a:solidFill>
+                  <a:schemeClr val="tx1"/>
+                </a:solidFill>
+                <a:latin typeface="+mn-lt"/>
+                <a:ea typeface="+mn-ea"/>
+                <a:cs typeface="+mn-cs"/>
+              </a:defRPr>
+            </a:lvl7pPr>
+            <a:lvl8pPr marL="3429000" indent="-228600" algn="l" defTabSz="914400" rtl="0" eaLnBrk="1" latinLnBrk="1" hangingPunct="1">
+              <a:lnSpc>
+                <a:spcPct val="90000"/>
+              </a:lnSpc>
+              <a:spcBef>
+                <a:spcPts val="500"/>
+              </a:spcBef>
+              <a:buFont typeface="Arial" panose="020B0604020202020204" pitchFamily="34" charset="0"/>
+              <a:buChar char="•"/>
+              <a:defRPr sz="1800" kern="1200">
+                <a:solidFill>
+                  <a:schemeClr val="tx1"/>
+                </a:solidFill>
+                <a:latin typeface="+mn-lt"/>
+                <a:ea typeface="+mn-ea"/>
+                <a:cs typeface="+mn-cs"/>
+              </a:defRPr>
+            </a:lvl8pPr>
+            <a:lvl9pPr marL="3886200" indent="-228600" algn="l" defTabSz="914400" rtl="0" eaLnBrk="1" latinLnBrk="1" hangingPunct="1">
+              <a:lnSpc>
+                <a:spcPct val="90000"/>
+              </a:lnSpc>
+              <a:spcBef>
+                <a:spcPts val="500"/>
+              </a:spcBef>
+              <a:buFont typeface="Arial" panose="020B0604020202020204" pitchFamily="34" charset="0"/>
+              <a:buChar char="•"/>
+              <a:defRPr sz="1800" kern="1200">
+                <a:solidFill>
+                  <a:schemeClr val="tx1"/>
+                </a:solidFill>
+                <a:latin typeface="+mn-lt"/>
+                <a:ea typeface="+mn-ea"/>
+                <a:cs typeface="+mn-cs"/>
+              </a:defRPr>
+            </a:lvl9pPr>
+          </a:lstStyle>
+          <a:p>
+            <a:pPr>
+              <a:lnSpc>
+                <a:spcPct val="150000"/>
+              </a:lnSpc>
+              <a:buFont typeface="Wingdings" panose="05000000000000000000" pitchFamily="2" charset="2"/>
+              <a:buChar char="§"/>
+            </a:pPr>
+            <a:r>
+              <a:rPr lang="ko-KR" altLang="en-US" sz="2000" b="1" dirty="0" smtClean="0">
+                <a:solidFill>
+                  <a:srgbClr val="002060"/>
+                </a:solidFill>
+              </a:rPr>
+              <a:t>구성요소 </a:t>
+            </a:r>
+            <a:r>
+              <a:rPr lang="en-US" altLang="ko-KR" sz="2000" b="1" dirty="0" smtClean="0">
+                <a:solidFill>
+                  <a:srgbClr val="002060"/>
+                </a:solidFill>
+              </a:rPr>
+              <a:t>- Pagination </a:t>
+            </a:r>
+            <a:r>
+              <a:rPr lang="ko-KR" altLang="en-US" sz="2000" b="1" dirty="0" smtClean="0">
+                <a:solidFill>
+                  <a:srgbClr val="002060"/>
+                </a:solidFill>
+              </a:rPr>
+              <a:t>  </a:t>
+            </a:r>
+            <a:r>
+              <a:rPr lang="en-US" altLang="ko-KR" sz="2000" b="1" dirty="0" smtClean="0">
+                <a:solidFill>
+                  <a:srgbClr val="002060"/>
+                </a:solidFill>
+              </a:rPr>
+              <a:t> </a:t>
+            </a:r>
+            <a:r>
+              <a:rPr lang="ko-KR" altLang="en-US" sz="2000" b="1" dirty="0" smtClean="0">
+                <a:solidFill>
+                  <a:srgbClr val="002060"/>
+                </a:solidFill>
+              </a:rPr>
+              <a:t> </a:t>
+            </a:r>
+            <a:endParaRPr lang="en-US" altLang="ko-KR" sz="2000" b="1" dirty="0">
+              <a:solidFill>
+                <a:srgbClr val="002060"/>
+              </a:solidFill>
+            </a:endParaRPr>
+          </a:p>
+        </p:txBody>
+      </p:sp>
+      <p:pic>
+        <p:nvPicPr>
+          <p:cNvPr id="3" name="그림 2"/>
+          <p:cNvPicPr>
+            <a:picLocks noChangeAspect="1"/>
+          </p:cNvPicPr>
+          <p:nvPr/>
+        </p:nvPicPr>
+        <p:blipFill>
+          <a:blip r:embed="rId3">
+            <a:extLst>
+              <a:ext uri="{28A0092B-C50C-407E-A947-70E740481C1C}">
+                <a14:useLocalDpi xmlns:a14="http://schemas.microsoft.com/office/drawing/2010/main" val="0"/>
+              </a:ext>
+            </a:extLst>
+          </a:blip>
+          <a:stretch>
+            <a:fillRect/>
+          </a:stretch>
+        </p:blipFill>
+        <p:spPr>
+          <a:xfrm>
+            <a:off x="1390341" y="1832471"/>
+            <a:ext cx="7125318" cy="3193057"/>
+          </a:xfrm>
+          <a:prstGeom prst="rect">
+            <a:avLst/>
+          </a:prstGeom>
+          <a:ln>
+            <a:solidFill>
+              <a:schemeClr val="bg1">
+                <a:lumMod val="85000"/>
+              </a:schemeClr>
+            </a:solidFill>
+          </a:ln>
+        </p:spPr>
+      </p:pic>
+    </p:spTree>
+    <p:extLst>
+      <p:ext uri="{BB962C8B-B14F-4D97-AF65-F5344CB8AC3E}">
+        <p14:creationId xmlns:p14="http://schemas.microsoft.com/office/powerpoint/2010/main" val="1620863417"/>
+      </p:ext>
+    </p:extLst>
+  </p:cSld>
+  <p:clrMapOvr>
+    <a:masterClrMapping/>
+  </p:clrMapOvr>
+  <p:timing>
+    <p:tnLst>
+      <p:par>
+        <p:cTn id="1" dur="indefinite" restart="never" nodeType="tmRoot"/>
+      </p:par>
+    </p:tnLst>
+  </p:timing>
+</p:sld>
+</file>
+
+<file path=ppt/slides/slide22.xml><?xml version="1.0" encoding="utf-8"?>
+<p:sld xmlns:a="http://schemas.openxmlformats.org/drawingml/2006/main" xmlns:r="http://schemas.openxmlformats.org/officeDocument/2006/relationships" xmlns:p="http://schemas.openxmlformats.org/presentationml/2006/main">
+  <p:cSld>
+    <p:spTree>
+      <p:nvGrpSpPr>
+        <p:cNvPr id="1" name=""/>
+        <p:cNvGrpSpPr/>
+        <p:nvPr/>
+      </p:nvGrpSpPr>
+      <p:grpSpPr>
+        <a:xfrm>
+          <a:off x="0" y="0"/>
+          <a:ext cx="0" cy="0"/>
+          <a:chOff x="0" y="0"/>
+          <a:chExt cx="0" cy="0"/>
+        </a:xfrm>
+      </p:grpSpPr>
+      <p:sp>
+        <p:nvSpPr>
+          <p:cNvPr id="6" name="제목 5"/>
+          <p:cNvSpPr>
+            <a:spLocks noGrp="1"/>
+          </p:cNvSpPr>
+          <p:nvPr>
+            <p:ph type="title"/>
+          </p:nvPr>
+        </p:nvSpPr>
+        <p:spPr/>
+        <p:txBody>
+          <a:bodyPr/>
+          <a:lstStyle/>
+          <a:p>
+            <a:r>
+              <a:rPr lang="en-US" altLang="ko-KR" dirty="0" smtClean="0"/>
+              <a:t> </a:t>
+            </a:r>
+            <a:r>
+              <a:rPr lang="ko-KR" altLang="en-US" sz="2400" dirty="0" smtClean="0"/>
+              <a:t>구성 요소 예제</a:t>
+            </a:r>
+            <a:endParaRPr lang="ko-KR" altLang="en-US" sz="2400" dirty="0"/>
+          </a:p>
+        </p:txBody>
+      </p:sp>
+      <p:sp>
+        <p:nvSpPr>
+          <p:cNvPr id="5" name="슬라이드 번호 개체 틀 4"/>
+          <p:cNvSpPr>
+            <a:spLocks noGrp="1"/>
+          </p:cNvSpPr>
+          <p:nvPr>
+            <p:ph type="sldNum" sz="quarter" idx="12"/>
+          </p:nvPr>
+        </p:nvSpPr>
+        <p:spPr/>
+        <p:txBody>
+          <a:bodyPr/>
+          <a:lstStyle/>
+          <a:p>
+            <a:fld id="{1BDE3FE7-3AEA-4B05-AC5A-802D1816ACF0}" type="slidenum">
+              <a:rPr lang="ko-KR" altLang="en-US" smtClean="0"/>
+              <a:t>22</a:t>
+            </a:fld>
+            <a:endParaRPr lang="ko-KR" altLang="en-US"/>
+          </a:p>
+        </p:txBody>
+      </p:sp>
+      <p:sp>
+        <p:nvSpPr>
+          <p:cNvPr id="24" name="내용 개체 틀 2">
+            <a:extLst>
+              <a:ext uri="{FF2B5EF4-FFF2-40B4-BE49-F238E27FC236}">
+                <a16:creationId xmlns:a16="http://schemas.microsoft.com/office/drawing/2014/main" id="{98AF3A4E-7D90-4241-89FE-799D6F9D5A94}"/>
+              </a:ext>
+            </a:extLst>
+          </p:cNvPr>
+          <p:cNvSpPr txBox="1">
+            <a:spLocks/>
+          </p:cNvSpPr>
+          <p:nvPr/>
+        </p:nvSpPr>
+        <p:spPr>
+          <a:xfrm>
+            <a:off x="1064568" y="1124744"/>
+            <a:ext cx="4752528" cy="596952"/>
+          </a:xfrm>
+          <a:prstGeom prst="rect">
+            <a:avLst/>
+          </a:prstGeom>
+        </p:spPr>
+        <p:txBody>
+          <a:bodyPr/>
+          <a:lstStyle>
+            <a:lvl1pPr marL="228600" indent="-228600" algn="l" defTabSz="914400" rtl="0" eaLnBrk="1" latinLnBrk="1" hangingPunct="1">
+              <a:lnSpc>
+                <a:spcPct val="90000"/>
+              </a:lnSpc>
+              <a:spcBef>
+                <a:spcPts val="1000"/>
+              </a:spcBef>
+              <a:buFont typeface="Arial" panose="020B0604020202020204" pitchFamily="34" charset="0"/>
+              <a:buChar char="•"/>
+              <a:defRPr sz="2800" kern="1200">
+                <a:solidFill>
+                  <a:schemeClr val="tx1"/>
+                </a:solidFill>
+                <a:latin typeface="+mn-lt"/>
+                <a:ea typeface="+mn-ea"/>
+                <a:cs typeface="+mn-cs"/>
+              </a:defRPr>
+            </a:lvl1pPr>
+            <a:lvl2pPr marL="685800" indent="-228600" algn="l" defTabSz="914400" rtl="0" eaLnBrk="1" latinLnBrk="1" hangingPunct="1">
+              <a:lnSpc>
+                <a:spcPct val="90000"/>
+              </a:lnSpc>
+              <a:spcBef>
+                <a:spcPts val="500"/>
+              </a:spcBef>
+              <a:buFont typeface="Arial" panose="020B0604020202020204" pitchFamily="34" charset="0"/>
+              <a:buChar char="•"/>
+              <a:defRPr sz="2400" kern="1200">
+                <a:solidFill>
+                  <a:schemeClr val="tx1"/>
+                </a:solidFill>
+                <a:latin typeface="+mn-lt"/>
+                <a:ea typeface="+mn-ea"/>
+                <a:cs typeface="+mn-cs"/>
+              </a:defRPr>
+            </a:lvl2pPr>
+            <a:lvl3pPr marL="1143000" indent="-228600" algn="l" defTabSz="914400" rtl="0" eaLnBrk="1" latinLnBrk="1" hangingPunct="1">
+              <a:lnSpc>
+                <a:spcPct val="90000"/>
+              </a:lnSpc>
+              <a:spcBef>
+                <a:spcPts val="500"/>
+              </a:spcBef>
+              <a:buFont typeface="Arial" panose="020B0604020202020204" pitchFamily="34" charset="0"/>
+              <a:buChar char="•"/>
+              <a:defRPr sz="2000" kern="1200">
+                <a:solidFill>
+                  <a:schemeClr val="tx1"/>
+                </a:solidFill>
+                <a:latin typeface="+mn-lt"/>
+                <a:ea typeface="+mn-ea"/>
+                <a:cs typeface="+mn-cs"/>
+              </a:defRPr>
+            </a:lvl3pPr>
+            <a:lvl4pPr marL="1600200" indent="-228600" algn="l" defTabSz="914400" rtl="0" eaLnBrk="1" latinLnBrk="1" hangingPunct="1">
+              <a:lnSpc>
+                <a:spcPct val="90000"/>
+              </a:lnSpc>
+              <a:spcBef>
+                <a:spcPts val="500"/>
+              </a:spcBef>
+              <a:buFont typeface="Arial" panose="020B0604020202020204" pitchFamily="34" charset="0"/>
+              <a:buChar char="•"/>
+              <a:defRPr sz="1800" kern="1200">
+                <a:solidFill>
+                  <a:schemeClr val="tx1"/>
+                </a:solidFill>
+                <a:latin typeface="+mn-lt"/>
+                <a:ea typeface="+mn-ea"/>
+                <a:cs typeface="+mn-cs"/>
+              </a:defRPr>
+            </a:lvl4pPr>
+            <a:lvl5pPr marL="2057400" indent="-228600" algn="l" defTabSz="914400" rtl="0" eaLnBrk="1" latinLnBrk="1" hangingPunct="1">
+              <a:lnSpc>
+                <a:spcPct val="90000"/>
+              </a:lnSpc>
+              <a:spcBef>
+                <a:spcPts val="500"/>
+              </a:spcBef>
+              <a:buFont typeface="Arial" panose="020B0604020202020204" pitchFamily="34" charset="0"/>
+              <a:buChar char="•"/>
+              <a:defRPr sz="1800" kern="1200">
+                <a:solidFill>
+                  <a:schemeClr val="tx1"/>
+                </a:solidFill>
+                <a:latin typeface="+mn-lt"/>
+                <a:ea typeface="+mn-ea"/>
+                <a:cs typeface="+mn-cs"/>
+              </a:defRPr>
+            </a:lvl5pPr>
+            <a:lvl6pPr marL="2514600" indent="-228600" algn="l" defTabSz="914400" rtl="0" eaLnBrk="1" latinLnBrk="1" hangingPunct="1">
+              <a:lnSpc>
+                <a:spcPct val="90000"/>
+              </a:lnSpc>
+              <a:spcBef>
+                <a:spcPts val="500"/>
+              </a:spcBef>
+              <a:buFont typeface="Arial" panose="020B0604020202020204" pitchFamily="34" charset="0"/>
+              <a:buChar char="•"/>
+              <a:defRPr sz="1800" kern="1200">
+                <a:solidFill>
+                  <a:schemeClr val="tx1"/>
+                </a:solidFill>
+                <a:latin typeface="+mn-lt"/>
+                <a:ea typeface="+mn-ea"/>
+                <a:cs typeface="+mn-cs"/>
+              </a:defRPr>
+            </a:lvl6pPr>
+            <a:lvl7pPr marL="2971800" indent="-228600" algn="l" defTabSz="914400" rtl="0" eaLnBrk="1" latinLnBrk="1" hangingPunct="1">
+              <a:lnSpc>
+                <a:spcPct val="90000"/>
+              </a:lnSpc>
+              <a:spcBef>
+                <a:spcPts val="500"/>
+              </a:spcBef>
+              <a:buFont typeface="Arial" panose="020B0604020202020204" pitchFamily="34" charset="0"/>
+              <a:buChar char="•"/>
+              <a:defRPr sz="1800" kern="1200">
+                <a:solidFill>
+                  <a:schemeClr val="tx1"/>
+                </a:solidFill>
+                <a:latin typeface="+mn-lt"/>
+                <a:ea typeface="+mn-ea"/>
+                <a:cs typeface="+mn-cs"/>
+              </a:defRPr>
+            </a:lvl7pPr>
+            <a:lvl8pPr marL="3429000" indent="-228600" algn="l" defTabSz="914400" rtl="0" eaLnBrk="1" latinLnBrk="1" hangingPunct="1">
+              <a:lnSpc>
+                <a:spcPct val="90000"/>
+              </a:lnSpc>
+              <a:spcBef>
+                <a:spcPts val="500"/>
+              </a:spcBef>
+              <a:buFont typeface="Arial" panose="020B0604020202020204" pitchFamily="34" charset="0"/>
+              <a:buChar char="•"/>
+              <a:defRPr sz="1800" kern="1200">
+                <a:solidFill>
+                  <a:schemeClr val="tx1"/>
+                </a:solidFill>
+                <a:latin typeface="+mn-lt"/>
+                <a:ea typeface="+mn-ea"/>
+                <a:cs typeface="+mn-cs"/>
+              </a:defRPr>
+            </a:lvl8pPr>
+            <a:lvl9pPr marL="3886200" indent="-228600" algn="l" defTabSz="914400" rtl="0" eaLnBrk="1" latinLnBrk="1" hangingPunct="1">
+              <a:lnSpc>
+                <a:spcPct val="90000"/>
+              </a:lnSpc>
+              <a:spcBef>
+                <a:spcPts val="500"/>
+              </a:spcBef>
+              <a:buFont typeface="Arial" panose="020B0604020202020204" pitchFamily="34" charset="0"/>
+              <a:buChar char="•"/>
+              <a:defRPr sz="1800" kern="1200">
+                <a:solidFill>
+                  <a:schemeClr val="tx1"/>
+                </a:solidFill>
+                <a:latin typeface="+mn-lt"/>
+                <a:ea typeface="+mn-ea"/>
+                <a:cs typeface="+mn-cs"/>
+              </a:defRPr>
+            </a:lvl9pPr>
+          </a:lstStyle>
+          <a:p>
+            <a:pPr>
+              <a:lnSpc>
+                <a:spcPct val="150000"/>
+              </a:lnSpc>
+              <a:buFont typeface="Wingdings" panose="05000000000000000000" pitchFamily="2" charset="2"/>
+              <a:buChar char="§"/>
+            </a:pPr>
+            <a:r>
+              <a:rPr lang="ko-KR" altLang="en-US" sz="2000" b="1" dirty="0" smtClean="0">
+                <a:solidFill>
+                  <a:srgbClr val="002060"/>
+                </a:solidFill>
+              </a:rPr>
+              <a:t>구성요소</a:t>
+            </a:r>
+            <a:r>
+              <a:rPr lang="en-US" altLang="ko-KR" sz="2000" b="1" dirty="0" smtClean="0">
+                <a:solidFill>
+                  <a:srgbClr val="002060"/>
+                </a:solidFill>
+              </a:rPr>
+              <a:t> </a:t>
+            </a:r>
+            <a:r>
+              <a:rPr lang="ko-KR" altLang="en-US" sz="2000" b="1" dirty="0" smtClean="0">
+                <a:solidFill>
+                  <a:srgbClr val="002060"/>
+                </a:solidFill>
+              </a:rPr>
+              <a:t>  </a:t>
+            </a:r>
+            <a:r>
+              <a:rPr lang="en-US" altLang="ko-KR" sz="2000" b="1" dirty="0" smtClean="0">
+                <a:solidFill>
+                  <a:srgbClr val="002060"/>
+                </a:solidFill>
+              </a:rPr>
+              <a:t> </a:t>
+            </a:r>
+            <a:r>
+              <a:rPr lang="ko-KR" altLang="en-US" sz="2000" b="1" dirty="0" smtClean="0">
+                <a:solidFill>
+                  <a:srgbClr val="002060"/>
+                </a:solidFill>
+              </a:rPr>
+              <a:t> </a:t>
+            </a:r>
+            <a:endParaRPr lang="en-US" altLang="ko-KR" sz="2000" b="1" dirty="0">
+              <a:solidFill>
+                <a:srgbClr val="002060"/>
+              </a:solidFill>
+            </a:endParaRPr>
+          </a:p>
+        </p:txBody>
+      </p:sp>
+      <p:pic>
+        <p:nvPicPr>
+          <p:cNvPr id="3" name="그림 2"/>
+          <p:cNvPicPr>
+            <a:picLocks noChangeAspect="1"/>
+          </p:cNvPicPr>
+          <p:nvPr/>
+        </p:nvPicPr>
+        <p:blipFill>
+          <a:blip r:embed="rId3">
+            <a:extLst>
+              <a:ext uri="{28A0092B-C50C-407E-A947-70E740481C1C}">
+                <a14:useLocalDpi xmlns:a14="http://schemas.microsoft.com/office/drawing/2010/main" val="0"/>
+              </a:ext>
+            </a:extLst>
+          </a:blip>
+          <a:stretch>
+            <a:fillRect/>
+          </a:stretch>
+        </p:blipFill>
+        <p:spPr>
+          <a:xfrm>
+            <a:off x="1640632" y="1916832"/>
+            <a:ext cx="4972620" cy="3539438"/>
+          </a:xfrm>
+          <a:prstGeom prst="rect">
+            <a:avLst/>
+          </a:prstGeom>
+          <a:ln>
+            <a:solidFill>
+              <a:schemeClr val="bg1">
+                <a:lumMod val="85000"/>
+              </a:schemeClr>
+            </a:solidFill>
+          </a:ln>
+        </p:spPr>
+      </p:pic>
+    </p:spTree>
+    <p:extLst>
+      <p:ext uri="{BB962C8B-B14F-4D97-AF65-F5344CB8AC3E}">
+        <p14:creationId xmlns:p14="http://schemas.microsoft.com/office/powerpoint/2010/main" val="185654762"/>
+      </p:ext>
+    </p:extLst>
+  </p:cSld>
+  <p:clrMapOvr>
+    <a:masterClrMapping/>
+  </p:clrMapOvr>
+  <p:timing>
+    <p:tnLst>
+      <p:par>
+        <p:cTn id="1" dur="indefinite" restart="never" nodeType="tmRoot"/>
+      </p:par>
+    </p:tnLst>
+  </p:timing>
+</p:sld>
+</file>
+
+<file path=ppt/slides/slide23.xml><?xml version="1.0" encoding="utf-8"?>
+<p:sld xmlns:a="http://schemas.openxmlformats.org/drawingml/2006/main" xmlns:r="http://schemas.openxmlformats.org/officeDocument/2006/relationships" xmlns:p="http://schemas.openxmlformats.org/presentationml/2006/main">
+  <p:cSld>
+    <p:spTree>
+      <p:nvGrpSpPr>
+        <p:cNvPr id="1" name=""/>
+        <p:cNvGrpSpPr/>
+        <p:nvPr/>
+      </p:nvGrpSpPr>
+      <p:grpSpPr>
+        <a:xfrm>
+          <a:off x="0" y="0"/>
+          <a:ext cx="0" cy="0"/>
+          <a:chOff x="0" y="0"/>
+          <a:chExt cx="0" cy="0"/>
+        </a:xfrm>
+      </p:grpSpPr>
+      <p:sp>
+        <p:nvSpPr>
+          <p:cNvPr id="6" name="제목 5"/>
+          <p:cNvSpPr>
+            <a:spLocks noGrp="1"/>
+          </p:cNvSpPr>
+          <p:nvPr>
+            <p:ph type="title"/>
+          </p:nvPr>
+        </p:nvSpPr>
+        <p:spPr/>
+        <p:txBody>
+          <a:bodyPr/>
+          <a:lstStyle/>
+          <a:p>
+            <a:r>
+              <a:rPr lang="en-US" altLang="ko-KR" dirty="0" smtClean="0"/>
+              <a:t> </a:t>
+            </a:r>
+            <a:r>
+              <a:rPr lang="en-US" altLang="ko-KR" sz="2800" dirty="0" smtClean="0"/>
+              <a:t>components</a:t>
+            </a:r>
+            <a:r>
+              <a:rPr lang="ko-KR" altLang="en-US" sz="2800" dirty="0" smtClean="0"/>
+              <a:t> </a:t>
+            </a:r>
+            <a:r>
+              <a:rPr lang="en-US" altLang="ko-KR" sz="2800" dirty="0" smtClean="0"/>
+              <a:t>– Pagination</a:t>
+            </a:r>
+            <a:endParaRPr lang="ko-KR" altLang="en-US" dirty="0"/>
+          </a:p>
+        </p:txBody>
+      </p:sp>
+      <p:sp>
+        <p:nvSpPr>
+          <p:cNvPr id="5" name="슬라이드 번호 개체 틀 4"/>
+          <p:cNvSpPr>
+            <a:spLocks noGrp="1"/>
+          </p:cNvSpPr>
+          <p:nvPr>
+            <p:ph type="sldNum" sz="quarter" idx="12"/>
+          </p:nvPr>
+        </p:nvSpPr>
+        <p:spPr/>
+        <p:txBody>
+          <a:bodyPr/>
+          <a:lstStyle/>
+          <a:p>
+            <a:fld id="{1BDE3FE7-3AEA-4B05-AC5A-802D1816ACF0}" type="slidenum">
+              <a:rPr lang="ko-KR" altLang="en-US" smtClean="0"/>
+              <a:t>23</a:t>
+            </a:fld>
+            <a:endParaRPr lang="ko-KR" altLang="en-US"/>
+          </a:p>
+        </p:txBody>
+      </p:sp>
+      <p:sp>
+        <p:nvSpPr>
+          <p:cNvPr id="24" name="내용 개체 틀 2">
+            <a:extLst>
+              <a:ext uri="{FF2B5EF4-FFF2-40B4-BE49-F238E27FC236}">
+                <a16:creationId xmlns:a16="http://schemas.microsoft.com/office/drawing/2014/main" id="{98AF3A4E-7D90-4241-89FE-799D6F9D5A94}"/>
+              </a:ext>
+            </a:extLst>
+          </p:cNvPr>
+          <p:cNvSpPr txBox="1">
+            <a:spLocks/>
+          </p:cNvSpPr>
+          <p:nvPr/>
+        </p:nvSpPr>
+        <p:spPr>
+          <a:xfrm>
+            <a:off x="1064568" y="1124744"/>
+            <a:ext cx="4752528" cy="596952"/>
+          </a:xfrm>
+          <a:prstGeom prst="rect">
+            <a:avLst/>
+          </a:prstGeom>
+        </p:spPr>
+        <p:txBody>
+          <a:bodyPr/>
+          <a:lstStyle>
+            <a:lvl1pPr marL="228600" indent="-228600" algn="l" defTabSz="914400" rtl="0" eaLnBrk="1" latinLnBrk="1" hangingPunct="1">
+              <a:lnSpc>
+                <a:spcPct val="90000"/>
+              </a:lnSpc>
+              <a:spcBef>
+                <a:spcPts val="1000"/>
+              </a:spcBef>
+              <a:buFont typeface="Arial" panose="020B0604020202020204" pitchFamily="34" charset="0"/>
+              <a:buChar char="•"/>
+              <a:defRPr sz="2800" kern="1200">
+                <a:solidFill>
+                  <a:schemeClr val="tx1"/>
+                </a:solidFill>
+                <a:latin typeface="+mn-lt"/>
+                <a:ea typeface="+mn-ea"/>
+                <a:cs typeface="+mn-cs"/>
+              </a:defRPr>
+            </a:lvl1pPr>
+            <a:lvl2pPr marL="685800" indent="-228600" algn="l" defTabSz="914400" rtl="0" eaLnBrk="1" latinLnBrk="1" hangingPunct="1">
+              <a:lnSpc>
+                <a:spcPct val="90000"/>
+              </a:lnSpc>
+              <a:spcBef>
+                <a:spcPts val="500"/>
+              </a:spcBef>
+              <a:buFont typeface="Arial" panose="020B0604020202020204" pitchFamily="34" charset="0"/>
+              <a:buChar char="•"/>
+              <a:defRPr sz="2400" kern="1200">
+                <a:solidFill>
+                  <a:schemeClr val="tx1"/>
+                </a:solidFill>
+                <a:latin typeface="+mn-lt"/>
+                <a:ea typeface="+mn-ea"/>
+                <a:cs typeface="+mn-cs"/>
+              </a:defRPr>
+            </a:lvl2pPr>
+            <a:lvl3pPr marL="1143000" indent="-228600" algn="l" defTabSz="914400" rtl="0" eaLnBrk="1" latinLnBrk="1" hangingPunct="1">
+              <a:lnSpc>
+                <a:spcPct val="90000"/>
+              </a:lnSpc>
+              <a:spcBef>
+                <a:spcPts val="500"/>
+              </a:spcBef>
+              <a:buFont typeface="Arial" panose="020B0604020202020204" pitchFamily="34" charset="0"/>
+              <a:buChar char="•"/>
+              <a:defRPr sz="2000" kern="1200">
+                <a:solidFill>
+                  <a:schemeClr val="tx1"/>
+                </a:solidFill>
+                <a:latin typeface="+mn-lt"/>
+                <a:ea typeface="+mn-ea"/>
+                <a:cs typeface="+mn-cs"/>
+              </a:defRPr>
+            </a:lvl3pPr>
+            <a:lvl4pPr marL="1600200" indent="-228600" algn="l" defTabSz="914400" rtl="0" eaLnBrk="1" latinLnBrk="1" hangingPunct="1">
+              <a:lnSpc>
+                <a:spcPct val="90000"/>
+              </a:lnSpc>
+              <a:spcBef>
+                <a:spcPts val="500"/>
+              </a:spcBef>
+              <a:buFont typeface="Arial" panose="020B0604020202020204" pitchFamily="34" charset="0"/>
+              <a:buChar char="•"/>
+              <a:defRPr sz="1800" kern="1200">
+                <a:solidFill>
+                  <a:schemeClr val="tx1"/>
+                </a:solidFill>
+                <a:latin typeface="+mn-lt"/>
+                <a:ea typeface="+mn-ea"/>
+                <a:cs typeface="+mn-cs"/>
+              </a:defRPr>
+            </a:lvl4pPr>
+            <a:lvl5pPr marL="2057400" indent="-228600" algn="l" defTabSz="914400" rtl="0" eaLnBrk="1" latinLnBrk="1" hangingPunct="1">
+              <a:lnSpc>
+                <a:spcPct val="90000"/>
+              </a:lnSpc>
+              <a:spcBef>
+                <a:spcPts val="500"/>
+              </a:spcBef>
+              <a:buFont typeface="Arial" panose="020B0604020202020204" pitchFamily="34" charset="0"/>
+              <a:buChar char="•"/>
+              <a:defRPr sz="1800" kern="1200">
+                <a:solidFill>
+                  <a:schemeClr val="tx1"/>
+                </a:solidFill>
+                <a:latin typeface="+mn-lt"/>
+                <a:ea typeface="+mn-ea"/>
+                <a:cs typeface="+mn-cs"/>
+              </a:defRPr>
+            </a:lvl5pPr>
+            <a:lvl6pPr marL="2514600" indent="-228600" algn="l" defTabSz="914400" rtl="0" eaLnBrk="1" latinLnBrk="1" hangingPunct="1">
+              <a:lnSpc>
+                <a:spcPct val="90000"/>
+              </a:lnSpc>
+              <a:spcBef>
+                <a:spcPts val="500"/>
+              </a:spcBef>
+              <a:buFont typeface="Arial" panose="020B0604020202020204" pitchFamily="34" charset="0"/>
+              <a:buChar char="•"/>
+              <a:defRPr sz="1800" kern="1200">
+                <a:solidFill>
+                  <a:schemeClr val="tx1"/>
+                </a:solidFill>
+                <a:latin typeface="+mn-lt"/>
+                <a:ea typeface="+mn-ea"/>
+                <a:cs typeface="+mn-cs"/>
+              </a:defRPr>
+            </a:lvl6pPr>
+            <a:lvl7pPr marL="2971800" indent="-228600" algn="l" defTabSz="914400" rtl="0" eaLnBrk="1" latinLnBrk="1" hangingPunct="1">
+              <a:lnSpc>
+                <a:spcPct val="90000"/>
+              </a:lnSpc>
+              <a:spcBef>
+                <a:spcPts val="500"/>
+              </a:spcBef>
+              <a:buFont typeface="Arial" panose="020B0604020202020204" pitchFamily="34" charset="0"/>
+              <a:buChar char="•"/>
+              <a:defRPr sz="1800" kern="1200">
+                <a:solidFill>
+                  <a:schemeClr val="tx1"/>
+                </a:solidFill>
+                <a:latin typeface="+mn-lt"/>
+                <a:ea typeface="+mn-ea"/>
+                <a:cs typeface="+mn-cs"/>
+              </a:defRPr>
+            </a:lvl7pPr>
+            <a:lvl8pPr marL="3429000" indent="-228600" algn="l" defTabSz="914400" rtl="0" eaLnBrk="1" latinLnBrk="1" hangingPunct="1">
+              <a:lnSpc>
+                <a:spcPct val="90000"/>
+              </a:lnSpc>
+              <a:spcBef>
+                <a:spcPts val="500"/>
+              </a:spcBef>
+              <a:buFont typeface="Arial" panose="020B0604020202020204" pitchFamily="34" charset="0"/>
+              <a:buChar char="•"/>
+              <a:defRPr sz="1800" kern="1200">
+                <a:solidFill>
+                  <a:schemeClr val="tx1"/>
+                </a:solidFill>
+                <a:latin typeface="+mn-lt"/>
+                <a:ea typeface="+mn-ea"/>
+                <a:cs typeface="+mn-cs"/>
+              </a:defRPr>
+            </a:lvl8pPr>
+            <a:lvl9pPr marL="3886200" indent="-228600" algn="l" defTabSz="914400" rtl="0" eaLnBrk="1" latinLnBrk="1" hangingPunct="1">
+              <a:lnSpc>
+                <a:spcPct val="90000"/>
+              </a:lnSpc>
+              <a:spcBef>
+                <a:spcPts val="500"/>
+              </a:spcBef>
+              <a:buFont typeface="Arial" panose="020B0604020202020204" pitchFamily="34" charset="0"/>
+              <a:buChar char="•"/>
+              <a:defRPr sz="1800" kern="1200">
+                <a:solidFill>
+                  <a:schemeClr val="tx1"/>
+                </a:solidFill>
+                <a:latin typeface="+mn-lt"/>
+                <a:ea typeface="+mn-ea"/>
+                <a:cs typeface="+mn-cs"/>
+              </a:defRPr>
+            </a:lvl9pPr>
+          </a:lstStyle>
+          <a:p>
+            <a:pPr>
+              <a:lnSpc>
+                <a:spcPct val="150000"/>
+              </a:lnSpc>
+              <a:buFont typeface="Wingdings" panose="05000000000000000000" pitchFamily="2" charset="2"/>
+              <a:buChar char="§"/>
+            </a:pPr>
+            <a:r>
+              <a:rPr lang="ko-KR" altLang="en-US" sz="2000" b="1" dirty="0" smtClean="0">
+                <a:solidFill>
+                  <a:srgbClr val="002060"/>
+                </a:solidFill>
+              </a:rPr>
+              <a:t>구성요소</a:t>
+            </a:r>
+            <a:r>
+              <a:rPr lang="en-US" altLang="ko-KR" sz="2000" b="1" dirty="0" smtClean="0">
+                <a:solidFill>
+                  <a:srgbClr val="002060"/>
+                </a:solidFill>
+              </a:rPr>
+              <a:t> </a:t>
+            </a:r>
+            <a:r>
+              <a:rPr lang="ko-KR" altLang="en-US" sz="2000" b="1" dirty="0" smtClean="0">
+                <a:solidFill>
+                  <a:srgbClr val="002060"/>
+                </a:solidFill>
+              </a:rPr>
+              <a:t>  </a:t>
+            </a:r>
+            <a:r>
+              <a:rPr lang="en-US" altLang="ko-KR" sz="2000" b="1" dirty="0" smtClean="0">
+                <a:solidFill>
+                  <a:srgbClr val="002060"/>
+                </a:solidFill>
+              </a:rPr>
+              <a:t> </a:t>
+            </a:r>
+            <a:r>
+              <a:rPr lang="ko-KR" altLang="en-US" sz="2000" b="1" dirty="0" smtClean="0">
+                <a:solidFill>
+                  <a:srgbClr val="002060"/>
+                </a:solidFill>
+              </a:rPr>
+              <a:t> </a:t>
+            </a:r>
+            <a:endParaRPr lang="en-US" altLang="ko-KR" sz="2000" b="1" dirty="0">
+              <a:solidFill>
+                <a:srgbClr val="002060"/>
+              </a:solidFill>
+            </a:endParaRPr>
+          </a:p>
+        </p:txBody>
+      </p:sp>
+      <p:pic>
+        <p:nvPicPr>
+          <p:cNvPr id="3" name="그림 2"/>
+          <p:cNvPicPr>
+            <a:picLocks noChangeAspect="1"/>
+          </p:cNvPicPr>
+          <p:nvPr/>
+        </p:nvPicPr>
+        <p:blipFill>
+          <a:blip r:embed="rId3">
+            <a:extLst>
+              <a:ext uri="{28A0092B-C50C-407E-A947-70E740481C1C}">
+                <a14:useLocalDpi xmlns:a14="http://schemas.microsoft.com/office/drawing/2010/main" val="0"/>
+              </a:ext>
+            </a:extLst>
+          </a:blip>
+          <a:stretch>
+            <a:fillRect/>
+          </a:stretch>
+        </p:blipFill>
+        <p:spPr>
+          <a:xfrm>
+            <a:off x="1424608" y="1773235"/>
+            <a:ext cx="6161288" cy="4341763"/>
+          </a:xfrm>
+          <a:prstGeom prst="rect">
+            <a:avLst/>
+          </a:prstGeom>
+          <a:ln>
+            <a:solidFill>
+              <a:schemeClr val="bg1">
+                <a:lumMod val="85000"/>
+              </a:schemeClr>
+            </a:solidFill>
+          </a:ln>
+        </p:spPr>
+      </p:pic>
+    </p:spTree>
+    <p:extLst>
+      <p:ext uri="{BB962C8B-B14F-4D97-AF65-F5344CB8AC3E}">
+        <p14:creationId xmlns:p14="http://schemas.microsoft.com/office/powerpoint/2010/main" val="2478316947"/>
+      </p:ext>
+    </p:extLst>
+  </p:cSld>
+  <p:clrMapOvr>
+    <a:masterClrMapping/>
+  </p:clrMapOvr>
+  <p:timing>
+    <p:tnLst>
+      <p:par>
+        <p:cTn id="1" dur="indefinite" restart="never" nodeType="tmRoot"/>
+      </p:par>
+    </p:tnLst>
+  </p:timing>
+</p:sld>
+</file>
+
+<file path=ppt/slides/slide24.xml><?xml version="1.0" encoding="utf-8"?>
+<p:sld xmlns:a="http://schemas.openxmlformats.org/drawingml/2006/main" xmlns:r="http://schemas.openxmlformats.org/officeDocument/2006/relationships" xmlns:p="http://schemas.openxmlformats.org/presentationml/2006/main">
+  <p:cSld>
+    <p:spTree>
+      <p:nvGrpSpPr>
+        <p:cNvPr id="1" name=""/>
+        <p:cNvGrpSpPr/>
+        <p:nvPr/>
+      </p:nvGrpSpPr>
+      <p:grpSpPr>
+        <a:xfrm>
+          <a:off x="0" y="0"/>
+          <a:ext cx="0" cy="0"/>
+          <a:chOff x="0" y="0"/>
+          <a:chExt cx="0" cy="0"/>
+        </a:xfrm>
+      </p:grpSpPr>
+      <p:sp>
+        <p:nvSpPr>
+          <p:cNvPr id="6" name="제목 5"/>
+          <p:cNvSpPr>
+            <a:spLocks noGrp="1"/>
+          </p:cNvSpPr>
+          <p:nvPr>
+            <p:ph type="title"/>
+          </p:nvPr>
+        </p:nvSpPr>
+        <p:spPr/>
+        <p:txBody>
+          <a:bodyPr/>
+          <a:lstStyle/>
+          <a:p>
+            <a:r>
+              <a:rPr lang="en-US" altLang="ko-KR" dirty="0" smtClean="0"/>
+              <a:t> </a:t>
+            </a:r>
+            <a:r>
+              <a:rPr lang="en-US" altLang="ko-KR" sz="2800" dirty="0" smtClean="0"/>
+              <a:t>components</a:t>
+            </a:r>
+            <a:r>
+              <a:rPr lang="ko-KR" altLang="en-US" sz="2800" dirty="0" smtClean="0"/>
+              <a:t> </a:t>
+            </a:r>
+            <a:r>
+              <a:rPr lang="en-US" altLang="ko-KR" sz="2800" dirty="0" smtClean="0"/>
+              <a:t>– Pagination</a:t>
+            </a:r>
+            <a:endParaRPr lang="ko-KR" altLang="en-US" dirty="0"/>
+          </a:p>
+        </p:txBody>
+      </p:sp>
+      <p:sp>
+        <p:nvSpPr>
+          <p:cNvPr id="5" name="슬라이드 번호 개체 틀 4"/>
+          <p:cNvSpPr>
+            <a:spLocks noGrp="1"/>
+          </p:cNvSpPr>
+          <p:nvPr>
+            <p:ph type="sldNum" sz="quarter" idx="12"/>
+          </p:nvPr>
+        </p:nvSpPr>
+        <p:spPr/>
+        <p:txBody>
+          <a:bodyPr/>
+          <a:lstStyle/>
+          <a:p>
+            <a:fld id="{1BDE3FE7-3AEA-4B05-AC5A-802D1816ACF0}" type="slidenum">
+              <a:rPr lang="ko-KR" altLang="en-US" smtClean="0"/>
+              <a:t>24</a:t>
+            </a:fld>
+            <a:endParaRPr lang="ko-KR" altLang="en-US"/>
+          </a:p>
+        </p:txBody>
+      </p:sp>
+      <p:sp>
+        <p:nvSpPr>
+          <p:cNvPr id="24" name="내용 개체 틀 2">
+            <a:extLst>
+              <a:ext uri="{FF2B5EF4-FFF2-40B4-BE49-F238E27FC236}">
+                <a16:creationId xmlns:a16="http://schemas.microsoft.com/office/drawing/2014/main" id="{98AF3A4E-7D90-4241-89FE-799D6F9D5A94}"/>
+              </a:ext>
+            </a:extLst>
+          </p:cNvPr>
+          <p:cNvSpPr txBox="1">
+            <a:spLocks/>
+          </p:cNvSpPr>
+          <p:nvPr/>
+        </p:nvSpPr>
+        <p:spPr>
+          <a:xfrm>
+            <a:off x="1064568" y="1124744"/>
+            <a:ext cx="4752528" cy="596952"/>
+          </a:xfrm>
+          <a:prstGeom prst="rect">
+            <a:avLst/>
+          </a:prstGeom>
+        </p:spPr>
+        <p:txBody>
+          <a:bodyPr/>
+          <a:lstStyle>
+            <a:lvl1pPr marL="228600" indent="-228600" algn="l" defTabSz="914400" rtl="0" eaLnBrk="1" latinLnBrk="1" hangingPunct="1">
+              <a:lnSpc>
+                <a:spcPct val="90000"/>
+              </a:lnSpc>
+              <a:spcBef>
+                <a:spcPts val="1000"/>
+              </a:spcBef>
+              <a:buFont typeface="Arial" panose="020B0604020202020204" pitchFamily="34" charset="0"/>
+              <a:buChar char="•"/>
+              <a:defRPr sz="2800" kern="1200">
+                <a:solidFill>
+                  <a:schemeClr val="tx1"/>
+                </a:solidFill>
+                <a:latin typeface="+mn-lt"/>
+                <a:ea typeface="+mn-ea"/>
+                <a:cs typeface="+mn-cs"/>
+              </a:defRPr>
+            </a:lvl1pPr>
+            <a:lvl2pPr marL="685800" indent="-228600" algn="l" defTabSz="914400" rtl="0" eaLnBrk="1" latinLnBrk="1" hangingPunct="1">
+              <a:lnSpc>
+                <a:spcPct val="90000"/>
+              </a:lnSpc>
+              <a:spcBef>
+                <a:spcPts val="500"/>
+              </a:spcBef>
+              <a:buFont typeface="Arial" panose="020B0604020202020204" pitchFamily="34" charset="0"/>
+              <a:buChar char="•"/>
+              <a:defRPr sz="2400" kern="1200">
+                <a:solidFill>
+                  <a:schemeClr val="tx1"/>
+                </a:solidFill>
+                <a:latin typeface="+mn-lt"/>
+                <a:ea typeface="+mn-ea"/>
+                <a:cs typeface="+mn-cs"/>
+              </a:defRPr>
+            </a:lvl2pPr>
+            <a:lvl3pPr marL="1143000" indent="-228600" algn="l" defTabSz="914400" rtl="0" eaLnBrk="1" latinLnBrk="1" hangingPunct="1">
+              <a:lnSpc>
+                <a:spcPct val="90000"/>
+              </a:lnSpc>
+              <a:spcBef>
+                <a:spcPts val="500"/>
+              </a:spcBef>
+              <a:buFont typeface="Arial" panose="020B0604020202020204" pitchFamily="34" charset="0"/>
+              <a:buChar char="•"/>
+              <a:defRPr sz="2000" kern="1200">
+                <a:solidFill>
+                  <a:schemeClr val="tx1"/>
+                </a:solidFill>
+                <a:latin typeface="+mn-lt"/>
+                <a:ea typeface="+mn-ea"/>
+                <a:cs typeface="+mn-cs"/>
+              </a:defRPr>
+            </a:lvl3pPr>
+            <a:lvl4pPr marL="1600200" indent="-228600" algn="l" defTabSz="914400" rtl="0" eaLnBrk="1" latinLnBrk="1" hangingPunct="1">
+              <a:lnSpc>
+                <a:spcPct val="90000"/>
+              </a:lnSpc>
+              <a:spcBef>
+                <a:spcPts val="500"/>
+              </a:spcBef>
+              <a:buFont typeface="Arial" panose="020B0604020202020204" pitchFamily="34" charset="0"/>
+              <a:buChar char="•"/>
+              <a:defRPr sz="1800" kern="1200">
+                <a:solidFill>
+                  <a:schemeClr val="tx1"/>
+                </a:solidFill>
+                <a:latin typeface="+mn-lt"/>
+                <a:ea typeface="+mn-ea"/>
+                <a:cs typeface="+mn-cs"/>
+              </a:defRPr>
+            </a:lvl4pPr>
+            <a:lvl5pPr marL="2057400" indent="-228600" algn="l" defTabSz="914400" rtl="0" eaLnBrk="1" latinLnBrk="1" hangingPunct="1">
+              <a:lnSpc>
+                <a:spcPct val="90000"/>
+              </a:lnSpc>
+              <a:spcBef>
+                <a:spcPts val="500"/>
+              </a:spcBef>
+              <a:buFont typeface="Arial" panose="020B0604020202020204" pitchFamily="34" charset="0"/>
+              <a:buChar char="•"/>
+              <a:defRPr sz="1800" kern="1200">
+                <a:solidFill>
+                  <a:schemeClr val="tx1"/>
+                </a:solidFill>
+                <a:latin typeface="+mn-lt"/>
+                <a:ea typeface="+mn-ea"/>
+                <a:cs typeface="+mn-cs"/>
+              </a:defRPr>
+            </a:lvl5pPr>
+            <a:lvl6pPr marL="2514600" indent="-228600" algn="l" defTabSz="914400" rtl="0" eaLnBrk="1" latinLnBrk="1" hangingPunct="1">
+              <a:lnSpc>
+                <a:spcPct val="90000"/>
+              </a:lnSpc>
+              <a:spcBef>
+                <a:spcPts val="500"/>
+              </a:spcBef>
+              <a:buFont typeface="Arial" panose="020B0604020202020204" pitchFamily="34" charset="0"/>
+              <a:buChar char="•"/>
+              <a:defRPr sz="1800" kern="1200">
+                <a:solidFill>
+                  <a:schemeClr val="tx1"/>
+                </a:solidFill>
+                <a:latin typeface="+mn-lt"/>
+                <a:ea typeface="+mn-ea"/>
+                <a:cs typeface="+mn-cs"/>
+              </a:defRPr>
+            </a:lvl6pPr>
+            <a:lvl7pPr marL="2971800" indent="-228600" algn="l" defTabSz="914400" rtl="0" eaLnBrk="1" latinLnBrk="1" hangingPunct="1">
+              <a:lnSpc>
+                <a:spcPct val="90000"/>
+              </a:lnSpc>
+              <a:spcBef>
+                <a:spcPts val="500"/>
+              </a:spcBef>
+              <a:buFont typeface="Arial" panose="020B0604020202020204" pitchFamily="34" charset="0"/>
+              <a:buChar char="•"/>
+              <a:defRPr sz="1800" kern="1200">
+                <a:solidFill>
+                  <a:schemeClr val="tx1"/>
+                </a:solidFill>
+                <a:latin typeface="+mn-lt"/>
+                <a:ea typeface="+mn-ea"/>
+                <a:cs typeface="+mn-cs"/>
+              </a:defRPr>
+            </a:lvl7pPr>
+            <a:lvl8pPr marL="3429000" indent="-228600" algn="l" defTabSz="914400" rtl="0" eaLnBrk="1" latinLnBrk="1" hangingPunct="1">
+              <a:lnSpc>
+                <a:spcPct val="90000"/>
+              </a:lnSpc>
+              <a:spcBef>
+                <a:spcPts val="500"/>
+              </a:spcBef>
+              <a:buFont typeface="Arial" panose="020B0604020202020204" pitchFamily="34" charset="0"/>
+              <a:buChar char="•"/>
+              <a:defRPr sz="1800" kern="1200">
+                <a:solidFill>
+                  <a:schemeClr val="tx1"/>
+                </a:solidFill>
+                <a:latin typeface="+mn-lt"/>
+                <a:ea typeface="+mn-ea"/>
+                <a:cs typeface="+mn-cs"/>
+              </a:defRPr>
+            </a:lvl8pPr>
+            <a:lvl9pPr marL="3886200" indent="-228600" algn="l" defTabSz="914400" rtl="0" eaLnBrk="1" latinLnBrk="1" hangingPunct="1">
+              <a:lnSpc>
+                <a:spcPct val="90000"/>
+              </a:lnSpc>
+              <a:spcBef>
+                <a:spcPts val="500"/>
+              </a:spcBef>
+              <a:buFont typeface="Arial" panose="020B0604020202020204" pitchFamily="34" charset="0"/>
+              <a:buChar char="•"/>
+              <a:defRPr sz="1800" kern="1200">
+                <a:solidFill>
+                  <a:schemeClr val="tx1"/>
+                </a:solidFill>
+                <a:latin typeface="+mn-lt"/>
+                <a:ea typeface="+mn-ea"/>
+                <a:cs typeface="+mn-cs"/>
+              </a:defRPr>
+            </a:lvl9pPr>
+          </a:lstStyle>
+          <a:p>
+            <a:pPr>
+              <a:lnSpc>
+                <a:spcPct val="150000"/>
+              </a:lnSpc>
+              <a:buFont typeface="Wingdings" panose="05000000000000000000" pitchFamily="2" charset="2"/>
+              <a:buChar char="§"/>
+            </a:pPr>
+            <a:r>
+              <a:rPr lang="ko-KR" altLang="en-US" sz="2000" b="1" dirty="0" smtClean="0">
+                <a:solidFill>
+                  <a:srgbClr val="002060"/>
+                </a:solidFill>
+              </a:rPr>
+              <a:t>구성요소</a:t>
+            </a:r>
+            <a:r>
+              <a:rPr lang="en-US" altLang="ko-KR" sz="2000" b="1" dirty="0" smtClean="0">
+                <a:solidFill>
+                  <a:srgbClr val="002060"/>
+                </a:solidFill>
+              </a:rPr>
+              <a:t> </a:t>
+            </a:r>
+            <a:r>
+              <a:rPr lang="ko-KR" altLang="en-US" sz="2000" b="1" dirty="0" smtClean="0">
+                <a:solidFill>
+                  <a:srgbClr val="002060"/>
+                </a:solidFill>
+              </a:rPr>
+              <a:t>  </a:t>
+            </a:r>
+            <a:r>
+              <a:rPr lang="en-US" altLang="ko-KR" sz="2000" b="1" dirty="0" smtClean="0">
+                <a:solidFill>
+                  <a:srgbClr val="002060"/>
+                </a:solidFill>
+              </a:rPr>
+              <a:t> </a:t>
+            </a:r>
+            <a:r>
+              <a:rPr lang="ko-KR" altLang="en-US" sz="2000" b="1" dirty="0" smtClean="0">
+                <a:solidFill>
+                  <a:srgbClr val="002060"/>
+                </a:solidFill>
+              </a:rPr>
+              <a:t> </a:t>
+            </a:r>
+            <a:endParaRPr lang="en-US" altLang="ko-KR" sz="2000" b="1" dirty="0">
+              <a:solidFill>
+                <a:srgbClr val="002060"/>
+              </a:solidFill>
+            </a:endParaRPr>
+          </a:p>
+        </p:txBody>
+      </p:sp>
+      <p:pic>
+        <p:nvPicPr>
+          <p:cNvPr id="2" name="그림 1"/>
+          <p:cNvPicPr>
+            <a:picLocks noChangeAspect="1"/>
+          </p:cNvPicPr>
+          <p:nvPr/>
+        </p:nvPicPr>
+        <p:blipFill>
+          <a:blip r:embed="rId3">
+            <a:extLst>
+              <a:ext uri="{28A0092B-C50C-407E-A947-70E740481C1C}">
+                <a14:useLocalDpi xmlns:a14="http://schemas.microsoft.com/office/drawing/2010/main" val="0"/>
+              </a:ext>
+            </a:extLst>
+          </a:blip>
+          <a:stretch>
+            <a:fillRect/>
+          </a:stretch>
+        </p:blipFill>
+        <p:spPr>
+          <a:xfrm>
+            <a:off x="1280592" y="1793704"/>
+            <a:ext cx="3558848" cy="2156647"/>
+          </a:xfrm>
+          <a:prstGeom prst="rect">
+            <a:avLst/>
+          </a:prstGeom>
+          <a:ln>
+            <a:noFill/>
+          </a:ln>
+        </p:spPr>
+      </p:pic>
+      <p:pic>
+        <p:nvPicPr>
+          <p:cNvPr id="4" name="그림 3"/>
+          <p:cNvPicPr>
+            <a:picLocks noChangeAspect="1"/>
+          </p:cNvPicPr>
+          <p:nvPr/>
+        </p:nvPicPr>
+        <p:blipFill>
+          <a:blip r:embed="rId4">
+            <a:extLst>
+              <a:ext uri="{28A0092B-C50C-407E-A947-70E740481C1C}">
+                <a14:useLocalDpi xmlns:a14="http://schemas.microsoft.com/office/drawing/2010/main" val="0"/>
+              </a:ext>
+            </a:extLst>
+          </a:blip>
+          <a:stretch>
+            <a:fillRect/>
+          </a:stretch>
+        </p:blipFill>
+        <p:spPr>
+          <a:xfrm>
+            <a:off x="2821648" y="3811405"/>
+            <a:ext cx="5990895" cy="2734973"/>
+          </a:xfrm>
+          <a:prstGeom prst="rect">
+            <a:avLst/>
+          </a:prstGeom>
+          <a:ln>
+            <a:solidFill>
+              <a:schemeClr val="bg1">
+                <a:lumMod val="85000"/>
+              </a:schemeClr>
+            </a:solidFill>
+          </a:ln>
+        </p:spPr>
+      </p:pic>
+      <p:pic>
+        <p:nvPicPr>
+          <p:cNvPr id="3" name="그림 2"/>
+          <p:cNvPicPr>
+            <a:picLocks noChangeAspect="1"/>
+          </p:cNvPicPr>
+          <p:nvPr/>
+        </p:nvPicPr>
+        <p:blipFill>
+          <a:blip r:embed="rId5">
+            <a:extLst>
+              <a:ext uri="{28A0092B-C50C-407E-A947-70E740481C1C}">
+                <a14:useLocalDpi xmlns:a14="http://schemas.microsoft.com/office/drawing/2010/main" val="0"/>
+              </a:ext>
+            </a:extLst>
+          </a:blip>
+          <a:stretch>
+            <a:fillRect/>
+          </a:stretch>
+        </p:blipFill>
+        <p:spPr>
+          <a:xfrm>
+            <a:off x="5932223" y="1908723"/>
+            <a:ext cx="2880320" cy="1714173"/>
+          </a:xfrm>
+          <a:prstGeom prst="rect">
+            <a:avLst/>
+          </a:prstGeom>
+          <a:ln>
+            <a:solidFill>
+              <a:schemeClr val="bg1">
+                <a:lumMod val="85000"/>
+              </a:schemeClr>
+            </a:solidFill>
+          </a:ln>
+        </p:spPr>
+      </p:pic>
+    </p:spTree>
+    <p:extLst>
+      <p:ext uri="{BB962C8B-B14F-4D97-AF65-F5344CB8AC3E}">
+        <p14:creationId xmlns:p14="http://schemas.microsoft.com/office/powerpoint/2010/main" val="901687082"/>
+      </p:ext>
+    </p:extLst>
+  </p:cSld>
+  <p:clrMapOvr>
+    <a:masterClrMapping/>
+  </p:clrMapOvr>
+  <p:timing>
+    <p:tnLst>
+      <p:par>
+        <p:cTn id="1" dur="indefinite" restart="never" nodeType="tmRoot"/>
+      </p:par>
+    </p:tnLst>
+  </p:timing>
+</p:sld>
+</file>
+
+<file path=ppt/slides/slide25.xml><?xml version="1.0" encoding="utf-8"?>
+<p:sld xmlns:a="http://schemas.openxmlformats.org/drawingml/2006/main" xmlns:r="http://schemas.openxmlformats.org/officeDocument/2006/relationships" xmlns:p="http://schemas.openxmlformats.org/presentationml/2006/main">
+  <p:cSld>
+    <p:spTree>
+      <p:nvGrpSpPr>
+        <p:cNvPr id="1" name=""/>
+        <p:cNvGrpSpPr/>
+        <p:nvPr/>
+      </p:nvGrpSpPr>
+      <p:grpSpPr>
+        <a:xfrm>
+          <a:off x="0" y="0"/>
+          <a:ext cx="0" cy="0"/>
+          <a:chOff x="0" y="0"/>
+          <a:chExt cx="0" cy="0"/>
+        </a:xfrm>
+      </p:grpSpPr>
+      <p:sp>
+        <p:nvSpPr>
+          <p:cNvPr id="6" name="제목 5"/>
+          <p:cNvSpPr>
+            <a:spLocks noGrp="1"/>
+          </p:cNvSpPr>
+          <p:nvPr>
+            <p:ph type="title"/>
+          </p:nvPr>
+        </p:nvSpPr>
+        <p:spPr/>
+        <p:txBody>
+          <a:bodyPr>
+            <a:noAutofit/>
+          </a:bodyPr>
+          <a:lstStyle/>
+          <a:p>
+            <a:r>
+              <a:rPr lang="en-US" altLang="ko-KR" sz="2800" dirty="0" smtClean="0"/>
+              <a:t> </a:t>
+            </a:r>
+            <a:r>
+              <a:rPr lang="ko-KR" altLang="en-US" sz="2800" b="1" dirty="0" err="1">
+                <a:solidFill>
+                  <a:schemeClr val="tx1"/>
+                </a:solidFill>
+              </a:rPr>
+              <a:t>그리드</a:t>
+            </a:r>
+            <a:r>
+              <a:rPr lang="ko-KR" altLang="en-US" sz="2800" b="1" dirty="0">
+                <a:solidFill>
+                  <a:schemeClr val="tx1"/>
+                </a:solidFill>
+              </a:rPr>
+              <a:t> 시스템</a:t>
+            </a:r>
+            <a:r>
+              <a:rPr lang="en-US" altLang="ko-KR" sz="2800" b="1" dirty="0">
+                <a:solidFill>
+                  <a:schemeClr val="tx1"/>
+                </a:solidFill>
+              </a:rPr>
+              <a:t>(Grid </a:t>
+            </a:r>
+            <a:r>
+              <a:rPr lang="en-US" altLang="ko-KR" sz="2800" b="1" dirty="0" smtClean="0">
+                <a:solidFill>
+                  <a:schemeClr val="tx1"/>
+                </a:solidFill>
+              </a:rPr>
+              <a:t>System)</a:t>
+            </a:r>
+            <a:endParaRPr lang="ko-KR" altLang="en-US" sz="2800" dirty="0">
+              <a:solidFill>
+                <a:schemeClr val="tx1"/>
+              </a:solidFill>
+            </a:endParaRPr>
+          </a:p>
+        </p:txBody>
+      </p:sp>
+      <p:sp>
+        <p:nvSpPr>
+          <p:cNvPr id="5" name="슬라이드 번호 개체 틀 4"/>
+          <p:cNvSpPr>
+            <a:spLocks noGrp="1"/>
+          </p:cNvSpPr>
+          <p:nvPr>
+            <p:ph type="sldNum" sz="quarter" idx="12"/>
+          </p:nvPr>
+        </p:nvSpPr>
+        <p:spPr/>
+        <p:txBody>
+          <a:bodyPr/>
+          <a:lstStyle/>
+          <a:p>
+            <a:fld id="{1BDE3FE7-3AEA-4B05-AC5A-802D1816ACF0}" type="slidenum">
+              <a:rPr lang="ko-KR" altLang="en-US" smtClean="0"/>
+              <a:t>25</a:t>
+            </a:fld>
+            <a:endParaRPr lang="ko-KR" altLang="en-US"/>
+          </a:p>
+        </p:txBody>
+      </p:sp>
+      <p:sp>
+        <p:nvSpPr>
+          <p:cNvPr id="24" name="내용 개체 틀 2">
+            <a:extLst>
+              <a:ext uri="{FF2B5EF4-FFF2-40B4-BE49-F238E27FC236}">
+                <a16:creationId xmlns:a16="http://schemas.microsoft.com/office/drawing/2014/main" id="{98AF3A4E-7D90-4241-89FE-799D6F9D5A94}"/>
+              </a:ext>
+            </a:extLst>
+          </p:cNvPr>
+          <p:cNvSpPr txBox="1">
+            <a:spLocks/>
+          </p:cNvSpPr>
+          <p:nvPr/>
+        </p:nvSpPr>
+        <p:spPr>
+          <a:xfrm>
+            <a:off x="776536" y="1103856"/>
+            <a:ext cx="4536504" cy="596952"/>
+          </a:xfrm>
+          <a:prstGeom prst="rect">
+            <a:avLst/>
+          </a:prstGeom>
+        </p:spPr>
+        <p:txBody>
+          <a:bodyPr/>
+          <a:lstStyle>
+            <a:lvl1pPr marL="228600" indent="-228600" algn="l" defTabSz="914400" rtl="0" eaLnBrk="1" latinLnBrk="1" hangingPunct="1">
+              <a:lnSpc>
+                <a:spcPct val="90000"/>
+              </a:lnSpc>
+              <a:spcBef>
+                <a:spcPts val="1000"/>
+              </a:spcBef>
+              <a:buFont typeface="Arial" panose="020B0604020202020204" pitchFamily="34" charset="0"/>
+              <a:buChar char="•"/>
+              <a:defRPr sz="2800" kern="1200">
+                <a:solidFill>
+                  <a:schemeClr val="tx1"/>
+                </a:solidFill>
+                <a:latin typeface="+mn-lt"/>
+                <a:ea typeface="+mn-ea"/>
+                <a:cs typeface="+mn-cs"/>
+              </a:defRPr>
+            </a:lvl1pPr>
+            <a:lvl2pPr marL="685800" indent="-228600" algn="l" defTabSz="914400" rtl="0" eaLnBrk="1" latinLnBrk="1" hangingPunct="1">
+              <a:lnSpc>
+                <a:spcPct val="90000"/>
+              </a:lnSpc>
+              <a:spcBef>
+                <a:spcPts val="500"/>
+              </a:spcBef>
+              <a:buFont typeface="Arial" panose="020B0604020202020204" pitchFamily="34" charset="0"/>
+              <a:buChar char="•"/>
+              <a:defRPr sz="2400" kern="1200">
+                <a:solidFill>
+                  <a:schemeClr val="tx1"/>
+                </a:solidFill>
+                <a:latin typeface="+mn-lt"/>
+                <a:ea typeface="+mn-ea"/>
+                <a:cs typeface="+mn-cs"/>
+              </a:defRPr>
+            </a:lvl2pPr>
+            <a:lvl3pPr marL="1143000" indent="-228600" algn="l" defTabSz="914400" rtl="0" eaLnBrk="1" latinLnBrk="1" hangingPunct="1">
+              <a:lnSpc>
+                <a:spcPct val="90000"/>
+              </a:lnSpc>
+              <a:spcBef>
+                <a:spcPts val="500"/>
+              </a:spcBef>
+              <a:buFont typeface="Arial" panose="020B0604020202020204" pitchFamily="34" charset="0"/>
+              <a:buChar char="•"/>
+              <a:defRPr sz="2000" kern="1200">
+                <a:solidFill>
+                  <a:schemeClr val="tx1"/>
+                </a:solidFill>
+                <a:latin typeface="+mn-lt"/>
+                <a:ea typeface="+mn-ea"/>
+                <a:cs typeface="+mn-cs"/>
+              </a:defRPr>
+            </a:lvl3pPr>
+            <a:lvl4pPr marL="1600200" indent="-228600" algn="l" defTabSz="914400" rtl="0" eaLnBrk="1" latinLnBrk="1" hangingPunct="1">
+              <a:lnSpc>
+                <a:spcPct val="90000"/>
+              </a:lnSpc>
+              <a:spcBef>
+                <a:spcPts val="500"/>
+              </a:spcBef>
+              <a:buFont typeface="Arial" panose="020B0604020202020204" pitchFamily="34" charset="0"/>
+              <a:buChar char="•"/>
+              <a:defRPr sz="1800" kern="1200">
+                <a:solidFill>
+                  <a:schemeClr val="tx1"/>
+                </a:solidFill>
+                <a:latin typeface="+mn-lt"/>
+                <a:ea typeface="+mn-ea"/>
+                <a:cs typeface="+mn-cs"/>
+              </a:defRPr>
+            </a:lvl4pPr>
+            <a:lvl5pPr marL="2057400" indent="-228600" algn="l" defTabSz="914400" rtl="0" eaLnBrk="1" latinLnBrk="1" hangingPunct="1">
+              <a:lnSpc>
+                <a:spcPct val="90000"/>
+              </a:lnSpc>
+              <a:spcBef>
+                <a:spcPts val="500"/>
+              </a:spcBef>
+              <a:buFont typeface="Arial" panose="020B0604020202020204" pitchFamily="34" charset="0"/>
+              <a:buChar char="•"/>
+              <a:defRPr sz="1800" kern="1200">
+                <a:solidFill>
+                  <a:schemeClr val="tx1"/>
+                </a:solidFill>
+                <a:latin typeface="+mn-lt"/>
+                <a:ea typeface="+mn-ea"/>
+                <a:cs typeface="+mn-cs"/>
+              </a:defRPr>
+            </a:lvl5pPr>
+            <a:lvl6pPr marL="2514600" indent="-228600" algn="l" defTabSz="914400" rtl="0" eaLnBrk="1" latinLnBrk="1" hangingPunct="1">
+              <a:lnSpc>
+                <a:spcPct val="90000"/>
+              </a:lnSpc>
+              <a:spcBef>
+                <a:spcPts val="500"/>
+              </a:spcBef>
+              <a:buFont typeface="Arial" panose="020B0604020202020204" pitchFamily="34" charset="0"/>
+              <a:buChar char="•"/>
+              <a:defRPr sz="1800" kern="1200">
+                <a:solidFill>
+                  <a:schemeClr val="tx1"/>
+                </a:solidFill>
+                <a:latin typeface="+mn-lt"/>
+                <a:ea typeface="+mn-ea"/>
+                <a:cs typeface="+mn-cs"/>
+              </a:defRPr>
+            </a:lvl6pPr>
+            <a:lvl7pPr marL="2971800" indent="-228600" algn="l" defTabSz="914400" rtl="0" eaLnBrk="1" latinLnBrk="1" hangingPunct="1">
+              <a:lnSpc>
+                <a:spcPct val="90000"/>
+              </a:lnSpc>
+              <a:spcBef>
+                <a:spcPts val="500"/>
+              </a:spcBef>
+              <a:buFont typeface="Arial" panose="020B0604020202020204" pitchFamily="34" charset="0"/>
+              <a:buChar char="•"/>
+              <a:defRPr sz="1800" kern="1200">
+                <a:solidFill>
+                  <a:schemeClr val="tx1"/>
+                </a:solidFill>
+                <a:latin typeface="+mn-lt"/>
+                <a:ea typeface="+mn-ea"/>
+                <a:cs typeface="+mn-cs"/>
+              </a:defRPr>
+            </a:lvl7pPr>
+            <a:lvl8pPr marL="3429000" indent="-228600" algn="l" defTabSz="914400" rtl="0" eaLnBrk="1" latinLnBrk="1" hangingPunct="1">
+              <a:lnSpc>
+                <a:spcPct val="90000"/>
+              </a:lnSpc>
+              <a:spcBef>
+                <a:spcPts val="500"/>
+              </a:spcBef>
+              <a:buFont typeface="Arial" panose="020B0604020202020204" pitchFamily="34" charset="0"/>
+              <a:buChar char="•"/>
+              <a:defRPr sz="1800" kern="1200">
+                <a:solidFill>
+                  <a:schemeClr val="tx1"/>
+                </a:solidFill>
+                <a:latin typeface="+mn-lt"/>
+                <a:ea typeface="+mn-ea"/>
+                <a:cs typeface="+mn-cs"/>
+              </a:defRPr>
+            </a:lvl8pPr>
+            <a:lvl9pPr marL="3886200" indent="-228600" algn="l" defTabSz="914400" rtl="0" eaLnBrk="1" latinLnBrk="1" hangingPunct="1">
+              <a:lnSpc>
+                <a:spcPct val="90000"/>
+              </a:lnSpc>
+              <a:spcBef>
+                <a:spcPts val="500"/>
+              </a:spcBef>
+              <a:buFont typeface="Arial" panose="020B0604020202020204" pitchFamily="34" charset="0"/>
+              <a:buChar char="•"/>
+              <a:defRPr sz="1800" kern="1200">
+                <a:solidFill>
+                  <a:schemeClr val="tx1"/>
+                </a:solidFill>
+                <a:latin typeface="+mn-lt"/>
+                <a:ea typeface="+mn-ea"/>
+                <a:cs typeface="+mn-cs"/>
+              </a:defRPr>
+            </a:lvl9pPr>
+          </a:lstStyle>
+          <a:p>
+            <a:pPr>
+              <a:lnSpc>
+                <a:spcPct val="150000"/>
+              </a:lnSpc>
+              <a:buFont typeface="Wingdings" panose="05000000000000000000" pitchFamily="2" charset="2"/>
+              <a:buChar char="§"/>
+            </a:pPr>
+            <a:r>
+              <a:rPr lang="ko-KR" altLang="en-US" sz="2000" b="1" dirty="0" err="1" smtClean="0">
+                <a:solidFill>
+                  <a:srgbClr val="002060"/>
+                </a:solidFill>
+              </a:rPr>
+              <a:t>그리드</a:t>
+            </a:r>
+            <a:r>
+              <a:rPr lang="ko-KR" altLang="en-US" sz="2000" b="1" dirty="0" smtClean="0">
+                <a:solidFill>
+                  <a:srgbClr val="002060"/>
+                </a:solidFill>
+              </a:rPr>
+              <a:t> 시스템</a:t>
+            </a:r>
+            <a:r>
+              <a:rPr lang="en-US" altLang="ko-KR" sz="2000" b="1" dirty="0" smtClean="0">
+                <a:solidFill>
+                  <a:srgbClr val="002060"/>
+                </a:solidFill>
+              </a:rPr>
+              <a:t>(Grid System)</a:t>
+            </a:r>
+            <a:r>
+              <a:rPr lang="ko-KR" altLang="en-US" sz="2000" b="1" dirty="0" smtClean="0">
+                <a:solidFill>
+                  <a:srgbClr val="002060"/>
+                </a:solidFill>
+              </a:rPr>
+              <a:t>  </a:t>
+            </a:r>
+            <a:r>
+              <a:rPr lang="en-US" altLang="ko-KR" sz="2000" b="1" dirty="0" smtClean="0">
+                <a:solidFill>
+                  <a:srgbClr val="002060"/>
+                </a:solidFill>
+              </a:rPr>
+              <a:t> </a:t>
+            </a:r>
+            <a:r>
+              <a:rPr lang="ko-KR" altLang="en-US" sz="2000" b="1" dirty="0" smtClean="0">
+                <a:solidFill>
+                  <a:srgbClr val="002060"/>
+                </a:solidFill>
+              </a:rPr>
+              <a:t> </a:t>
+            </a:r>
+            <a:endParaRPr lang="en-US" altLang="ko-KR" sz="2000" b="1" dirty="0">
+              <a:solidFill>
+                <a:srgbClr val="002060"/>
+              </a:solidFill>
+            </a:endParaRPr>
+          </a:p>
+        </p:txBody>
+      </p:sp>
+      <p:sp>
+        <p:nvSpPr>
+          <p:cNvPr id="10" name="TextBox 9"/>
+          <p:cNvSpPr txBox="1"/>
+          <p:nvPr/>
+        </p:nvSpPr>
+        <p:spPr>
+          <a:xfrm>
+            <a:off x="1136576" y="1636345"/>
+            <a:ext cx="8052781" cy="2031325"/>
+          </a:xfrm>
+          <a:prstGeom prst="rect">
+            <a:avLst/>
+          </a:prstGeom>
+          <a:noFill/>
+        </p:spPr>
+        <p:txBody>
+          <a:bodyPr wrap="square" rtlCol="0">
+            <a:spAutoFit/>
+          </a:bodyPr>
+          <a:lstStyle/>
+          <a:p>
+            <a:r>
+              <a:rPr lang="ko-KR" altLang="en-US" dirty="0" smtClean="0"/>
+              <a:t>부트스트랩은 기본적으로 한 행</a:t>
+            </a:r>
+            <a:r>
+              <a:rPr lang="en-US" altLang="ko-KR" dirty="0" smtClean="0"/>
+              <a:t>(row)</a:t>
+            </a:r>
+            <a:r>
+              <a:rPr lang="ko-KR" altLang="en-US" dirty="0" smtClean="0"/>
+              <a:t>을 </a:t>
+            </a:r>
+            <a:r>
+              <a:rPr lang="en-US" altLang="ko-KR" dirty="0" smtClean="0"/>
+              <a:t>12</a:t>
+            </a:r>
+            <a:r>
+              <a:rPr lang="ko-KR" altLang="en-US" dirty="0" smtClean="0"/>
+              <a:t>열</a:t>
+            </a:r>
+            <a:r>
+              <a:rPr lang="en-US" altLang="ko-KR" dirty="0" smtClean="0"/>
+              <a:t>(column)</a:t>
+            </a:r>
+            <a:r>
+              <a:rPr lang="ko-KR" altLang="en-US" dirty="0" smtClean="0"/>
+              <a:t>로 구분하는 </a:t>
+            </a:r>
+            <a:r>
+              <a:rPr lang="ko-KR" altLang="en-US" dirty="0" err="1" smtClean="0"/>
+              <a:t>그리드</a:t>
+            </a:r>
+            <a:r>
+              <a:rPr lang="ko-KR" altLang="en-US" dirty="0" smtClean="0"/>
+              <a:t> 시스템을 제공하는데</a:t>
+            </a:r>
+            <a:r>
+              <a:rPr lang="en-US" altLang="ko-KR" dirty="0" smtClean="0"/>
+              <a:t> </a:t>
+            </a:r>
+            <a:r>
+              <a:rPr lang="ko-KR" altLang="en-US" dirty="0" err="1" smtClean="0"/>
+              <a:t>반응형</a:t>
+            </a:r>
+            <a:r>
+              <a:rPr lang="ko-KR" altLang="en-US" dirty="0" smtClean="0"/>
+              <a:t> 웹 페이지를 구현하기 위한 필수 기능이다</a:t>
+            </a:r>
+            <a:r>
+              <a:rPr lang="en-US" altLang="ko-KR" dirty="0" smtClean="0"/>
+              <a:t>.</a:t>
+            </a:r>
+          </a:p>
+          <a:p>
+            <a:endParaRPr lang="en-US" altLang="ko-KR" dirty="0" smtClean="0"/>
+          </a:p>
+          <a:p>
+            <a:r>
+              <a:rPr lang="en-US" altLang="ko-KR" dirty="0" smtClean="0"/>
+              <a:t>== </a:t>
+            </a:r>
+            <a:r>
+              <a:rPr lang="ko-KR" altLang="en-US" dirty="0" err="1" smtClean="0"/>
+              <a:t>규</a:t>
+            </a:r>
+            <a:r>
+              <a:rPr lang="ko-KR" altLang="en-US" dirty="0" smtClean="0"/>
+              <a:t> </a:t>
+            </a:r>
+            <a:r>
+              <a:rPr lang="ko-KR" altLang="en-US" dirty="0" err="1" smtClean="0"/>
+              <a:t>칙</a:t>
+            </a:r>
+            <a:r>
+              <a:rPr lang="ko-KR" altLang="en-US" dirty="0" smtClean="0"/>
+              <a:t> </a:t>
+            </a:r>
+            <a:r>
+              <a:rPr lang="en-US" altLang="ko-KR" dirty="0" smtClean="0"/>
+              <a:t>==</a:t>
+            </a:r>
+          </a:p>
+          <a:p>
+            <a:pPr marL="285750" indent="-285750">
+              <a:buFont typeface="Arial" panose="020B0604020202020204" pitchFamily="34" charset="0"/>
+              <a:buChar char="•"/>
+            </a:pPr>
+            <a:r>
+              <a:rPr lang="en-US" altLang="ko-KR" dirty="0" smtClean="0"/>
+              <a:t>row </a:t>
+            </a:r>
+            <a:r>
+              <a:rPr lang="ko-KR" altLang="en-US" dirty="0" smtClean="0"/>
+              <a:t>클래스는 </a:t>
+            </a:r>
+            <a:r>
+              <a:rPr lang="en-US" altLang="ko-KR" dirty="0"/>
+              <a:t>&lt;div class</a:t>
+            </a:r>
+            <a:r>
+              <a:rPr lang="en-US" altLang="ko-KR" dirty="0" smtClean="0"/>
+              <a:t>=“row”&gt; </a:t>
+            </a:r>
+            <a:r>
+              <a:rPr lang="ko-KR" altLang="en-US" dirty="0" smtClean="0"/>
+              <a:t>형태로</a:t>
+            </a:r>
+            <a:r>
+              <a:rPr lang="en-US" altLang="ko-KR" dirty="0" smtClean="0"/>
+              <a:t> container</a:t>
+            </a:r>
+            <a:r>
+              <a:rPr lang="ko-KR" altLang="en-US" dirty="0" smtClean="0"/>
+              <a:t>안에 위치해야 정상적인 배열이 가능</a:t>
+            </a:r>
+            <a:r>
+              <a:rPr lang="ko-KR" altLang="en-US" dirty="0"/>
+              <a:t>함</a:t>
+            </a:r>
+            <a:endParaRPr lang="en-US" altLang="ko-KR" dirty="0" smtClean="0"/>
+          </a:p>
+          <a:p>
+            <a:pPr marL="285750" indent="-285750">
+              <a:buFont typeface="Arial" panose="020B0604020202020204" pitchFamily="34" charset="0"/>
+              <a:buChar char="•"/>
+            </a:pPr>
+            <a:r>
+              <a:rPr lang="ko-KR" altLang="en-US" dirty="0" smtClean="0"/>
+              <a:t>내용은 </a:t>
+            </a:r>
+            <a:r>
+              <a:rPr lang="en-US" altLang="ko-KR" dirty="0" smtClean="0"/>
+              <a:t>col-* </a:t>
+            </a:r>
+            <a:r>
+              <a:rPr lang="ko-KR" altLang="en-US" dirty="0" smtClean="0"/>
+              <a:t>형태로 의 자식 요소로 배치되어야 함 </a:t>
+            </a:r>
+            <a:r>
+              <a:rPr lang="en-US" altLang="ko-KR" dirty="0" smtClean="0"/>
+              <a:t>&lt;div class=“col-6”&gt;</a:t>
+            </a:r>
+          </a:p>
+        </p:txBody>
+      </p:sp>
+      <p:pic>
+        <p:nvPicPr>
+          <p:cNvPr id="2" name="그림 1"/>
+          <p:cNvPicPr>
+            <a:picLocks noChangeAspect="1"/>
+          </p:cNvPicPr>
+          <p:nvPr/>
+        </p:nvPicPr>
+        <p:blipFill rotWithShape="1">
+          <a:blip r:embed="rId3">
+            <a:extLst>
+              <a:ext uri="{28A0092B-C50C-407E-A947-70E740481C1C}">
+                <a14:useLocalDpi xmlns:a14="http://schemas.microsoft.com/office/drawing/2010/main" val="0"/>
+              </a:ext>
+            </a:extLst>
+          </a:blip>
+          <a:srcRect b="50000"/>
+          <a:stretch/>
+        </p:blipFill>
+        <p:spPr>
+          <a:xfrm>
+            <a:off x="1928664" y="3829109"/>
+            <a:ext cx="2430991" cy="2686283"/>
+          </a:xfrm>
+          <a:prstGeom prst="rect">
+            <a:avLst/>
+          </a:prstGeom>
+          <a:ln>
+            <a:solidFill>
+              <a:schemeClr val="bg1">
+                <a:lumMod val="85000"/>
+              </a:schemeClr>
+            </a:solidFill>
+          </a:ln>
+        </p:spPr>
+      </p:pic>
+      <p:pic>
+        <p:nvPicPr>
+          <p:cNvPr id="9" name="그림 8"/>
+          <p:cNvPicPr>
+            <a:picLocks noChangeAspect="1"/>
+          </p:cNvPicPr>
+          <p:nvPr/>
+        </p:nvPicPr>
+        <p:blipFill rotWithShape="1">
+          <a:blip r:embed="rId3">
+            <a:extLst>
+              <a:ext uri="{28A0092B-C50C-407E-A947-70E740481C1C}">
+                <a14:useLocalDpi xmlns:a14="http://schemas.microsoft.com/office/drawing/2010/main" val="0"/>
+              </a:ext>
+            </a:extLst>
+          </a:blip>
+          <a:srcRect t="51583"/>
+          <a:stretch/>
+        </p:blipFill>
+        <p:spPr>
+          <a:xfrm>
+            <a:off x="5025008" y="3829109"/>
+            <a:ext cx="2430991" cy="2601254"/>
+          </a:xfrm>
+          <a:prstGeom prst="rect">
+            <a:avLst/>
+          </a:prstGeom>
+          <a:ln>
+            <a:solidFill>
+              <a:schemeClr val="bg1">
+                <a:lumMod val="85000"/>
+              </a:schemeClr>
+            </a:solidFill>
+          </a:ln>
+        </p:spPr>
+      </p:pic>
+    </p:spTree>
+    <p:extLst>
+      <p:ext uri="{BB962C8B-B14F-4D97-AF65-F5344CB8AC3E}">
+        <p14:creationId xmlns:p14="http://schemas.microsoft.com/office/powerpoint/2010/main" val="4152798556"/>
+      </p:ext>
+    </p:extLst>
+  </p:cSld>
+  <p:clrMapOvr>
+    <a:masterClrMapping/>
+  </p:clrMapOvr>
+  <p:timing>
+    <p:tnLst>
+      <p:par>
+        <p:cTn id="1" dur="indefinite" restart="never" nodeType="tmRoot"/>
+      </p:par>
+    </p:tnLst>
+  </p:timing>
+</p:sld>
+</file>
+
+<file path=ppt/slides/slide26.xml><?xml version="1.0" encoding="utf-8"?>
+<p:sld xmlns:a="http://schemas.openxmlformats.org/drawingml/2006/main" xmlns:r="http://schemas.openxmlformats.org/officeDocument/2006/relationships" xmlns:p="http://schemas.openxmlformats.org/presentationml/2006/main">
+  <p:cSld>
+    <p:spTree>
+      <p:nvGrpSpPr>
+        <p:cNvPr id="1" name=""/>
+        <p:cNvGrpSpPr/>
+        <p:nvPr/>
+      </p:nvGrpSpPr>
+      <p:grpSpPr>
+        <a:xfrm>
+          <a:off x="0" y="0"/>
+          <a:ext cx="0" cy="0"/>
+          <a:chOff x="0" y="0"/>
+          <a:chExt cx="0" cy="0"/>
+        </a:xfrm>
+      </p:grpSpPr>
+      <p:sp>
+        <p:nvSpPr>
+          <p:cNvPr id="6" name="제목 5"/>
+          <p:cNvSpPr>
+            <a:spLocks noGrp="1"/>
+          </p:cNvSpPr>
+          <p:nvPr>
+            <p:ph type="title"/>
+          </p:nvPr>
+        </p:nvSpPr>
+        <p:spPr/>
+        <p:txBody>
+          <a:bodyPr/>
+          <a:lstStyle/>
+          <a:p>
+            <a:r>
+              <a:rPr lang="en-US" altLang="ko-KR" dirty="0" smtClean="0"/>
+              <a:t> </a:t>
+            </a:r>
+            <a:r>
+              <a:rPr lang="ko-KR" altLang="en-US" sz="2800" dirty="0" err="1" smtClean="0"/>
+              <a:t>그리드</a:t>
+            </a:r>
+            <a:r>
+              <a:rPr lang="ko-KR" altLang="en-US" sz="2800" dirty="0" smtClean="0"/>
+              <a:t> 사용 </a:t>
+            </a:r>
+            <a:endParaRPr lang="ko-KR" altLang="en-US" sz="2800" dirty="0"/>
+          </a:p>
+        </p:txBody>
+      </p:sp>
+      <p:sp>
+        <p:nvSpPr>
+          <p:cNvPr id="5" name="슬라이드 번호 개체 틀 4"/>
+          <p:cNvSpPr>
+            <a:spLocks noGrp="1"/>
+          </p:cNvSpPr>
+          <p:nvPr>
+            <p:ph type="sldNum" sz="quarter" idx="12"/>
+          </p:nvPr>
+        </p:nvSpPr>
+        <p:spPr/>
+        <p:txBody>
+          <a:bodyPr/>
+          <a:lstStyle/>
+          <a:p>
+            <a:fld id="{1BDE3FE7-3AEA-4B05-AC5A-802D1816ACF0}" type="slidenum">
+              <a:rPr lang="ko-KR" altLang="en-US" smtClean="0"/>
+              <a:t>26</a:t>
+            </a:fld>
+            <a:endParaRPr lang="ko-KR" altLang="en-US"/>
+          </a:p>
+        </p:txBody>
+      </p:sp>
+      <p:sp>
+        <p:nvSpPr>
+          <p:cNvPr id="24" name="내용 개체 틀 2">
+            <a:extLst>
+              <a:ext uri="{FF2B5EF4-FFF2-40B4-BE49-F238E27FC236}">
+                <a16:creationId xmlns:a16="http://schemas.microsoft.com/office/drawing/2014/main" id="{98AF3A4E-7D90-4241-89FE-799D6F9D5A94}"/>
+              </a:ext>
+            </a:extLst>
+          </p:cNvPr>
+          <p:cNvSpPr txBox="1">
+            <a:spLocks/>
+          </p:cNvSpPr>
+          <p:nvPr/>
+        </p:nvSpPr>
+        <p:spPr>
+          <a:xfrm>
+            <a:off x="920552" y="1196752"/>
+            <a:ext cx="6192688" cy="596952"/>
+          </a:xfrm>
+          <a:prstGeom prst="rect">
+            <a:avLst/>
+          </a:prstGeom>
+        </p:spPr>
+        <p:txBody>
+          <a:bodyPr/>
+          <a:lstStyle>
+            <a:lvl1pPr marL="228600" indent="-228600" algn="l" defTabSz="914400" rtl="0" eaLnBrk="1" latinLnBrk="1" hangingPunct="1">
+              <a:lnSpc>
+                <a:spcPct val="90000"/>
+              </a:lnSpc>
+              <a:spcBef>
+                <a:spcPts val="1000"/>
+              </a:spcBef>
+              <a:buFont typeface="Arial" panose="020B0604020202020204" pitchFamily="34" charset="0"/>
+              <a:buChar char="•"/>
+              <a:defRPr sz="2800" kern="1200">
+                <a:solidFill>
+                  <a:schemeClr val="tx1"/>
+                </a:solidFill>
+                <a:latin typeface="+mn-lt"/>
+                <a:ea typeface="+mn-ea"/>
+                <a:cs typeface="+mn-cs"/>
+              </a:defRPr>
+            </a:lvl1pPr>
+            <a:lvl2pPr marL="685800" indent="-228600" algn="l" defTabSz="914400" rtl="0" eaLnBrk="1" latinLnBrk="1" hangingPunct="1">
+              <a:lnSpc>
+                <a:spcPct val="90000"/>
+              </a:lnSpc>
+              <a:spcBef>
+                <a:spcPts val="500"/>
+              </a:spcBef>
+              <a:buFont typeface="Arial" panose="020B0604020202020204" pitchFamily="34" charset="0"/>
+              <a:buChar char="•"/>
+              <a:defRPr sz="2400" kern="1200">
+                <a:solidFill>
+                  <a:schemeClr val="tx1"/>
+                </a:solidFill>
+                <a:latin typeface="+mn-lt"/>
+                <a:ea typeface="+mn-ea"/>
+                <a:cs typeface="+mn-cs"/>
+              </a:defRPr>
+            </a:lvl2pPr>
+            <a:lvl3pPr marL="1143000" indent="-228600" algn="l" defTabSz="914400" rtl="0" eaLnBrk="1" latinLnBrk="1" hangingPunct="1">
+              <a:lnSpc>
+                <a:spcPct val="90000"/>
+              </a:lnSpc>
+              <a:spcBef>
+                <a:spcPts val="500"/>
+              </a:spcBef>
+              <a:buFont typeface="Arial" panose="020B0604020202020204" pitchFamily="34" charset="0"/>
+              <a:buChar char="•"/>
+              <a:defRPr sz="2000" kern="1200">
+                <a:solidFill>
+                  <a:schemeClr val="tx1"/>
+                </a:solidFill>
+                <a:latin typeface="+mn-lt"/>
+                <a:ea typeface="+mn-ea"/>
+                <a:cs typeface="+mn-cs"/>
+              </a:defRPr>
+            </a:lvl3pPr>
+            <a:lvl4pPr marL="1600200" indent="-228600" algn="l" defTabSz="914400" rtl="0" eaLnBrk="1" latinLnBrk="1" hangingPunct="1">
+              <a:lnSpc>
+                <a:spcPct val="90000"/>
+              </a:lnSpc>
+              <a:spcBef>
+                <a:spcPts val="500"/>
+              </a:spcBef>
+              <a:buFont typeface="Arial" panose="020B0604020202020204" pitchFamily="34" charset="0"/>
+              <a:buChar char="•"/>
+              <a:defRPr sz="1800" kern="1200">
+                <a:solidFill>
+                  <a:schemeClr val="tx1"/>
+                </a:solidFill>
+                <a:latin typeface="+mn-lt"/>
+                <a:ea typeface="+mn-ea"/>
+                <a:cs typeface="+mn-cs"/>
+              </a:defRPr>
+            </a:lvl4pPr>
+            <a:lvl5pPr marL="2057400" indent="-228600" algn="l" defTabSz="914400" rtl="0" eaLnBrk="1" latinLnBrk="1" hangingPunct="1">
+              <a:lnSpc>
+                <a:spcPct val="90000"/>
+              </a:lnSpc>
+              <a:spcBef>
+                <a:spcPts val="500"/>
+              </a:spcBef>
+              <a:buFont typeface="Arial" panose="020B0604020202020204" pitchFamily="34" charset="0"/>
+              <a:buChar char="•"/>
+              <a:defRPr sz="1800" kern="1200">
+                <a:solidFill>
+                  <a:schemeClr val="tx1"/>
+                </a:solidFill>
+                <a:latin typeface="+mn-lt"/>
+                <a:ea typeface="+mn-ea"/>
+                <a:cs typeface="+mn-cs"/>
+              </a:defRPr>
+            </a:lvl5pPr>
+            <a:lvl6pPr marL="2514600" indent="-228600" algn="l" defTabSz="914400" rtl="0" eaLnBrk="1" latinLnBrk="1" hangingPunct="1">
+              <a:lnSpc>
+                <a:spcPct val="90000"/>
+              </a:lnSpc>
+              <a:spcBef>
+                <a:spcPts val="500"/>
+              </a:spcBef>
+              <a:buFont typeface="Arial" panose="020B0604020202020204" pitchFamily="34" charset="0"/>
+              <a:buChar char="•"/>
+              <a:defRPr sz="1800" kern="1200">
+                <a:solidFill>
+                  <a:schemeClr val="tx1"/>
+                </a:solidFill>
+                <a:latin typeface="+mn-lt"/>
+                <a:ea typeface="+mn-ea"/>
+                <a:cs typeface="+mn-cs"/>
+              </a:defRPr>
+            </a:lvl6pPr>
+            <a:lvl7pPr marL="2971800" indent="-228600" algn="l" defTabSz="914400" rtl="0" eaLnBrk="1" latinLnBrk="1" hangingPunct="1">
+              <a:lnSpc>
+                <a:spcPct val="90000"/>
+              </a:lnSpc>
+              <a:spcBef>
+                <a:spcPts val="500"/>
+              </a:spcBef>
+              <a:buFont typeface="Arial" panose="020B0604020202020204" pitchFamily="34" charset="0"/>
+              <a:buChar char="•"/>
+              <a:defRPr sz="1800" kern="1200">
+                <a:solidFill>
+                  <a:schemeClr val="tx1"/>
+                </a:solidFill>
+                <a:latin typeface="+mn-lt"/>
+                <a:ea typeface="+mn-ea"/>
+                <a:cs typeface="+mn-cs"/>
+              </a:defRPr>
+            </a:lvl7pPr>
+            <a:lvl8pPr marL="3429000" indent="-228600" algn="l" defTabSz="914400" rtl="0" eaLnBrk="1" latinLnBrk="1" hangingPunct="1">
+              <a:lnSpc>
+                <a:spcPct val="90000"/>
+              </a:lnSpc>
+              <a:spcBef>
+                <a:spcPts val="500"/>
+              </a:spcBef>
+              <a:buFont typeface="Arial" panose="020B0604020202020204" pitchFamily="34" charset="0"/>
+              <a:buChar char="•"/>
+              <a:defRPr sz="1800" kern="1200">
+                <a:solidFill>
+                  <a:schemeClr val="tx1"/>
+                </a:solidFill>
+                <a:latin typeface="+mn-lt"/>
+                <a:ea typeface="+mn-ea"/>
+                <a:cs typeface="+mn-cs"/>
+              </a:defRPr>
+            </a:lvl8pPr>
+            <a:lvl9pPr marL="3886200" indent="-228600" algn="l" defTabSz="914400" rtl="0" eaLnBrk="1" latinLnBrk="1" hangingPunct="1">
+              <a:lnSpc>
+                <a:spcPct val="90000"/>
+              </a:lnSpc>
+              <a:spcBef>
+                <a:spcPts val="500"/>
+              </a:spcBef>
+              <a:buFont typeface="Arial" panose="020B0604020202020204" pitchFamily="34" charset="0"/>
+              <a:buChar char="•"/>
+              <a:defRPr sz="1800" kern="1200">
+                <a:solidFill>
+                  <a:schemeClr val="tx1"/>
+                </a:solidFill>
+                <a:latin typeface="+mn-lt"/>
+                <a:ea typeface="+mn-ea"/>
+                <a:cs typeface="+mn-cs"/>
+              </a:defRPr>
+            </a:lvl9pPr>
+          </a:lstStyle>
+          <a:p>
+            <a:pPr>
+              <a:lnSpc>
+                <a:spcPct val="150000"/>
+              </a:lnSpc>
+              <a:buFont typeface="Wingdings" panose="05000000000000000000" pitchFamily="2" charset="2"/>
+              <a:buChar char="§"/>
+            </a:pPr>
+            <a:r>
+              <a:rPr lang="ko-KR" altLang="en-US" sz="2000" b="1" dirty="0" err="1" smtClean="0">
+                <a:solidFill>
+                  <a:srgbClr val="002060"/>
+                </a:solidFill>
+              </a:rPr>
+              <a:t>그리드</a:t>
+            </a:r>
+            <a:r>
+              <a:rPr lang="ko-KR" altLang="en-US" sz="2000" b="1" dirty="0" smtClean="0">
+                <a:solidFill>
+                  <a:srgbClr val="002060"/>
+                </a:solidFill>
+              </a:rPr>
+              <a:t> 사용 예제 </a:t>
+            </a:r>
+            <a:endParaRPr lang="en-US" altLang="ko-KR" sz="2000" b="1" dirty="0">
+              <a:solidFill>
+                <a:srgbClr val="002060"/>
+              </a:solidFill>
+            </a:endParaRPr>
+          </a:p>
+        </p:txBody>
+      </p:sp>
+      <p:pic>
+        <p:nvPicPr>
+          <p:cNvPr id="2" name="그림 1"/>
+          <p:cNvPicPr>
+            <a:picLocks noChangeAspect="1"/>
+          </p:cNvPicPr>
+          <p:nvPr/>
+        </p:nvPicPr>
+        <p:blipFill>
+          <a:blip r:embed="rId3">
+            <a:extLst>
+              <a:ext uri="{28A0092B-C50C-407E-A947-70E740481C1C}">
+                <a14:useLocalDpi xmlns:a14="http://schemas.microsoft.com/office/drawing/2010/main" val="0"/>
+              </a:ext>
+            </a:extLst>
+          </a:blip>
+          <a:stretch>
+            <a:fillRect/>
+          </a:stretch>
+        </p:blipFill>
+        <p:spPr>
+          <a:xfrm>
+            <a:off x="848544" y="1916832"/>
+            <a:ext cx="8409384" cy="1466152"/>
+          </a:xfrm>
+          <a:prstGeom prst="rect">
+            <a:avLst/>
+          </a:prstGeom>
+        </p:spPr>
+      </p:pic>
+    </p:spTree>
+    <p:extLst>
+      <p:ext uri="{BB962C8B-B14F-4D97-AF65-F5344CB8AC3E}">
+        <p14:creationId xmlns:p14="http://schemas.microsoft.com/office/powerpoint/2010/main" val="795093680"/>
+      </p:ext>
+    </p:extLst>
+  </p:cSld>
+  <p:clrMapOvr>
+    <a:masterClrMapping/>
+  </p:clrMapOvr>
+  <p:timing>
+    <p:tnLst>
+      <p:par>
+        <p:cTn id="1" dur="indefinite" restart="never" nodeType="tmRoot"/>
+      </p:par>
+    </p:tnLst>
+  </p:timing>
+</p:sld>
+</file>
+
+<file path=ppt/slides/slide27.xml><?xml version="1.0" encoding="utf-8"?>
+<p:sld xmlns:a="http://schemas.openxmlformats.org/drawingml/2006/main" xmlns:r="http://schemas.openxmlformats.org/officeDocument/2006/relationships" xmlns:p="http://schemas.openxmlformats.org/presentationml/2006/main">
+  <p:cSld>
+    <p:spTree>
+      <p:nvGrpSpPr>
+        <p:cNvPr id="1" name=""/>
+        <p:cNvGrpSpPr/>
+        <p:nvPr/>
+      </p:nvGrpSpPr>
+      <p:grpSpPr>
+        <a:xfrm>
+          <a:off x="0" y="0"/>
+          <a:ext cx="0" cy="0"/>
+          <a:chOff x="0" y="0"/>
+          <a:chExt cx="0" cy="0"/>
+        </a:xfrm>
+      </p:grpSpPr>
+      <p:sp>
+        <p:nvSpPr>
+          <p:cNvPr id="6" name="제목 5"/>
+          <p:cNvSpPr>
+            <a:spLocks noGrp="1"/>
+          </p:cNvSpPr>
+          <p:nvPr>
+            <p:ph type="title"/>
+          </p:nvPr>
+        </p:nvSpPr>
+        <p:spPr/>
+        <p:txBody>
+          <a:bodyPr/>
+          <a:lstStyle/>
+          <a:p>
+            <a:r>
+              <a:rPr lang="en-US" altLang="ko-KR" dirty="0" smtClean="0"/>
+              <a:t> </a:t>
+            </a:r>
+            <a:r>
+              <a:rPr lang="ko-KR" altLang="en-US" sz="2800" dirty="0" err="1" smtClean="0"/>
+              <a:t>그리드</a:t>
+            </a:r>
+            <a:r>
+              <a:rPr lang="ko-KR" altLang="en-US" sz="2800" dirty="0" smtClean="0"/>
+              <a:t> 사용 </a:t>
+            </a:r>
+            <a:endParaRPr lang="ko-KR" altLang="en-US" sz="2800" dirty="0"/>
+          </a:p>
+        </p:txBody>
+      </p:sp>
+      <p:sp>
+        <p:nvSpPr>
+          <p:cNvPr id="5" name="슬라이드 번호 개체 틀 4"/>
+          <p:cNvSpPr>
+            <a:spLocks noGrp="1"/>
+          </p:cNvSpPr>
+          <p:nvPr>
+            <p:ph type="sldNum" sz="quarter" idx="12"/>
+          </p:nvPr>
+        </p:nvSpPr>
+        <p:spPr/>
+        <p:txBody>
+          <a:bodyPr/>
+          <a:lstStyle/>
+          <a:p>
+            <a:fld id="{1BDE3FE7-3AEA-4B05-AC5A-802D1816ACF0}" type="slidenum">
+              <a:rPr lang="ko-KR" altLang="en-US" smtClean="0"/>
+              <a:t>27</a:t>
+            </a:fld>
+            <a:endParaRPr lang="ko-KR" altLang="en-US"/>
+          </a:p>
+        </p:txBody>
+      </p:sp>
+      <p:sp>
+        <p:nvSpPr>
+          <p:cNvPr id="24" name="내용 개체 틀 2">
+            <a:extLst>
+              <a:ext uri="{FF2B5EF4-FFF2-40B4-BE49-F238E27FC236}">
+                <a16:creationId xmlns:a16="http://schemas.microsoft.com/office/drawing/2014/main" id="{98AF3A4E-7D90-4241-89FE-799D6F9D5A94}"/>
+              </a:ext>
+            </a:extLst>
+          </p:cNvPr>
+          <p:cNvSpPr txBox="1">
+            <a:spLocks/>
+          </p:cNvSpPr>
+          <p:nvPr/>
+        </p:nvSpPr>
+        <p:spPr>
+          <a:xfrm>
+            <a:off x="920552" y="1196752"/>
+            <a:ext cx="6192688" cy="596952"/>
+          </a:xfrm>
+          <a:prstGeom prst="rect">
+            <a:avLst/>
+          </a:prstGeom>
+        </p:spPr>
+        <p:txBody>
+          <a:bodyPr/>
+          <a:lstStyle>
+            <a:lvl1pPr marL="228600" indent="-228600" algn="l" defTabSz="914400" rtl="0" eaLnBrk="1" latinLnBrk="1" hangingPunct="1">
+              <a:lnSpc>
+                <a:spcPct val="90000"/>
+              </a:lnSpc>
+              <a:spcBef>
+                <a:spcPts val="1000"/>
+              </a:spcBef>
+              <a:buFont typeface="Arial" panose="020B0604020202020204" pitchFamily="34" charset="0"/>
+              <a:buChar char="•"/>
+              <a:defRPr sz="2800" kern="1200">
+                <a:solidFill>
+                  <a:schemeClr val="tx1"/>
+                </a:solidFill>
+                <a:latin typeface="+mn-lt"/>
+                <a:ea typeface="+mn-ea"/>
+                <a:cs typeface="+mn-cs"/>
+              </a:defRPr>
+            </a:lvl1pPr>
+            <a:lvl2pPr marL="685800" indent="-228600" algn="l" defTabSz="914400" rtl="0" eaLnBrk="1" latinLnBrk="1" hangingPunct="1">
+              <a:lnSpc>
+                <a:spcPct val="90000"/>
+              </a:lnSpc>
+              <a:spcBef>
+                <a:spcPts val="500"/>
+              </a:spcBef>
+              <a:buFont typeface="Arial" panose="020B0604020202020204" pitchFamily="34" charset="0"/>
+              <a:buChar char="•"/>
+              <a:defRPr sz="2400" kern="1200">
+                <a:solidFill>
+                  <a:schemeClr val="tx1"/>
+                </a:solidFill>
+                <a:latin typeface="+mn-lt"/>
+                <a:ea typeface="+mn-ea"/>
+                <a:cs typeface="+mn-cs"/>
+              </a:defRPr>
+            </a:lvl2pPr>
+            <a:lvl3pPr marL="1143000" indent="-228600" algn="l" defTabSz="914400" rtl="0" eaLnBrk="1" latinLnBrk="1" hangingPunct="1">
+              <a:lnSpc>
+                <a:spcPct val="90000"/>
+              </a:lnSpc>
+              <a:spcBef>
+                <a:spcPts val="500"/>
+              </a:spcBef>
+              <a:buFont typeface="Arial" panose="020B0604020202020204" pitchFamily="34" charset="0"/>
+              <a:buChar char="•"/>
+              <a:defRPr sz="2000" kern="1200">
+                <a:solidFill>
+                  <a:schemeClr val="tx1"/>
+                </a:solidFill>
+                <a:latin typeface="+mn-lt"/>
+                <a:ea typeface="+mn-ea"/>
+                <a:cs typeface="+mn-cs"/>
+              </a:defRPr>
+            </a:lvl3pPr>
+            <a:lvl4pPr marL="1600200" indent="-228600" algn="l" defTabSz="914400" rtl="0" eaLnBrk="1" latinLnBrk="1" hangingPunct="1">
+              <a:lnSpc>
+                <a:spcPct val="90000"/>
+              </a:lnSpc>
+              <a:spcBef>
+                <a:spcPts val="500"/>
+              </a:spcBef>
+              <a:buFont typeface="Arial" panose="020B0604020202020204" pitchFamily="34" charset="0"/>
+              <a:buChar char="•"/>
+              <a:defRPr sz="1800" kern="1200">
+                <a:solidFill>
+                  <a:schemeClr val="tx1"/>
+                </a:solidFill>
+                <a:latin typeface="+mn-lt"/>
+                <a:ea typeface="+mn-ea"/>
+                <a:cs typeface="+mn-cs"/>
+              </a:defRPr>
+            </a:lvl4pPr>
+            <a:lvl5pPr marL="2057400" indent="-228600" algn="l" defTabSz="914400" rtl="0" eaLnBrk="1" latinLnBrk="1" hangingPunct="1">
+              <a:lnSpc>
+                <a:spcPct val="90000"/>
+              </a:lnSpc>
+              <a:spcBef>
+                <a:spcPts val="500"/>
+              </a:spcBef>
+              <a:buFont typeface="Arial" panose="020B0604020202020204" pitchFamily="34" charset="0"/>
+              <a:buChar char="•"/>
+              <a:defRPr sz="1800" kern="1200">
+                <a:solidFill>
+                  <a:schemeClr val="tx1"/>
+                </a:solidFill>
+                <a:latin typeface="+mn-lt"/>
+                <a:ea typeface="+mn-ea"/>
+                <a:cs typeface="+mn-cs"/>
+              </a:defRPr>
+            </a:lvl5pPr>
+            <a:lvl6pPr marL="2514600" indent="-228600" algn="l" defTabSz="914400" rtl="0" eaLnBrk="1" latinLnBrk="1" hangingPunct="1">
+              <a:lnSpc>
+                <a:spcPct val="90000"/>
+              </a:lnSpc>
+              <a:spcBef>
+                <a:spcPts val="500"/>
+              </a:spcBef>
+              <a:buFont typeface="Arial" panose="020B0604020202020204" pitchFamily="34" charset="0"/>
+              <a:buChar char="•"/>
+              <a:defRPr sz="1800" kern="1200">
+                <a:solidFill>
+                  <a:schemeClr val="tx1"/>
+                </a:solidFill>
+                <a:latin typeface="+mn-lt"/>
+                <a:ea typeface="+mn-ea"/>
+                <a:cs typeface="+mn-cs"/>
+              </a:defRPr>
+            </a:lvl6pPr>
+            <a:lvl7pPr marL="2971800" indent="-228600" algn="l" defTabSz="914400" rtl="0" eaLnBrk="1" latinLnBrk="1" hangingPunct="1">
+              <a:lnSpc>
+                <a:spcPct val="90000"/>
+              </a:lnSpc>
+              <a:spcBef>
+                <a:spcPts val="500"/>
+              </a:spcBef>
+              <a:buFont typeface="Arial" panose="020B0604020202020204" pitchFamily="34" charset="0"/>
+              <a:buChar char="•"/>
+              <a:defRPr sz="1800" kern="1200">
+                <a:solidFill>
+                  <a:schemeClr val="tx1"/>
+                </a:solidFill>
+                <a:latin typeface="+mn-lt"/>
+                <a:ea typeface="+mn-ea"/>
+                <a:cs typeface="+mn-cs"/>
+              </a:defRPr>
+            </a:lvl7pPr>
+            <a:lvl8pPr marL="3429000" indent="-228600" algn="l" defTabSz="914400" rtl="0" eaLnBrk="1" latinLnBrk="1" hangingPunct="1">
+              <a:lnSpc>
+                <a:spcPct val="90000"/>
+              </a:lnSpc>
+              <a:spcBef>
+                <a:spcPts val="500"/>
+              </a:spcBef>
+              <a:buFont typeface="Arial" panose="020B0604020202020204" pitchFamily="34" charset="0"/>
+              <a:buChar char="•"/>
+              <a:defRPr sz="1800" kern="1200">
+                <a:solidFill>
+                  <a:schemeClr val="tx1"/>
+                </a:solidFill>
+                <a:latin typeface="+mn-lt"/>
+                <a:ea typeface="+mn-ea"/>
+                <a:cs typeface="+mn-cs"/>
+              </a:defRPr>
+            </a:lvl8pPr>
+            <a:lvl9pPr marL="3886200" indent="-228600" algn="l" defTabSz="914400" rtl="0" eaLnBrk="1" latinLnBrk="1" hangingPunct="1">
+              <a:lnSpc>
+                <a:spcPct val="90000"/>
+              </a:lnSpc>
+              <a:spcBef>
+                <a:spcPts val="500"/>
+              </a:spcBef>
+              <a:buFont typeface="Arial" panose="020B0604020202020204" pitchFamily="34" charset="0"/>
+              <a:buChar char="•"/>
+              <a:defRPr sz="1800" kern="1200">
+                <a:solidFill>
+                  <a:schemeClr val="tx1"/>
+                </a:solidFill>
+                <a:latin typeface="+mn-lt"/>
+                <a:ea typeface="+mn-ea"/>
+                <a:cs typeface="+mn-cs"/>
+              </a:defRPr>
+            </a:lvl9pPr>
+          </a:lstStyle>
+          <a:p>
+            <a:pPr>
+              <a:lnSpc>
+                <a:spcPct val="150000"/>
+              </a:lnSpc>
+              <a:buFont typeface="Wingdings" panose="05000000000000000000" pitchFamily="2" charset="2"/>
+              <a:buChar char="§"/>
+            </a:pPr>
+            <a:r>
+              <a:rPr lang="ko-KR" altLang="en-US" sz="2000" b="1" dirty="0" err="1" smtClean="0">
+                <a:solidFill>
+                  <a:srgbClr val="002060"/>
+                </a:solidFill>
+              </a:rPr>
+              <a:t>그리드</a:t>
+            </a:r>
+            <a:r>
+              <a:rPr lang="ko-KR" altLang="en-US" sz="2000" b="1" dirty="0" smtClean="0">
+                <a:solidFill>
+                  <a:srgbClr val="002060"/>
+                </a:solidFill>
+              </a:rPr>
+              <a:t> 사용 예제 </a:t>
+            </a:r>
+            <a:endParaRPr lang="en-US" altLang="ko-KR" sz="2000" b="1" dirty="0">
+              <a:solidFill>
+                <a:srgbClr val="002060"/>
+              </a:solidFill>
+            </a:endParaRPr>
+          </a:p>
+        </p:txBody>
+      </p:sp>
+      <p:pic>
+        <p:nvPicPr>
+          <p:cNvPr id="3" name="그림 2"/>
+          <p:cNvPicPr>
+            <a:picLocks noChangeAspect="1"/>
+          </p:cNvPicPr>
+          <p:nvPr/>
+        </p:nvPicPr>
+        <p:blipFill>
+          <a:blip r:embed="rId3">
+            <a:extLst>
+              <a:ext uri="{28A0092B-C50C-407E-A947-70E740481C1C}">
+                <a14:useLocalDpi xmlns:a14="http://schemas.microsoft.com/office/drawing/2010/main" val="0"/>
+              </a:ext>
+            </a:extLst>
+          </a:blip>
+          <a:stretch>
+            <a:fillRect/>
+          </a:stretch>
+        </p:blipFill>
+        <p:spPr>
+          <a:xfrm>
+            <a:off x="1784648" y="1777344"/>
+            <a:ext cx="5399798" cy="4913330"/>
+          </a:xfrm>
+          <a:prstGeom prst="rect">
+            <a:avLst/>
+          </a:prstGeom>
+          <a:ln>
+            <a:solidFill>
+              <a:schemeClr val="bg1">
+                <a:lumMod val="85000"/>
+              </a:schemeClr>
+            </a:solidFill>
+          </a:ln>
+        </p:spPr>
+      </p:pic>
+    </p:spTree>
+    <p:extLst>
+      <p:ext uri="{BB962C8B-B14F-4D97-AF65-F5344CB8AC3E}">
+        <p14:creationId xmlns:p14="http://schemas.microsoft.com/office/powerpoint/2010/main" val="3188143425"/>
+      </p:ext>
+    </p:extLst>
+  </p:cSld>
+  <p:clrMapOvr>
+    <a:masterClrMapping/>
+  </p:clrMapOvr>
+  <p:timing>
+    <p:tnLst>
+      <p:par>
+        <p:cTn id="1" dur="indefinite" restart="never" nodeType="tmRoot"/>
+      </p:par>
+    </p:tnLst>
+  </p:timing>
+</p:sld>
+</file>
+
+<file path=ppt/slides/slide28.xml><?xml version="1.0" encoding="utf-8"?>
+<p:sld xmlns:a="http://schemas.openxmlformats.org/drawingml/2006/main" xmlns:r="http://schemas.openxmlformats.org/officeDocument/2006/relationships" xmlns:p="http://schemas.openxmlformats.org/presentationml/2006/main">
+  <p:cSld>
+    <p:spTree>
+      <p:nvGrpSpPr>
+        <p:cNvPr id="1" name=""/>
+        <p:cNvGrpSpPr/>
+        <p:nvPr/>
+      </p:nvGrpSpPr>
+      <p:grpSpPr>
+        <a:xfrm>
+          <a:off x="0" y="0"/>
+          <a:ext cx="0" cy="0"/>
+          <a:chOff x="0" y="0"/>
+          <a:chExt cx="0" cy="0"/>
+        </a:xfrm>
+      </p:grpSpPr>
+      <p:sp>
+        <p:nvSpPr>
+          <p:cNvPr id="6" name="제목 5"/>
+          <p:cNvSpPr>
+            <a:spLocks noGrp="1"/>
+          </p:cNvSpPr>
+          <p:nvPr>
+            <p:ph type="title"/>
+          </p:nvPr>
+        </p:nvSpPr>
+        <p:spPr/>
+        <p:txBody>
+          <a:bodyPr/>
+          <a:lstStyle/>
+          <a:p>
+            <a:r>
+              <a:rPr lang="en-US" altLang="ko-KR" dirty="0" smtClean="0"/>
+              <a:t> </a:t>
+            </a:r>
+            <a:r>
+              <a:rPr lang="ko-KR" altLang="en-US" sz="2800" dirty="0" smtClean="0"/>
+              <a:t>쇼핑몰 메인 페이지</a:t>
+            </a:r>
+            <a:endParaRPr lang="ko-KR" altLang="en-US" sz="2800" dirty="0"/>
+          </a:p>
+        </p:txBody>
+      </p:sp>
+      <p:sp>
+        <p:nvSpPr>
+          <p:cNvPr id="5" name="슬라이드 번호 개체 틀 4"/>
+          <p:cNvSpPr>
+            <a:spLocks noGrp="1"/>
+          </p:cNvSpPr>
+          <p:nvPr>
+            <p:ph type="sldNum" sz="quarter" idx="12"/>
+          </p:nvPr>
+        </p:nvSpPr>
+        <p:spPr/>
+        <p:txBody>
+          <a:bodyPr/>
+          <a:lstStyle/>
+          <a:p>
+            <a:fld id="{1BDE3FE7-3AEA-4B05-AC5A-802D1816ACF0}" type="slidenum">
+              <a:rPr lang="ko-KR" altLang="en-US" smtClean="0"/>
+              <a:t>28</a:t>
+            </a:fld>
+            <a:endParaRPr lang="ko-KR" altLang="en-US"/>
+          </a:p>
+        </p:txBody>
+      </p:sp>
+      <p:pic>
+        <p:nvPicPr>
+          <p:cNvPr id="2" name="그림 1"/>
+          <p:cNvPicPr>
+            <a:picLocks noChangeAspect="1"/>
+          </p:cNvPicPr>
+          <p:nvPr/>
+        </p:nvPicPr>
+        <p:blipFill>
+          <a:blip r:embed="rId3">
+            <a:extLst>
+              <a:ext uri="{28A0092B-C50C-407E-A947-70E740481C1C}">
+                <a14:useLocalDpi xmlns:a14="http://schemas.microsoft.com/office/drawing/2010/main" val="0"/>
+              </a:ext>
+            </a:extLst>
+          </a:blip>
+          <a:stretch>
+            <a:fillRect/>
+          </a:stretch>
+        </p:blipFill>
+        <p:spPr>
+          <a:xfrm>
+            <a:off x="1280592" y="1484784"/>
+            <a:ext cx="7435217" cy="4837864"/>
+          </a:xfrm>
+          <a:prstGeom prst="rect">
+            <a:avLst/>
+          </a:prstGeom>
+          <a:ln>
+            <a:solidFill>
+              <a:schemeClr val="bg1">
+                <a:lumMod val="85000"/>
+              </a:schemeClr>
+            </a:solidFill>
+          </a:ln>
+        </p:spPr>
+      </p:pic>
+    </p:spTree>
+    <p:extLst>
+      <p:ext uri="{BB962C8B-B14F-4D97-AF65-F5344CB8AC3E}">
+        <p14:creationId xmlns:p14="http://schemas.microsoft.com/office/powerpoint/2010/main" val="2497380285"/>
+      </p:ext>
+    </p:extLst>
+  </p:cSld>
+  <p:clrMapOvr>
+    <a:masterClrMapping/>
+  </p:clrMapOvr>
+  <p:timing>
+    <p:tnLst>
+      <p:par>
+        <p:cTn id="1" dur="indefinite" restart="never" nodeType="tmRoot"/>
+      </p:par>
+    </p:tnLst>
+  </p:timing>
+</p:sld>
+</file>
+
+<file path=ppt/slides/slide29.xml><?xml version="1.0" encoding="utf-8"?>
+<p:sld xmlns:a="http://schemas.openxmlformats.org/drawingml/2006/main" xmlns:r="http://schemas.openxmlformats.org/officeDocument/2006/relationships" xmlns:p="http://schemas.openxmlformats.org/presentationml/2006/main">
+  <p:cSld>
+    <p:spTree>
+      <p:nvGrpSpPr>
+        <p:cNvPr id="1" name=""/>
+        <p:cNvGrpSpPr/>
+        <p:nvPr/>
+      </p:nvGrpSpPr>
+      <p:grpSpPr>
+        <a:xfrm>
+          <a:off x="0" y="0"/>
+          <a:ext cx="0" cy="0"/>
+          <a:chOff x="0" y="0"/>
+          <a:chExt cx="0" cy="0"/>
+        </a:xfrm>
+      </p:grpSpPr>
+      <p:sp>
+        <p:nvSpPr>
+          <p:cNvPr id="6" name="제목 5"/>
+          <p:cNvSpPr>
+            <a:spLocks noGrp="1"/>
+          </p:cNvSpPr>
+          <p:nvPr>
+            <p:ph type="title"/>
+          </p:nvPr>
+        </p:nvSpPr>
+        <p:spPr/>
+        <p:txBody>
+          <a:bodyPr/>
+          <a:lstStyle/>
+          <a:p>
+            <a:r>
+              <a:rPr lang="en-US" altLang="ko-KR" dirty="0" smtClean="0"/>
+              <a:t> </a:t>
+            </a:r>
+            <a:r>
+              <a:rPr lang="ko-KR" altLang="en-US" sz="2800" dirty="0" smtClean="0"/>
+              <a:t>쇼핑몰 메인 페이지</a:t>
+            </a:r>
+            <a:endParaRPr lang="ko-KR" altLang="en-US" sz="2800" dirty="0"/>
+          </a:p>
+        </p:txBody>
+      </p:sp>
+      <p:sp>
+        <p:nvSpPr>
+          <p:cNvPr id="5" name="슬라이드 번호 개체 틀 4"/>
+          <p:cNvSpPr>
+            <a:spLocks noGrp="1"/>
+          </p:cNvSpPr>
+          <p:nvPr>
+            <p:ph type="sldNum" sz="quarter" idx="12"/>
+          </p:nvPr>
+        </p:nvSpPr>
+        <p:spPr/>
+        <p:txBody>
+          <a:bodyPr/>
+          <a:lstStyle/>
+          <a:p>
+            <a:fld id="{1BDE3FE7-3AEA-4B05-AC5A-802D1816ACF0}" type="slidenum">
+              <a:rPr lang="ko-KR" altLang="en-US" smtClean="0"/>
+              <a:t>29</a:t>
+            </a:fld>
+            <a:endParaRPr lang="ko-KR" altLang="en-US"/>
+          </a:p>
+        </p:txBody>
+      </p:sp>
+      <p:pic>
+        <p:nvPicPr>
+          <p:cNvPr id="3" name="그림 2"/>
+          <p:cNvPicPr>
+            <a:picLocks noChangeAspect="1"/>
+          </p:cNvPicPr>
+          <p:nvPr/>
+        </p:nvPicPr>
+        <p:blipFill>
+          <a:blip r:embed="rId3">
+            <a:extLst>
+              <a:ext uri="{28A0092B-C50C-407E-A947-70E740481C1C}">
+                <a14:useLocalDpi xmlns:a14="http://schemas.microsoft.com/office/drawing/2010/main" val="0"/>
+              </a:ext>
+            </a:extLst>
+          </a:blip>
+          <a:stretch>
+            <a:fillRect/>
+          </a:stretch>
+        </p:blipFill>
+        <p:spPr>
+          <a:xfrm>
+            <a:off x="1856656" y="1484784"/>
+            <a:ext cx="5025799" cy="4752528"/>
+          </a:xfrm>
+          <a:prstGeom prst="rect">
+            <a:avLst/>
+          </a:prstGeom>
+          <a:ln>
+            <a:solidFill>
+              <a:schemeClr val="bg1">
+                <a:lumMod val="85000"/>
+              </a:schemeClr>
+            </a:solidFill>
+          </a:ln>
+        </p:spPr>
+      </p:pic>
+    </p:spTree>
+    <p:extLst>
+      <p:ext uri="{BB962C8B-B14F-4D97-AF65-F5344CB8AC3E}">
+        <p14:creationId xmlns:p14="http://schemas.microsoft.com/office/powerpoint/2010/main" val="2408343984"/>
       </p:ext>
     </p:extLst>
   </p:cSld>
@@ -8763,6 +15895,1821 @@
 </p:sld>
 </file>
 
+<file path=ppt/slides/slide30.xml><?xml version="1.0" encoding="utf-8"?>
+<p:sld xmlns:a="http://schemas.openxmlformats.org/drawingml/2006/main" xmlns:r="http://schemas.openxmlformats.org/officeDocument/2006/relationships" xmlns:p="http://schemas.openxmlformats.org/presentationml/2006/main">
+  <p:cSld>
+    <p:spTree>
+      <p:nvGrpSpPr>
+        <p:cNvPr id="1" name=""/>
+        <p:cNvGrpSpPr/>
+        <p:nvPr/>
+      </p:nvGrpSpPr>
+      <p:grpSpPr>
+        <a:xfrm>
+          <a:off x="0" y="0"/>
+          <a:ext cx="0" cy="0"/>
+          <a:chOff x="0" y="0"/>
+          <a:chExt cx="0" cy="0"/>
+        </a:xfrm>
+      </p:grpSpPr>
+      <p:sp>
+        <p:nvSpPr>
+          <p:cNvPr id="6" name="제목 5"/>
+          <p:cNvSpPr>
+            <a:spLocks noGrp="1"/>
+          </p:cNvSpPr>
+          <p:nvPr>
+            <p:ph type="title"/>
+          </p:nvPr>
+        </p:nvSpPr>
+        <p:spPr/>
+        <p:txBody>
+          <a:bodyPr/>
+          <a:lstStyle/>
+          <a:p>
+            <a:r>
+              <a:rPr lang="en-US" altLang="ko-KR" dirty="0" smtClean="0"/>
+              <a:t> </a:t>
+            </a:r>
+            <a:r>
+              <a:rPr lang="ko-KR" altLang="en-US" sz="2800" dirty="0" err="1"/>
+              <a:t>네비게이션</a:t>
+            </a:r>
+            <a:r>
+              <a:rPr lang="ko-KR" altLang="en-US" sz="2800" dirty="0"/>
+              <a:t> 바</a:t>
+            </a:r>
+            <a:r>
+              <a:rPr lang="en-US" altLang="ko-KR" sz="2800" dirty="0"/>
+              <a:t>(</a:t>
+            </a:r>
+            <a:r>
+              <a:rPr lang="en-US" altLang="ko-KR" sz="2800" dirty="0" err="1"/>
+              <a:t>navbar</a:t>
+            </a:r>
+            <a:r>
+              <a:rPr lang="en-US" altLang="ko-KR" sz="2800" dirty="0"/>
+              <a:t>)</a:t>
+            </a:r>
+            <a:endParaRPr lang="ko-KR" altLang="en-US" sz="2800" dirty="0"/>
+          </a:p>
+        </p:txBody>
+      </p:sp>
+      <p:sp>
+        <p:nvSpPr>
+          <p:cNvPr id="5" name="슬라이드 번호 개체 틀 4"/>
+          <p:cNvSpPr>
+            <a:spLocks noGrp="1"/>
+          </p:cNvSpPr>
+          <p:nvPr>
+            <p:ph type="sldNum" sz="quarter" idx="12"/>
+          </p:nvPr>
+        </p:nvSpPr>
+        <p:spPr/>
+        <p:txBody>
+          <a:bodyPr/>
+          <a:lstStyle/>
+          <a:p>
+            <a:fld id="{1BDE3FE7-3AEA-4B05-AC5A-802D1816ACF0}" type="slidenum">
+              <a:rPr lang="ko-KR" altLang="en-US" smtClean="0"/>
+              <a:t>30</a:t>
+            </a:fld>
+            <a:endParaRPr lang="ko-KR" altLang="en-US"/>
+          </a:p>
+        </p:txBody>
+      </p:sp>
+      <p:sp>
+        <p:nvSpPr>
+          <p:cNvPr id="24" name="내용 개체 틀 2">
+            <a:extLst>
+              <a:ext uri="{FF2B5EF4-FFF2-40B4-BE49-F238E27FC236}">
+                <a16:creationId xmlns:a16="http://schemas.microsoft.com/office/drawing/2014/main" id="{98AF3A4E-7D90-4241-89FE-799D6F9D5A94}"/>
+              </a:ext>
+            </a:extLst>
+          </p:cNvPr>
+          <p:cNvSpPr txBox="1">
+            <a:spLocks/>
+          </p:cNvSpPr>
+          <p:nvPr/>
+        </p:nvSpPr>
+        <p:spPr>
+          <a:xfrm>
+            <a:off x="848544" y="1247872"/>
+            <a:ext cx="6192688" cy="596952"/>
+          </a:xfrm>
+          <a:prstGeom prst="rect">
+            <a:avLst/>
+          </a:prstGeom>
+        </p:spPr>
+        <p:txBody>
+          <a:bodyPr/>
+          <a:lstStyle>
+            <a:lvl1pPr marL="228600" indent="-228600" algn="l" defTabSz="914400" rtl="0" eaLnBrk="1" latinLnBrk="1" hangingPunct="1">
+              <a:lnSpc>
+                <a:spcPct val="90000"/>
+              </a:lnSpc>
+              <a:spcBef>
+                <a:spcPts val="1000"/>
+              </a:spcBef>
+              <a:buFont typeface="Arial" panose="020B0604020202020204" pitchFamily="34" charset="0"/>
+              <a:buChar char="•"/>
+              <a:defRPr sz="2800" kern="1200">
+                <a:solidFill>
+                  <a:schemeClr val="tx1"/>
+                </a:solidFill>
+                <a:latin typeface="+mn-lt"/>
+                <a:ea typeface="+mn-ea"/>
+                <a:cs typeface="+mn-cs"/>
+              </a:defRPr>
+            </a:lvl1pPr>
+            <a:lvl2pPr marL="685800" indent="-228600" algn="l" defTabSz="914400" rtl="0" eaLnBrk="1" latinLnBrk="1" hangingPunct="1">
+              <a:lnSpc>
+                <a:spcPct val="90000"/>
+              </a:lnSpc>
+              <a:spcBef>
+                <a:spcPts val="500"/>
+              </a:spcBef>
+              <a:buFont typeface="Arial" panose="020B0604020202020204" pitchFamily="34" charset="0"/>
+              <a:buChar char="•"/>
+              <a:defRPr sz="2400" kern="1200">
+                <a:solidFill>
+                  <a:schemeClr val="tx1"/>
+                </a:solidFill>
+                <a:latin typeface="+mn-lt"/>
+                <a:ea typeface="+mn-ea"/>
+                <a:cs typeface="+mn-cs"/>
+              </a:defRPr>
+            </a:lvl2pPr>
+            <a:lvl3pPr marL="1143000" indent="-228600" algn="l" defTabSz="914400" rtl="0" eaLnBrk="1" latinLnBrk="1" hangingPunct="1">
+              <a:lnSpc>
+                <a:spcPct val="90000"/>
+              </a:lnSpc>
+              <a:spcBef>
+                <a:spcPts val="500"/>
+              </a:spcBef>
+              <a:buFont typeface="Arial" panose="020B0604020202020204" pitchFamily="34" charset="0"/>
+              <a:buChar char="•"/>
+              <a:defRPr sz="2000" kern="1200">
+                <a:solidFill>
+                  <a:schemeClr val="tx1"/>
+                </a:solidFill>
+                <a:latin typeface="+mn-lt"/>
+                <a:ea typeface="+mn-ea"/>
+                <a:cs typeface="+mn-cs"/>
+              </a:defRPr>
+            </a:lvl3pPr>
+            <a:lvl4pPr marL="1600200" indent="-228600" algn="l" defTabSz="914400" rtl="0" eaLnBrk="1" latinLnBrk="1" hangingPunct="1">
+              <a:lnSpc>
+                <a:spcPct val="90000"/>
+              </a:lnSpc>
+              <a:spcBef>
+                <a:spcPts val="500"/>
+              </a:spcBef>
+              <a:buFont typeface="Arial" panose="020B0604020202020204" pitchFamily="34" charset="0"/>
+              <a:buChar char="•"/>
+              <a:defRPr sz="1800" kern="1200">
+                <a:solidFill>
+                  <a:schemeClr val="tx1"/>
+                </a:solidFill>
+                <a:latin typeface="+mn-lt"/>
+                <a:ea typeface="+mn-ea"/>
+                <a:cs typeface="+mn-cs"/>
+              </a:defRPr>
+            </a:lvl4pPr>
+            <a:lvl5pPr marL="2057400" indent="-228600" algn="l" defTabSz="914400" rtl="0" eaLnBrk="1" latinLnBrk="1" hangingPunct="1">
+              <a:lnSpc>
+                <a:spcPct val="90000"/>
+              </a:lnSpc>
+              <a:spcBef>
+                <a:spcPts val="500"/>
+              </a:spcBef>
+              <a:buFont typeface="Arial" panose="020B0604020202020204" pitchFamily="34" charset="0"/>
+              <a:buChar char="•"/>
+              <a:defRPr sz="1800" kern="1200">
+                <a:solidFill>
+                  <a:schemeClr val="tx1"/>
+                </a:solidFill>
+                <a:latin typeface="+mn-lt"/>
+                <a:ea typeface="+mn-ea"/>
+                <a:cs typeface="+mn-cs"/>
+              </a:defRPr>
+            </a:lvl5pPr>
+            <a:lvl6pPr marL="2514600" indent="-228600" algn="l" defTabSz="914400" rtl="0" eaLnBrk="1" latinLnBrk="1" hangingPunct="1">
+              <a:lnSpc>
+                <a:spcPct val="90000"/>
+              </a:lnSpc>
+              <a:spcBef>
+                <a:spcPts val="500"/>
+              </a:spcBef>
+              <a:buFont typeface="Arial" panose="020B0604020202020204" pitchFamily="34" charset="0"/>
+              <a:buChar char="•"/>
+              <a:defRPr sz="1800" kern="1200">
+                <a:solidFill>
+                  <a:schemeClr val="tx1"/>
+                </a:solidFill>
+                <a:latin typeface="+mn-lt"/>
+                <a:ea typeface="+mn-ea"/>
+                <a:cs typeface="+mn-cs"/>
+              </a:defRPr>
+            </a:lvl6pPr>
+            <a:lvl7pPr marL="2971800" indent="-228600" algn="l" defTabSz="914400" rtl="0" eaLnBrk="1" latinLnBrk="1" hangingPunct="1">
+              <a:lnSpc>
+                <a:spcPct val="90000"/>
+              </a:lnSpc>
+              <a:spcBef>
+                <a:spcPts val="500"/>
+              </a:spcBef>
+              <a:buFont typeface="Arial" panose="020B0604020202020204" pitchFamily="34" charset="0"/>
+              <a:buChar char="•"/>
+              <a:defRPr sz="1800" kern="1200">
+                <a:solidFill>
+                  <a:schemeClr val="tx1"/>
+                </a:solidFill>
+                <a:latin typeface="+mn-lt"/>
+                <a:ea typeface="+mn-ea"/>
+                <a:cs typeface="+mn-cs"/>
+              </a:defRPr>
+            </a:lvl7pPr>
+            <a:lvl8pPr marL="3429000" indent="-228600" algn="l" defTabSz="914400" rtl="0" eaLnBrk="1" latinLnBrk="1" hangingPunct="1">
+              <a:lnSpc>
+                <a:spcPct val="90000"/>
+              </a:lnSpc>
+              <a:spcBef>
+                <a:spcPts val="500"/>
+              </a:spcBef>
+              <a:buFont typeface="Arial" panose="020B0604020202020204" pitchFamily="34" charset="0"/>
+              <a:buChar char="•"/>
+              <a:defRPr sz="1800" kern="1200">
+                <a:solidFill>
+                  <a:schemeClr val="tx1"/>
+                </a:solidFill>
+                <a:latin typeface="+mn-lt"/>
+                <a:ea typeface="+mn-ea"/>
+                <a:cs typeface="+mn-cs"/>
+              </a:defRPr>
+            </a:lvl8pPr>
+            <a:lvl9pPr marL="3886200" indent="-228600" algn="l" defTabSz="914400" rtl="0" eaLnBrk="1" latinLnBrk="1" hangingPunct="1">
+              <a:lnSpc>
+                <a:spcPct val="90000"/>
+              </a:lnSpc>
+              <a:spcBef>
+                <a:spcPts val="500"/>
+              </a:spcBef>
+              <a:buFont typeface="Arial" panose="020B0604020202020204" pitchFamily="34" charset="0"/>
+              <a:buChar char="•"/>
+              <a:defRPr sz="1800" kern="1200">
+                <a:solidFill>
+                  <a:schemeClr val="tx1"/>
+                </a:solidFill>
+                <a:latin typeface="+mn-lt"/>
+                <a:ea typeface="+mn-ea"/>
+                <a:cs typeface="+mn-cs"/>
+              </a:defRPr>
+            </a:lvl9pPr>
+          </a:lstStyle>
+          <a:p>
+            <a:pPr>
+              <a:lnSpc>
+                <a:spcPct val="150000"/>
+              </a:lnSpc>
+              <a:buFont typeface="Wingdings" panose="05000000000000000000" pitchFamily="2" charset="2"/>
+              <a:buChar char="§"/>
+            </a:pPr>
+            <a:r>
+              <a:rPr lang="ko-KR" altLang="en-US" sz="2000" b="1" dirty="0" err="1" smtClean="0">
+                <a:solidFill>
+                  <a:srgbClr val="002060"/>
+                </a:solidFill>
+              </a:rPr>
+              <a:t>네비게이션</a:t>
+            </a:r>
+            <a:r>
+              <a:rPr lang="ko-KR" altLang="en-US" sz="2000" b="1" dirty="0" err="1">
+                <a:solidFill>
+                  <a:srgbClr val="002060"/>
+                </a:solidFill>
+              </a:rPr>
+              <a:t>바</a:t>
+            </a:r>
+            <a:r>
+              <a:rPr lang="en-US" altLang="ko-KR" sz="2000" b="1" dirty="0" smtClean="0">
+                <a:solidFill>
+                  <a:srgbClr val="002060"/>
+                </a:solidFill>
+              </a:rPr>
+              <a:t>(</a:t>
+            </a:r>
+            <a:r>
+              <a:rPr lang="en-US" altLang="ko-KR" sz="2000" b="1" dirty="0" err="1" smtClean="0">
+                <a:solidFill>
+                  <a:srgbClr val="002060"/>
+                </a:solidFill>
+              </a:rPr>
+              <a:t>navbar</a:t>
+            </a:r>
+            <a:r>
+              <a:rPr lang="en-US" altLang="ko-KR" sz="2000" b="1" dirty="0" smtClean="0">
+                <a:solidFill>
+                  <a:srgbClr val="002060"/>
+                </a:solidFill>
+              </a:rPr>
+              <a:t>) </a:t>
+            </a:r>
+            <a:r>
+              <a:rPr lang="ko-KR" altLang="en-US" sz="2000" b="1" dirty="0" smtClean="0">
+                <a:solidFill>
+                  <a:srgbClr val="002060"/>
+                </a:solidFill>
+              </a:rPr>
+              <a:t>메뉴 스타일 적</a:t>
+            </a:r>
+            <a:r>
+              <a:rPr lang="ko-KR" altLang="en-US" sz="2000" b="1" dirty="0">
+                <a:solidFill>
+                  <a:srgbClr val="002060"/>
+                </a:solidFill>
+              </a:rPr>
+              <a:t>용</a:t>
+            </a:r>
+            <a:r>
+              <a:rPr lang="ko-KR" altLang="en-US" sz="2000" b="1" dirty="0" smtClean="0">
+                <a:solidFill>
+                  <a:srgbClr val="002060"/>
+                </a:solidFill>
+              </a:rPr>
+              <a:t>하기 </a:t>
+            </a:r>
+            <a:endParaRPr lang="en-US" altLang="ko-KR" sz="2000" b="1" dirty="0">
+              <a:solidFill>
+                <a:srgbClr val="002060"/>
+              </a:solidFill>
+            </a:endParaRPr>
+          </a:p>
+        </p:txBody>
+      </p:sp>
+      <p:pic>
+        <p:nvPicPr>
+          <p:cNvPr id="4" name="그림 3"/>
+          <p:cNvPicPr>
+            <a:picLocks noChangeAspect="1"/>
+          </p:cNvPicPr>
+          <p:nvPr/>
+        </p:nvPicPr>
+        <p:blipFill rotWithShape="1">
+          <a:blip r:embed="rId3">
+            <a:extLst>
+              <a:ext uri="{28A0092B-C50C-407E-A947-70E740481C1C}">
+                <a14:useLocalDpi xmlns:a14="http://schemas.microsoft.com/office/drawing/2010/main" val="0"/>
+              </a:ext>
+            </a:extLst>
+          </a:blip>
+          <a:srcRect r="61637" b="3039"/>
+          <a:stretch/>
+        </p:blipFill>
+        <p:spPr>
+          <a:xfrm>
+            <a:off x="1136418" y="1866541"/>
+            <a:ext cx="5184576" cy="554347"/>
+          </a:xfrm>
+          <a:prstGeom prst="rect">
+            <a:avLst/>
+          </a:prstGeom>
+        </p:spPr>
+      </p:pic>
+      <p:pic>
+        <p:nvPicPr>
+          <p:cNvPr id="8" name="그림 7"/>
+          <p:cNvPicPr>
+            <a:picLocks noChangeAspect="1"/>
+          </p:cNvPicPr>
+          <p:nvPr/>
+        </p:nvPicPr>
+        <p:blipFill>
+          <a:blip r:embed="rId4">
+            <a:extLst>
+              <a:ext uri="{28A0092B-C50C-407E-A947-70E740481C1C}">
+                <a14:useLocalDpi xmlns:a14="http://schemas.microsoft.com/office/drawing/2010/main" val="0"/>
+              </a:ext>
+            </a:extLst>
+          </a:blip>
+          <a:stretch>
+            <a:fillRect/>
+          </a:stretch>
+        </p:blipFill>
+        <p:spPr>
+          <a:xfrm>
+            <a:off x="1280592" y="2564904"/>
+            <a:ext cx="7776863" cy="3744416"/>
+          </a:xfrm>
+          <a:prstGeom prst="rect">
+            <a:avLst/>
+          </a:prstGeom>
+          <a:ln>
+            <a:solidFill>
+              <a:schemeClr val="bg1">
+                <a:lumMod val="85000"/>
+              </a:schemeClr>
+            </a:solidFill>
+          </a:ln>
+        </p:spPr>
+      </p:pic>
+    </p:spTree>
+    <p:extLst>
+      <p:ext uri="{BB962C8B-B14F-4D97-AF65-F5344CB8AC3E}">
+        <p14:creationId xmlns:p14="http://schemas.microsoft.com/office/powerpoint/2010/main" val="85226241"/>
+      </p:ext>
+    </p:extLst>
+  </p:cSld>
+  <p:clrMapOvr>
+    <a:masterClrMapping/>
+  </p:clrMapOvr>
+  <p:timing>
+    <p:tnLst>
+      <p:par>
+        <p:cTn id="1" dur="indefinite" restart="never" nodeType="tmRoot"/>
+      </p:par>
+    </p:tnLst>
+  </p:timing>
+</p:sld>
+</file>
+
+<file path=ppt/slides/slide31.xml><?xml version="1.0" encoding="utf-8"?>
+<p:sld xmlns:a="http://schemas.openxmlformats.org/drawingml/2006/main" xmlns:r="http://schemas.openxmlformats.org/officeDocument/2006/relationships" xmlns:p="http://schemas.openxmlformats.org/presentationml/2006/main">
+  <p:cSld>
+    <p:spTree>
+      <p:nvGrpSpPr>
+        <p:cNvPr id="1" name=""/>
+        <p:cNvGrpSpPr/>
+        <p:nvPr/>
+      </p:nvGrpSpPr>
+      <p:grpSpPr>
+        <a:xfrm>
+          <a:off x="0" y="0"/>
+          <a:ext cx="0" cy="0"/>
+          <a:chOff x="0" y="0"/>
+          <a:chExt cx="0" cy="0"/>
+        </a:xfrm>
+      </p:grpSpPr>
+      <p:sp>
+        <p:nvSpPr>
+          <p:cNvPr id="6" name="제목 5"/>
+          <p:cNvSpPr>
+            <a:spLocks noGrp="1"/>
+          </p:cNvSpPr>
+          <p:nvPr>
+            <p:ph type="title"/>
+          </p:nvPr>
+        </p:nvSpPr>
+        <p:spPr/>
+        <p:txBody>
+          <a:bodyPr/>
+          <a:lstStyle/>
+          <a:p>
+            <a:r>
+              <a:rPr lang="en-US" altLang="ko-KR" dirty="0" smtClean="0"/>
+              <a:t> </a:t>
+            </a:r>
+            <a:r>
+              <a:rPr lang="ko-KR" altLang="en-US" sz="2800" dirty="0" err="1"/>
+              <a:t>네비게이션</a:t>
+            </a:r>
+            <a:r>
+              <a:rPr lang="ko-KR" altLang="en-US" sz="2800" dirty="0"/>
+              <a:t> 바</a:t>
+            </a:r>
+            <a:r>
+              <a:rPr lang="en-US" altLang="ko-KR" sz="2800" dirty="0"/>
+              <a:t>(</a:t>
+            </a:r>
+            <a:r>
+              <a:rPr lang="en-US" altLang="ko-KR" sz="2800" dirty="0" err="1"/>
+              <a:t>navbar</a:t>
+            </a:r>
+            <a:r>
+              <a:rPr lang="en-US" altLang="ko-KR" sz="2800" dirty="0"/>
+              <a:t>)</a:t>
+            </a:r>
+            <a:endParaRPr lang="ko-KR" altLang="en-US" sz="2800" dirty="0"/>
+          </a:p>
+        </p:txBody>
+      </p:sp>
+      <p:sp>
+        <p:nvSpPr>
+          <p:cNvPr id="5" name="슬라이드 번호 개체 틀 4"/>
+          <p:cNvSpPr>
+            <a:spLocks noGrp="1"/>
+          </p:cNvSpPr>
+          <p:nvPr>
+            <p:ph type="sldNum" sz="quarter" idx="12"/>
+          </p:nvPr>
+        </p:nvSpPr>
+        <p:spPr/>
+        <p:txBody>
+          <a:bodyPr/>
+          <a:lstStyle/>
+          <a:p>
+            <a:fld id="{1BDE3FE7-3AEA-4B05-AC5A-802D1816ACF0}" type="slidenum">
+              <a:rPr lang="ko-KR" altLang="en-US" smtClean="0"/>
+              <a:t>31</a:t>
+            </a:fld>
+            <a:endParaRPr lang="ko-KR" altLang="en-US"/>
+          </a:p>
+        </p:txBody>
+      </p:sp>
+      <p:sp>
+        <p:nvSpPr>
+          <p:cNvPr id="24" name="내용 개체 틀 2">
+            <a:extLst>
+              <a:ext uri="{FF2B5EF4-FFF2-40B4-BE49-F238E27FC236}">
+                <a16:creationId xmlns:a16="http://schemas.microsoft.com/office/drawing/2014/main" id="{98AF3A4E-7D90-4241-89FE-799D6F9D5A94}"/>
+              </a:ext>
+            </a:extLst>
+          </p:cNvPr>
+          <p:cNvSpPr txBox="1">
+            <a:spLocks/>
+          </p:cNvSpPr>
+          <p:nvPr/>
+        </p:nvSpPr>
+        <p:spPr>
+          <a:xfrm>
+            <a:off x="848544" y="1247872"/>
+            <a:ext cx="6192688" cy="596952"/>
+          </a:xfrm>
+          <a:prstGeom prst="rect">
+            <a:avLst/>
+          </a:prstGeom>
+        </p:spPr>
+        <p:txBody>
+          <a:bodyPr/>
+          <a:lstStyle>
+            <a:lvl1pPr marL="228600" indent="-228600" algn="l" defTabSz="914400" rtl="0" eaLnBrk="1" latinLnBrk="1" hangingPunct="1">
+              <a:lnSpc>
+                <a:spcPct val="90000"/>
+              </a:lnSpc>
+              <a:spcBef>
+                <a:spcPts val="1000"/>
+              </a:spcBef>
+              <a:buFont typeface="Arial" panose="020B0604020202020204" pitchFamily="34" charset="0"/>
+              <a:buChar char="•"/>
+              <a:defRPr sz="2800" kern="1200">
+                <a:solidFill>
+                  <a:schemeClr val="tx1"/>
+                </a:solidFill>
+                <a:latin typeface="+mn-lt"/>
+                <a:ea typeface="+mn-ea"/>
+                <a:cs typeface="+mn-cs"/>
+              </a:defRPr>
+            </a:lvl1pPr>
+            <a:lvl2pPr marL="685800" indent="-228600" algn="l" defTabSz="914400" rtl="0" eaLnBrk="1" latinLnBrk="1" hangingPunct="1">
+              <a:lnSpc>
+                <a:spcPct val="90000"/>
+              </a:lnSpc>
+              <a:spcBef>
+                <a:spcPts val="500"/>
+              </a:spcBef>
+              <a:buFont typeface="Arial" panose="020B0604020202020204" pitchFamily="34" charset="0"/>
+              <a:buChar char="•"/>
+              <a:defRPr sz="2400" kern="1200">
+                <a:solidFill>
+                  <a:schemeClr val="tx1"/>
+                </a:solidFill>
+                <a:latin typeface="+mn-lt"/>
+                <a:ea typeface="+mn-ea"/>
+                <a:cs typeface="+mn-cs"/>
+              </a:defRPr>
+            </a:lvl2pPr>
+            <a:lvl3pPr marL="1143000" indent="-228600" algn="l" defTabSz="914400" rtl="0" eaLnBrk="1" latinLnBrk="1" hangingPunct="1">
+              <a:lnSpc>
+                <a:spcPct val="90000"/>
+              </a:lnSpc>
+              <a:spcBef>
+                <a:spcPts val="500"/>
+              </a:spcBef>
+              <a:buFont typeface="Arial" panose="020B0604020202020204" pitchFamily="34" charset="0"/>
+              <a:buChar char="•"/>
+              <a:defRPr sz="2000" kern="1200">
+                <a:solidFill>
+                  <a:schemeClr val="tx1"/>
+                </a:solidFill>
+                <a:latin typeface="+mn-lt"/>
+                <a:ea typeface="+mn-ea"/>
+                <a:cs typeface="+mn-cs"/>
+              </a:defRPr>
+            </a:lvl3pPr>
+            <a:lvl4pPr marL="1600200" indent="-228600" algn="l" defTabSz="914400" rtl="0" eaLnBrk="1" latinLnBrk="1" hangingPunct="1">
+              <a:lnSpc>
+                <a:spcPct val="90000"/>
+              </a:lnSpc>
+              <a:spcBef>
+                <a:spcPts val="500"/>
+              </a:spcBef>
+              <a:buFont typeface="Arial" panose="020B0604020202020204" pitchFamily="34" charset="0"/>
+              <a:buChar char="•"/>
+              <a:defRPr sz="1800" kern="1200">
+                <a:solidFill>
+                  <a:schemeClr val="tx1"/>
+                </a:solidFill>
+                <a:latin typeface="+mn-lt"/>
+                <a:ea typeface="+mn-ea"/>
+                <a:cs typeface="+mn-cs"/>
+              </a:defRPr>
+            </a:lvl4pPr>
+            <a:lvl5pPr marL="2057400" indent="-228600" algn="l" defTabSz="914400" rtl="0" eaLnBrk="1" latinLnBrk="1" hangingPunct="1">
+              <a:lnSpc>
+                <a:spcPct val="90000"/>
+              </a:lnSpc>
+              <a:spcBef>
+                <a:spcPts val="500"/>
+              </a:spcBef>
+              <a:buFont typeface="Arial" panose="020B0604020202020204" pitchFamily="34" charset="0"/>
+              <a:buChar char="•"/>
+              <a:defRPr sz="1800" kern="1200">
+                <a:solidFill>
+                  <a:schemeClr val="tx1"/>
+                </a:solidFill>
+                <a:latin typeface="+mn-lt"/>
+                <a:ea typeface="+mn-ea"/>
+                <a:cs typeface="+mn-cs"/>
+              </a:defRPr>
+            </a:lvl5pPr>
+            <a:lvl6pPr marL="2514600" indent="-228600" algn="l" defTabSz="914400" rtl="0" eaLnBrk="1" latinLnBrk="1" hangingPunct="1">
+              <a:lnSpc>
+                <a:spcPct val="90000"/>
+              </a:lnSpc>
+              <a:spcBef>
+                <a:spcPts val="500"/>
+              </a:spcBef>
+              <a:buFont typeface="Arial" panose="020B0604020202020204" pitchFamily="34" charset="0"/>
+              <a:buChar char="•"/>
+              <a:defRPr sz="1800" kern="1200">
+                <a:solidFill>
+                  <a:schemeClr val="tx1"/>
+                </a:solidFill>
+                <a:latin typeface="+mn-lt"/>
+                <a:ea typeface="+mn-ea"/>
+                <a:cs typeface="+mn-cs"/>
+              </a:defRPr>
+            </a:lvl6pPr>
+            <a:lvl7pPr marL="2971800" indent="-228600" algn="l" defTabSz="914400" rtl="0" eaLnBrk="1" latinLnBrk="1" hangingPunct="1">
+              <a:lnSpc>
+                <a:spcPct val="90000"/>
+              </a:lnSpc>
+              <a:spcBef>
+                <a:spcPts val="500"/>
+              </a:spcBef>
+              <a:buFont typeface="Arial" panose="020B0604020202020204" pitchFamily="34" charset="0"/>
+              <a:buChar char="•"/>
+              <a:defRPr sz="1800" kern="1200">
+                <a:solidFill>
+                  <a:schemeClr val="tx1"/>
+                </a:solidFill>
+                <a:latin typeface="+mn-lt"/>
+                <a:ea typeface="+mn-ea"/>
+                <a:cs typeface="+mn-cs"/>
+              </a:defRPr>
+            </a:lvl7pPr>
+            <a:lvl8pPr marL="3429000" indent="-228600" algn="l" defTabSz="914400" rtl="0" eaLnBrk="1" latinLnBrk="1" hangingPunct="1">
+              <a:lnSpc>
+                <a:spcPct val="90000"/>
+              </a:lnSpc>
+              <a:spcBef>
+                <a:spcPts val="500"/>
+              </a:spcBef>
+              <a:buFont typeface="Arial" panose="020B0604020202020204" pitchFamily="34" charset="0"/>
+              <a:buChar char="•"/>
+              <a:defRPr sz="1800" kern="1200">
+                <a:solidFill>
+                  <a:schemeClr val="tx1"/>
+                </a:solidFill>
+                <a:latin typeface="+mn-lt"/>
+                <a:ea typeface="+mn-ea"/>
+                <a:cs typeface="+mn-cs"/>
+              </a:defRPr>
+            </a:lvl8pPr>
+            <a:lvl9pPr marL="3886200" indent="-228600" algn="l" defTabSz="914400" rtl="0" eaLnBrk="1" latinLnBrk="1" hangingPunct="1">
+              <a:lnSpc>
+                <a:spcPct val="90000"/>
+              </a:lnSpc>
+              <a:spcBef>
+                <a:spcPts val="500"/>
+              </a:spcBef>
+              <a:buFont typeface="Arial" panose="020B0604020202020204" pitchFamily="34" charset="0"/>
+              <a:buChar char="•"/>
+              <a:defRPr sz="1800" kern="1200">
+                <a:solidFill>
+                  <a:schemeClr val="tx1"/>
+                </a:solidFill>
+                <a:latin typeface="+mn-lt"/>
+                <a:ea typeface="+mn-ea"/>
+                <a:cs typeface="+mn-cs"/>
+              </a:defRPr>
+            </a:lvl9pPr>
+          </a:lstStyle>
+          <a:p>
+            <a:pPr>
+              <a:lnSpc>
+                <a:spcPct val="150000"/>
+              </a:lnSpc>
+              <a:buFont typeface="Wingdings" panose="05000000000000000000" pitchFamily="2" charset="2"/>
+              <a:buChar char="§"/>
+            </a:pPr>
+            <a:r>
+              <a:rPr lang="ko-KR" altLang="en-US" sz="2000" b="1" dirty="0" err="1" smtClean="0">
+                <a:solidFill>
+                  <a:srgbClr val="002060"/>
+                </a:solidFill>
+              </a:rPr>
+              <a:t>네비게이션</a:t>
+            </a:r>
+            <a:r>
+              <a:rPr lang="ko-KR" altLang="en-US" sz="2000" b="1" dirty="0" err="1">
+                <a:solidFill>
+                  <a:srgbClr val="002060"/>
+                </a:solidFill>
+              </a:rPr>
+              <a:t>바</a:t>
+            </a:r>
+            <a:r>
+              <a:rPr lang="en-US" altLang="ko-KR" sz="2000" b="1" dirty="0" smtClean="0">
+                <a:solidFill>
+                  <a:srgbClr val="002060"/>
+                </a:solidFill>
+              </a:rPr>
+              <a:t>(</a:t>
+            </a:r>
+            <a:r>
+              <a:rPr lang="en-US" altLang="ko-KR" sz="2000" b="1" dirty="0" err="1" smtClean="0">
+                <a:solidFill>
+                  <a:srgbClr val="002060"/>
+                </a:solidFill>
+              </a:rPr>
+              <a:t>navbar</a:t>
+            </a:r>
+            <a:r>
+              <a:rPr lang="en-US" altLang="ko-KR" sz="2000" b="1" dirty="0" smtClean="0">
+                <a:solidFill>
+                  <a:srgbClr val="002060"/>
+                </a:solidFill>
+              </a:rPr>
+              <a:t>) </a:t>
+            </a:r>
+            <a:r>
+              <a:rPr lang="ko-KR" altLang="en-US" sz="2000" b="1" dirty="0" smtClean="0">
+                <a:solidFill>
+                  <a:srgbClr val="002060"/>
+                </a:solidFill>
+              </a:rPr>
+              <a:t>메뉴 스타일 적</a:t>
+            </a:r>
+            <a:r>
+              <a:rPr lang="ko-KR" altLang="en-US" sz="2000" b="1" dirty="0">
+                <a:solidFill>
+                  <a:srgbClr val="002060"/>
+                </a:solidFill>
+              </a:rPr>
+              <a:t>용</a:t>
+            </a:r>
+            <a:r>
+              <a:rPr lang="ko-KR" altLang="en-US" sz="2000" b="1" dirty="0" smtClean="0">
+                <a:solidFill>
+                  <a:srgbClr val="002060"/>
+                </a:solidFill>
+              </a:rPr>
+              <a:t>하기 </a:t>
+            </a:r>
+            <a:endParaRPr lang="en-US" altLang="ko-KR" sz="2000" b="1" dirty="0">
+              <a:solidFill>
+                <a:srgbClr val="002060"/>
+              </a:solidFill>
+            </a:endParaRPr>
+          </a:p>
+        </p:txBody>
+      </p:sp>
+      <p:pic>
+        <p:nvPicPr>
+          <p:cNvPr id="7" name="그림 6"/>
+          <p:cNvPicPr>
+            <a:picLocks noChangeAspect="1"/>
+          </p:cNvPicPr>
+          <p:nvPr/>
+        </p:nvPicPr>
+        <p:blipFill>
+          <a:blip r:embed="rId3">
+            <a:extLst>
+              <a:ext uri="{28A0092B-C50C-407E-A947-70E740481C1C}">
+                <a14:useLocalDpi xmlns:a14="http://schemas.microsoft.com/office/drawing/2010/main" val="0"/>
+              </a:ext>
+            </a:extLst>
+          </a:blip>
+          <a:stretch>
+            <a:fillRect/>
+          </a:stretch>
+        </p:blipFill>
+        <p:spPr>
+          <a:xfrm>
+            <a:off x="7339819" y="3645024"/>
+            <a:ext cx="2070881" cy="2016224"/>
+          </a:xfrm>
+          <a:prstGeom prst="rect">
+            <a:avLst/>
+          </a:prstGeom>
+          <a:ln>
+            <a:solidFill>
+              <a:schemeClr val="bg1">
+                <a:lumMod val="85000"/>
+              </a:schemeClr>
+            </a:solidFill>
+          </a:ln>
+        </p:spPr>
+      </p:pic>
+      <p:pic>
+        <p:nvPicPr>
+          <p:cNvPr id="9" name="그림 8"/>
+          <p:cNvPicPr>
+            <a:picLocks noChangeAspect="1"/>
+          </p:cNvPicPr>
+          <p:nvPr/>
+        </p:nvPicPr>
+        <p:blipFill>
+          <a:blip r:embed="rId4">
+            <a:extLst>
+              <a:ext uri="{28A0092B-C50C-407E-A947-70E740481C1C}">
+                <a14:useLocalDpi xmlns:a14="http://schemas.microsoft.com/office/drawing/2010/main" val="0"/>
+              </a:ext>
+            </a:extLst>
+          </a:blip>
+          <a:stretch>
+            <a:fillRect/>
+          </a:stretch>
+        </p:blipFill>
+        <p:spPr>
+          <a:xfrm>
+            <a:off x="7339819" y="1988840"/>
+            <a:ext cx="2202318" cy="1418442"/>
+          </a:xfrm>
+          <a:prstGeom prst="rect">
+            <a:avLst/>
+          </a:prstGeom>
+          <a:ln>
+            <a:solidFill>
+              <a:schemeClr val="bg1">
+                <a:lumMod val="85000"/>
+              </a:schemeClr>
+            </a:solidFill>
+          </a:ln>
+        </p:spPr>
+      </p:pic>
+      <p:pic>
+        <p:nvPicPr>
+          <p:cNvPr id="2" name="그림 1"/>
+          <p:cNvPicPr>
+            <a:picLocks noChangeAspect="1"/>
+          </p:cNvPicPr>
+          <p:nvPr/>
+        </p:nvPicPr>
+        <p:blipFill>
+          <a:blip r:embed="rId5">
+            <a:extLst>
+              <a:ext uri="{28A0092B-C50C-407E-A947-70E740481C1C}">
+                <a14:useLocalDpi xmlns:a14="http://schemas.microsoft.com/office/drawing/2010/main" val="0"/>
+              </a:ext>
+            </a:extLst>
+          </a:blip>
+          <a:stretch>
+            <a:fillRect/>
+          </a:stretch>
+        </p:blipFill>
+        <p:spPr>
+          <a:xfrm>
+            <a:off x="992868" y="2298889"/>
+            <a:ext cx="6102241" cy="2714287"/>
+          </a:xfrm>
+          <a:prstGeom prst="rect">
+            <a:avLst/>
+          </a:prstGeom>
+          <a:ln>
+            <a:solidFill>
+              <a:schemeClr val="bg1">
+                <a:lumMod val="85000"/>
+              </a:schemeClr>
+            </a:solidFill>
+          </a:ln>
+        </p:spPr>
+      </p:pic>
+    </p:spTree>
+    <p:extLst>
+      <p:ext uri="{BB962C8B-B14F-4D97-AF65-F5344CB8AC3E}">
+        <p14:creationId xmlns:p14="http://schemas.microsoft.com/office/powerpoint/2010/main" val="1984006786"/>
+      </p:ext>
+    </p:extLst>
+  </p:cSld>
+  <p:clrMapOvr>
+    <a:masterClrMapping/>
+  </p:clrMapOvr>
+  <p:timing>
+    <p:tnLst>
+      <p:par>
+        <p:cTn id="1" dur="indefinite" restart="never" nodeType="tmRoot"/>
+      </p:par>
+    </p:tnLst>
+  </p:timing>
+</p:sld>
+</file>
+
+<file path=ppt/slides/slide32.xml><?xml version="1.0" encoding="utf-8"?>
+<p:sld xmlns:a="http://schemas.openxmlformats.org/drawingml/2006/main" xmlns:r="http://schemas.openxmlformats.org/officeDocument/2006/relationships" xmlns:p="http://schemas.openxmlformats.org/presentationml/2006/main">
+  <p:cSld>
+    <p:spTree>
+      <p:nvGrpSpPr>
+        <p:cNvPr id="1" name=""/>
+        <p:cNvGrpSpPr/>
+        <p:nvPr/>
+      </p:nvGrpSpPr>
+      <p:grpSpPr>
+        <a:xfrm>
+          <a:off x="0" y="0"/>
+          <a:ext cx="0" cy="0"/>
+          <a:chOff x="0" y="0"/>
+          <a:chExt cx="0" cy="0"/>
+        </a:xfrm>
+      </p:grpSpPr>
+      <p:pic>
+        <p:nvPicPr>
+          <p:cNvPr id="3" name="그림 2"/>
+          <p:cNvPicPr>
+            <a:picLocks noChangeAspect="1"/>
+          </p:cNvPicPr>
+          <p:nvPr/>
+        </p:nvPicPr>
+        <p:blipFill>
+          <a:blip r:embed="rId3">
+            <a:extLst>
+              <a:ext uri="{28A0092B-C50C-407E-A947-70E740481C1C}">
+                <a14:useLocalDpi xmlns:a14="http://schemas.microsoft.com/office/drawing/2010/main" val="0"/>
+              </a:ext>
+            </a:extLst>
+          </a:blip>
+          <a:stretch>
+            <a:fillRect/>
+          </a:stretch>
+        </p:blipFill>
+        <p:spPr>
+          <a:xfrm>
+            <a:off x="1568624" y="1196752"/>
+            <a:ext cx="5586566" cy="5421883"/>
+          </a:xfrm>
+          <a:prstGeom prst="rect">
+            <a:avLst/>
+          </a:prstGeom>
+          <a:ln>
+            <a:solidFill>
+              <a:schemeClr val="bg1">
+                <a:lumMod val="85000"/>
+              </a:schemeClr>
+            </a:solidFill>
+          </a:ln>
+        </p:spPr>
+      </p:pic>
+      <p:sp>
+        <p:nvSpPr>
+          <p:cNvPr id="6" name="제목 5"/>
+          <p:cNvSpPr>
+            <a:spLocks noGrp="1"/>
+          </p:cNvSpPr>
+          <p:nvPr>
+            <p:ph type="title"/>
+          </p:nvPr>
+        </p:nvSpPr>
+        <p:spPr/>
+        <p:txBody>
+          <a:bodyPr/>
+          <a:lstStyle/>
+          <a:p>
+            <a:r>
+              <a:rPr lang="en-US" altLang="ko-KR" dirty="0" smtClean="0"/>
+              <a:t> </a:t>
+            </a:r>
+            <a:r>
+              <a:rPr lang="ko-KR" altLang="en-US" sz="2800" dirty="0" smtClean="0"/>
+              <a:t>부트 </a:t>
+            </a:r>
+            <a:r>
+              <a:rPr lang="ko-KR" altLang="en-US" sz="2800" dirty="0" err="1" smtClean="0"/>
+              <a:t>스트랩</a:t>
+            </a:r>
+            <a:r>
+              <a:rPr lang="ko-KR" altLang="en-US" sz="2800" dirty="0" smtClean="0"/>
+              <a:t> </a:t>
+            </a:r>
+            <a:r>
+              <a:rPr lang="en-US" altLang="ko-KR" sz="2800" dirty="0" smtClean="0"/>
+              <a:t>– </a:t>
+            </a:r>
+            <a:r>
+              <a:rPr lang="ko-KR" altLang="en-US" sz="2800" dirty="0" smtClean="0"/>
+              <a:t>레이아</a:t>
+            </a:r>
+            <a:r>
+              <a:rPr lang="ko-KR" altLang="en-US" sz="2800" dirty="0"/>
+              <a:t>웃</a:t>
+            </a:r>
+            <a:endParaRPr lang="ko-KR" altLang="en-US" dirty="0"/>
+          </a:p>
+        </p:txBody>
+      </p:sp>
+      <p:sp>
+        <p:nvSpPr>
+          <p:cNvPr id="5" name="슬라이드 번호 개체 틀 4"/>
+          <p:cNvSpPr>
+            <a:spLocks noGrp="1"/>
+          </p:cNvSpPr>
+          <p:nvPr>
+            <p:ph type="sldNum" sz="quarter" idx="12"/>
+          </p:nvPr>
+        </p:nvSpPr>
+        <p:spPr/>
+        <p:txBody>
+          <a:bodyPr/>
+          <a:lstStyle/>
+          <a:p>
+            <a:fld id="{1BDE3FE7-3AEA-4B05-AC5A-802D1816ACF0}" type="slidenum">
+              <a:rPr lang="ko-KR" altLang="en-US" smtClean="0"/>
+              <a:t>32</a:t>
+            </a:fld>
+            <a:endParaRPr lang="ko-KR" altLang="en-US"/>
+          </a:p>
+        </p:txBody>
+      </p:sp>
+      <p:sp>
+        <p:nvSpPr>
+          <p:cNvPr id="8" name="모서리가 둥근 직사각형 7"/>
+          <p:cNvSpPr/>
+          <p:nvPr/>
+        </p:nvSpPr>
+        <p:spPr>
+          <a:xfrm>
+            <a:off x="4520952" y="3818677"/>
+            <a:ext cx="2160240" cy="834459"/>
+          </a:xfrm>
+          <a:prstGeom prst="roundRect">
+            <a:avLst/>
+          </a:prstGeom>
+          <a:noFill/>
+          <a:ln w="19050">
+            <a:solidFill>
+              <a:srgbClr val="C00000"/>
+            </a:solidFill>
+          </a:ln>
+        </p:spPr>
+        <p:style>
+          <a:lnRef idx="2">
+            <a:schemeClr val="accent1">
+              <a:shade val="50000"/>
+            </a:schemeClr>
+          </a:lnRef>
+          <a:fillRef idx="1">
+            <a:schemeClr val="accent1"/>
+          </a:fillRef>
+          <a:effectRef idx="0">
+            <a:schemeClr val="accent1"/>
+          </a:effectRef>
+          <a:fontRef idx="minor">
+            <a:schemeClr val="lt1"/>
+          </a:fontRef>
+        </p:style>
+        <p:txBody>
+          <a:bodyPr rtlCol="0" anchor="ctr"/>
+          <a:lstStyle/>
+          <a:p>
+            <a:r>
+              <a:rPr lang="ko-KR" altLang="en-US" sz="1600" dirty="0">
+                <a:solidFill>
+                  <a:sysClr val="windowText" lastClr="000000"/>
+                </a:solidFill>
+              </a:rPr>
+              <a:t>열</a:t>
+            </a:r>
+            <a:r>
+              <a:rPr lang="en-US" altLang="ko-KR" sz="1600" dirty="0" smtClean="0">
+                <a:solidFill>
+                  <a:sysClr val="windowText" lastClr="000000"/>
+                </a:solidFill>
+              </a:rPr>
+              <a:t>(row)</a:t>
+            </a:r>
+            <a:r>
+              <a:rPr lang="ko-KR" altLang="en-US" sz="1600" dirty="0" smtClean="0">
+                <a:solidFill>
+                  <a:sysClr val="windowText" lastClr="000000"/>
+                </a:solidFill>
+              </a:rPr>
+              <a:t> 공간 나누기</a:t>
+            </a:r>
+            <a:endParaRPr lang="en-US" altLang="ko-KR" sz="1600" dirty="0" smtClean="0">
+              <a:solidFill>
+                <a:sysClr val="windowText" lastClr="000000"/>
+              </a:solidFill>
+            </a:endParaRPr>
+          </a:p>
+          <a:p>
+            <a:r>
+              <a:rPr lang="en-US" altLang="ko-KR" sz="1600" dirty="0" smtClean="0">
+                <a:solidFill>
+                  <a:sysClr val="windowText" lastClr="000000"/>
+                </a:solidFill>
+              </a:rPr>
+              <a:t>12/2 -&gt; 6</a:t>
+            </a:r>
+            <a:r>
+              <a:rPr lang="ko-KR" altLang="en-US" sz="1600" dirty="0" smtClean="0">
+                <a:solidFill>
+                  <a:sysClr val="windowText" lastClr="000000"/>
+                </a:solidFill>
+              </a:rPr>
+              <a:t>등분</a:t>
+            </a:r>
+            <a:endParaRPr lang="en-US" altLang="ko-KR" sz="1600" dirty="0" smtClean="0">
+              <a:solidFill>
+                <a:sysClr val="windowText" lastClr="000000"/>
+              </a:solidFill>
+            </a:endParaRPr>
+          </a:p>
+          <a:p>
+            <a:r>
+              <a:rPr lang="en-US" altLang="ko-KR" sz="1600" dirty="0" smtClean="0">
+                <a:solidFill>
+                  <a:sysClr val="windowText" lastClr="000000"/>
+                </a:solidFill>
+              </a:rPr>
+              <a:t>12/4 -&gt; 3</a:t>
+            </a:r>
+            <a:r>
+              <a:rPr lang="ko-KR" altLang="en-US" sz="1600" dirty="0" smtClean="0">
+                <a:solidFill>
+                  <a:sysClr val="windowText" lastClr="000000"/>
+                </a:solidFill>
+              </a:rPr>
+              <a:t>등분</a:t>
+            </a:r>
+            <a:endParaRPr lang="ko-KR" altLang="en-US" sz="1600" dirty="0">
+              <a:solidFill>
+                <a:sysClr val="windowText" lastClr="000000"/>
+              </a:solidFill>
+            </a:endParaRPr>
+          </a:p>
+        </p:txBody>
+      </p:sp>
+      <p:cxnSp>
+        <p:nvCxnSpPr>
+          <p:cNvPr id="9" name="직선 화살표 연결선 8"/>
+          <p:cNvCxnSpPr/>
+          <p:nvPr/>
+        </p:nvCxnSpPr>
+        <p:spPr>
+          <a:xfrm flipH="1">
+            <a:off x="3440832" y="4235907"/>
+            <a:ext cx="1080120" cy="0"/>
+          </a:xfrm>
+          <a:prstGeom prst="straightConnector1">
+            <a:avLst/>
+          </a:prstGeom>
+          <a:ln w="12700">
+            <a:solidFill>
+              <a:srgbClr val="C00000"/>
+            </a:solidFill>
+            <a:headEnd type="none" w="med" len="med"/>
+            <a:tailEnd type="triangle" w="med" len="med"/>
+          </a:ln>
+        </p:spPr>
+        <p:style>
+          <a:lnRef idx="2">
+            <a:schemeClr val="dk1"/>
+          </a:lnRef>
+          <a:fillRef idx="1">
+            <a:schemeClr val="lt1"/>
+          </a:fillRef>
+          <a:effectRef idx="0">
+            <a:schemeClr val="dk1"/>
+          </a:effectRef>
+          <a:fontRef idx="minor">
+            <a:schemeClr val="dk1"/>
+          </a:fontRef>
+        </p:style>
+      </p:cxnSp>
+      <p:sp>
+        <p:nvSpPr>
+          <p:cNvPr id="12" name="모서리가 둥근 직사각형 11"/>
+          <p:cNvSpPr/>
+          <p:nvPr/>
+        </p:nvSpPr>
+        <p:spPr>
+          <a:xfrm>
+            <a:off x="2360712" y="4096371"/>
+            <a:ext cx="1080120" cy="377120"/>
+          </a:xfrm>
+          <a:prstGeom prst="roundRect">
+            <a:avLst/>
+          </a:prstGeom>
+          <a:noFill/>
+          <a:ln w="19050">
+            <a:solidFill>
+              <a:srgbClr val="C00000"/>
+            </a:solidFill>
+            <a:prstDash val="sysDash"/>
+          </a:ln>
+        </p:spPr>
+        <p:style>
+          <a:lnRef idx="2">
+            <a:schemeClr val="accent1">
+              <a:shade val="50000"/>
+            </a:schemeClr>
+          </a:lnRef>
+          <a:fillRef idx="1">
+            <a:schemeClr val="accent1"/>
+          </a:fillRef>
+          <a:effectRef idx="0">
+            <a:schemeClr val="accent1"/>
+          </a:effectRef>
+          <a:fontRef idx="minor">
+            <a:schemeClr val="lt1"/>
+          </a:fontRef>
+        </p:style>
+        <p:txBody>
+          <a:bodyPr rtlCol="0" anchor="ctr"/>
+          <a:lstStyle/>
+          <a:p>
+            <a:pPr algn="ctr"/>
+            <a:endParaRPr lang="ko-KR" altLang="en-US"/>
+          </a:p>
+        </p:txBody>
+      </p:sp>
+    </p:spTree>
+    <p:extLst>
+      <p:ext uri="{BB962C8B-B14F-4D97-AF65-F5344CB8AC3E}">
+        <p14:creationId xmlns:p14="http://schemas.microsoft.com/office/powerpoint/2010/main" val="766725132"/>
+      </p:ext>
+    </p:extLst>
+  </p:cSld>
+  <p:clrMapOvr>
+    <a:masterClrMapping/>
+  </p:clrMapOvr>
+  <p:timing>
+    <p:tnLst>
+      <p:par>
+        <p:cTn id="1" dur="indefinite" restart="never" nodeType="tmRoot"/>
+      </p:par>
+    </p:tnLst>
+  </p:timing>
+</p:sld>
+</file>
+
+<file path=ppt/slides/slide33.xml><?xml version="1.0" encoding="utf-8"?>
+<p:sld xmlns:a="http://schemas.openxmlformats.org/drawingml/2006/main" xmlns:r="http://schemas.openxmlformats.org/officeDocument/2006/relationships" xmlns:p="http://schemas.openxmlformats.org/presentationml/2006/main">
+  <p:cSld>
+    <p:spTree>
+      <p:nvGrpSpPr>
+        <p:cNvPr id="1" name=""/>
+        <p:cNvGrpSpPr/>
+        <p:nvPr/>
+      </p:nvGrpSpPr>
+      <p:grpSpPr>
+        <a:xfrm>
+          <a:off x="0" y="0"/>
+          <a:ext cx="0" cy="0"/>
+          <a:chOff x="0" y="0"/>
+          <a:chExt cx="0" cy="0"/>
+        </a:xfrm>
+      </p:grpSpPr>
+      <p:sp>
+        <p:nvSpPr>
+          <p:cNvPr id="6" name="제목 5"/>
+          <p:cNvSpPr>
+            <a:spLocks noGrp="1"/>
+          </p:cNvSpPr>
+          <p:nvPr>
+            <p:ph type="title"/>
+          </p:nvPr>
+        </p:nvSpPr>
+        <p:spPr/>
+        <p:txBody>
+          <a:bodyPr/>
+          <a:lstStyle/>
+          <a:p>
+            <a:r>
+              <a:rPr lang="en-US" altLang="ko-KR" dirty="0" smtClean="0"/>
+              <a:t> </a:t>
+            </a:r>
+            <a:r>
+              <a:rPr lang="ko-KR" altLang="en-US" sz="2800" dirty="0" smtClean="0"/>
+              <a:t>부트 </a:t>
+            </a:r>
+            <a:r>
+              <a:rPr lang="ko-KR" altLang="en-US" sz="2800" dirty="0" err="1" smtClean="0"/>
+              <a:t>스트랩</a:t>
+            </a:r>
+            <a:r>
+              <a:rPr lang="ko-KR" altLang="en-US" sz="2800" dirty="0" smtClean="0"/>
+              <a:t> </a:t>
+            </a:r>
+            <a:r>
+              <a:rPr lang="en-US" altLang="ko-KR" sz="2800" dirty="0" smtClean="0"/>
+              <a:t>– </a:t>
+            </a:r>
+            <a:r>
+              <a:rPr lang="ko-KR" altLang="en-US" sz="2800" dirty="0" smtClean="0"/>
+              <a:t>레이아</a:t>
+            </a:r>
+            <a:r>
+              <a:rPr lang="ko-KR" altLang="en-US" sz="2800" dirty="0"/>
+              <a:t>웃</a:t>
+            </a:r>
+            <a:endParaRPr lang="ko-KR" altLang="en-US" dirty="0"/>
+          </a:p>
+        </p:txBody>
+      </p:sp>
+      <p:sp>
+        <p:nvSpPr>
+          <p:cNvPr id="5" name="슬라이드 번호 개체 틀 4"/>
+          <p:cNvSpPr>
+            <a:spLocks noGrp="1"/>
+          </p:cNvSpPr>
+          <p:nvPr>
+            <p:ph type="sldNum" sz="quarter" idx="12"/>
+          </p:nvPr>
+        </p:nvSpPr>
+        <p:spPr/>
+        <p:txBody>
+          <a:bodyPr/>
+          <a:lstStyle/>
+          <a:p>
+            <a:fld id="{1BDE3FE7-3AEA-4B05-AC5A-802D1816ACF0}" type="slidenum">
+              <a:rPr lang="ko-KR" altLang="en-US" smtClean="0"/>
+              <a:t>33</a:t>
+            </a:fld>
+            <a:endParaRPr lang="ko-KR" altLang="en-US"/>
+          </a:p>
+        </p:txBody>
+      </p:sp>
+      <p:pic>
+        <p:nvPicPr>
+          <p:cNvPr id="3" name="그림 2"/>
+          <p:cNvPicPr>
+            <a:picLocks noChangeAspect="1"/>
+          </p:cNvPicPr>
+          <p:nvPr/>
+        </p:nvPicPr>
+        <p:blipFill>
+          <a:blip r:embed="rId3">
+            <a:extLst>
+              <a:ext uri="{28A0092B-C50C-407E-A947-70E740481C1C}">
+                <a14:useLocalDpi xmlns:a14="http://schemas.microsoft.com/office/drawing/2010/main" val="0"/>
+              </a:ext>
+            </a:extLst>
+          </a:blip>
+          <a:stretch>
+            <a:fillRect/>
+          </a:stretch>
+        </p:blipFill>
+        <p:spPr>
+          <a:xfrm>
+            <a:off x="2197034" y="1159515"/>
+            <a:ext cx="4320480" cy="5550255"/>
+          </a:xfrm>
+          <a:prstGeom prst="rect">
+            <a:avLst/>
+          </a:prstGeom>
+          <a:ln>
+            <a:solidFill>
+              <a:schemeClr val="bg1">
+                <a:lumMod val="85000"/>
+              </a:schemeClr>
+            </a:solidFill>
+          </a:ln>
+        </p:spPr>
+      </p:pic>
+    </p:spTree>
+    <p:extLst>
+      <p:ext uri="{BB962C8B-B14F-4D97-AF65-F5344CB8AC3E}">
+        <p14:creationId xmlns:p14="http://schemas.microsoft.com/office/powerpoint/2010/main" val="102197432"/>
+      </p:ext>
+    </p:extLst>
+  </p:cSld>
+  <p:clrMapOvr>
+    <a:masterClrMapping/>
+  </p:clrMapOvr>
+  <p:timing>
+    <p:tnLst>
+      <p:par>
+        <p:cTn id="1" dur="indefinite" restart="never" nodeType="tmRoot"/>
+      </p:par>
+    </p:tnLst>
+  </p:timing>
+</p:sld>
+</file>
+
+<file path=ppt/slides/slide34.xml><?xml version="1.0" encoding="utf-8"?>
+<p:sld xmlns:a="http://schemas.openxmlformats.org/drawingml/2006/main" xmlns:r="http://schemas.openxmlformats.org/officeDocument/2006/relationships" xmlns:p="http://schemas.openxmlformats.org/presentationml/2006/main">
+  <p:cSld>
+    <p:spTree>
+      <p:nvGrpSpPr>
+        <p:cNvPr id="1" name=""/>
+        <p:cNvGrpSpPr/>
+        <p:nvPr/>
+      </p:nvGrpSpPr>
+      <p:grpSpPr>
+        <a:xfrm>
+          <a:off x="0" y="0"/>
+          <a:ext cx="0" cy="0"/>
+          <a:chOff x="0" y="0"/>
+          <a:chExt cx="0" cy="0"/>
+        </a:xfrm>
+      </p:grpSpPr>
+      <p:sp>
+        <p:nvSpPr>
+          <p:cNvPr id="6" name="제목 5"/>
+          <p:cNvSpPr>
+            <a:spLocks noGrp="1"/>
+          </p:cNvSpPr>
+          <p:nvPr>
+            <p:ph type="title"/>
+          </p:nvPr>
+        </p:nvSpPr>
+        <p:spPr/>
+        <p:txBody>
+          <a:bodyPr/>
+          <a:lstStyle/>
+          <a:p>
+            <a:r>
+              <a:rPr lang="en-US" altLang="ko-KR" dirty="0" smtClean="0"/>
+              <a:t> </a:t>
+            </a:r>
+            <a:r>
+              <a:rPr lang="ko-KR" altLang="en-US" sz="2800" dirty="0" smtClean="0"/>
+              <a:t>부트 </a:t>
+            </a:r>
+            <a:r>
+              <a:rPr lang="ko-KR" altLang="en-US" sz="2800" dirty="0" err="1" smtClean="0"/>
+              <a:t>스트랩</a:t>
+            </a:r>
+            <a:r>
+              <a:rPr lang="ko-KR" altLang="en-US" sz="2800" dirty="0" smtClean="0"/>
+              <a:t> </a:t>
+            </a:r>
+            <a:r>
+              <a:rPr lang="en-US" altLang="ko-KR" sz="2800" dirty="0" smtClean="0"/>
+              <a:t>– footer</a:t>
+            </a:r>
+            <a:endParaRPr lang="ko-KR" altLang="en-US" dirty="0"/>
+          </a:p>
+        </p:txBody>
+      </p:sp>
+      <p:sp>
+        <p:nvSpPr>
+          <p:cNvPr id="5" name="슬라이드 번호 개체 틀 4"/>
+          <p:cNvSpPr>
+            <a:spLocks noGrp="1"/>
+          </p:cNvSpPr>
+          <p:nvPr>
+            <p:ph type="sldNum" sz="quarter" idx="12"/>
+          </p:nvPr>
+        </p:nvSpPr>
+        <p:spPr/>
+        <p:txBody>
+          <a:bodyPr/>
+          <a:lstStyle/>
+          <a:p>
+            <a:fld id="{1BDE3FE7-3AEA-4B05-AC5A-802D1816ACF0}" type="slidenum">
+              <a:rPr lang="ko-KR" altLang="en-US" smtClean="0"/>
+              <a:t>34</a:t>
+            </a:fld>
+            <a:endParaRPr lang="ko-KR" altLang="en-US"/>
+          </a:p>
+        </p:txBody>
+      </p:sp>
+      <p:pic>
+        <p:nvPicPr>
+          <p:cNvPr id="2" name="그림 1"/>
+          <p:cNvPicPr>
+            <a:picLocks noChangeAspect="1"/>
+          </p:cNvPicPr>
+          <p:nvPr/>
+        </p:nvPicPr>
+        <p:blipFill>
+          <a:blip r:embed="rId3">
+            <a:extLst>
+              <a:ext uri="{28A0092B-C50C-407E-A947-70E740481C1C}">
+                <a14:useLocalDpi xmlns:a14="http://schemas.microsoft.com/office/drawing/2010/main" val="0"/>
+              </a:ext>
+            </a:extLst>
+          </a:blip>
+          <a:stretch>
+            <a:fillRect/>
+          </a:stretch>
+        </p:blipFill>
+        <p:spPr>
+          <a:xfrm>
+            <a:off x="785960" y="3174267"/>
+            <a:ext cx="8344624" cy="2270957"/>
+          </a:xfrm>
+          <a:prstGeom prst="rect">
+            <a:avLst/>
+          </a:prstGeom>
+          <a:ln>
+            <a:solidFill>
+              <a:schemeClr val="bg1">
+                <a:lumMod val="85000"/>
+              </a:schemeClr>
+            </a:solidFill>
+          </a:ln>
+        </p:spPr>
+      </p:pic>
+      <p:pic>
+        <p:nvPicPr>
+          <p:cNvPr id="4" name="그림 3"/>
+          <p:cNvPicPr>
+            <a:picLocks noChangeAspect="1"/>
+          </p:cNvPicPr>
+          <p:nvPr/>
+        </p:nvPicPr>
+        <p:blipFill>
+          <a:blip r:embed="rId4">
+            <a:extLst>
+              <a:ext uri="{28A0092B-C50C-407E-A947-70E740481C1C}">
+                <a14:useLocalDpi xmlns:a14="http://schemas.microsoft.com/office/drawing/2010/main" val="0"/>
+              </a:ext>
+            </a:extLst>
+          </a:blip>
+          <a:stretch>
+            <a:fillRect/>
+          </a:stretch>
+        </p:blipFill>
+        <p:spPr>
+          <a:xfrm>
+            <a:off x="673796" y="1793105"/>
+            <a:ext cx="8568952" cy="1203847"/>
+          </a:xfrm>
+          <a:prstGeom prst="rect">
+            <a:avLst/>
+          </a:prstGeom>
+        </p:spPr>
+      </p:pic>
+      <p:sp>
+        <p:nvSpPr>
+          <p:cNvPr id="7" name="내용 개체 틀 2">
+            <a:extLst>
+              <a:ext uri="{FF2B5EF4-FFF2-40B4-BE49-F238E27FC236}">
+                <a16:creationId xmlns:a16="http://schemas.microsoft.com/office/drawing/2014/main" id="{98AF3A4E-7D90-4241-89FE-799D6F9D5A94}"/>
+              </a:ext>
+            </a:extLst>
+          </p:cNvPr>
+          <p:cNvSpPr txBox="1">
+            <a:spLocks/>
+          </p:cNvSpPr>
+          <p:nvPr/>
+        </p:nvSpPr>
+        <p:spPr>
+          <a:xfrm>
+            <a:off x="920552" y="1196752"/>
+            <a:ext cx="6192688" cy="596952"/>
+          </a:xfrm>
+          <a:prstGeom prst="rect">
+            <a:avLst/>
+          </a:prstGeom>
+        </p:spPr>
+        <p:txBody>
+          <a:bodyPr/>
+          <a:lstStyle>
+            <a:lvl1pPr marL="228600" indent="-228600" algn="l" defTabSz="914400" rtl="0" eaLnBrk="1" latinLnBrk="1" hangingPunct="1">
+              <a:lnSpc>
+                <a:spcPct val="90000"/>
+              </a:lnSpc>
+              <a:spcBef>
+                <a:spcPts val="1000"/>
+              </a:spcBef>
+              <a:buFont typeface="Arial" panose="020B0604020202020204" pitchFamily="34" charset="0"/>
+              <a:buChar char="•"/>
+              <a:defRPr sz="2800" kern="1200">
+                <a:solidFill>
+                  <a:schemeClr val="tx1"/>
+                </a:solidFill>
+                <a:latin typeface="+mn-lt"/>
+                <a:ea typeface="+mn-ea"/>
+                <a:cs typeface="+mn-cs"/>
+              </a:defRPr>
+            </a:lvl1pPr>
+            <a:lvl2pPr marL="685800" indent="-228600" algn="l" defTabSz="914400" rtl="0" eaLnBrk="1" latinLnBrk="1" hangingPunct="1">
+              <a:lnSpc>
+                <a:spcPct val="90000"/>
+              </a:lnSpc>
+              <a:spcBef>
+                <a:spcPts val="500"/>
+              </a:spcBef>
+              <a:buFont typeface="Arial" panose="020B0604020202020204" pitchFamily="34" charset="0"/>
+              <a:buChar char="•"/>
+              <a:defRPr sz="2400" kern="1200">
+                <a:solidFill>
+                  <a:schemeClr val="tx1"/>
+                </a:solidFill>
+                <a:latin typeface="+mn-lt"/>
+                <a:ea typeface="+mn-ea"/>
+                <a:cs typeface="+mn-cs"/>
+              </a:defRPr>
+            </a:lvl2pPr>
+            <a:lvl3pPr marL="1143000" indent="-228600" algn="l" defTabSz="914400" rtl="0" eaLnBrk="1" latinLnBrk="1" hangingPunct="1">
+              <a:lnSpc>
+                <a:spcPct val="90000"/>
+              </a:lnSpc>
+              <a:spcBef>
+                <a:spcPts val="500"/>
+              </a:spcBef>
+              <a:buFont typeface="Arial" panose="020B0604020202020204" pitchFamily="34" charset="0"/>
+              <a:buChar char="•"/>
+              <a:defRPr sz="2000" kern="1200">
+                <a:solidFill>
+                  <a:schemeClr val="tx1"/>
+                </a:solidFill>
+                <a:latin typeface="+mn-lt"/>
+                <a:ea typeface="+mn-ea"/>
+                <a:cs typeface="+mn-cs"/>
+              </a:defRPr>
+            </a:lvl3pPr>
+            <a:lvl4pPr marL="1600200" indent="-228600" algn="l" defTabSz="914400" rtl="0" eaLnBrk="1" latinLnBrk="1" hangingPunct="1">
+              <a:lnSpc>
+                <a:spcPct val="90000"/>
+              </a:lnSpc>
+              <a:spcBef>
+                <a:spcPts val="500"/>
+              </a:spcBef>
+              <a:buFont typeface="Arial" panose="020B0604020202020204" pitchFamily="34" charset="0"/>
+              <a:buChar char="•"/>
+              <a:defRPr sz="1800" kern="1200">
+                <a:solidFill>
+                  <a:schemeClr val="tx1"/>
+                </a:solidFill>
+                <a:latin typeface="+mn-lt"/>
+                <a:ea typeface="+mn-ea"/>
+                <a:cs typeface="+mn-cs"/>
+              </a:defRPr>
+            </a:lvl4pPr>
+            <a:lvl5pPr marL="2057400" indent="-228600" algn="l" defTabSz="914400" rtl="0" eaLnBrk="1" latinLnBrk="1" hangingPunct="1">
+              <a:lnSpc>
+                <a:spcPct val="90000"/>
+              </a:lnSpc>
+              <a:spcBef>
+                <a:spcPts val="500"/>
+              </a:spcBef>
+              <a:buFont typeface="Arial" panose="020B0604020202020204" pitchFamily="34" charset="0"/>
+              <a:buChar char="•"/>
+              <a:defRPr sz="1800" kern="1200">
+                <a:solidFill>
+                  <a:schemeClr val="tx1"/>
+                </a:solidFill>
+                <a:latin typeface="+mn-lt"/>
+                <a:ea typeface="+mn-ea"/>
+                <a:cs typeface="+mn-cs"/>
+              </a:defRPr>
+            </a:lvl5pPr>
+            <a:lvl6pPr marL="2514600" indent="-228600" algn="l" defTabSz="914400" rtl="0" eaLnBrk="1" latinLnBrk="1" hangingPunct="1">
+              <a:lnSpc>
+                <a:spcPct val="90000"/>
+              </a:lnSpc>
+              <a:spcBef>
+                <a:spcPts val="500"/>
+              </a:spcBef>
+              <a:buFont typeface="Arial" panose="020B0604020202020204" pitchFamily="34" charset="0"/>
+              <a:buChar char="•"/>
+              <a:defRPr sz="1800" kern="1200">
+                <a:solidFill>
+                  <a:schemeClr val="tx1"/>
+                </a:solidFill>
+                <a:latin typeface="+mn-lt"/>
+                <a:ea typeface="+mn-ea"/>
+                <a:cs typeface="+mn-cs"/>
+              </a:defRPr>
+            </a:lvl6pPr>
+            <a:lvl7pPr marL="2971800" indent="-228600" algn="l" defTabSz="914400" rtl="0" eaLnBrk="1" latinLnBrk="1" hangingPunct="1">
+              <a:lnSpc>
+                <a:spcPct val="90000"/>
+              </a:lnSpc>
+              <a:spcBef>
+                <a:spcPts val="500"/>
+              </a:spcBef>
+              <a:buFont typeface="Arial" panose="020B0604020202020204" pitchFamily="34" charset="0"/>
+              <a:buChar char="•"/>
+              <a:defRPr sz="1800" kern="1200">
+                <a:solidFill>
+                  <a:schemeClr val="tx1"/>
+                </a:solidFill>
+                <a:latin typeface="+mn-lt"/>
+                <a:ea typeface="+mn-ea"/>
+                <a:cs typeface="+mn-cs"/>
+              </a:defRPr>
+            </a:lvl7pPr>
+            <a:lvl8pPr marL="3429000" indent="-228600" algn="l" defTabSz="914400" rtl="0" eaLnBrk="1" latinLnBrk="1" hangingPunct="1">
+              <a:lnSpc>
+                <a:spcPct val="90000"/>
+              </a:lnSpc>
+              <a:spcBef>
+                <a:spcPts val="500"/>
+              </a:spcBef>
+              <a:buFont typeface="Arial" panose="020B0604020202020204" pitchFamily="34" charset="0"/>
+              <a:buChar char="•"/>
+              <a:defRPr sz="1800" kern="1200">
+                <a:solidFill>
+                  <a:schemeClr val="tx1"/>
+                </a:solidFill>
+                <a:latin typeface="+mn-lt"/>
+                <a:ea typeface="+mn-ea"/>
+                <a:cs typeface="+mn-cs"/>
+              </a:defRPr>
+            </a:lvl8pPr>
+            <a:lvl9pPr marL="3886200" indent="-228600" algn="l" defTabSz="914400" rtl="0" eaLnBrk="1" latinLnBrk="1" hangingPunct="1">
+              <a:lnSpc>
+                <a:spcPct val="90000"/>
+              </a:lnSpc>
+              <a:spcBef>
+                <a:spcPts val="500"/>
+              </a:spcBef>
+              <a:buFont typeface="Arial" panose="020B0604020202020204" pitchFamily="34" charset="0"/>
+              <a:buChar char="•"/>
+              <a:defRPr sz="1800" kern="1200">
+                <a:solidFill>
+                  <a:schemeClr val="tx1"/>
+                </a:solidFill>
+                <a:latin typeface="+mn-lt"/>
+                <a:ea typeface="+mn-ea"/>
+                <a:cs typeface="+mn-cs"/>
+              </a:defRPr>
+            </a:lvl9pPr>
+          </a:lstStyle>
+          <a:p>
+            <a:pPr>
+              <a:lnSpc>
+                <a:spcPct val="150000"/>
+              </a:lnSpc>
+              <a:buFont typeface="Wingdings" panose="05000000000000000000" pitchFamily="2" charset="2"/>
+              <a:buChar char="§"/>
+            </a:pPr>
+            <a:r>
+              <a:rPr lang="en-US" altLang="ko-KR" sz="2000" b="1" dirty="0" smtClean="0">
+                <a:solidFill>
+                  <a:srgbClr val="002060"/>
+                </a:solidFill>
+              </a:rPr>
+              <a:t>footer – </a:t>
+            </a:r>
+            <a:r>
+              <a:rPr lang="ko-KR" altLang="en-US" sz="2000" b="1" dirty="0" smtClean="0">
+                <a:solidFill>
+                  <a:srgbClr val="002060"/>
+                </a:solidFill>
+              </a:rPr>
+              <a:t>바닥</a:t>
+            </a:r>
+            <a:r>
+              <a:rPr lang="ko-KR" altLang="en-US" sz="2000" b="1" dirty="0">
+                <a:solidFill>
+                  <a:srgbClr val="002060"/>
+                </a:solidFill>
+              </a:rPr>
+              <a:t>글</a:t>
+            </a:r>
+            <a:r>
+              <a:rPr lang="ko-KR" altLang="en-US" sz="2000" b="1" dirty="0" smtClean="0">
+                <a:solidFill>
+                  <a:srgbClr val="002060"/>
+                </a:solidFill>
+              </a:rPr>
+              <a:t> 스타일 </a:t>
+            </a:r>
+            <a:endParaRPr lang="en-US" altLang="ko-KR" sz="2000" b="1" dirty="0">
+              <a:solidFill>
+                <a:srgbClr val="002060"/>
+              </a:solidFill>
+            </a:endParaRPr>
+          </a:p>
+        </p:txBody>
+      </p:sp>
+    </p:spTree>
+    <p:extLst>
+      <p:ext uri="{BB962C8B-B14F-4D97-AF65-F5344CB8AC3E}">
+        <p14:creationId xmlns:p14="http://schemas.microsoft.com/office/powerpoint/2010/main" val="1607750616"/>
+      </p:ext>
+    </p:extLst>
+  </p:cSld>
+  <p:clrMapOvr>
+    <a:masterClrMapping/>
+  </p:clrMapOvr>
+  <p:timing>
+    <p:tnLst>
+      <p:par>
+        <p:cTn id="1" dur="indefinite" restart="never" nodeType="tmRoot"/>
+      </p:par>
+    </p:tnLst>
+  </p:timing>
+</p:sld>
+</file>
+
 <file path=ppt/slides/slide4.xml><?xml version="1.0" encoding="utf-8"?>
 <p:sld xmlns:a="http://schemas.openxmlformats.org/drawingml/2006/main" xmlns:r="http://schemas.openxmlformats.org/officeDocument/2006/relationships" xmlns:p="http://schemas.openxmlformats.org/presentationml/2006/main">
   <p:cSld>
@@ -9049,15 +17996,7 @@
                   <a:srgbClr val="C00000"/>
                 </a:solidFill>
               </a:rPr>
-              <a:t> </a:t>
-            </a:r>
-            <a:r>
-              <a:rPr lang="ko-KR" altLang="en-US" sz="2000" b="1" dirty="0" smtClean="0">
-                <a:solidFill>
-                  <a:srgbClr val="C00000"/>
-                </a:solidFill>
-              </a:rPr>
-              <a:t>박스</a:t>
+              <a:t> 박스</a:t>
             </a:r>
             <a:endParaRPr lang="en-US" altLang="ko-KR" sz="2000" b="1" dirty="0">
               <a:solidFill>
@@ -9403,15 +18342,7 @@
                   <a:srgbClr val="C00000"/>
                 </a:solidFill>
               </a:rPr>
-              <a:t> </a:t>
-            </a:r>
-            <a:r>
-              <a:rPr lang="ko-KR" altLang="en-US" sz="2000" b="1" dirty="0" smtClean="0">
-                <a:solidFill>
-                  <a:srgbClr val="C00000"/>
-                </a:solidFill>
-              </a:rPr>
-              <a:t>박스</a:t>
+              <a:t> 박스</a:t>
             </a:r>
             <a:endParaRPr lang="en-US" altLang="ko-KR" sz="2000" b="1" dirty="0">
               <a:solidFill>

--- a/html-css_ppt/12강. flex(플렉스).pptx
+++ b/html-css_ppt/12강. flex(플렉스).pptx
@@ -5,7 +5,7 @@
     <p:sldMasterId id="2147483648" r:id="rId1"/>
   </p:sldMasterIdLst>
   <p:notesMasterIdLst>
-    <p:notesMasterId r:id="rId36"/>
+    <p:notesMasterId r:id="rId37"/>
   </p:notesMasterIdLst>
   <p:sldIdLst>
     <p:sldId id="256" r:id="rId2"/>
@@ -24,24 +24,25 @@
     <p:sldId id="462" r:id="rId15"/>
     <p:sldId id="479" r:id="rId16"/>
     <p:sldId id="480" r:id="rId17"/>
-    <p:sldId id="481" r:id="rId18"/>
-    <p:sldId id="482" r:id="rId19"/>
-    <p:sldId id="483" r:id="rId20"/>
-    <p:sldId id="484" r:id="rId21"/>
-    <p:sldId id="485" r:id="rId22"/>
-    <p:sldId id="486" r:id="rId23"/>
-    <p:sldId id="487" r:id="rId24"/>
-    <p:sldId id="488" r:id="rId25"/>
-    <p:sldId id="489" r:id="rId26"/>
-    <p:sldId id="490" r:id="rId27"/>
-    <p:sldId id="491" r:id="rId28"/>
-    <p:sldId id="492" r:id="rId29"/>
-    <p:sldId id="499" r:id="rId30"/>
-    <p:sldId id="493" r:id="rId31"/>
-    <p:sldId id="498" r:id="rId32"/>
-    <p:sldId id="495" r:id="rId33"/>
-    <p:sldId id="496" r:id="rId34"/>
-    <p:sldId id="497" r:id="rId35"/>
+    <p:sldId id="500" r:id="rId18"/>
+    <p:sldId id="481" r:id="rId19"/>
+    <p:sldId id="482" r:id="rId20"/>
+    <p:sldId id="483" r:id="rId21"/>
+    <p:sldId id="484" r:id="rId22"/>
+    <p:sldId id="485" r:id="rId23"/>
+    <p:sldId id="486" r:id="rId24"/>
+    <p:sldId id="487" r:id="rId25"/>
+    <p:sldId id="488" r:id="rId26"/>
+    <p:sldId id="489" r:id="rId27"/>
+    <p:sldId id="490" r:id="rId28"/>
+    <p:sldId id="491" r:id="rId29"/>
+    <p:sldId id="492" r:id="rId30"/>
+    <p:sldId id="499" r:id="rId31"/>
+    <p:sldId id="493" r:id="rId32"/>
+    <p:sldId id="498" r:id="rId33"/>
+    <p:sldId id="495" r:id="rId34"/>
+    <p:sldId id="496" r:id="rId35"/>
+    <p:sldId id="497" r:id="rId36"/>
   </p:sldIdLst>
   <p:sldSz cx="9906000" cy="6858000" type="A4"/>
   <p:notesSz cx="6858000" cy="9144000"/>
@@ -1255,7 +1256,7 @@
     </p:spTree>
     <p:extLst>
       <p:ext uri="{BB962C8B-B14F-4D97-AF65-F5344CB8AC3E}">
-        <p14:creationId xmlns:p14="http://schemas.microsoft.com/office/powerpoint/2010/main" val="3381303709"/>
+        <p14:creationId xmlns:p14="http://schemas.microsoft.com/office/powerpoint/2010/main" val="741281839"/>
       </p:ext>
     </p:extLst>
   </p:cSld>
@@ -1339,7 +1340,7 @@
     </p:spTree>
     <p:extLst>
       <p:ext uri="{BB962C8B-B14F-4D97-AF65-F5344CB8AC3E}">
-        <p14:creationId xmlns:p14="http://schemas.microsoft.com/office/powerpoint/2010/main" val="727288578"/>
+        <p14:creationId xmlns:p14="http://schemas.microsoft.com/office/powerpoint/2010/main" val="3381303709"/>
       </p:ext>
     </p:extLst>
   </p:cSld>
@@ -1423,7 +1424,7 @@
     </p:spTree>
     <p:extLst>
       <p:ext uri="{BB962C8B-B14F-4D97-AF65-F5344CB8AC3E}">
-        <p14:creationId xmlns:p14="http://schemas.microsoft.com/office/powerpoint/2010/main" val="295971418"/>
+        <p14:creationId xmlns:p14="http://schemas.microsoft.com/office/powerpoint/2010/main" val="727288578"/>
       </p:ext>
     </p:extLst>
   </p:cSld>
@@ -1591,7 +1592,7 @@
     </p:spTree>
     <p:extLst>
       <p:ext uri="{BB962C8B-B14F-4D97-AF65-F5344CB8AC3E}">
-        <p14:creationId xmlns:p14="http://schemas.microsoft.com/office/powerpoint/2010/main" val="1293847903"/>
+        <p14:creationId xmlns:p14="http://schemas.microsoft.com/office/powerpoint/2010/main" val="295971418"/>
       </p:ext>
     </p:extLst>
   </p:cSld>
@@ -1675,7 +1676,7 @@
     </p:spTree>
     <p:extLst>
       <p:ext uri="{BB962C8B-B14F-4D97-AF65-F5344CB8AC3E}">
-        <p14:creationId xmlns:p14="http://schemas.microsoft.com/office/powerpoint/2010/main" val="652574492"/>
+        <p14:creationId xmlns:p14="http://schemas.microsoft.com/office/powerpoint/2010/main" val="1293847903"/>
       </p:ext>
     </p:extLst>
   </p:cSld>
@@ -1759,7 +1760,7 @@
     </p:spTree>
     <p:extLst>
       <p:ext uri="{BB962C8B-B14F-4D97-AF65-F5344CB8AC3E}">
-        <p14:creationId xmlns:p14="http://schemas.microsoft.com/office/powerpoint/2010/main" val="2665275740"/>
+        <p14:creationId xmlns:p14="http://schemas.microsoft.com/office/powerpoint/2010/main" val="652574492"/>
       </p:ext>
     </p:extLst>
   </p:cSld>
@@ -1843,7 +1844,7 @@
     </p:spTree>
     <p:extLst>
       <p:ext uri="{BB962C8B-B14F-4D97-AF65-F5344CB8AC3E}">
-        <p14:creationId xmlns:p14="http://schemas.microsoft.com/office/powerpoint/2010/main" val="2883171591"/>
+        <p14:creationId xmlns:p14="http://schemas.microsoft.com/office/powerpoint/2010/main" val="2665275740"/>
       </p:ext>
     </p:extLst>
   </p:cSld>
@@ -1927,7 +1928,7 @@
     </p:spTree>
     <p:extLst>
       <p:ext uri="{BB962C8B-B14F-4D97-AF65-F5344CB8AC3E}">
-        <p14:creationId xmlns:p14="http://schemas.microsoft.com/office/powerpoint/2010/main" val="3441677648"/>
+        <p14:creationId xmlns:p14="http://schemas.microsoft.com/office/powerpoint/2010/main" val="2883171591"/>
       </p:ext>
     </p:extLst>
   </p:cSld>
@@ -2011,7 +2012,7 @@
     </p:spTree>
     <p:extLst>
       <p:ext uri="{BB962C8B-B14F-4D97-AF65-F5344CB8AC3E}">
-        <p14:creationId xmlns:p14="http://schemas.microsoft.com/office/powerpoint/2010/main" val="2875278310"/>
+        <p14:creationId xmlns:p14="http://schemas.microsoft.com/office/powerpoint/2010/main" val="3441677648"/>
       </p:ext>
     </p:extLst>
   </p:cSld>
@@ -2095,7 +2096,7 @@
     </p:spTree>
     <p:extLst>
       <p:ext uri="{BB962C8B-B14F-4D97-AF65-F5344CB8AC3E}">
-        <p14:creationId xmlns:p14="http://schemas.microsoft.com/office/powerpoint/2010/main" val="467885931"/>
+        <p14:creationId xmlns:p14="http://schemas.microsoft.com/office/powerpoint/2010/main" val="2875278310"/>
       </p:ext>
     </p:extLst>
   </p:cSld>
@@ -2179,7 +2180,7 @@
     </p:spTree>
     <p:extLst>
       <p:ext uri="{BB962C8B-B14F-4D97-AF65-F5344CB8AC3E}">
-        <p14:creationId xmlns:p14="http://schemas.microsoft.com/office/powerpoint/2010/main" val="2636633509"/>
+        <p14:creationId xmlns:p14="http://schemas.microsoft.com/office/powerpoint/2010/main" val="467885931"/>
       </p:ext>
     </p:extLst>
   </p:cSld>
@@ -2263,7 +2264,7 @@
     </p:spTree>
     <p:extLst>
       <p:ext uri="{BB962C8B-B14F-4D97-AF65-F5344CB8AC3E}">
-        <p14:creationId xmlns:p14="http://schemas.microsoft.com/office/powerpoint/2010/main" val="1720107053"/>
+        <p14:creationId xmlns:p14="http://schemas.microsoft.com/office/powerpoint/2010/main" val="2636633509"/>
       </p:ext>
     </p:extLst>
   </p:cSld>
@@ -2347,7 +2348,7 @@
     </p:spTree>
     <p:extLst>
       <p:ext uri="{BB962C8B-B14F-4D97-AF65-F5344CB8AC3E}">
-        <p14:creationId xmlns:p14="http://schemas.microsoft.com/office/powerpoint/2010/main" val="1695702060"/>
+        <p14:creationId xmlns:p14="http://schemas.microsoft.com/office/powerpoint/2010/main" val="1720107053"/>
       </p:ext>
     </p:extLst>
   </p:cSld>
@@ -2515,7 +2516,7 @@
     </p:spTree>
     <p:extLst>
       <p:ext uri="{BB962C8B-B14F-4D97-AF65-F5344CB8AC3E}">
-        <p14:creationId xmlns:p14="http://schemas.microsoft.com/office/powerpoint/2010/main" val="2828749025"/>
+        <p14:creationId xmlns:p14="http://schemas.microsoft.com/office/powerpoint/2010/main" val="1695702060"/>
       </p:ext>
     </p:extLst>
   </p:cSld>
@@ -2599,7 +2600,7 @@
     </p:spTree>
     <p:extLst>
       <p:ext uri="{BB962C8B-B14F-4D97-AF65-F5344CB8AC3E}">
-        <p14:creationId xmlns:p14="http://schemas.microsoft.com/office/powerpoint/2010/main" val="476055742"/>
+        <p14:creationId xmlns:p14="http://schemas.microsoft.com/office/powerpoint/2010/main" val="2828749025"/>
       </p:ext>
     </p:extLst>
   </p:cSld>
@@ -2683,7 +2684,7 @@
     </p:spTree>
     <p:extLst>
       <p:ext uri="{BB962C8B-B14F-4D97-AF65-F5344CB8AC3E}">
-        <p14:creationId xmlns:p14="http://schemas.microsoft.com/office/powerpoint/2010/main" val="1847897301"/>
+        <p14:creationId xmlns:p14="http://schemas.microsoft.com/office/powerpoint/2010/main" val="476055742"/>
       </p:ext>
     </p:extLst>
   </p:cSld>
@@ -2767,7 +2768,7 @@
     </p:spTree>
     <p:extLst>
       <p:ext uri="{BB962C8B-B14F-4D97-AF65-F5344CB8AC3E}">
-        <p14:creationId xmlns:p14="http://schemas.microsoft.com/office/powerpoint/2010/main" val="808374559"/>
+        <p14:creationId xmlns:p14="http://schemas.microsoft.com/office/powerpoint/2010/main" val="1847897301"/>
       </p:ext>
     </p:extLst>
   </p:cSld>
@@ -2843,6 +2844,90 @@
             <a:fld id="{0FADDD8A-FD4C-4C63-90D4-202AFE8080B2}" type="slidenum">
               <a:rPr lang="ko-KR" altLang="en-US" smtClean="0"/>
               <a:t>34</a:t>
+            </a:fld>
+            <a:endParaRPr lang="ko-KR" altLang="en-US"/>
+          </a:p>
+        </p:txBody>
+      </p:sp>
+    </p:spTree>
+    <p:extLst>
+      <p:ext uri="{BB962C8B-B14F-4D97-AF65-F5344CB8AC3E}">
+        <p14:creationId xmlns:p14="http://schemas.microsoft.com/office/powerpoint/2010/main" val="808374559"/>
+      </p:ext>
+    </p:extLst>
+  </p:cSld>
+  <p:clrMapOvr>
+    <a:masterClrMapping/>
+  </p:clrMapOvr>
+</p:notes>
+</file>
+
+<file path=ppt/notesSlides/notesSlide35.xml><?xml version="1.0" encoding="utf-8"?>
+<p:notes xmlns:a="http://schemas.openxmlformats.org/drawingml/2006/main" xmlns:r="http://schemas.openxmlformats.org/officeDocument/2006/relationships" xmlns:p="http://schemas.openxmlformats.org/presentationml/2006/main">
+  <p:cSld>
+    <p:spTree>
+      <p:nvGrpSpPr>
+        <p:cNvPr id="1" name=""/>
+        <p:cNvGrpSpPr/>
+        <p:nvPr/>
+      </p:nvGrpSpPr>
+      <p:grpSpPr>
+        <a:xfrm>
+          <a:off x="0" y="0"/>
+          <a:ext cx="0" cy="0"/>
+          <a:chOff x="0" y="0"/>
+          <a:chExt cx="0" cy="0"/>
+        </a:xfrm>
+      </p:grpSpPr>
+      <p:sp>
+        <p:nvSpPr>
+          <p:cNvPr id="2" name="슬라이드 이미지 개체 틀 1"/>
+          <p:cNvSpPr>
+            <a:spLocks noGrp="1" noRot="1" noChangeAspect="1"/>
+          </p:cNvSpPr>
+          <p:nvPr>
+            <p:ph type="sldImg"/>
+          </p:nvPr>
+        </p:nvSpPr>
+        <p:spPr/>
+      </p:sp>
+      <p:sp>
+        <p:nvSpPr>
+          <p:cNvPr id="3" name="슬라이드 노트 개체 틀 2"/>
+          <p:cNvSpPr>
+            <a:spLocks noGrp="1"/>
+          </p:cNvSpPr>
+          <p:nvPr>
+            <p:ph type="body" idx="1"/>
+          </p:nvPr>
+        </p:nvSpPr>
+        <p:spPr/>
+        <p:txBody>
+          <a:bodyPr/>
+          <a:lstStyle/>
+          <a:p>
+            <a:endParaRPr lang="ko-KR" altLang="en-US" dirty="0"/>
+          </a:p>
+        </p:txBody>
+      </p:sp>
+      <p:sp>
+        <p:nvSpPr>
+          <p:cNvPr id="4" name="슬라이드 번호 개체 틀 3"/>
+          <p:cNvSpPr>
+            <a:spLocks noGrp="1"/>
+          </p:cNvSpPr>
+          <p:nvPr>
+            <p:ph type="sldNum" sz="quarter" idx="10"/>
+          </p:nvPr>
+        </p:nvSpPr>
+        <p:spPr/>
+        <p:txBody>
+          <a:bodyPr/>
+          <a:lstStyle/>
+          <a:p>
+            <a:fld id="{0FADDD8A-FD4C-4C63-90D4-202AFE8080B2}" type="slidenum">
+              <a:rPr lang="ko-KR" altLang="en-US" smtClean="0"/>
+              <a:t>35</a:t>
             </a:fld>
             <a:endParaRPr lang="ko-KR" altLang="en-US"/>
           </a:p>
@@ -9292,7 +9377,7 @@
       </p:sp>
       <p:pic>
         <p:nvPicPr>
-          <p:cNvPr id="2" name="그림 1"/>
+          <p:cNvPr id="3" name="그림 2"/>
           <p:cNvPicPr>
             <a:picLocks noChangeAspect="1"/>
           </p:cNvPicPr>
@@ -9300,43 +9385,6 @@
         </p:nvPicPr>
         <p:blipFill>
           <a:blip r:embed="rId3">
-            <a:extLst>
-              <a:ext uri="{28A0092B-C50C-407E-A947-70E740481C1C}">
-                <a14:useLocalDpi xmlns:a14="http://schemas.microsoft.com/office/drawing/2010/main" val="0"/>
-              </a:ext>
-            </a:extLst>
-          </a:blip>
-          <a:stretch>
-            <a:fillRect/>
-          </a:stretch>
-        </p:blipFill>
-        <p:spPr>
-          <a:xfrm>
-            <a:off x="5241032" y="3933056"/>
-            <a:ext cx="3642676" cy="1432684"/>
-          </a:xfrm>
-          <a:prstGeom prst="rect">
-            <a:avLst/>
-          </a:prstGeom>
-          <a:ln>
-            <a:solidFill>
-              <a:schemeClr val="bg1">
-                <a:lumMod val="85000"/>
-              </a:schemeClr>
-            </a:solidFill>
-          </a:ln>
-        </p:spPr>
-      </p:pic>
-      <p:pic>
-        <p:nvPicPr>
-          <p:cNvPr id="3" name="그림 2"/>
-          <p:cNvPicPr>
-            <a:picLocks noChangeAspect="1"/>
-          </p:cNvPicPr>
-          <p:nvPr/>
-        </p:nvPicPr>
-        <p:blipFill>
-          <a:blip r:embed="rId4">
             <a:extLst>
               <a:ext uri="{28A0092B-C50C-407E-A947-70E740481C1C}">
                 <a14:useLocalDpi xmlns:a14="http://schemas.microsoft.com/office/drawing/2010/main" val="0"/>
@@ -9438,7 +9486,7 @@
           <a:p>
             <a:r>
               <a:rPr lang="en-US" altLang="ko-KR" dirty="0" smtClean="0"/>
-              <a:t>4.6</a:t>
+              <a:t>5.1</a:t>
             </a:r>
             <a:r>
               <a:rPr lang="ko-KR" altLang="en-US" dirty="0" smtClean="0"/>
@@ -9456,6 +9504,35 @@
           </a:p>
         </p:txBody>
       </p:sp>
+      <p:pic>
+        <p:nvPicPr>
+          <p:cNvPr id="5" name="그림 4"/>
+          <p:cNvPicPr>
+            <a:picLocks noChangeAspect="1"/>
+          </p:cNvPicPr>
+          <p:nvPr/>
+        </p:nvPicPr>
+        <p:blipFill rotWithShape="1">
+          <a:blip r:embed="rId4">
+            <a:extLst>
+              <a:ext uri="{28A0092B-C50C-407E-A947-70E740481C1C}">
+                <a14:useLocalDpi xmlns:a14="http://schemas.microsoft.com/office/drawing/2010/main" val="0"/>
+              </a:ext>
+            </a:extLst>
+          </a:blip>
+          <a:srcRect l="28851"/>
+          <a:stretch/>
+        </p:blipFill>
+        <p:spPr>
+          <a:xfrm>
+            <a:off x="6135965" y="3507938"/>
+            <a:ext cx="3215266" cy="1181202"/>
+          </a:xfrm>
+          <a:prstGeom prst="rect">
+            <a:avLst/>
+          </a:prstGeom>
+        </p:spPr>
+      </p:pic>
     </p:spTree>
     <p:extLst>
       <p:ext uri="{BB962C8B-B14F-4D97-AF65-F5344CB8AC3E}">
@@ -9594,7 +9671,7 @@
           </p:cNvPicPr>
           <p:nvPr/>
         </p:nvPicPr>
-        <p:blipFill>
+        <p:blipFill rotWithShape="1">
           <a:blip r:embed="rId4">
             <a:extLst>
               <a:ext uri="{28A0092B-C50C-407E-A947-70E740481C1C}">
@@ -9602,14 +9679,13 @@
               </a:ext>
             </a:extLst>
           </a:blip>
-          <a:stretch>
-            <a:fillRect/>
-          </a:stretch>
+          <a:srcRect t="24339"/>
+          <a:stretch/>
         </p:blipFill>
         <p:spPr>
           <a:xfrm>
-            <a:off x="1761312" y="3861047"/>
-            <a:ext cx="2880320" cy="1479318"/>
+            <a:off x="1761312" y="4221087"/>
+            <a:ext cx="2880320" cy="1119277"/>
           </a:xfrm>
           <a:prstGeom prst="rect">
             <a:avLst/>
@@ -10008,6 +10084,143 @@
             </a:r>
             <a:r>
               <a:rPr lang="ko-KR" altLang="en-US" sz="2800" dirty="0" smtClean="0"/>
+              <a:t> 환경 설정</a:t>
+            </a:r>
+            <a:endParaRPr lang="ko-KR" altLang="en-US" dirty="0"/>
+          </a:p>
+        </p:txBody>
+      </p:sp>
+      <p:pic>
+        <p:nvPicPr>
+          <p:cNvPr id="2" name="그림 1"/>
+          <p:cNvPicPr>
+            <a:picLocks noChangeAspect="1"/>
+          </p:cNvPicPr>
+          <p:nvPr/>
+        </p:nvPicPr>
+        <p:blipFill>
+          <a:blip r:embed="rId3">
+            <a:extLst>
+              <a:ext uri="{28A0092B-C50C-407E-A947-70E740481C1C}">
+                <a14:useLocalDpi xmlns:a14="http://schemas.microsoft.com/office/drawing/2010/main" val="0"/>
+              </a:ext>
+            </a:extLst>
+          </a:blip>
+          <a:stretch>
+            <a:fillRect/>
+          </a:stretch>
+        </p:blipFill>
+        <p:spPr>
+          <a:xfrm>
+            <a:off x="912705" y="1628800"/>
+            <a:ext cx="7940728" cy="4054191"/>
+          </a:xfrm>
+          <a:prstGeom prst="rect">
+            <a:avLst/>
+          </a:prstGeom>
+          <a:ln>
+            <a:solidFill>
+              <a:schemeClr val="bg1">
+                <a:lumMod val="85000"/>
+              </a:schemeClr>
+            </a:solidFill>
+          </a:ln>
+        </p:spPr>
+      </p:pic>
+    </p:spTree>
+    <p:extLst>
+      <p:ext uri="{BB962C8B-B14F-4D97-AF65-F5344CB8AC3E}">
+        <p14:creationId xmlns:p14="http://schemas.microsoft.com/office/powerpoint/2010/main" val="46036020"/>
+      </p:ext>
+    </p:extLst>
+  </p:cSld>
+  <p:clrMapOvr>
+    <a:masterClrMapping/>
+  </p:clrMapOvr>
+  <p:timing>
+    <p:tnLst>
+      <p:par>
+        <p:cTn id="1" dur="indefinite" restart="never" nodeType="tmRoot"/>
+      </p:par>
+    </p:tnLst>
+  </p:timing>
+</p:sld>
+</file>
+
+<file path=ppt/slides/slide18.xml><?xml version="1.0" encoding="utf-8"?>
+<p:sld xmlns:a="http://schemas.openxmlformats.org/drawingml/2006/main" xmlns:r="http://schemas.openxmlformats.org/officeDocument/2006/relationships" xmlns:p="http://schemas.openxmlformats.org/presentationml/2006/main">
+  <p:cSld>
+    <p:spTree>
+      <p:nvGrpSpPr>
+        <p:cNvPr id="1" name=""/>
+        <p:cNvGrpSpPr/>
+        <p:nvPr/>
+      </p:nvGrpSpPr>
+      <p:grpSpPr>
+        <a:xfrm>
+          <a:off x="0" y="0"/>
+          <a:ext cx="0" cy="0"/>
+          <a:chOff x="0" y="0"/>
+          <a:chExt cx="0" cy="0"/>
+        </a:xfrm>
+      </p:grpSpPr>
+      <p:sp>
+        <p:nvSpPr>
+          <p:cNvPr id="4" name="슬라이드 번호 개체 틀 3"/>
+          <p:cNvSpPr>
+            <a:spLocks noGrp="1"/>
+          </p:cNvSpPr>
+          <p:nvPr>
+            <p:ph type="sldNum" sz="quarter" idx="12"/>
+          </p:nvPr>
+        </p:nvSpPr>
+        <p:spPr/>
+        <p:txBody>
+          <a:bodyPr/>
+          <a:lstStyle/>
+          <a:p>
+            <a:fld id="{1BDE3FE7-3AEA-4B05-AC5A-802D1816ACF0}" type="slidenum">
+              <a:rPr lang="ko-KR" altLang="en-US" smtClean="0"/>
+              <a:t>18</a:t>
+            </a:fld>
+            <a:endParaRPr lang="ko-KR" altLang="en-US"/>
+          </a:p>
+        </p:txBody>
+      </p:sp>
+      <p:sp>
+        <p:nvSpPr>
+          <p:cNvPr id="14" name="제목 5"/>
+          <p:cNvSpPr>
+            <a:spLocks noGrp="1"/>
+          </p:cNvSpPr>
+          <p:nvPr>
+            <p:ph type="title"/>
+          </p:nvPr>
+        </p:nvSpPr>
+        <p:spPr>
+          <a:xfrm>
+            <a:off x="552061" y="188640"/>
+            <a:ext cx="6201139" cy="854968"/>
+          </a:xfrm>
+        </p:spPr>
+        <p:txBody>
+          <a:bodyPr/>
+          <a:lstStyle/>
+          <a:p>
+            <a:r>
+              <a:rPr lang="en-US" altLang="ko-KR" dirty="0" smtClean="0"/>
+              <a:t> </a:t>
+            </a:r>
+            <a:r>
+              <a:rPr lang="ko-KR" altLang="en-US" sz="2800" dirty="0" smtClean="0"/>
+              <a:t>부트 </a:t>
+            </a:r>
+            <a:r>
+              <a:rPr lang="ko-KR" altLang="en-US" sz="2800" dirty="0" err="1" smtClean="0"/>
+              <a:t>스트랩</a:t>
+            </a:r>
+            <a:r>
+              <a:rPr lang="ko-KR" altLang="en-US" sz="2800" dirty="0" smtClean="0"/>
               <a:t> </a:t>
             </a:r>
             <a:r>
@@ -10349,7 +10562,7 @@
 </p:sld>
 </file>
 
-<file path=ppt/slides/slide18.xml><?xml version="1.0" encoding="utf-8"?>
+<file path=ppt/slides/slide19.xml><?xml version="1.0" encoding="utf-8"?>
 <p:sld xmlns:a="http://schemas.openxmlformats.org/drawingml/2006/main" xmlns:r="http://schemas.openxmlformats.org/officeDocument/2006/relationships" xmlns:p="http://schemas.openxmlformats.org/presentationml/2006/main">
   <p:cSld>
     <p:spTree>
@@ -10418,7 +10631,7 @@
           <a:p>
             <a:fld id="{1BDE3FE7-3AEA-4B05-AC5A-802D1816ACF0}" type="slidenum">
               <a:rPr lang="ko-KR" altLang="en-US" smtClean="0"/>
-              <a:t>18</a:t>
+              <a:t>19</a:t>
             </a:fld>
             <a:endParaRPr lang="ko-KR" altLang="en-US"/>
           </a:p>
@@ -10609,7 +10822,7 @@
 </p:sld>
 </file>
 
-<file path=ppt/slides/slide19.xml><?xml version="1.0" encoding="utf-8"?>
+<file path=ppt/slides/slide2.xml><?xml version="1.0" encoding="utf-8"?>
 <p:sld xmlns:a="http://schemas.openxmlformats.org/drawingml/2006/main" xmlns:r="http://schemas.openxmlformats.org/officeDocument/2006/relationships" xmlns:p="http://schemas.openxmlformats.org/presentationml/2006/main">
   <p:cSld>
     <p:spTree>
@@ -10646,6 +10859,851 @@
               <a:t> </a:t>
             </a:r>
             <a:r>
+              <a:rPr lang="ko-KR" altLang="en-US" dirty="0" err="1" smtClean="0"/>
+              <a:t>그리드</a:t>
+            </a:r>
+            <a:r>
+              <a:rPr lang="ko-KR" altLang="en-US" dirty="0" smtClean="0"/>
+              <a:t> 레이아웃</a:t>
+            </a:r>
+            <a:endParaRPr lang="ko-KR" altLang="en-US" dirty="0"/>
+          </a:p>
+        </p:txBody>
+      </p:sp>
+      <p:sp>
+        <p:nvSpPr>
+          <p:cNvPr id="5" name="슬라이드 번호 개체 틀 4"/>
+          <p:cNvSpPr>
+            <a:spLocks noGrp="1"/>
+          </p:cNvSpPr>
+          <p:nvPr>
+            <p:ph type="sldNum" sz="quarter" idx="12"/>
+          </p:nvPr>
+        </p:nvSpPr>
+        <p:spPr/>
+        <p:txBody>
+          <a:bodyPr/>
+          <a:lstStyle/>
+          <a:p>
+            <a:fld id="{1BDE3FE7-3AEA-4B05-AC5A-802D1816ACF0}" type="slidenum">
+              <a:rPr lang="ko-KR" altLang="en-US" smtClean="0"/>
+              <a:t>2</a:t>
+            </a:fld>
+            <a:endParaRPr lang="ko-KR" altLang="en-US"/>
+          </a:p>
+        </p:txBody>
+      </p:sp>
+      <p:sp>
+        <p:nvSpPr>
+          <p:cNvPr id="13" name="내용 개체 틀 2">
+            <a:extLst>
+              <a:ext uri="{FF2B5EF4-FFF2-40B4-BE49-F238E27FC236}">
+                <a16:creationId xmlns:a16="http://schemas.microsoft.com/office/drawing/2014/main" id="{98AF3A4E-7D90-4241-89FE-799D6F9D5A94}"/>
+              </a:ext>
+            </a:extLst>
+          </p:cNvPr>
+          <p:cNvSpPr txBox="1">
+            <a:spLocks/>
+          </p:cNvSpPr>
+          <p:nvPr/>
+        </p:nvSpPr>
+        <p:spPr>
+          <a:xfrm>
+            <a:off x="848544" y="1245050"/>
+            <a:ext cx="6264696" cy="455758"/>
+          </a:xfrm>
+          <a:prstGeom prst="rect">
+            <a:avLst/>
+          </a:prstGeom>
+        </p:spPr>
+        <p:txBody>
+          <a:bodyPr/>
+          <a:lstStyle>
+            <a:lvl1pPr marL="228600" indent="-228600" algn="l" defTabSz="914400" rtl="0" eaLnBrk="1" latinLnBrk="1" hangingPunct="1">
+              <a:lnSpc>
+                <a:spcPct val="90000"/>
+              </a:lnSpc>
+              <a:spcBef>
+                <a:spcPts val="1000"/>
+              </a:spcBef>
+              <a:buFont typeface="Arial" panose="020B0604020202020204" pitchFamily="34" charset="0"/>
+              <a:buChar char="•"/>
+              <a:defRPr sz="2800" kern="1200">
+                <a:solidFill>
+                  <a:schemeClr val="tx1"/>
+                </a:solidFill>
+                <a:latin typeface="+mn-lt"/>
+                <a:ea typeface="+mn-ea"/>
+                <a:cs typeface="+mn-cs"/>
+              </a:defRPr>
+            </a:lvl1pPr>
+            <a:lvl2pPr marL="685800" indent="-228600" algn="l" defTabSz="914400" rtl="0" eaLnBrk="1" latinLnBrk="1" hangingPunct="1">
+              <a:lnSpc>
+                <a:spcPct val="90000"/>
+              </a:lnSpc>
+              <a:spcBef>
+                <a:spcPts val="500"/>
+              </a:spcBef>
+              <a:buFont typeface="Arial" panose="020B0604020202020204" pitchFamily="34" charset="0"/>
+              <a:buChar char="•"/>
+              <a:defRPr sz="2400" kern="1200">
+                <a:solidFill>
+                  <a:schemeClr val="tx1"/>
+                </a:solidFill>
+                <a:latin typeface="+mn-lt"/>
+                <a:ea typeface="+mn-ea"/>
+                <a:cs typeface="+mn-cs"/>
+              </a:defRPr>
+            </a:lvl2pPr>
+            <a:lvl3pPr marL="1143000" indent="-228600" algn="l" defTabSz="914400" rtl="0" eaLnBrk="1" latinLnBrk="1" hangingPunct="1">
+              <a:lnSpc>
+                <a:spcPct val="90000"/>
+              </a:lnSpc>
+              <a:spcBef>
+                <a:spcPts val="500"/>
+              </a:spcBef>
+              <a:buFont typeface="Arial" panose="020B0604020202020204" pitchFamily="34" charset="0"/>
+              <a:buChar char="•"/>
+              <a:defRPr sz="2000" kern="1200">
+                <a:solidFill>
+                  <a:schemeClr val="tx1"/>
+                </a:solidFill>
+                <a:latin typeface="+mn-lt"/>
+                <a:ea typeface="+mn-ea"/>
+                <a:cs typeface="+mn-cs"/>
+              </a:defRPr>
+            </a:lvl3pPr>
+            <a:lvl4pPr marL="1600200" indent="-228600" algn="l" defTabSz="914400" rtl="0" eaLnBrk="1" latinLnBrk="1" hangingPunct="1">
+              <a:lnSpc>
+                <a:spcPct val="90000"/>
+              </a:lnSpc>
+              <a:spcBef>
+                <a:spcPts val="500"/>
+              </a:spcBef>
+              <a:buFont typeface="Arial" panose="020B0604020202020204" pitchFamily="34" charset="0"/>
+              <a:buChar char="•"/>
+              <a:defRPr sz="1800" kern="1200">
+                <a:solidFill>
+                  <a:schemeClr val="tx1"/>
+                </a:solidFill>
+                <a:latin typeface="+mn-lt"/>
+                <a:ea typeface="+mn-ea"/>
+                <a:cs typeface="+mn-cs"/>
+              </a:defRPr>
+            </a:lvl4pPr>
+            <a:lvl5pPr marL="2057400" indent="-228600" algn="l" defTabSz="914400" rtl="0" eaLnBrk="1" latinLnBrk="1" hangingPunct="1">
+              <a:lnSpc>
+                <a:spcPct val="90000"/>
+              </a:lnSpc>
+              <a:spcBef>
+                <a:spcPts val="500"/>
+              </a:spcBef>
+              <a:buFont typeface="Arial" panose="020B0604020202020204" pitchFamily="34" charset="0"/>
+              <a:buChar char="•"/>
+              <a:defRPr sz="1800" kern="1200">
+                <a:solidFill>
+                  <a:schemeClr val="tx1"/>
+                </a:solidFill>
+                <a:latin typeface="+mn-lt"/>
+                <a:ea typeface="+mn-ea"/>
+                <a:cs typeface="+mn-cs"/>
+              </a:defRPr>
+            </a:lvl5pPr>
+            <a:lvl6pPr marL="2514600" indent="-228600" algn="l" defTabSz="914400" rtl="0" eaLnBrk="1" latinLnBrk="1" hangingPunct="1">
+              <a:lnSpc>
+                <a:spcPct val="90000"/>
+              </a:lnSpc>
+              <a:spcBef>
+                <a:spcPts val="500"/>
+              </a:spcBef>
+              <a:buFont typeface="Arial" panose="020B0604020202020204" pitchFamily="34" charset="0"/>
+              <a:buChar char="•"/>
+              <a:defRPr sz="1800" kern="1200">
+                <a:solidFill>
+                  <a:schemeClr val="tx1"/>
+                </a:solidFill>
+                <a:latin typeface="+mn-lt"/>
+                <a:ea typeface="+mn-ea"/>
+                <a:cs typeface="+mn-cs"/>
+              </a:defRPr>
+            </a:lvl6pPr>
+            <a:lvl7pPr marL="2971800" indent="-228600" algn="l" defTabSz="914400" rtl="0" eaLnBrk="1" latinLnBrk="1" hangingPunct="1">
+              <a:lnSpc>
+                <a:spcPct val="90000"/>
+              </a:lnSpc>
+              <a:spcBef>
+                <a:spcPts val="500"/>
+              </a:spcBef>
+              <a:buFont typeface="Arial" panose="020B0604020202020204" pitchFamily="34" charset="0"/>
+              <a:buChar char="•"/>
+              <a:defRPr sz="1800" kern="1200">
+                <a:solidFill>
+                  <a:schemeClr val="tx1"/>
+                </a:solidFill>
+                <a:latin typeface="+mn-lt"/>
+                <a:ea typeface="+mn-ea"/>
+                <a:cs typeface="+mn-cs"/>
+              </a:defRPr>
+            </a:lvl7pPr>
+            <a:lvl8pPr marL="3429000" indent="-228600" algn="l" defTabSz="914400" rtl="0" eaLnBrk="1" latinLnBrk="1" hangingPunct="1">
+              <a:lnSpc>
+                <a:spcPct val="90000"/>
+              </a:lnSpc>
+              <a:spcBef>
+                <a:spcPts val="500"/>
+              </a:spcBef>
+              <a:buFont typeface="Arial" panose="020B0604020202020204" pitchFamily="34" charset="0"/>
+              <a:buChar char="•"/>
+              <a:defRPr sz="1800" kern="1200">
+                <a:solidFill>
+                  <a:schemeClr val="tx1"/>
+                </a:solidFill>
+                <a:latin typeface="+mn-lt"/>
+                <a:ea typeface="+mn-ea"/>
+                <a:cs typeface="+mn-cs"/>
+              </a:defRPr>
+            </a:lvl8pPr>
+            <a:lvl9pPr marL="3886200" indent="-228600" algn="l" defTabSz="914400" rtl="0" eaLnBrk="1" latinLnBrk="1" hangingPunct="1">
+              <a:lnSpc>
+                <a:spcPct val="90000"/>
+              </a:lnSpc>
+              <a:spcBef>
+                <a:spcPts val="500"/>
+              </a:spcBef>
+              <a:buFont typeface="Arial" panose="020B0604020202020204" pitchFamily="34" charset="0"/>
+              <a:buChar char="•"/>
+              <a:defRPr sz="1800" kern="1200">
+                <a:solidFill>
+                  <a:schemeClr val="tx1"/>
+                </a:solidFill>
+                <a:latin typeface="+mn-lt"/>
+                <a:ea typeface="+mn-ea"/>
+                <a:cs typeface="+mn-cs"/>
+              </a:defRPr>
+            </a:lvl9pPr>
+          </a:lstStyle>
+          <a:p>
+            <a:pPr>
+              <a:lnSpc>
+                <a:spcPct val="100000"/>
+              </a:lnSpc>
+              <a:buFont typeface="Wingdings" panose="05000000000000000000" pitchFamily="2" charset="2"/>
+              <a:buChar char="§"/>
+            </a:pPr>
+            <a:r>
+              <a:rPr lang="ko-KR" altLang="en-US" sz="2000" b="1" dirty="0" err="1" smtClean="0">
+                <a:solidFill>
+                  <a:srgbClr val="C00000"/>
+                </a:solidFill>
+              </a:rPr>
+              <a:t>그리</a:t>
+            </a:r>
+            <a:r>
+              <a:rPr lang="ko-KR" altLang="en-US" sz="2000" b="1" dirty="0" err="1">
+                <a:solidFill>
+                  <a:srgbClr val="C00000"/>
+                </a:solidFill>
+              </a:rPr>
+              <a:t>드</a:t>
+            </a:r>
+            <a:r>
+              <a:rPr lang="ko-KR" altLang="en-US" sz="2000" b="1" dirty="0" smtClean="0">
+                <a:solidFill>
+                  <a:srgbClr val="C00000"/>
+                </a:solidFill>
+              </a:rPr>
+              <a:t> 레이아웃</a:t>
+            </a:r>
+            <a:r>
+              <a:rPr lang="en-US" altLang="ko-KR" sz="2000" b="1" dirty="0" smtClean="0">
+                <a:solidFill>
+                  <a:srgbClr val="C00000"/>
+                </a:solidFill>
+              </a:rPr>
+              <a:t>(Grid Layout)</a:t>
+            </a:r>
+            <a:endParaRPr lang="en-US" altLang="ko-KR" sz="2000" b="1" dirty="0">
+              <a:solidFill>
+                <a:srgbClr val="C00000"/>
+              </a:solidFill>
+            </a:endParaRPr>
+          </a:p>
+        </p:txBody>
+      </p:sp>
+      <p:sp>
+        <p:nvSpPr>
+          <p:cNvPr id="3" name="직사각형 2"/>
+          <p:cNvSpPr/>
+          <p:nvPr/>
+        </p:nvSpPr>
+        <p:spPr>
+          <a:xfrm>
+            <a:off x="1136576" y="1691223"/>
+            <a:ext cx="8064896" cy="1246495"/>
+          </a:xfrm>
+          <a:prstGeom prst="rect">
+            <a:avLst/>
+          </a:prstGeom>
+        </p:spPr>
+        <p:txBody>
+          <a:bodyPr wrap="square">
+            <a:spAutoFit/>
+          </a:bodyPr>
+          <a:lstStyle/>
+          <a:p>
+            <a:pPr marL="285750" indent="-285750">
+              <a:lnSpc>
+                <a:spcPct val="150000"/>
+              </a:lnSpc>
+              <a:buFontTx/>
+              <a:buChar char="-"/>
+            </a:pPr>
+            <a:r>
+              <a:rPr lang="ko-KR" altLang="en-US" sz="1600" dirty="0" err="1" smtClean="0"/>
+              <a:t>반응형</a:t>
+            </a:r>
+            <a:r>
+              <a:rPr lang="ko-KR" altLang="en-US" sz="1600" dirty="0" smtClean="0"/>
+              <a:t> 웹 디자인에서 웹 문서 요소를 배치하는 기준</a:t>
+            </a:r>
+            <a:endParaRPr lang="en-US" altLang="ko-KR" sz="1600" dirty="0" smtClean="0"/>
+          </a:p>
+          <a:p>
+            <a:pPr marL="285750" indent="-285750">
+              <a:lnSpc>
+                <a:spcPct val="150000"/>
+              </a:lnSpc>
+              <a:buFontTx/>
+              <a:buChar char="-"/>
+            </a:pPr>
+            <a:r>
+              <a:rPr lang="ko-KR" altLang="en-US" sz="1600" dirty="0" smtClean="0"/>
+              <a:t>웹 사이트 화면을 여러 개의 칼럼</a:t>
+            </a:r>
+            <a:r>
+              <a:rPr lang="en-US" altLang="ko-KR" sz="1600" dirty="0" smtClean="0"/>
+              <a:t>(column)</a:t>
+            </a:r>
+            <a:r>
+              <a:rPr lang="ko-KR" altLang="en-US" sz="1600" dirty="0" smtClean="0"/>
+              <a:t>으로 나눈 후 웹 요소를 배치</a:t>
+            </a:r>
+            <a:endParaRPr lang="en-US" altLang="ko-KR" sz="1600" dirty="0" smtClean="0"/>
+          </a:p>
+          <a:p>
+            <a:pPr marL="285750" indent="-285750">
+              <a:lnSpc>
+                <a:spcPct val="150000"/>
+              </a:lnSpc>
+              <a:buFontTx/>
+              <a:buChar char="-"/>
+            </a:pPr>
+            <a:r>
+              <a:rPr lang="ko-KR" altLang="en-US" sz="1600" dirty="0" smtClean="0"/>
+              <a:t>화면을 규칙적으로 배열하므로 레이아웃을 일관성 있게 유지</a:t>
+            </a:r>
+            <a:endParaRPr lang="ko-KR" altLang="en-US" sz="1600" dirty="0"/>
+          </a:p>
+        </p:txBody>
+      </p:sp>
+      <p:sp>
+        <p:nvSpPr>
+          <p:cNvPr id="10" name="모서리가 둥근 직사각형 9"/>
+          <p:cNvSpPr/>
+          <p:nvPr/>
+        </p:nvSpPr>
+        <p:spPr>
+          <a:xfrm>
+            <a:off x="2144688" y="5145115"/>
+            <a:ext cx="1368152" cy="360040"/>
+          </a:xfrm>
+          <a:prstGeom prst="roundRect">
+            <a:avLst/>
+          </a:prstGeom>
+          <a:noFill/>
+          <a:ln w="28575"/>
+        </p:spPr>
+        <p:style>
+          <a:lnRef idx="2">
+            <a:schemeClr val="accent1">
+              <a:shade val="50000"/>
+            </a:schemeClr>
+          </a:lnRef>
+          <a:fillRef idx="1">
+            <a:schemeClr val="accent1"/>
+          </a:fillRef>
+          <a:effectRef idx="0">
+            <a:schemeClr val="accent1"/>
+          </a:effectRef>
+          <a:fontRef idx="minor">
+            <a:schemeClr val="lt1"/>
+          </a:fontRef>
+        </p:style>
+        <p:txBody>
+          <a:bodyPr rtlCol="0" anchor="ctr"/>
+          <a:lstStyle/>
+          <a:p>
+            <a:pPr algn="ctr"/>
+            <a:endParaRPr lang="ko-KR" altLang="en-US"/>
+          </a:p>
+        </p:txBody>
+      </p:sp>
+      <p:sp>
+        <p:nvSpPr>
+          <p:cNvPr id="16" name="모서리가 둥근 직사각형 15"/>
+          <p:cNvSpPr/>
+          <p:nvPr/>
+        </p:nvSpPr>
+        <p:spPr>
+          <a:xfrm>
+            <a:off x="3584848" y="5145115"/>
+            <a:ext cx="1368152" cy="360040"/>
+          </a:xfrm>
+          <a:prstGeom prst="roundRect">
+            <a:avLst/>
+          </a:prstGeom>
+          <a:noFill/>
+          <a:ln w="28575"/>
+        </p:spPr>
+        <p:style>
+          <a:lnRef idx="2">
+            <a:schemeClr val="accent1">
+              <a:shade val="50000"/>
+            </a:schemeClr>
+          </a:lnRef>
+          <a:fillRef idx="1">
+            <a:schemeClr val="accent1"/>
+          </a:fillRef>
+          <a:effectRef idx="0">
+            <a:schemeClr val="accent1"/>
+          </a:effectRef>
+          <a:fontRef idx="minor">
+            <a:schemeClr val="lt1"/>
+          </a:fontRef>
+        </p:style>
+        <p:txBody>
+          <a:bodyPr rtlCol="0" anchor="ctr"/>
+          <a:lstStyle/>
+          <a:p>
+            <a:pPr algn="ctr"/>
+            <a:endParaRPr lang="ko-KR" altLang="en-US"/>
+          </a:p>
+        </p:txBody>
+      </p:sp>
+      <p:sp>
+        <p:nvSpPr>
+          <p:cNvPr id="17" name="모서리가 둥근 직사각형 16"/>
+          <p:cNvSpPr/>
+          <p:nvPr/>
+        </p:nvSpPr>
+        <p:spPr>
+          <a:xfrm>
+            <a:off x="5025008" y="5145115"/>
+            <a:ext cx="1368152" cy="360040"/>
+          </a:xfrm>
+          <a:prstGeom prst="roundRect">
+            <a:avLst/>
+          </a:prstGeom>
+          <a:noFill/>
+          <a:ln w="28575"/>
+        </p:spPr>
+        <p:style>
+          <a:lnRef idx="2">
+            <a:schemeClr val="accent1">
+              <a:shade val="50000"/>
+            </a:schemeClr>
+          </a:lnRef>
+          <a:fillRef idx="1">
+            <a:schemeClr val="accent1"/>
+          </a:fillRef>
+          <a:effectRef idx="0">
+            <a:schemeClr val="accent1"/>
+          </a:effectRef>
+          <a:fontRef idx="minor">
+            <a:schemeClr val="lt1"/>
+          </a:fontRef>
+        </p:style>
+        <p:txBody>
+          <a:bodyPr rtlCol="0" anchor="ctr"/>
+          <a:lstStyle/>
+          <a:p>
+            <a:pPr algn="ctr"/>
+            <a:endParaRPr lang="ko-KR" altLang="en-US"/>
+          </a:p>
+        </p:txBody>
+      </p:sp>
+      <p:sp>
+        <p:nvSpPr>
+          <p:cNvPr id="25" name="모서리가 둥근 직사각형 24"/>
+          <p:cNvSpPr/>
+          <p:nvPr/>
+        </p:nvSpPr>
+        <p:spPr>
+          <a:xfrm>
+            <a:off x="3008784" y="5589240"/>
+            <a:ext cx="792088" cy="360040"/>
+          </a:xfrm>
+          <a:prstGeom prst="roundRect">
+            <a:avLst/>
+          </a:prstGeom>
+          <a:noFill/>
+          <a:ln w="28575"/>
+        </p:spPr>
+        <p:style>
+          <a:lnRef idx="2">
+            <a:schemeClr val="accent1">
+              <a:shade val="50000"/>
+            </a:schemeClr>
+          </a:lnRef>
+          <a:fillRef idx="1">
+            <a:schemeClr val="accent1"/>
+          </a:fillRef>
+          <a:effectRef idx="0">
+            <a:schemeClr val="accent1"/>
+          </a:effectRef>
+          <a:fontRef idx="minor">
+            <a:schemeClr val="lt1"/>
+          </a:fontRef>
+        </p:style>
+        <p:txBody>
+          <a:bodyPr rtlCol="0" anchor="ctr"/>
+          <a:lstStyle/>
+          <a:p>
+            <a:pPr algn="ctr"/>
+            <a:endParaRPr lang="ko-KR" altLang="en-US"/>
+          </a:p>
+        </p:txBody>
+      </p:sp>
+      <p:sp>
+        <p:nvSpPr>
+          <p:cNvPr id="26" name="모서리가 둥근 직사각형 25"/>
+          <p:cNvSpPr/>
+          <p:nvPr/>
+        </p:nvSpPr>
+        <p:spPr>
+          <a:xfrm>
+            <a:off x="3872880" y="5589240"/>
+            <a:ext cx="792088" cy="360040"/>
+          </a:xfrm>
+          <a:prstGeom prst="roundRect">
+            <a:avLst/>
+          </a:prstGeom>
+          <a:noFill/>
+          <a:ln w="28575"/>
+        </p:spPr>
+        <p:style>
+          <a:lnRef idx="2">
+            <a:schemeClr val="accent1">
+              <a:shade val="50000"/>
+            </a:schemeClr>
+          </a:lnRef>
+          <a:fillRef idx="1">
+            <a:schemeClr val="accent1"/>
+          </a:fillRef>
+          <a:effectRef idx="0">
+            <a:schemeClr val="accent1"/>
+          </a:effectRef>
+          <a:fontRef idx="minor">
+            <a:schemeClr val="lt1"/>
+          </a:fontRef>
+        </p:style>
+        <p:txBody>
+          <a:bodyPr rtlCol="0" anchor="ctr"/>
+          <a:lstStyle/>
+          <a:p>
+            <a:pPr algn="ctr"/>
+            <a:endParaRPr lang="ko-KR" altLang="en-US"/>
+          </a:p>
+        </p:txBody>
+      </p:sp>
+      <p:sp>
+        <p:nvSpPr>
+          <p:cNvPr id="27" name="모서리가 둥근 직사각형 26"/>
+          <p:cNvSpPr/>
+          <p:nvPr/>
+        </p:nvSpPr>
+        <p:spPr>
+          <a:xfrm>
+            <a:off x="4736976" y="5589240"/>
+            <a:ext cx="792088" cy="360040"/>
+          </a:xfrm>
+          <a:prstGeom prst="roundRect">
+            <a:avLst/>
+          </a:prstGeom>
+          <a:noFill/>
+          <a:ln w="28575"/>
+        </p:spPr>
+        <p:style>
+          <a:lnRef idx="2">
+            <a:schemeClr val="accent1">
+              <a:shade val="50000"/>
+            </a:schemeClr>
+          </a:lnRef>
+          <a:fillRef idx="1">
+            <a:schemeClr val="accent1"/>
+          </a:fillRef>
+          <a:effectRef idx="0">
+            <a:schemeClr val="accent1"/>
+          </a:effectRef>
+          <a:fontRef idx="minor">
+            <a:schemeClr val="lt1"/>
+          </a:fontRef>
+        </p:style>
+        <p:txBody>
+          <a:bodyPr rtlCol="0" anchor="ctr"/>
+          <a:lstStyle/>
+          <a:p>
+            <a:pPr algn="ctr"/>
+            <a:endParaRPr lang="ko-KR" altLang="en-US"/>
+          </a:p>
+        </p:txBody>
+      </p:sp>
+      <p:sp>
+        <p:nvSpPr>
+          <p:cNvPr id="28" name="모서리가 둥근 직사각형 27"/>
+          <p:cNvSpPr/>
+          <p:nvPr/>
+        </p:nvSpPr>
+        <p:spPr>
+          <a:xfrm>
+            <a:off x="5601072" y="5589240"/>
+            <a:ext cx="792088" cy="360040"/>
+          </a:xfrm>
+          <a:prstGeom prst="roundRect">
+            <a:avLst/>
+          </a:prstGeom>
+          <a:noFill/>
+          <a:ln w="28575"/>
+        </p:spPr>
+        <p:style>
+          <a:lnRef idx="2">
+            <a:schemeClr val="accent1">
+              <a:shade val="50000"/>
+            </a:schemeClr>
+          </a:lnRef>
+          <a:fillRef idx="1">
+            <a:schemeClr val="accent1"/>
+          </a:fillRef>
+          <a:effectRef idx="0">
+            <a:schemeClr val="accent1"/>
+          </a:effectRef>
+          <a:fontRef idx="minor">
+            <a:schemeClr val="lt1"/>
+          </a:fontRef>
+        </p:style>
+        <p:txBody>
+          <a:bodyPr rtlCol="0" anchor="ctr"/>
+          <a:lstStyle/>
+          <a:p>
+            <a:pPr algn="ctr"/>
+            <a:endParaRPr lang="ko-KR" altLang="en-US"/>
+          </a:p>
+        </p:txBody>
+      </p:sp>
+      <p:sp>
+        <p:nvSpPr>
+          <p:cNvPr id="29" name="TextBox 28"/>
+          <p:cNvSpPr txBox="1"/>
+          <p:nvPr/>
+        </p:nvSpPr>
+        <p:spPr>
+          <a:xfrm>
+            <a:off x="2000672" y="3068960"/>
+            <a:ext cx="4536504" cy="2031325"/>
+          </a:xfrm>
+          <a:prstGeom prst="rect">
+            <a:avLst/>
+          </a:prstGeom>
+          <a:noFill/>
+        </p:spPr>
+        <p:txBody>
+          <a:bodyPr wrap="square" rtlCol="0">
+            <a:spAutoFit/>
+          </a:bodyPr>
+          <a:lstStyle/>
+          <a:p>
+            <a:pPr>
+              <a:lnSpc>
+                <a:spcPct val="150000"/>
+              </a:lnSpc>
+            </a:pPr>
+            <a:r>
+              <a:rPr lang="ko-KR" altLang="en-US" dirty="0" smtClean="0"/>
+              <a:t>▶ </a:t>
+            </a:r>
+            <a:r>
+              <a:rPr lang="ko-KR" altLang="en-US" dirty="0" err="1" smtClean="0"/>
+              <a:t>플렉스</a:t>
+            </a:r>
+            <a:r>
+              <a:rPr lang="ko-KR" altLang="en-US" dirty="0" smtClean="0"/>
+              <a:t> 박스 레이아웃</a:t>
+            </a:r>
+            <a:endParaRPr lang="en-US" altLang="ko-KR" dirty="0" smtClean="0"/>
+          </a:p>
+          <a:p>
+            <a:pPr>
+              <a:lnSpc>
+                <a:spcPct val="150000"/>
+              </a:lnSpc>
+            </a:pPr>
+            <a:r>
+              <a:rPr lang="en-US" altLang="ko-KR" dirty="0" smtClean="0"/>
+              <a:t> </a:t>
+            </a:r>
+            <a:r>
+              <a:rPr lang="en-US" altLang="ko-KR" sz="1600" dirty="0" smtClean="0"/>
+              <a:t>- </a:t>
+            </a:r>
+            <a:r>
+              <a:rPr lang="ko-KR" altLang="en-US" sz="1600" dirty="0" smtClean="0"/>
+              <a:t>수평이나 수직 방향 중 하나를 주축으로 정하</a:t>
+            </a:r>
+            <a:endParaRPr lang="en-US" altLang="ko-KR" sz="1600" dirty="0" smtClean="0"/>
+          </a:p>
+          <a:p>
+            <a:pPr>
+              <a:lnSpc>
+                <a:spcPct val="150000"/>
+              </a:lnSpc>
+            </a:pPr>
+            <a:r>
+              <a:rPr lang="en-US" altLang="ko-KR" sz="1600" dirty="0"/>
+              <a:t> </a:t>
+            </a:r>
+            <a:r>
+              <a:rPr lang="en-US" altLang="ko-KR" sz="1600" dirty="0" smtClean="0"/>
+              <a:t>   </a:t>
+            </a:r>
+            <a:r>
+              <a:rPr lang="ko-KR" altLang="en-US" sz="1600" dirty="0" smtClean="0"/>
+              <a:t>고 박스를 배치</a:t>
+            </a:r>
+            <a:endParaRPr lang="en-US" altLang="ko-KR" sz="1600" dirty="0" smtClean="0"/>
+          </a:p>
+          <a:p>
+            <a:pPr marL="285750" indent="-285750">
+              <a:lnSpc>
+                <a:spcPct val="150000"/>
+              </a:lnSpc>
+              <a:buFontTx/>
+              <a:buChar char="-"/>
+            </a:pPr>
+            <a:r>
+              <a:rPr lang="ko-KR" altLang="en-US" sz="1600" dirty="0" smtClean="0"/>
+              <a:t>여유 공간이 생길 경우 너비나 높이를 적절하게 늘리거나 줄일 수</a:t>
+            </a:r>
+            <a:r>
+              <a:rPr lang="en-US" altLang="ko-KR" sz="1600" dirty="0"/>
+              <a:t> </a:t>
+            </a:r>
+            <a:r>
+              <a:rPr lang="ko-KR" altLang="en-US" sz="1600" dirty="0" smtClean="0"/>
+              <a:t>있음</a:t>
+            </a:r>
+            <a:endParaRPr lang="ko-KR" altLang="en-US" sz="1600" dirty="0"/>
+          </a:p>
+        </p:txBody>
+      </p:sp>
+      <p:sp>
+        <p:nvSpPr>
+          <p:cNvPr id="36" name="모서리가 둥근 직사각형 35"/>
+          <p:cNvSpPr/>
+          <p:nvPr/>
+        </p:nvSpPr>
+        <p:spPr>
+          <a:xfrm>
+            <a:off x="2144688" y="5589240"/>
+            <a:ext cx="792088" cy="360040"/>
+          </a:xfrm>
+          <a:prstGeom prst="roundRect">
+            <a:avLst/>
+          </a:prstGeom>
+          <a:noFill/>
+          <a:ln w="28575"/>
+        </p:spPr>
+        <p:style>
+          <a:lnRef idx="2">
+            <a:schemeClr val="accent1">
+              <a:shade val="50000"/>
+            </a:schemeClr>
+          </a:lnRef>
+          <a:fillRef idx="1">
+            <a:schemeClr val="accent1"/>
+          </a:fillRef>
+          <a:effectRef idx="0">
+            <a:schemeClr val="accent1"/>
+          </a:effectRef>
+          <a:fontRef idx="minor">
+            <a:schemeClr val="lt1"/>
+          </a:fontRef>
+        </p:style>
+        <p:txBody>
+          <a:bodyPr rtlCol="0" anchor="ctr"/>
+          <a:lstStyle/>
+          <a:p>
+            <a:pPr algn="ctr"/>
+            <a:endParaRPr lang="ko-KR" altLang="en-US"/>
+          </a:p>
+        </p:txBody>
+      </p:sp>
+    </p:spTree>
+    <p:extLst>
+      <p:ext uri="{BB962C8B-B14F-4D97-AF65-F5344CB8AC3E}">
+        <p14:creationId xmlns:p14="http://schemas.microsoft.com/office/powerpoint/2010/main" val="1379887232"/>
+      </p:ext>
+    </p:extLst>
+  </p:cSld>
+  <p:clrMapOvr>
+    <a:masterClrMapping/>
+  </p:clrMapOvr>
+  <p:timing>
+    <p:tnLst>
+      <p:par>
+        <p:cTn id="1" dur="indefinite" restart="never" nodeType="tmRoot"/>
+      </p:par>
+    </p:tnLst>
+  </p:timing>
+</p:sld>
+</file>
+
+<file path=ppt/slides/slide20.xml><?xml version="1.0" encoding="utf-8"?>
+<p:sld xmlns:a="http://schemas.openxmlformats.org/drawingml/2006/main" xmlns:r="http://schemas.openxmlformats.org/officeDocument/2006/relationships" xmlns:p="http://schemas.openxmlformats.org/presentationml/2006/main">
+  <p:cSld>
+    <p:spTree>
+      <p:nvGrpSpPr>
+        <p:cNvPr id="1" name=""/>
+        <p:cNvGrpSpPr/>
+        <p:nvPr/>
+      </p:nvGrpSpPr>
+      <p:grpSpPr>
+        <a:xfrm>
+          <a:off x="0" y="0"/>
+          <a:ext cx="0" cy="0"/>
+          <a:chOff x="0" y="0"/>
+          <a:chExt cx="0" cy="0"/>
+        </a:xfrm>
+      </p:grpSpPr>
+      <p:sp>
+        <p:nvSpPr>
+          <p:cNvPr id="6" name="제목 5"/>
+          <p:cNvSpPr>
+            <a:spLocks noGrp="1"/>
+          </p:cNvSpPr>
+          <p:nvPr>
+            <p:ph type="title"/>
+          </p:nvPr>
+        </p:nvSpPr>
+        <p:spPr/>
+        <p:txBody>
+          <a:bodyPr/>
+          <a:lstStyle/>
+          <a:p>
+            <a:r>
+              <a:rPr lang="en-US" altLang="ko-KR" dirty="0" smtClean="0"/>
+              <a:t> </a:t>
+            </a:r>
+            <a:r>
               <a:rPr lang="en-US" altLang="ko-KR" sz="2800" dirty="0" smtClean="0"/>
               <a:t>components</a:t>
             </a:r>
@@ -10678,7 +11736,7 @@
           <a:p>
             <a:fld id="{1BDE3FE7-3AEA-4B05-AC5A-802D1816ACF0}" type="slidenum">
               <a:rPr lang="ko-KR" altLang="en-US" smtClean="0"/>
-              <a:t>19</a:t>
+              <a:t>20</a:t>
             </a:fld>
             <a:endParaRPr lang="ko-KR" altLang="en-US"/>
           </a:p>
@@ -10986,7 +12044,7 @@
 </p:sld>
 </file>
 
-<file path=ppt/slides/slide2.xml><?xml version="1.0" encoding="utf-8"?>
+<file path=ppt/slides/slide21.xml><?xml version="1.0" encoding="utf-8"?>
 <p:sld xmlns:a="http://schemas.openxmlformats.org/drawingml/2006/main" xmlns:r="http://schemas.openxmlformats.org/officeDocument/2006/relationships" xmlns:p="http://schemas.openxmlformats.org/presentationml/2006/main">
   <p:cSld>
     <p:spTree>
@@ -11015,851 +12073,6 @@
         </p:nvSpPr>
         <p:spPr/>
         <p:txBody>
-          <a:bodyPr/>
-          <a:lstStyle/>
-          <a:p>
-            <a:r>
-              <a:rPr lang="en-US" altLang="ko-KR" dirty="0" smtClean="0"/>
-              <a:t> </a:t>
-            </a:r>
-            <a:r>
-              <a:rPr lang="ko-KR" altLang="en-US" dirty="0" err="1" smtClean="0"/>
-              <a:t>그리드</a:t>
-            </a:r>
-            <a:r>
-              <a:rPr lang="ko-KR" altLang="en-US" dirty="0" smtClean="0"/>
-              <a:t> 레이아웃</a:t>
-            </a:r>
-            <a:endParaRPr lang="ko-KR" altLang="en-US" dirty="0"/>
-          </a:p>
-        </p:txBody>
-      </p:sp>
-      <p:sp>
-        <p:nvSpPr>
-          <p:cNvPr id="5" name="슬라이드 번호 개체 틀 4"/>
-          <p:cNvSpPr>
-            <a:spLocks noGrp="1"/>
-          </p:cNvSpPr>
-          <p:nvPr>
-            <p:ph type="sldNum" sz="quarter" idx="12"/>
-          </p:nvPr>
-        </p:nvSpPr>
-        <p:spPr/>
-        <p:txBody>
-          <a:bodyPr/>
-          <a:lstStyle/>
-          <a:p>
-            <a:fld id="{1BDE3FE7-3AEA-4B05-AC5A-802D1816ACF0}" type="slidenum">
-              <a:rPr lang="ko-KR" altLang="en-US" smtClean="0"/>
-              <a:t>2</a:t>
-            </a:fld>
-            <a:endParaRPr lang="ko-KR" altLang="en-US"/>
-          </a:p>
-        </p:txBody>
-      </p:sp>
-      <p:sp>
-        <p:nvSpPr>
-          <p:cNvPr id="13" name="내용 개체 틀 2">
-            <a:extLst>
-              <a:ext uri="{FF2B5EF4-FFF2-40B4-BE49-F238E27FC236}">
-                <a16:creationId xmlns:a16="http://schemas.microsoft.com/office/drawing/2014/main" id="{98AF3A4E-7D90-4241-89FE-799D6F9D5A94}"/>
-              </a:ext>
-            </a:extLst>
-          </p:cNvPr>
-          <p:cNvSpPr txBox="1">
-            <a:spLocks/>
-          </p:cNvSpPr>
-          <p:nvPr/>
-        </p:nvSpPr>
-        <p:spPr>
-          <a:xfrm>
-            <a:off x="848544" y="1245050"/>
-            <a:ext cx="6264696" cy="455758"/>
-          </a:xfrm>
-          <a:prstGeom prst="rect">
-            <a:avLst/>
-          </a:prstGeom>
-        </p:spPr>
-        <p:txBody>
-          <a:bodyPr/>
-          <a:lstStyle>
-            <a:lvl1pPr marL="228600" indent="-228600" algn="l" defTabSz="914400" rtl="0" eaLnBrk="1" latinLnBrk="1" hangingPunct="1">
-              <a:lnSpc>
-                <a:spcPct val="90000"/>
-              </a:lnSpc>
-              <a:spcBef>
-                <a:spcPts val="1000"/>
-              </a:spcBef>
-              <a:buFont typeface="Arial" panose="020B0604020202020204" pitchFamily="34" charset="0"/>
-              <a:buChar char="•"/>
-              <a:defRPr sz="2800" kern="1200">
-                <a:solidFill>
-                  <a:schemeClr val="tx1"/>
-                </a:solidFill>
-                <a:latin typeface="+mn-lt"/>
-                <a:ea typeface="+mn-ea"/>
-                <a:cs typeface="+mn-cs"/>
-              </a:defRPr>
-            </a:lvl1pPr>
-            <a:lvl2pPr marL="685800" indent="-228600" algn="l" defTabSz="914400" rtl="0" eaLnBrk="1" latinLnBrk="1" hangingPunct="1">
-              <a:lnSpc>
-                <a:spcPct val="90000"/>
-              </a:lnSpc>
-              <a:spcBef>
-                <a:spcPts val="500"/>
-              </a:spcBef>
-              <a:buFont typeface="Arial" panose="020B0604020202020204" pitchFamily="34" charset="0"/>
-              <a:buChar char="•"/>
-              <a:defRPr sz="2400" kern="1200">
-                <a:solidFill>
-                  <a:schemeClr val="tx1"/>
-                </a:solidFill>
-                <a:latin typeface="+mn-lt"/>
-                <a:ea typeface="+mn-ea"/>
-                <a:cs typeface="+mn-cs"/>
-              </a:defRPr>
-            </a:lvl2pPr>
-            <a:lvl3pPr marL="1143000" indent="-228600" algn="l" defTabSz="914400" rtl="0" eaLnBrk="1" latinLnBrk="1" hangingPunct="1">
-              <a:lnSpc>
-                <a:spcPct val="90000"/>
-              </a:lnSpc>
-              <a:spcBef>
-                <a:spcPts val="500"/>
-              </a:spcBef>
-              <a:buFont typeface="Arial" panose="020B0604020202020204" pitchFamily="34" charset="0"/>
-              <a:buChar char="•"/>
-              <a:defRPr sz="2000" kern="1200">
-                <a:solidFill>
-                  <a:schemeClr val="tx1"/>
-                </a:solidFill>
-                <a:latin typeface="+mn-lt"/>
-                <a:ea typeface="+mn-ea"/>
-                <a:cs typeface="+mn-cs"/>
-              </a:defRPr>
-            </a:lvl3pPr>
-            <a:lvl4pPr marL="1600200" indent="-228600" algn="l" defTabSz="914400" rtl="0" eaLnBrk="1" latinLnBrk="1" hangingPunct="1">
-              <a:lnSpc>
-                <a:spcPct val="90000"/>
-              </a:lnSpc>
-              <a:spcBef>
-                <a:spcPts val="500"/>
-              </a:spcBef>
-              <a:buFont typeface="Arial" panose="020B0604020202020204" pitchFamily="34" charset="0"/>
-              <a:buChar char="•"/>
-              <a:defRPr sz="1800" kern="1200">
-                <a:solidFill>
-                  <a:schemeClr val="tx1"/>
-                </a:solidFill>
-                <a:latin typeface="+mn-lt"/>
-                <a:ea typeface="+mn-ea"/>
-                <a:cs typeface="+mn-cs"/>
-              </a:defRPr>
-            </a:lvl4pPr>
-            <a:lvl5pPr marL="2057400" indent="-228600" algn="l" defTabSz="914400" rtl="0" eaLnBrk="1" latinLnBrk="1" hangingPunct="1">
-              <a:lnSpc>
-                <a:spcPct val="90000"/>
-              </a:lnSpc>
-              <a:spcBef>
-                <a:spcPts val="500"/>
-              </a:spcBef>
-              <a:buFont typeface="Arial" panose="020B0604020202020204" pitchFamily="34" charset="0"/>
-              <a:buChar char="•"/>
-              <a:defRPr sz="1800" kern="1200">
-                <a:solidFill>
-                  <a:schemeClr val="tx1"/>
-                </a:solidFill>
-                <a:latin typeface="+mn-lt"/>
-                <a:ea typeface="+mn-ea"/>
-                <a:cs typeface="+mn-cs"/>
-              </a:defRPr>
-            </a:lvl5pPr>
-            <a:lvl6pPr marL="2514600" indent="-228600" algn="l" defTabSz="914400" rtl="0" eaLnBrk="1" latinLnBrk="1" hangingPunct="1">
-              <a:lnSpc>
-                <a:spcPct val="90000"/>
-              </a:lnSpc>
-              <a:spcBef>
-                <a:spcPts val="500"/>
-              </a:spcBef>
-              <a:buFont typeface="Arial" panose="020B0604020202020204" pitchFamily="34" charset="0"/>
-              <a:buChar char="•"/>
-              <a:defRPr sz="1800" kern="1200">
-                <a:solidFill>
-                  <a:schemeClr val="tx1"/>
-                </a:solidFill>
-                <a:latin typeface="+mn-lt"/>
-                <a:ea typeface="+mn-ea"/>
-                <a:cs typeface="+mn-cs"/>
-              </a:defRPr>
-            </a:lvl6pPr>
-            <a:lvl7pPr marL="2971800" indent="-228600" algn="l" defTabSz="914400" rtl="0" eaLnBrk="1" latinLnBrk="1" hangingPunct="1">
-              <a:lnSpc>
-                <a:spcPct val="90000"/>
-              </a:lnSpc>
-              <a:spcBef>
-                <a:spcPts val="500"/>
-              </a:spcBef>
-              <a:buFont typeface="Arial" panose="020B0604020202020204" pitchFamily="34" charset="0"/>
-              <a:buChar char="•"/>
-              <a:defRPr sz="1800" kern="1200">
-                <a:solidFill>
-                  <a:schemeClr val="tx1"/>
-                </a:solidFill>
-                <a:latin typeface="+mn-lt"/>
-                <a:ea typeface="+mn-ea"/>
-                <a:cs typeface="+mn-cs"/>
-              </a:defRPr>
-            </a:lvl7pPr>
-            <a:lvl8pPr marL="3429000" indent="-228600" algn="l" defTabSz="914400" rtl="0" eaLnBrk="1" latinLnBrk="1" hangingPunct="1">
-              <a:lnSpc>
-                <a:spcPct val="90000"/>
-              </a:lnSpc>
-              <a:spcBef>
-                <a:spcPts val="500"/>
-              </a:spcBef>
-              <a:buFont typeface="Arial" panose="020B0604020202020204" pitchFamily="34" charset="0"/>
-              <a:buChar char="•"/>
-              <a:defRPr sz="1800" kern="1200">
-                <a:solidFill>
-                  <a:schemeClr val="tx1"/>
-                </a:solidFill>
-                <a:latin typeface="+mn-lt"/>
-                <a:ea typeface="+mn-ea"/>
-                <a:cs typeface="+mn-cs"/>
-              </a:defRPr>
-            </a:lvl8pPr>
-            <a:lvl9pPr marL="3886200" indent="-228600" algn="l" defTabSz="914400" rtl="0" eaLnBrk="1" latinLnBrk="1" hangingPunct="1">
-              <a:lnSpc>
-                <a:spcPct val="90000"/>
-              </a:lnSpc>
-              <a:spcBef>
-                <a:spcPts val="500"/>
-              </a:spcBef>
-              <a:buFont typeface="Arial" panose="020B0604020202020204" pitchFamily="34" charset="0"/>
-              <a:buChar char="•"/>
-              <a:defRPr sz="1800" kern="1200">
-                <a:solidFill>
-                  <a:schemeClr val="tx1"/>
-                </a:solidFill>
-                <a:latin typeface="+mn-lt"/>
-                <a:ea typeface="+mn-ea"/>
-                <a:cs typeface="+mn-cs"/>
-              </a:defRPr>
-            </a:lvl9pPr>
-          </a:lstStyle>
-          <a:p>
-            <a:pPr>
-              <a:lnSpc>
-                <a:spcPct val="100000"/>
-              </a:lnSpc>
-              <a:buFont typeface="Wingdings" panose="05000000000000000000" pitchFamily="2" charset="2"/>
-              <a:buChar char="§"/>
-            </a:pPr>
-            <a:r>
-              <a:rPr lang="ko-KR" altLang="en-US" sz="2000" b="1" dirty="0" err="1" smtClean="0">
-                <a:solidFill>
-                  <a:srgbClr val="C00000"/>
-                </a:solidFill>
-              </a:rPr>
-              <a:t>그리</a:t>
-            </a:r>
-            <a:r>
-              <a:rPr lang="ko-KR" altLang="en-US" sz="2000" b="1" dirty="0" err="1">
-                <a:solidFill>
-                  <a:srgbClr val="C00000"/>
-                </a:solidFill>
-              </a:rPr>
-              <a:t>드</a:t>
-            </a:r>
-            <a:r>
-              <a:rPr lang="ko-KR" altLang="en-US" sz="2000" b="1" dirty="0" smtClean="0">
-                <a:solidFill>
-                  <a:srgbClr val="C00000"/>
-                </a:solidFill>
-              </a:rPr>
-              <a:t> 레이아웃</a:t>
-            </a:r>
-            <a:r>
-              <a:rPr lang="en-US" altLang="ko-KR" sz="2000" b="1" dirty="0" smtClean="0">
-                <a:solidFill>
-                  <a:srgbClr val="C00000"/>
-                </a:solidFill>
-              </a:rPr>
-              <a:t>(Grid Layout)</a:t>
-            </a:r>
-            <a:endParaRPr lang="en-US" altLang="ko-KR" sz="2000" b="1" dirty="0">
-              <a:solidFill>
-                <a:srgbClr val="C00000"/>
-              </a:solidFill>
-            </a:endParaRPr>
-          </a:p>
-        </p:txBody>
-      </p:sp>
-      <p:sp>
-        <p:nvSpPr>
-          <p:cNvPr id="3" name="직사각형 2"/>
-          <p:cNvSpPr/>
-          <p:nvPr/>
-        </p:nvSpPr>
-        <p:spPr>
-          <a:xfrm>
-            <a:off x="1136576" y="1691223"/>
-            <a:ext cx="8064896" cy="1246495"/>
-          </a:xfrm>
-          <a:prstGeom prst="rect">
-            <a:avLst/>
-          </a:prstGeom>
-        </p:spPr>
-        <p:txBody>
-          <a:bodyPr wrap="square">
-            <a:spAutoFit/>
-          </a:bodyPr>
-          <a:lstStyle/>
-          <a:p>
-            <a:pPr marL="285750" indent="-285750">
-              <a:lnSpc>
-                <a:spcPct val="150000"/>
-              </a:lnSpc>
-              <a:buFontTx/>
-              <a:buChar char="-"/>
-            </a:pPr>
-            <a:r>
-              <a:rPr lang="ko-KR" altLang="en-US" sz="1600" dirty="0" err="1" smtClean="0"/>
-              <a:t>반응형</a:t>
-            </a:r>
-            <a:r>
-              <a:rPr lang="ko-KR" altLang="en-US" sz="1600" dirty="0" smtClean="0"/>
-              <a:t> 웹 디자인에서 웹 문서 요소를 배치하는 기준</a:t>
-            </a:r>
-            <a:endParaRPr lang="en-US" altLang="ko-KR" sz="1600" dirty="0" smtClean="0"/>
-          </a:p>
-          <a:p>
-            <a:pPr marL="285750" indent="-285750">
-              <a:lnSpc>
-                <a:spcPct val="150000"/>
-              </a:lnSpc>
-              <a:buFontTx/>
-              <a:buChar char="-"/>
-            </a:pPr>
-            <a:r>
-              <a:rPr lang="ko-KR" altLang="en-US" sz="1600" dirty="0" smtClean="0"/>
-              <a:t>웹 사이트 화면을 여러 개의 칼럼</a:t>
-            </a:r>
-            <a:r>
-              <a:rPr lang="en-US" altLang="ko-KR" sz="1600" dirty="0" smtClean="0"/>
-              <a:t>(column)</a:t>
-            </a:r>
-            <a:r>
-              <a:rPr lang="ko-KR" altLang="en-US" sz="1600" dirty="0" smtClean="0"/>
-              <a:t>으로 나눈 후 웹 요소를 배치</a:t>
-            </a:r>
-            <a:endParaRPr lang="en-US" altLang="ko-KR" sz="1600" dirty="0" smtClean="0"/>
-          </a:p>
-          <a:p>
-            <a:pPr marL="285750" indent="-285750">
-              <a:lnSpc>
-                <a:spcPct val="150000"/>
-              </a:lnSpc>
-              <a:buFontTx/>
-              <a:buChar char="-"/>
-            </a:pPr>
-            <a:r>
-              <a:rPr lang="ko-KR" altLang="en-US" sz="1600" dirty="0" smtClean="0"/>
-              <a:t>화면을 규칙적으로 배열하므로 레이아웃을 일관성 있게 유지</a:t>
-            </a:r>
-            <a:endParaRPr lang="ko-KR" altLang="en-US" sz="1600" dirty="0"/>
-          </a:p>
-        </p:txBody>
-      </p:sp>
-      <p:sp>
-        <p:nvSpPr>
-          <p:cNvPr id="10" name="모서리가 둥근 직사각형 9"/>
-          <p:cNvSpPr/>
-          <p:nvPr/>
-        </p:nvSpPr>
-        <p:spPr>
-          <a:xfrm>
-            <a:off x="2144688" y="5145115"/>
-            <a:ext cx="1368152" cy="360040"/>
-          </a:xfrm>
-          <a:prstGeom prst="roundRect">
-            <a:avLst/>
-          </a:prstGeom>
-          <a:noFill/>
-          <a:ln w="28575"/>
-        </p:spPr>
-        <p:style>
-          <a:lnRef idx="2">
-            <a:schemeClr val="accent1">
-              <a:shade val="50000"/>
-            </a:schemeClr>
-          </a:lnRef>
-          <a:fillRef idx="1">
-            <a:schemeClr val="accent1"/>
-          </a:fillRef>
-          <a:effectRef idx="0">
-            <a:schemeClr val="accent1"/>
-          </a:effectRef>
-          <a:fontRef idx="minor">
-            <a:schemeClr val="lt1"/>
-          </a:fontRef>
-        </p:style>
-        <p:txBody>
-          <a:bodyPr rtlCol="0" anchor="ctr"/>
-          <a:lstStyle/>
-          <a:p>
-            <a:pPr algn="ctr"/>
-            <a:endParaRPr lang="ko-KR" altLang="en-US"/>
-          </a:p>
-        </p:txBody>
-      </p:sp>
-      <p:sp>
-        <p:nvSpPr>
-          <p:cNvPr id="16" name="모서리가 둥근 직사각형 15"/>
-          <p:cNvSpPr/>
-          <p:nvPr/>
-        </p:nvSpPr>
-        <p:spPr>
-          <a:xfrm>
-            <a:off x="3584848" y="5145115"/>
-            <a:ext cx="1368152" cy="360040"/>
-          </a:xfrm>
-          <a:prstGeom prst="roundRect">
-            <a:avLst/>
-          </a:prstGeom>
-          <a:noFill/>
-          <a:ln w="28575"/>
-        </p:spPr>
-        <p:style>
-          <a:lnRef idx="2">
-            <a:schemeClr val="accent1">
-              <a:shade val="50000"/>
-            </a:schemeClr>
-          </a:lnRef>
-          <a:fillRef idx="1">
-            <a:schemeClr val="accent1"/>
-          </a:fillRef>
-          <a:effectRef idx="0">
-            <a:schemeClr val="accent1"/>
-          </a:effectRef>
-          <a:fontRef idx="minor">
-            <a:schemeClr val="lt1"/>
-          </a:fontRef>
-        </p:style>
-        <p:txBody>
-          <a:bodyPr rtlCol="0" anchor="ctr"/>
-          <a:lstStyle/>
-          <a:p>
-            <a:pPr algn="ctr"/>
-            <a:endParaRPr lang="ko-KR" altLang="en-US"/>
-          </a:p>
-        </p:txBody>
-      </p:sp>
-      <p:sp>
-        <p:nvSpPr>
-          <p:cNvPr id="17" name="모서리가 둥근 직사각형 16"/>
-          <p:cNvSpPr/>
-          <p:nvPr/>
-        </p:nvSpPr>
-        <p:spPr>
-          <a:xfrm>
-            <a:off x="5025008" y="5145115"/>
-            <a:ext cx="1368152" cy="360040"/>
-          </a:xfrm>
-          <a:prstGeom prst="roundRect">
-            <a:avLst/>
-          </a:prstGeom>
-          <a:noFill/>
-          <a:ln w="28575"/>
-        </p:spPr>
-        <p:style>
-          <a:lnRef idx="2">
-            <a:schemeClr val="accent1">
-              <a:shade val="50000"/>
-            </a:schemeClr>
-          </a:lnRef>
-          <a:fillRef idx="1">
-            <a:schemeClr val="accent1"/>
-          </a:fillRef>
-          <a:effectRef idx="0">
-            <a:schemeClr val="accent1"/>
-          </a:effectRef>
-          <a:fontRef idx="minor">
-            <a:schemeClr val="lt1"/>
-          </a:fontRef>
-        </p:style>
-        <p:txBody>
-          <a:bodyPr rtlCol="0" anchor="ctr"/>
-          <a:lstStyle/>
-          <a:p>
-            <a:pPr algn="ctr"/>
-            <a:endParaRPr lang="ko-KR" altLang="en-US"/>
-          </a:p>
-        </p:txBody>
-      </p:sp>
-      <p:sp>
-        <p:nvSpPr>
-          <p:cNvPr id="25" name="모서리가 둥근 직사각형 24"/>
-          <p:cNvSpPr/>
-          <p:nvPr/>
-        </p:nvSpPr>
-        <p:spPr>
-          <a:xfrm>
-            <a:off x="3008784" y="5589240"/>
-            <a:ext cx="792088" cy="360040"/>
-          </a:xfrm>
-          <a:prstGeom prst="roundRect">
-            <a:avLst/>
-          </a:prstGeom>
-          <a:noFill/>
-          <a:ln w="28575"/>
-        </p:spPr>
-        <p:style>
-          <a:lnRef idx="2">
-            <a:schemeClr val="accent1">
-              <a:shade val="50000"/>
-            </a:schemeClr>
-          </a:lnRef>
-          <a:fillRef idx="1">
-            <a:schemeClr val="accent1"/>
-          </a:fillRef>
-          <a:effectRef idx="0">
-            <a:schemeClr val="accent1"/>
-          </a:effectRef>
-          <a:fontRef idx="minor">
-            <a:schemeClr val="lt1"/>
-          </a:fontRef>
-        </p:style>
-        <p:txBody>
-          <a:bodyPr rtlCol="0" anchor="ctr"/>
-          <a:lstStyle/>
-          <a:p>
-            <a:pPr algn="ctr"/>
-            <a:endParaRPr lang="ko-KR" altLang="en-US"/>
-          </a:p>
-        </p:txBody>
-      </p:sp>
-      <p:sp>
-        <p:nvSpPr>
-          <p:cNvPr id="26" name="모서리가 둥근 직사각형 25"/>
-          <p:cNvSpPr/>
-          <p:nvPr/>
-        </p:nvSpPr>
-        <p:spPr>
-          <a:xfrm>
-            <a:off x="3872880" y="5589240"/>
-            <a:ext cx="792088" cy="360040"/>
-          </a:xfrm>
-          <a:prstGeom prst="roundRect">
-            <a:avLst/>
-          </a:prstGeom>
-          <a:noFill/>
-          <a:ln w="28575"/>
-        </p:spPr>
-        <p:style>
-          <a:lnRef idx="2">
-            <a:schemeClr val="accent1">
-              <a:shade val="50000"/>
-            </a:schemeClr>
-          </a:lnRef>
-          <a:fillRef idx="1">
-            <a:schemeClr val="accent1"/>
-          </a:fillRef>
-          <a:effectRef idx="0">
-            <a:schemeClr val="accent1"/>
-          </a:effectRef>
-          <a:fontRef idx="minor">
-            <a:schemeClr val="lt1"/>
-          </a:fontRef>
-        </p:style>
-        <p:txBody>
-          <a:bodyPr rtlCol="0" anchor="ctr"/>
-          <a:lstStyle/>
-          <a:p>
-            <a:pPr algn="ctr"/>
-            <a:endParaRPr lang="ko-KR" altLang="en-US"/>
-          </a:p>
-        </p:txBody>
-      </p:sp>
-      <p:sp>
-        <p:nvSpPr>
-          <p:cNvPr id="27" name="모서리가 둥근 직사각형 26"/>
-          <p:cNvSpPr/>
-          <p:nvPr/>
-        </p:nvSpPr>
-        <p:spPr>
-          <a:xfrm>
-            <a:off x="4736976" y="5589240"/>
-            <a:ext cx="792088" cy="360040"/>
-          </a:xfrm>
-          <a:prstGeom prst="roundRect">
-            <a:avLst/>
-          </a:prstGeom>
-          <a:noFill/>
-          <a:ln w="28575"/>
-        </p:spPr>
-        <p:style>
-          <a:lnRef idx="2">
-            <a:schemeClr val="accent1">
-              <a:shade val="50000"/>
-            </a:schemeClr>
-          </a:lnRef>
-          <a:fillRef idx="1">
-            <a:schemeClr val="accent1"/>
-          </a:fillRef>
-          <a:effectRef idx="0">
-            <a:schemeClr val="accent1"/>
-          </a:effectRef>
-          <a:fontRef idx="minor">
-            <a:schemeClr val="lt1"/>
-          </a:fontRef>
-        </p:style>
-        <p:txBody>
-          <a:bodyPr rtlCol="0" anchor="ctr"/>
-          <a:lstStyle/>
-          <a:p>
-            <a:pPr algn="ctr"/>
-            <a:endParaRPr lang="ko-KR" altLang="en-US"/>
-          </a:p>
-        </p:txBody>
-      </p:sp>
-      <p:sp>
-        <p:nvSpPr>
-          <p:cNvPr id="28" name="모서리가 둥근 직사각형 27"/>
-          <p:cNvSpPr/>
-          <p:nvPr/>
-        </p:nvSpPr>
-        <p:spPr>
-          <a:xfrm>
-            <a:off x="5601072" y="5589240"/>
-            <a:ext cx="792088" cy="360040"/>
-          </a:xfrm>
-          <a:prstGeom prst="roundRect">
-            <a:avLst/>
-          </a:prstGeom>
-          <a:noFill/>
-          <a:ln w="28575"/>
-        </p:spPr>
-        <p:style>
-          <a:lnRef idx="2">
-            <a:schemeClr val="accent1">
-              <a:shade val="50000"/>
-            </a:schemeClr>
-          </a:lnRef>
-          <a:fillRef idx="1">
-            <a:schemeClr val="accent1"/>
-          </a:fillRef>
-          <a:effectRef idx="0">
-            <a:schemeClr val="accent1"/>
-          </a:effectRef>
-          <a:fontRef idx="minor">
-            <a:schemeClr val="lt1"/>
-          </a:fontRef>
-        </p:style>
-        <p:txBody>
-          <a:bodyPr rtlCol="0" anchor="ctr"/>
-          <a:lstStyle/>
-          <a:p>
-            <a:pPr algn="ctr"/>
-            <a:endParaRPr lang="ko-KR" altLang="en-US"/>
-          </a:p>
-        </p:txBody>
-      </p:sp>
-      <p:sp>
-        <p:nvSpPr>
-          <p:cNvPr id="29" name="TextBox 28"/>
-          <p:cNvSpPr txBox="1"/>
-          <p:nvPr/>
-        </p:nvSpPr>
-        <p:spPr>
-          <a:xfrm>
-            <a:off x="2000672" y="3068960"/>
-            <a:ext cx="4536504" cy="2031325"/>
-          </a:xfrm>
-          <a:prstGeom prst="rect">
-            <a:avLst/>
-          </a:prstGeom>
-          <a:noFill/>
-        </p:spPr>
-        <p:txBody>
-          <a:bodyPr wrap="square" rtlCol="0">
-            <a:spAutoFit/>
-          </a:bodyPr>
-          <a:lstStyle/>
-          <a:p>
-            <a:pPr>
-              <a:lnSpc>
-                <a:spcPct val="150000"/>
-              </a:lnSpc>
-            </a:pPr>
-            <a:r>
-              <a:rPr lang="ko-KR" altLang="en-US" dirty="0" smtClean="0"/>
-              <a:t>▶ </a:t>
-            </a:r>
-            <a:r>
-              <a:rPr lang="ko-KR" altLang="en-US" dirty="0" err="1" smtClean="0"/>
-              <a:t>플렉스</a:t>
-            </a:r>
-            <a:r>
-              <a:rPr lang="ko-KR" altLang="en-US" dirty="0" smtClean="0"/>
-              <a:t> 박스 레이아웃</a:t>
-            </a:r>
-            <a:endParaRPr lang="en-US" altLang="ko-KR" dirty="0" smtClean="0"/>
-          </a:p>
-          <a:p>
-            <a:pPr>
-              <a:lnSpc>
-                <a:spcPct val="150000"/>
-              </a:lnSpc>
-            </a:pPr>
-            <a:r>
-              <a:rPr lang="en-US" altLang="ko-KR" dirty="0" smtClean="0"/>
-              <a:t> </a:t>
-            </a:r>
-            <a:r>
-              <a:rPr lang="en-US" altLang="ko-KR" sz="1600" dirty="0" smtClean="0"/>
-              <a:t>- </a:t>
-            </a:r>
-            <a:r>
-              <a:rPr lang="ko-KR" altLang="en-US" sz="1600" dirty="0" smtClean="0"/>
-              <a:t>수평이나 수직 방향 중 하나를 주축으로 정하</a:t>
-            </a:r>
-            <a:endParaRPr lang="en-US" altLang="ko-KR" sz="1600" dirty="0" smtClean="0"/>
-          </a:p>
-          <a:p>
-            <a:pPr>
-              <a:lnSpc>
-                <a:spcPct val="150000"/>
-              </a:lnSpc>
-            </a:pPr>
-            <a:r>
-              <a:rPr lang="en-US" altLang="ko-KR" sz="1600" dirty="0"/>
-              <a:t> </a:t>
-            </a:r>
-            <a:r>
-              <a:rPr lang="en-US" altLang="ko-KR" sz="1600" dirty="0" smtClean="0"/>
-              <a:t>   </a:t>
-            </a:r>
-            <a:r>
-              <a:rPr lang="ko-KR" altLang="en-US" sz="1600" dirty="0" smtClean="0"/>
-              <a:t>고 박스를 배치</a:t>
-            </a:r>
-            <a:endParaRPr lang="en-US" altLang="ko-KR" sz="1600" dirty="0" smtClean="0"/>
-          </a:p>
-          <a:p>
-            <a:pPr marL="285750" indent="-285750">
-              <a:lnSpc>
-                <a:spcPct val="150000"/>
-              </a:lnSpc>
-              <a:buFontTx/>
-              <a:buChar char="-"/>
-            </a:pPr>
-            <a:r>
-              <a:rPr lang="ko-KR" altLang="en-US" sz="1600" dirty="0" smtClean="0"/>
-              <a:t>여유 공간이 생길 경우 너비나 높이를 적절하게 늘리거나 줄일 수</a:t>
-            </a:r>
-            <a:r>
-              <a:rPr lang="en-US" altLang="ko-KR" sz="1600" dirty="0"/>
-              <a:t> </a:t>
-            </a:r>
-            <a:r>
-              <a:rPr lang="ko-KR" altLang="en-US" sz="1600" dirty="0" smtClean="0"/>
-              <a:t>있음</a:t>
-            </a:r>
-            <a:endParaRPr lang="ko-KR" altLang="en-US" sz="1600" dirty="0"/>
-          </a:p>
-        </p:txBody>
-      </p:sp>
-      <p:sp>
-        <p:nvSpPr>
-          <p:cNvPr id="36" name="모서리가 둥근 직사각형 35"/>
-          <p:cNvSpPr/>
-          <p:nvPr/>
-        </p:nvSpPr>
-        <p:spPr>
-          <a:xfrm>
-            <a:off x="2144688" y="5589240"/>
-            <a:ext cx="792088" cy="360040"/>
-          </a:xfrm>
-          <a:prstGeom prst="roundRect">
-            <a:avLst/>
-          </a:prstGeom>
-          <a:noFill/>
-          <a:ln w="28575"/>
-        </p:spPr>
-        <p:style>
-          <a:lnRef idx="2">
-            <a:schemeClr val="accent1">
-              <a:shade val="50000"/>
-            </a:schemeClr>
-          </a:lnRef>
-          <a:fillRef idx="1">
-            <a:schemeClr val="accent1"/>
-          </a:fillRef>
-          <a:effectRef idx="0">
-            <a:schemeClr val="accent1"/>
-          </a:effectRef>
-          <a:fontRef idx="minor">
-            <a:schemeClr val="lt1"/>
-          </a:fontRef>
-        </p:style>
-        <p:txBody>
-          <a:bodyPr rtlCol="0" anchor="ctr"/>
-          <a:lstStyle/>
-          <a:p>
-            <a:pPr algn="ctr"/>
-            <a:endParaRPr lang="ko-KR" altLang="en-US"/>
-          </a:p>
-        </p:txBody>
-      </p:sp>
-    </p:spTree>
-    <p:extLst>
-      <p:ext uri="{BB962C8B-B14F-4D97-AF65-F5344CB8AC3E}">
-        <p14:creationId xmlns:p14="http://schemas.microsoft.com/office/powerpoint/2010/main" val="1379887232"/>
-      </p:ext>
-    </p:extLst>
-  </p:cSld>
-  <p:clrMapOvr>
-    <a:masterClrMapping/>
-  </p:clrMapOvr>
-  <p:timing>
-    <p:tnLst>
-      <p:par>
-        <p:cTn id="1" dur="indefinite" restart="never" nodeType="tmRoot"/>
-      </p:par>
-    </p:tnLst>
-  </p:timing>
-</p:sld>
-</file>
-
-<file path=ppt/slides/slide20.xml><?xml version="1.0" encoding="utf-8"?>
-<p:sld xmlns:a="http://schemas.openxmlformats.org/drawingml/2006/main" xmlns:r="http://schemas.openxmlformats.org/officeDocument/2006/relationships" xmlns:p="http://schemas.openxmlformats.org/presentationml/2006/main">
-  <p:cSld>
-    <p:spTree>
-      <p:nvGrpSpPr>
-        <p:cNvPr id="1" name=""/>
-        <p:cNvGrpSpPr/>
-        <p:nvPr/>
-      </p:nvGrpSpPr>
-      <p:grpSpPr>
-        <a:xfrm>
-          <a:off x="0" y="0"/>
-          <a:ext cx="0" cy="0"/>
-          <a:chOff x="0" y="0"/>
-          <a:chExt cx="0" cy="0"/>
-        </a:xfrm>
-      </p:grpSpPr>
-      <p:sp>
-        <p:nvSpPr>
-          <p:cNvPr id="6" name="제목 5"/>
-          <p:cNvSpPr>
-            <a:spLocks noGrp="1"/>
-          </p:cNvSpPr>
-          <p:nvPr>
-            <p:ph type="title"/>
-          </p:nvPr>
-        </p:nvSpPr>
-        <p:spPr/>
-        <p:txBody>
           <a:bodyPr>
             <a:normAutofit/>
           </a:bodyPr>
@@ -11898,7 +12111,7 @@
           <a:p>
             <a:fld id="{1BDE3FE7-3AEA-4B05-AC5A-802D1816ACF0}" type="slidenum">
               <a:rPr lang="ko-KR" altLang="en-US" smtClean="0"/>
-              <a:t>20</a:t>
+              <a:t>21</a:t>
             </a:fld>
             <a:endParaRPr lang="ko-KR" altLang="en-US"/>
           </a:p>
@@ -12206,7 +12419,7 @@
 </p:sld>
 </file>
 
-<file path=ppt/slides/slide21.xml><?xml version="1.0" encoding="utf-8"?>
+<file path=ppt/slides/slide22.xml><?xml version="1.0" encoding="utf-8"?>
 <p:sld xmlns:a="http://schemas.openxmlformats.org/drawingml/2006/main" xmlns:r="http://schemas.openxmlformats.org/officeDocument/2006/relationships" xmlns:p="http://schemas.openxmlformats.org/presentationml/2006/main">
   <p:cSld>
     <p:spTree>
@@ -12275,7 +12488,7 @@
           <a:p>
             <a:fld id="{1BDE3FE7-3AEA-4B05-AC5A-802D1816ACF0}" type="slidenum">
               <a:rPr lang="ko-KR" altLang="en-US" smtClean="0"/>
-              <a:t>21</a:t>
+              <a:t>22</a:t>
             </a:fld>
             <a:endParaRPr lang="ko-KR" altLang="en-US"/>
           </a:p>
@@ -12583,7 +12796,7 @@
 </p:sld>
 </file>
 
-<file path=ppt/slides/slide22.xml><?xml version="1.0" encoding="utf-8"?>
+<file path=ppt/slides/slide23.xml><?xml version="1.0" encoding="utf-8"?>
 <p:sld xmlns:a="http://schemas.openxmlformats.org/drawingml/2006/main" xmlns:r="http://schemas.openxmlformats.org/officeDocument/2006/relationships" xmlns:p="http://schemas.openxmlformats.org/presentationml/2006/main">
   <p:cSld>
     <p:spTree>
@@ -12644,7 +12857,7 @@
           <a:p>
             <a:fld id="{1BDE3FE7-3AEA-4B05-AC5A-802D1816ACF0}" type="slidenum">
               <a:rPr lang="ko-KR" altLang="en-US" smtClean="0"/>
-              <a:t>22</a:t>
+              <a:t>23</a:t>
             </a:fld>
             <a:endParaRPr lang="ko-KR" altLang="en-US"/>
           </a:p>
@@ -12952,7 +13165,7 @@
 </p:sld>
 </file>
 
-<file path=ppt/slides/slide23.xml><?xml version="1.0" encoding="utf-8"?>
+<file path=ppt/slides/slide24.xml><?xml version="1.0" encoding="utf-8"?>
 <p:sld xmlns:a="http://schemas.openxmlformats.org/drawingml/2006/main" xmlns:r="http://schemas.openxmlformats.org/officeDocument/2006/relationships" xmlns:p="http://schemas.openxmlformats.org/presentationml/2006/main">
   <p:cSld>
     <p:spTree>
@@ -13021,7 +13234,7 @@
           <a:p>
             <a:fld id="{1BDE3FE7-3AEA-4B05-AC5A-802D1816ACF0}" type="slidenum">
               <a:rPr lang="ko-KR" altLang="en-US" smtClean="0"/>
-              <a:t>23</a:t>
+              <a:t>24</a:t>
             </a:fld>
             <a:endParaRPr lang="ko-KR" altLang="en-US"/>
           </a:p>
@@ -13329,7 +13542,7 @@
 </p:sld>
 </file>
 
-<file path=ppt/slides/slide24.xml><?xml version="1.0" encoding="utf-8"?>
+<file path=ppt/slides/slide25.xml><?xml version="1.0" encoding="utf-8"?>
 <p:sld xmlns:a="http://schemas.openxmlformats.org/drawingml/2006/main" xmlns:r="http://schemas.openxmlformats.org/officeDocument/2006/relationships" xmlns:p="http://schemas.openxmlformats.org/presentationml/2006/main">
   <p:cSld>
     <p:spTree>
@@ -13398,7 +13611,7 @@
           <a:p>
             <a:fld id="{1BDE3FE7-3AEA-4B05-AC5A-802D1816ACF0}" type="slidenum">
               <a:rPr lang="ko-KR" altLang="en-US" smtClean="0"/>
-              <a:t>24</a:t>
+              <a:t>25</a:t>
             </a:fld>
             <a:endParaRPr lang="ko-KR" altLang="en-US"/>
           </a:p>
@@ -13776,7 +13989,7 @@
 </p:sld>
 </file>
 
-<file path=ppt/slides/slide25.xml><?xml version="1.0" encoding="utf-8"?>
+<file path=ppt/slides/slide26.xml><?xml version="1.0" encoding="utf-8"?>
 <p:sld xmlns:a="http://schemas.openxmlformats.org/drawingml/2006/main" xmlns:r="http://schemas.openxmlformats.org/officeDocument/2006/relationships" xmlns:p="http://schemas.openxmlformats.org/presentationml/2006/main">
   <p:cSld>
     <p:spTree>
@@ -13871,7 +14084,7 @@
           <a:p>
             <a:fld id="{1BDE3FE7-3AEA-4B05-AC5A-802D1816ACF0}" type="slidenum">
               <a:rPr lang="ko-KR" altLang="en-US" smtClean="0"/>
-              <a:t>25</a:t>
+              <a:t>26</a:t>
             </a:fld>
             <a:endParaRPr lang="ko-KR" altLang="en-US"/>
           </a:p>
@@ -14389,7 +14602,7 @@
 </p:sld>
 </file>
 
-<file path=ppt/slides/slide26.xml><?xml version="1.0" encoding="utf-8"?>
+<file path=ppt/slides/slide27.xml><?xml version="1.0" encoding="utf-8"?>
 <p:sld xmlns:a="http://schemas.openxmlformats.org/drawingml/2006/main" xmlns:r="http://schemas.openxmlformats.org/officeDocument/2006/relationships" xmlns:p="http://schemas.openxmlformats.org/presentationml/2006/main">
   <p:cSld>
     <p:spTree>
@@ -14454,7 +14667,7 @@
           <a:p>
             <a:fld id="{1BDE3FE7-3AEA-4B05-AC5A-802D1816ACF0}" type="slidenum">
               <a:rPr lang="ko-KR" altLang="en-US" smtClean="0"/>
-              <a:t>26</a:t>
+              <a:t>27</a:t>
             </a:fld>
             <a:endParaRPr lang="ko-KR" altLang="en-US"/>
           </a:p>
@@ -14731,7 +14944,7 @@
 </p:sld>
 </file>
 
-<file path=ppt/slides/slide27.xml><?xml version="1.0" encoding="utf-8"?>
+<file path=ppt/slides/slide28.xml><?xml version="1.0" encoding="utf-8"?>
 <p:sld xmlns:a="http://schemas.openxmlformats.org/drawingml/2006/main" xmlns:r="http://schemas.openxmlformats.org/officeDocument/2006/relationships" xmlns:p="http://schemas.openxmlformats.org/presentationml/2006/main">
   <p:cSld>
     <p:spTree>
@@ -14796,7 +15009,7 @@
           <a:p>
             <a:fld id="{1BDE3FE7-3AEA-4B05-AC5A-802D1816ACF0}" type="slidenum">
               <a:rPr lang="ko-KR" altLang="en-US" smtClean="0"/>
-              <a:t>27</a:t>
+              <a:t>28</a:t>
             </a:fld>
             <a:endParaRPr lang="ko-KR" altLang="en-US"/>
           </a:p>
@@ -15080,7 +15293,7 @@
 </p:sld>
 </file>
 
-<file path=ppt/slides/slide28.xml><?xml version="1.0" encoding="utf-8"?>
+<file path=ppt/slides/slide29.xml><?xml version="1.0" encoding="utf-8"?>
 <p:sld xmlns:a="http://schemas.openxmlformats.org/drawingml/2006/main" xmlns:r="http://schemas.openxmlformats.org/officeDocument/2006/relationships" xmlns:p="http://schemas.openxmlformats.org/presentationml/2006/main">
   <p:cSld>
     <p:spTree>
@@ -15141,7 +15354,7 @@
           <a:p>
             <a:fld id="{1BDE3FE7-3AEA-4B05-AC5A-802D1816ACF0}" type="slidenum">
               <a:rPr lang="ko-KR" altLang="en-US" smtClean="0"/>
-              <a:t>28</a:t>
+              <a:t>29</a:t>
             </a:fld>
             <a:endParaRPr lang="ko-KR" altLang="en-US"/>
           </a:p>
@@ -15188,130 +15401,6 @@
     <p:extLst>
       <p:ext uri="{BB962C8B-B14F-4D97-AF65-F5344CB8AC3E}">
         <p14:creationId xmlns:p14="http://schemas.microsoft.com/office/powerpoint/2010/main" val="2497380285"/>
-      </p:ext>
-    </p:extLst>
-  </p:cSld>
-  <p:clrMapOvr>
-    <a:masterClrMapping/>
-  </p:clrMapOvr>
-  <p:timing>
-    <p:tnLst>
-      <p:par>
-        <p:cTn id="1" dur="indefinite" restart="never" nodeType="tmRoot"/>
-      </p:par>
-    </p:tnLst>
-  </p:timing>
-</p:sld>
-</file>
-
-<file path=ppt/slides/slide29.xml><?xml version="1.0" encoding="utf-8"?>
-<p:sld xmlns:a="http://schemas.openxmlformats.org/drawingml/2006/main" xmlns:r="http://schemas.openxmlformats.org/officeDocument/2006/relationships" xmlns:p="http://schemas.openxmlformats.org/presentationml/2006/main">
-  <p:cSld>
-    <p:spTree>
-      <p:nvGrpSpPr>
-        <p:cNvPr id="1" name=""/>
-        <p:cNvGrpSpPr/>
-        <p:nvPr/>
-      </p:nvGrpSpPr>
-      <p:grpSpPr>
-        <a:xfrm>
-          <a:off x="0" y="0"/>
-          <a:ext cx="0" cy="0"/>
-          <a:chOff x="0" y="0"/>
-          <a:chExt cx="0" cy="0"/>
-        </a:xfrm>
-      </p:grpSpPr>
-      <p:sp>
-        <p:nvSpPr>
-          <p:cNvPr id="6" name="제목 5"/>
-          <p:cNvSpPr>
-            <a:spLocks noGrp="1"/>
-          </p:cNvSpPr>
-          <p:nvPr>
-            <p:ph type="title"/>
-          </p:nvPr>
-        </p:nvSpPr>
-        <p:spPr/>
-        <p:txBody>
-          <a:bodyPr/>
-          <a:lstStyle/>
-          <a:p>
-            <a:r>
-              <a:rPr lang="en-US" altLang="ko-KR" dirty="0" smtClean="0"/>
-              <a:t> </a:t>
-            </a:r>
-            <a:r>
-              <a:rPr lang="ko-KR" altLang="en-US" sz="2800" dirty="0" smtClean="0"/>
-              <a:t>쇼핑몰 메인 페이지</a:t>
-            </a:r>
-            <a:endParaRPr lang="ko-KR" altLang="en-US" sz="2800" dirty="0"/>
-          </a:p>
-        </p:txBody>
-      </p:sp>
-      <p:sp>
-        <p:nvSpPr>
-          <p:cNvPr id="5" name="슬라이드 번호 개체 틀 4"/>
-          <p:cNvSpPr>
-            <a:spLocks noGrp="1"/>
-          </p:cNvSpPr>
-          <p:nvPr>
-            <p:ph type="sldNum" sz="quarter" idx="12"/>
-          </p:nvPr>
-        </p:nvSpPr>
-        <p:spPr/>
-        <p:txBody>
-          <a:bodyPr/>
-          <a:lstStyle/>
-          <a:p>
-            <a:fld id="{1BDE3FE7-3AEA-4B05-AC5A-802D1816ACF0}" type="slidenum">
-              <a:rPr lang="ko-KR" altLang="en-US" smtClean="0"/>
-              <a:t>29</a:t>
-            </a:fld>
-            <a:endParaRPr lang="ko-KR" altLang="en-US"/>
-          </a:p>
-        </p:txBody>
-      </p:sp>
-      <p:pic>
-        <p:nvPicPr>
-          <p:cNvPr id="3" name="그림 2"/>
-          <p:cNvPicPr>
-            <a:picLocks noChangeAspect="1"/>
-          </p:cNvPicPr>
-          <p:nvPr/>
-        </p:nvPicPr>
-        <p:blipFill>
-          <a:blip r:embed="rId3">
-            <a:extLst>
-              <a:ext uri="{28A0092B-C50C-407E-A947-70E740481C1C}">
-                <a14:useLocalDpi xmlns:a14="http://schemas.microsoft.com/office/drawing/2010/main" val="0"/>
-              </a:ext>
-            </a:extLst>
-          </a:blip>
-          <a:stretch>
-            <a:fillRect/>
-          </a:stretch>
-        </p:blipFill>
-        <p:spPr>
-          <a:xfrm>
-            <a:off x="1856656" y="1484784"/>
-            <a:ext cx="5025799" cy="4752528"/>
-          </a:xfrm>
-          <a:prstGeom prst="rect">
-            <a:avLst/>
-          </a:prstGeom>
-          <a:ln>
-            <a:solidFill>
-              <a:schemeClr val="bg1">
-                <a:lumMod val="85000"/>
-              </a:schemeClr>
-            </a:solidFill>
-          </a:ln>
-        </p:spPr>
-      </p:pic>
-    </p:spTree>
-    <p:extLst>
-      <p:ext uri="{BB962C8B-B14F-4D97-AF65-F5344CB8AC3E}">
-        <p14:creationId xmlns:p14="http://schemas.microsoft.com/office/powerpoint/2010/main" val="2408343984"/>
       </p:ext>
     </p:extLst>
   </p:cSld>
@@ -15932,24 +16021,8 @@
               <a:t> </a:t>
             </a:r>
             <a:r>
-              <a:rPr lang="ko-KR" altLang="en-US" sz="2800" dirty="0" err="1"/>
-              <a:t>네비게이션</a:t>
-            </a:r>
-            <a:r>
-              <a:rPr lang="ko-KR" altLang="en-US" sz="2800" dirty="0"/>
-              <a:t> 바</a:t>
-            </a:r>
-            <a:r>
-              <a:rPr lang="en-US" altLang="ko-KR" sz="2800" dirty="0"/>
-              <a:t>(</a:t>
-            </a:r>
-            <a:r>
-              <a:rPr lang="en-US" altLang="ko-KR" sz="2800" dirty="0" err="1"/>
-              <a:t>navbar</a:t>
-            </a:r>
-            <a:r>
-              <a:rPr lang="en-US" altLang="ko-KR" sz="2800" dirty="0"/>
-              <a:t>)</a:t>
+              <a:rPr lang="ko-KR" altLang="en-US" sz="2800" dirty="0" smtClean="0"/>
+              <a:t>쇼핑몰 메인 페이지</a:t>
             </a:r>
             <a:endParaRPr lang="ko-KR" altLang="en-US" sz="2800" dirty="0"/>
           </a:p>
@@ -15973,6 +16046,146 @@
             <a:fld id="{1BDE3FE7-3AEA-4B05-AC5A-802D1816ACF0}" type="slidenum">
               <a:rPr lang="ko-KR" altLang="en-US" smtClean="0"/>
               <a:t>30</a:t>
+            </a:fld>
+            <a:endParaRPr lang="ko-KR" altLang="en-US"/>
+          </a:p>
+        </p:txBody>
+      </p:sp>
+      <p:pic>
+        <p:nvPicPr>
+          <p:cNvPr id="3" name="그림 2"/>
+          <p:cNvPicPr>
+            <a:picLocks noChangeAspect="1"/>
+          </p:cNvPicPr>
+          <p:nvPr/>
+        </p:nvPicPr>
+        <p:blipFill>
+          <a:blip r:embed="rId3">
+            <a:extLst>
+              <a:ext uri="{28A0092B-C50C-407E-A947-70E740481C1C}">
+                <a14:useLocalDpi xmlns:a14="http://schemas.microsoft.com/office/drawing/2010/main" val="0"/>
+              </a:ext>
+            </a:extLst>
+          </a:blip>
+          <a:stretch>
+            <a:fillRect/>
+          </a:stretch>
+        </p:blipFill>
+        <p:spPr>
+          <a:xfrm>
+            <a:off x="1856656" y="1484784"/>
+            <a:ext cx="5025799" cy="4752528"/>
+          </a:xfrm>
+          <a:prstGeom prst="rect">
+            <a:avLst/>
+          </a:prstGeom>
+          <a:ln>
+            <a:solidFill>
+              <a:schemeClr val="bg1">
+                <a:lumMod val="85000"/>
+              </a:schemeClr>
+            </a:solidFill>
+          </a:ln>
+        </p:spPr>
+      </p:pic>
+    </p:spTree>
+    <p:extLst>
+      <p:ext uri="{BB962C8B-B14F-4D97-AF65-F5344CB8AC3E}">
+        <p14:creationId xmlns:p14="http://schemas.microsoft.com/office/powerpoint/2010/main" val="2408343984"/>
+      </p:ext>
+    </p:extLst>
+  </p:cSld>
+  <p:clrMapOvr>
+    <a:masterClrMapping/>
+  </p:clrMapOvr>
+  <p:timing>
+    <p:tnLst>
+      <p:par>
+        <p:cTn id="1" dur="indefinite" restart="never" nodeType="tmRoot"/>
+      </p:par>
+    </p:tnLst>
+  </p:timing>
+</p:sld>
+</file>
+
+<file path=ppt/slides/slide31.xml><?xml version="1.0" encoding="utf-8"?>
+<p:sld xmlns:a="http://schemas.openxmlformats.org/drawingml/2006/main" xmlns:r="http://schemas.openxmlformats.org/officeDocument/2006/relationships" xmlns:p="http://schemas.openxmlformats.org/presentationml/2006/main">
+  <p:cSld>
+    <p:spTree>
+      <p:nvGrpSpPr>
+        <p:cNvPr id="1" name=""/>
+        <p:cNvGrpSpPr/>
+        <p:nvPr/>
+      </p:nvGrpSpPr>
+      <p:grpSpPr>
+        <a:xfrm>
+          <a:off x="0" y="0"/>
+          <a:ext cx="0" cy="0"/>
+          <a:chOff x="0" y="0"/>
+          <a:chExt cx="0" cy="0"/>
+        </a:xfrm>
+      </p:grpSpPr>
+      <p:sp>
+        <p:nvSpPr>
+          <p:cNvPr id="6" name="제목 5"/>
+          <p:cNvSpPr>
+            <a:spLocks noGrp="1"/>
+          </p:cNvSpPr>
+          <p:nvPr>
+            <p:ph type="title"/>
+          </p:nvPr>
+        </p:nvSpPr>
+        <p:spPr/>
+        <p:txBody>
+          <a:bodyPr/>
+          <a:lstStyle/>
+          <a:p>
+            <a:r>
+              <a:rPr lang="en-US" altLang="ko-KR" dirty="0" smtClean="0"/>
+              <a:t> </a:t>
+            </a:r>
+            <a:r>
+              <a:rPr lang="ko-KR" altLang="en-US" sz="2800" dirty="0" err="1"/>
+              <a:t>네비게이션</a:t>
+            </a:r>
+            <a:r>
+              <a:rPr lang="ko-KR" altLang="en-US" sz="2800" dirty="0"/>
+              <a:t> 바</a:t>
+            </a:r>
+            <a:r>
+              <a:rPr lang="en-US" altLang="ko-KR" sz="2800" dirty="0"/>
+              <a:t>(</a:t>
+            </a:r>
+            <a:r>
+              <a:rPr lang="en-US" altLang="ko-KR" sz="2800" dirty="0" err="1"/>
+              <a:t>navbar</a:t>
+            </a:r>
+            <a:r>
+              <a:rPr lang="en-US" altLang="ko-KR" sz="2800" dirty="0"/>
+              <a:t>)</a:t>
+            </a:r>
+            <a:endParaRPr lang="ko-KR" altLang="en-US" sz="2800" dirty="0"/>
+          </a:p>
+        </p:txBody>
+      </p:sp>
+      <p:sp>
+        <p:nvSpPr>
+          <p:cNvPr id="5" name="슬라이드 번호 개체 틀 4"/>
+          <p:cNvSpPr>
+            <a:spLocks noGrp="1"/>
+          </p:cNvSpPr>
+          <p:nvPr>
+            <p:ph type="sldNum" sz="quarter" idx="12"/>
+          </p:nvPr>
+        </p:nvSpPr>
+        <p:spPr/>
+        <p:txBody>
+          <a:bodyPr/>
+          <a:lstStyle/>
+          <a:p>
+            <a:fld id="{1BDE3FE7-3AEA-4B05-AC5A-802D1816ACF0}" type="slidenum">
+              <a:rPr lang="ko-KR" altLang="en-US" smtClean="0"/>
+              <a:t>31</a:t>
             </a:fld>
             <a:endParaRPr lang="ko-KR" altLang="en-US"/>
           </a:p>
@@ -16333,7 +16546,7 @@
 </p:sld>
 </file>
 
-<file path=ppt/slides/slide31.xml><?xml version="1.0" encoding="utf-8"?>
+<file path=ppt/slides/slide32.xml><?xml version="1.0" encoding="utf-8"?>
 <p:sld xmlns:a="http://schemas.openxmlformats.org/drawingml/2006/main" xmlns:r="http://schemas.openxmlformats.org/officeDocument/2006/relationships" xmlns:p="http://schemas.openxmlformats.org/presentationml/2006/main">
   <p:cSld>
     <p:spTree>
@@ -16410,7 +16623,7 @@
           <a:p>
             <a:fld id="{1BDE3FE7-3AEA-4B05-AC5A-802D1816ACF0}" type="slidenum">
               <a:rPr lang="ko-KR" altLang="en-US" smtClean="0"/>
-              <a:t>31</a:t>
+              <a:t>32</a:t>
             </a:fld>
             <a:endParaRPr lang="ko-KR" altLang="en-US"/>
           </a:p>
@@ -16816,7 +17029,7 @@
 </p:sld>
 </file>
 
-<file path=ppt/slides/slide32.xml><?xml version="1.0" encoding="utf-8"?>
+<file path=ppt/slides/slide33.xml><?xml version="1.0" encoding="utf-8"?>
 <p:sld xmlns:a="http://schemas.openxmlformats.org/drawingml/2006/main" xmlns:r="http://schemas.openxmlformats.org/officeDocument/2006/relationships" xmlns:p="http://schemas.openxmlformats.org/presentationml/2006/main">
   <p:cSld>
     <p:spTree>
@@ -16934,7 +17147,7 @@
           <a:p>
             <a:fld id="{1BDE3FE7-3AEA-4B05-AC5A-802D1816ACF0}" type="slidenum">
               <a:rPr lang="ko-KR" altLang="en-US" smtClean="0"/>
-              <a:t>32</a:t>
+              <a:t>33</a:t>
             </a:fld>
             <a:endParaRPr lang="ko-KR" altLang="en-US"/>
           </a:p>
@@ -17163,7 +17376,7 @@
 </p:sld>
 </file>
 
-<file path=ppt/slides/slide33.xml><?xml version="1.0" encoding="utf-8"?>
+<file path=ppt/slides/slide34.xml><?xml version="1.0" encoding="utf-8"?>
 <p:sld xmlns:a="http://schemas.openxmlformats.org/drawingml/2006/main" xmlns:r="http://schemas.openxmlformats.org/officeDocument/2006/relationships" xmlns:p="http://schemas.openxmlformats.org/presentationml/2006/main">
   <p:cSld>
     <p:spTree>
@@ -17244,7 +17457,7 @@
           <a:p>
             <a:fld id="{1BDE3FE7-3AEA-4B05-AC5A-802D1816ACF0}" type="slidenum">
               <a:rPr lang="ko-KR" altLang="en-US" smtClean="0"/>
-              <a:t>33</a:t>
+              <a:t>34</a:t>
             </a:fld>
             <a:endParaRPr lang="ko-KR" altLang="en-US"/>
           </a:p>
@@ -17307,7 +17520,7 @@
 </p:sld>
 </file>
 
-<file path=ppt/slides/slide34.xml><?xml version="1.0" encoding="utf-8"?>
+<file path=ppt/slides/slide35.xml><?xml version="1.0" encoding="utf-8"?>
 <p:sld xmlns:a="http://schemas.openxmlformats.org/drawingml/2006/main" xmlns:r="http://schemas.openxmlformats.org/officeDocument/2006/relationships" xmlns:p="http://schemas.openxmlformats.org/presentationml/2006/main">
   <p:cSld>
     <p:spTree>
@@ -17380,7 +17593,7 @@
           <a:p>
             <a:fld id="{1BDE3FE7-3AEA-4B05-AC5A-802D1816ACF0}" type="slidenum">
               <a:rPr lang="ko-KR" altLang="en-US" smtClean="0"/>
-              <a:t>34</a:t>
+              <a:t>35</a:t>
             </a:fld>
             <a:endParaRPr lang="ko-KR" altLang="en-US"/>
           </a:p>

--- a/html-css_ppt/12강. flex(플렉스).pptx
+++ b/html-css_ppt/12강. flex(플렉스).pptx
@@ -37,12 +37,12 @@
     <p:sldId id="490" r:id="rId28"/>
     <p:sldId id="491" r:id="rId29"/>
     <p:sldId id="492" r:id="rId30"/>
-    <p:sldId id="499" r:id="rId31"/>
-    <p:sldId id="493" r:id="rId32"/>
-    <p:sldId id="498" r:id="rId33"/>
-    <p:sldId id="495" r:id="rId34"/>
-    <p:sldId id="496" r:id="rId35"/>
-    <p:sldId id="497" r:id="rId36"/>
+    <p:sldId id="493" r:id="rId31"/>
+    <p:sldId id="498" r:id="rId32"/>
+    <p:sldId id="495" r:id="rId33"/>
+    <p:sldId id="496" r:id="rId34"/>
+    <p:sldId id="497" r:id="rId35"/>
+    <p:sldId id="501" r:id="rId36"/>
   </p:sldIdLst>
   <p:sldSz cx="9906000" cy="6858000" type="A4"/>
   <p:notesSz cx="6858000" cy="9144000"/>
@@ -242,7 +242,7 @@
           <a:p>
             <a:fld id="{7665CDAC-D627-4E87-877A-1B781DD4CADC}" type="datetimeFigureOut">
               <a:rPr lang="ko-KR" altLang="en-US" smtClean="0"/>
-              <a:t>2023-04-14</a:t>
+              <a:t>2023-04-17</a:t>
             </a:fld>
             <a:endParaRPr lang="ko-KR" altLang="en-US"/>
           </a:p>
@@ -2516,7 +2516,7 @@
     </p:spTree>
     <p:extLst>
       <p:ext uri="{BB962C8B-B14F-4D97-AF65-F5344CB8AC3E}">
-        <p14:creationId xmlns:p14="http://schemas.microsoft.com/office/powerpoint/2010/main" val="1695702060"/>
+        <p14:creationId xmlns:p14="http://schemas.microsoft.com/office/powerpoint/2010/main" val="2828749025"/>
       </p:ext>
     </p:extLst>
   </p:cSld>
@@ -2600,7 +2600,7 @@
     </p:spTree>
     <p:extLst>
       <p:ext uri="{BB962C8B-B14F-4D97-AF65-F5344CB8AC3E}">
-        <p14:creationId xmlns:p14="http://schemas.microsoft.com/office/powerpoint/2010/main" val="2828749025"/>
+        <p14:creationId xmlns:p14="http://schemas.microsoft.com/office/powerpoint/2010/main" val="476055742"/>
       </p:ext>
     </p:extLst>
   </p:cSld>
@@ -2684,7 +2684,7 @@
     </p:spTree>
     <p:extLst>
       <p:ext uri="{BB962C8B-B14F-4D97-AF65-F5344CB8AC3E}">
-        <p14:creationId xmlns:p14="http://schemas.microsoft.com/office/powerpoint/2010/main" val="476055742"/>
+        <p14:creationId xmlns:p14="http://schemas.microsoft.com/office/powerpoint/2010/main" val="1847897301"/>
       </p:ext>
     </p:extLst>
   </p:cSld>
@@ -2768,7 +2768,7 @@
     </p:spTree>
     <p:extLst>
       <p:ext uri="{BB962C8B-B14F-4D97-AF65-F5344CB8AC3E}">
-        <p14:creationId xmlns:p14="http://schemas.microsoft.com/office/powerpoint/2010/main" val="1847897301"/>
+        <p14:creationId xmlns:p14="http://schemas.microsoft.com/office/powerpoint/2010/main" val="808374559"/>
       </p:ext>
     </p:extLst>
   </p:cSld>
@@ -2852,7 +2852,7 @@
     </p:spTree>
     <p:extLst>
       <p:ext uri="{BB962C8B-B14F-4D97-AF65-F5344CB8AC3E}">
-        <p14:creationId xmlns:p14="http://schemas.microsoft.com/office/powerpoint/2010/main" val="808374559"/>
+        <p14:creationId xmlns:p14="http://schemas.microsoft.com/office/powerpoint/2010/main" val="3291962782"/>
       </p:ext>
     </p:extLst>
   </p:cSld>
@@ -2936,7 +2936,7 @@
     </p:spTree>
     <p:extLst>
       <p:ext uri="{BB962C8B-B14F-4D97-AF65-F5344CB8AC3E}">
-        <p14:creationId xmlns:p14="http://schemas.microsoft.com/office/powerpoint/2010/main" val="3291962782"/>
+        <p14:creationId xmlns:p14="http://schemas.microsoft.com/office/powerpoint/2010/main" val="1961141745"/>
       </p:ext>
     </p:extLst>
   </p:cSld>
@@ -3512,7 +3512,7 @@
           <a:p>
             <a:fld id="{C25BCFD5-C4DF-4EBC-B718-C69ED2FBDE6F}" type="datetime1">
               <a:rPr lang="ko-KR" altLang="en-US" smtClean="0"/>
-              <a:t>2023-04-14</a:t>
+              <a:t>2023-04-17</a:t>
             </a:fld>
             <a:endParaRPr lang="ko-KR" altLang="en-US"/>
           </a:p>
@@ -3930,7 +3930,7 @@
           <a:p>
             <a:fld id="{AB448CD7-D367-43D5-B461-ACE552E75063}" type="datetime1">
               <a:rPr lang="ko-KR" altLang="en-US" smtClean="0"/>
-              <a:t>2023-04-14</a:t>
+              <a:t>2023-04-17</a:t>
             </a:fld>
             <a:endParaRPr lang="ko-KR" altLang="en-US"/>
           </a:p>
@@ -4110,7 +4110,7 @@
           <a:p>
             <a:fld id="{B6E49E79-7361-4780-8BEF-7EDE3708298A}" type="datetime1">
               <a:rPr lang="ko-KR" altLang="en-US" smtClean="0"/>
-              <a:t>2023-04-14</a:t>
+              <a:t>2023-04-17</a:t>
             </a:fld>
             <a:endParaRPr lang="ko-KR" altLang="en-US"/>
           </a:p>
@@ -4284,7 +4284,7 @@
           <a:p>
             <a:fld id="{A4D42E3C-B70B-437C-85CF-1286301B9CBA}" type="datetime1">
               <a:rPr lang="ko-KR" altLang="en-US" smtClean="0"/>
-              <a:t>2023-04-14</a:t>
+              <a:t>2023-04-17</a:t>
             </a:fld>
             <a:endParaRPr lang="ko-KR" altLang="en-US"/>
           </a:p>
@@ -4530,7 +4530,7 @@
           <a:p>
             <a:fld id="{B3369A20-5B3D-4D98-A822-26B93D177A40}" type="datetime1">
               <a:rPr lang="ko-KR" altLang="en-US" smtClean="0"/>
-              <a:t>2023-04-14</a:t>
+              <a:t>2023-04-17</a:t>
             </a:fld>
             <a:endParaRPr lang="ko-KR" altLang="en-US"/>
           </a:p>
@@ -4818,7 +4818,7 @@
           <a:p>
             <a:fld id="{685CD4CE-9E43-4F70-A9D8-A2130CA7D92A}" type="datetime1">
               <a:rPr lang="ko-KR" altLang="en-US" smtClean="0"/>
-              <a:t>2023-04-14</a:t>
+              <a:t>2023-04-17</a:t>
             </a:fld>
             <a:endParaRPr lang="ko-KR" altLang="en-US"/>
           </a:p>
@@ -5240,7 +5240,7 @@
           <a:p>
             <a:fld id="{F752BD92-DA3E-4A0B-90C9-7DE5E15B6E96}" type="datetime1">
               <a:rPr lang="ko-KR" altLang="en-US" smtClean="0"/>
-              <a:t>2023-04-14</a:t>
+              <a:t>2023-04-17</a:t>
             </a:fld>
             <a:endParaRPr lang="ko-KR" altLang="en-US"/>
           </a:p>
@@ -5358,7 +5358,7 @@
           <a:p>
             <a:fld id="{8EA2B83A-F366-424E-B742-340ACF856BB5}" type="datetime1">
               <a:rPr lang="ko-KR" altLang="en-US" smtClean="0"/>
-              <a:t>2023-04-14</a:t>
+              <a:t>2023-04-17</a:t>
             </a:fld>
             <a:endParaRPr lang="ko-KR" altLang="en-US"/>
           </a:p>
@@ -5453,7 +5453,7 @@
           <a:p>
             <a:fld id="{9A49D68B-5DBD-48E9-A8D4-FCBC4B3DD9C6}" type="datetime1">
               <a:rPr lang="ko-KR" altLang="en-US" smtClean="0"/>
-              <a:t>2023-04-14</a:t>
+              <a:t>2023-04-17</a:t>
             </a:fld>
             <a:endParaRPr lang="ko-KR" altLang="en-US"/>
           </a:p>
@@ -5730,7 +5730,7 @@
           <a:p>
             <a:fld id="{4CAB534F-7D16-467B-9320-91F98915D181}" type="datetime1">
               <a:rPr lang="ko-KR" altLang="en-US" smtClean="0"/>
-              <a:t>2023-04-14</a:t>
+              <a:t>2023-04-17</a:t>
             </a:fld>
             <a:endParaRPr lang="ko-KR" altLang="en-US"/>
           </a:p>
@@ -5983,7 +5983,7 @@
           <a:p>
             <a:fld id="{A390A91F-2F8D-4486-A69D-D680F95444B0}" type="datetime1">
               <a:rPr lang="ko-KR" altLang="en-US" smtClean="0"/>
-              <a:t>2023-04-14</a:t>
+              <a:t>2023-04-17</a:t>
             </a:fld>
             <a:endParaRPr lang="ko-KR" altLang="en-US"/>
           </a:p>
@@ -6163,7 +6163,7 @@
           <a:p>
             <a:fld id="{2238BBEA-E8DD-414A-BF68-FC2AFA7CFF2D}" type="datetime1">
               <a:rPr lang="ko-KR" altLang="en-US" smtClean="0"/>
-              <a:t>2023-04-14</a:t>
+              <a:t>2023-04-17</a:t>
             </a:fld>
             <a:endParaRPr lang="ko-KR" altLang="en-US"/>
           </a:p>
@@ -16021,8 +16021,24 @@
               <a:t> </a:t>
             </a:r>
             <a:r>
-              <a:rPr lang="ko-KR" altLang="en-US" sz="2800" dirty="0" smtClean="0"/>
-              <a:t>쇼핑몰 메인 페이지</a:t>
+              <a:rPr lang="ko-KR" altLang="en-US" sz="2800" dirty="0" err="1"/>
+              <a:t>네비게이션</a:t>
+            </a:r>
+            <a:r>
+              <a:rPr lang="ko-KR" altLang="en-US" sz="2800" dirty="0"/>
+              <a:t> 바</a:t>
+            </a:r>
+            <a:r>
+              <a:rPr lang="en-US" altLang="ko-KR" sz="2800" dirty="0"/>
+              <a:t>(</a:t>
+            </a:r>
+            <a:r>
+              <a:rPr lang="en-US" altLang="ko-KR" sz="2800" dirty="0" err="1"/>
+              <a:t>navbar</a:t>
+            </a:r>
+            <a:r>
+              <a:rPr lang="en-US" altLang="ko-KR" sz="2800" dirty="0"/>
+              <a:t>)</a:t>
             </a:r>
             <a:endParaRPr lang="ko-KR" altLang="en-US" sz="2800" dirty="0"/>
           </a:p>
@@ -16046,146 +16062,6 @@
             <a:fld id="{1BDE3FE7-3AEA-4B05-AC5A-802D1816ACF0}" type="slidenum">
               <a:rPr lang="ko-KR" altLang="en-US" smtClean="0"/>
               <a:t>30</a:t>
-            </a:fld>
-            <a:endParaRPr lang="ko-KR" altLang="en-US"/>
-          </a:p>
-        </p:txBody>
-      </p:sp>
-      <p:pic>
-        <p:nvPicPr>
-          <p:cNvPr id="3" name="그림 2"/>
-          <p:cNvPicPr>
-            <a:picLocks noChangeAspect="1"/>
-          </p:cNvPicPr>
-          <p:nvPr/>
-        </p:nvPicPr>
-        <p:blipFill>
-          <a:blip r:embed="rId3">
-            <a:extLst>
-              <a:ext uri="{28A0092B-C50C-407E-A947-70E740481C1C}">
-                <a14:useLocalDpi xmlns:a14="http://schemas.microsoft.com/office/drawing/2010/main" val="0"/>
-              </a:ext>
-            </a:extLst>
-          </a:blip>
-          <a:stretch>
-            <a:fillRect/>
-          </a:stretch>
-        </p:blipFill>
-        <p:spPr>
-          <a:xfrm>
-            <a:off x="1856656" y="1484784"/>
-            <a:ext cx="5025799" cy="4752528"/>
-          </a:xfrm>
-          <a:prstGeom prst="rect">
-            <a:avLst/>
-          </a:prstGeom>
-          <a:ln>
-            <a:solidFill>
-              <a:schemeClr val="bg1">
-                <a:lumMod val="85000"/>
-              </a:schemeClr>
-            </a:solidFill>
-          </a:ln>
-        </p:spPr>
-      </p:pic>
-    </p:spTree>
-    <p:extLst>
-      <p:ext uri="{BB962C8B-B14F-4D97-AF65-F5344CB8AC3E}">
-        <p14:creationId xmlns:p14="http://schemas.microsoft.com/office/powerpoint/2010/main" val="2408343984"/>
-      </p:ext>
-    </p:extLst>
-  </p:cSld>
-  <p:clrMapOvr>
-    <a:masterClrMapping/>
-  </p:clrMapOvr>
-  <p:timing>
-    <p:tnLst>
-      <p:par>
-        <p:cTn id="1" dur="indefinite" restart="never" nodeType="tmRoot"/>
-      </p:par>
-    </p:tnLst>
-  </p:timing>
-</p:sld>
-</file>
-
-<file path=ppt/slides/slide31.xml><?xml version="1.0" encoding="utf-8"?>
-<p:sld xmlns:a="http://schemas.openxmlformats.org/drawingml/2006/main" xmlns:r="http://schemas.openxmlformats.org/officeDocument/2006/relationships" xmlns:p="http://schemas.openxmlformats.org/presentationml/2006/main">
-  <p:cSld>
-    <p:spTree>
-      <p:nvGrpSpPr>
-        <p:cNvPr id="1" name=""/>
-        <p:cNvGrpSpPr/>
-        <p:nvPr/>
-      </p:nvGrpSpPr>
-      <p:grpSpPr>
-        <a:xfrm>
-          <a:off x="0" y="0"/>
-          <a:ext cx="0" cy="0"/>
-          <a:chOff x="0" y="0"/>
-          <a:chExt cx="0" cy="0"/>
-        </a:xfrm>
-      </p:grpSpPr>
-      <p:sp>
-        <p:nvSpPr>
-          <p:cNvPr id="6" name="제목 5"/>
-          <p:cNvSpPr>
-            <a:spLocks noGrp="1"/>
-          </p:cNvSpPr>
-          <p:nvPr>
-            <p:ph type="title"/>
-          </p:nvPr>
-        </p:nvSpPr>
-        <p:spPr/>
-        <p:txBody>
-          <a:bodyPr/>
-          <a:lstStyle/>
-          <a:p>
-            <a:r>
-              <a:rPr lang="en-US" altLang="ko-KR" dirty="0" smtClean="0"/>
-              <a:t> </a:t>
-            </a:r>
-            <a:r>
-              <a:rPr lang="ko-KR" altLang="en-US" sz="2800" dirty="0" err="1"/>
-              <a:t>네비게이션</a:t>
-            </a:r>
-            <a:r>
-              <a:rPr lang="ko-KR" altLang="en-US" sz="2800" dirty="0"/>
-              <a:t> 바</a:t>
-            </a:r>
-            <a:r>
-              <a:rPr lang="en-US" altLang="ko-KR" sz="2800" dirty="0"/>
-              <a:t>(</a:t>
-            </a:r>
-            <a:r>
-              <a:rPr lang="en-US" altLang="ko-KR" sz="2800" dirty="0" err="1"/>
-              <a:t>navbar</a:t>
-            </a:r>
-            <a:r>
-              <a:rPr lang="en-US" altLang="ko-KR" sz="2800" dirty="0"/>
-              <a:t>)</a:t>
-            </a:r>
-            <a:endParaRPr lang="ko-KR" altLang="en-US" sz="2800" dirty="0"/>
-          </a:p>
-        </p:txBody>
-      </p:sp>
-      <p:sp>
-        <p:nvSpPr>
-          <p:cNvPr id="5" name="슬라이드 번호 개체 틀 4"/>
-          <p:cNvSpPr>
-            <a:spLocks noGrp="1"/>
-          </p:cNvSpPr>
-          <p:nvPr>
-            <p:ph type="sldNum" sz="quarter" idx="12"/>
-          </p:nvPr>
-        </p:nvSpPr>
-        <p:spPr/>
-        <p:txBody>
-          <a:bodyPr/>
-          <a:lstStyle/>
-          <a:p>
-            <a:fld id="{1BDE3FE7-3AEA-4B05-AC5A-802D1816ACF0}" type="slidenum">
-              <a:rPr lang="ko-KR" altLang="en-US" smtClean="0"/>
-              <a:t>31</a:t>
             </a:fld>
             <a:endParaRPr lang="ko-KR" altLang="en-US"/>
           </a:p>
@@ -16546,7 +16422,7 @@
 </p:sld>
 </file>
 
-<file path=ppt/slides/slide32.xml><?xml version="1.0" encoding="utf-8"?>
+<file path=ppt/slides/slide31.xml><?xml version="1.0" encoding="utf-8"?>
 <p:sld xmlns:a="http://schemas.openxmlformats.org/drawingml/2006/main" xmlns:r="http://schemas.openxmlformats.org/officeDocument/2006/relationships" xmlns:p="http://schemas.openxmlformats.org/presentationml/2006/main">
   <p:cSld>
     <p:spTree>
@@ -16623,7 +16499,7 @@
           <a:p>
             <a:fld id="{1BDE3FE7-3AEA-4B05-AC5A-802D1816ACF0}" type="slidenum">
               <a:rPr lang="ko-KR" altLang="en-US" smtClean="0"/>
-              <a:t>32</a:t>
+              <a:t>31</a:t>
             </a:fld>
             <a:endParaRPr lang="ko-KR" altLang="en-US"/>
           </a:p>
@@ -17029,7 +16905,7 @@
 </p:sld>
 </file>
 
-<file path=ppt/slides/slide33.xml><?xml version="1.0" encoding="utf-8"?>
+<file path=ppt/slides/slide32.xml><?xml version="1.0" encoding="utf-8"?>
 <p:sld xmlns:a="http://schemas.openxmlformats.org/drawingml/2006/main" xmlns:r="http://schemas.openxmlformats.org/officeDocument/2006/relationships" xmlns:p="http://schemas.openxmlformats.org/presentationml/2006/main">
   <p:cSld>
     <p:spTree>
@@ -17147,7 +17023,7 @@
           <a:p>
             <a:fld id="{1BDE3FE7-3AEA-4B05-AC5A-802D1816ACF0}" type="slidenum">
               <a:rPr lang="ko-KR" altLang="en-US" smtClean="0"/>
-              <a:t>33</a:t>
+              <a:t>32</a:t>
             </a:fld>
             <a:endParaRPr lang="ko-KR" altLang="en-US"/>
           </a:p>
@@ -17376,7 +17252,7 @@
 </p:sld>
 </file>
 
-<file path=ppt/slides/slide34.xml><?xml version="1.0" encoding="utf-8"?>
+<file path=ppt/slides/slide33.xml><?xml version="1.0" encoding="utf-8"?>
 <p:sld xmlns:a="http://schemas.openxmlformats.org/drawingml/2006/main" xmlns:r="http://schemas.openxmlformats.org/officeDocument/2006/relationships" xmlns:p="http://schemas.openxmlformats.org/presentationml/2006/main">
   <p:cSld>
     <p:spTree>
@@ -17457,7 +17333,7 @@
           <a:p>
             <a:fld id="{1BDE3FE7-3AEA-4B05-AC5A-802D1816ACF0}" type="slidenum">
               <a:rPr lang="ko-KR" altLang="en-US" smtClean="0"/>
-              <a:t>34</a:t>
+              <a:t>33</a:t>
             </a:fld>
             <a:endParaRPr lang="ko-KR" altLang="en-US"/>
           </a:p>
@@ -17520,7 +17396,7 @@
 </p:sld>
 </file>
 
-<file path=ppt/slides/slide35.xml><?xml version="1.0" encoding="utf-8"?>
+<file path=ppt/slides/slide34.xml><?xml version="1.0" encoding="utf-8"?>
 <p:sld xmlns:a="http://schemas.openxmlformats.org/drawingml/2006/main" xmlns:r="http://schemas.openxmlformats.org/officeDocument/2006/relationships" xmlns:p="http://schemas.openxmlformats.org/presentationml/2006/main">
   <p:cSld>
     <p:spTree>
@@ -17593,7 +17469,7 @@
           <a:p>
             <a:fld id="{1BDE3FE7-3AEA-4B05-AC5A-802D1816ACF0}" type="slidenum">
               <a:rPr lang="ko-KR" altLang="en-US" smtClean="0"/>
-              <a:t>35</a:t>
+              <a:t>34</a:t>
             </a:fld>
             <a:endParaRPr lang="ko-KR" altLang="en-US"/>
           </a:p>
@@ -17907,6 +17783,183 @@
     <p:extLst>
       <p:ext uri="{BB962C8B-B14F-4D97-AF65-F5344CB8AC3E}">
         <p14:creationId xmlns:p14="http://schemas.microsoft.com/office/powerpoint/2010/main" val="1607750616"/>
+      </p:ext>
+    </p:extLst>
+  </p:cSld>
+  <p:clrMapOvr>
+    <a:masterClrMapping/>
+  </p:clrMapOvr>
+  <p:timing>
+    <p:tnLst>
+      <p:par>
+        <p:cTn id="1" dur="indefinite" restart="never" nodeType="tmRoot"/>
+      </p:par>
+    </p:tnLst>
+  </p:timing>
+</p:sld>
+</file>
+
+<file path=ppt/slides/slide35.xml><?xml version="1.0" encoding="utf-8"?>
+<p:sld xmlns:a="http://schemas.openxmlformats.org/drawingml/2006/main" xmlns:r="http://schemas.openxmlformats.org/officeDocument/2006/relationships" xmlns:p="http://schemas.openxmlformats.org/presentationml/2006/main">
+  <p:cSld>
+    <p:spTree>
+      <p:nvGrpSpPr>
+        <p:cNvPr id="1" name=""/>
+        <p:cNvGrpSpPr/>
+        <p:nvPr/>
+      </p:nvGrpSpPr>
+      <p:grpSpPr>
+        <a:xfrm>
+          <a:off x="0" y="0"/>
+          <a:ext cx="0" cy="0"/>
+          <a:chOff x="0" y="0"/>
+          <a:chExt cx="0" cy="0"/>
+        </a:xfrm>
+      </p:grpSpPr>
+      <p:sp>
+        <p:nvSpPr>
+          <p:cNvPr id="6" name="제목 5"/>
+          <p:cNvSpPr>
+            <a:spLocks noGrp="1"/>
+          </p:cNvSpPr>
+          <p:nvPr>
+            <p:ph type="title"/>
+          </p:nvPr>
+        </p:nvSpPr>
+        <p:spPr/>
+        <p:txBody>
+          <a:bodyPr/>
+          <a:lstStyle/>
+          <a:p>
+            <a:r>
+              <a:rPr lang="en-US" altLang="ko-KR" dirty="0" smtClean="0"/>
+              <a:t> </a:t>
+            </a:r>
+            <a:r>
+              <a:rPr lang="ko-KR" altLang="en-US" sz="2800" dirty="0" smtClean="0"/>
+              <a:t>부트 </a:t>
+            </a:r>
+            <a:r>
+              <a:rPr lang="ko-KR" altLang="en-US" sz="2800" dirty="0" err="1" smtClean="0"/>
+              <a:t>스트랩</a:t>
+            </a:r>
+            <a:r>
+              <a:rPr lang="ko-KR" altLang="en-US" sz="2800" dirty="0" smtClean="0"/>
+              <a:t> </a:t>
+            </a:r>
+            <a:r>
+              <a:rPr lang="en-US" altLang="ko-KR" sz="2800" dirty="0" smtClean="0"/>
+              <a:t>– </a:t>
+            </a:r>
+            <a:r>
+              <a:rPr lang="ko-KR" altLang="en-US" sz="2800" dirty="0" smtClean="0"/>
+              <a:t>모바일 최적화</a:t>
+            </a:r>
+            <a:endParaRPr lang="ko-KR" altLang="en-US" dirty="0"/>
+          </a:p>
+        </p:txBody>
+      </p:sp>
+      <p:sp>
+        <p:nvSpPr>
+          <p:cNvPr id="5" name="슬라이드 번호 개체 틀 4"/>
+          <p:cNvSpPr>
+            <a:spLocks noGrp="1"/>
+          </p:cNvSpPr>
+          <p:nvPr>
+            <p:ph type="sldNum" sz="quarter" idx="12"/>
+          </p:nvPr>
+        </p:nvSpPr>
+        <p:spPr/>
+        <p:txBody>
+          <a:bodyPr/>
+          <a:lstStyle/>
+          <a:p>
+            <a:fld id="{1BDE3FE7-3AEA-4B05-AC5A-802D1816ACF0}" type="slidenum">
+              <a:rPr lang="ko-KR" altLang="en-US" smtClean="0"/>
+              <a:t>35</a:t>
+            </a:fld>
+            <a:endParaRPr lang="ko-KR" altLang="en-US"/>
+          </a:p>
+        </p:txBody>
+      </p:sp>
+      <p:pic>
+        <p:nvPicPr>
+          <p:cNvPr id="9" name="그림 8"/>
+          <p:cNvPicPr>
+            <a:picLocks noChangeAspect="1"/>
+          </p:cNvPicPr>
+          <p:nvPr/>
+        </p:nvPicPr>
+        <p:blipFill>
+          <a:blip r:embed="rId3">
+            <a:extLst>
+              <a:ext uri="{28A0092B-C50C-407E-A947-70E740481C1C}">
+                <a14:useLocalDpi xmlns:a14="http://schemas.microsoft.com/office/drawing/2010/main" val="0"/>
+              </a:ext>
+            </a:extLst>
+          </a:blip>
+          <a:stretch>
+            <a:fillRect/>
+          </a:stretch>
+        </p:blipFill>
+        <p:spPr>
+          <a:xfrm>
+            <a:off x="920552" y="1412776"/>
+            <a:ext cx="3755124" cy="4464496"/>
+          </a:xfrm>
+          <a:prstGeom prst="rect">
+            <a:avLst/>
+          </a:prstGeom>
+          <a:ln>
+            <a:solidFill>
+              <a:schemeClr val="bg1">
+                <a:lumMod val="85000"/>
+              </a:schemeClr>
+            </a:solidFill>
+          </a:ln>
+        </p:spPr>
+      </p:pic>
+      <p:pic>
+        <p:nvPicPr>
+          <p:cNvPr id="10" name="그림 9"/>
+          <p:cNvPicPr>
+            <a:picLocks noChangeAspect="1"/>
+          </p:cNvPicPr>
+          <p:nvPr/>
+        </p:nvPicPr>
+        <p:blipFill>
+          <a:blip r:embed="rId4">
+            <a:extLst>
+              <a:ext uri="{28A0092B-C50C-407E-A947-70E740481C1C}">
+                <a14:useLocalDpi xmlns:a14="http://schemas.microsoft.com/office/drawing/2010/main" val="0"/>
+              </a:ext>
+            </a:extLst>
+          </a:blip>
+          <a:stretch>
+            <a:fillRect/>
+          </a:stretch>
+        </p:blipFill>
+        <p:spPr>
+          <a:xfrm>
+            <a:off x="5025008" y="1772816"/>
+            <a:ext cx="4282811" cy="3482642"/>
+          </a:xfrm>
+          <a:prstGeom prst="rect">
+            <a:avLst/>
+          </a:prstGeom>
+          <a:ln>
+            <a:solidFill>
+              <a:schemeClr val="bg1">
+                <a:lumMod val="85000"/>
+              </a:schemeClr>
+            </a:solidFill>
+          </a:ln>
+        </p:spPr>
+      </p:pic>
+    </p:spTree>
+    <p:extLst>
+      <p:ext uri="{BB962C8B-B14F-4D97-AF65-F5344CB8AC3E}">
+        <p14:creationId xmlns:p14="http://schemas.microsoft.com/office/powerpoint/2010/main" val="3327980537"/>
       </p:ext>
     </p:extLst>
   </p:cSld>

--- a/html-css_ppt/12강. flex(플렉스).pptx
+++ b/html-css_ppt/12강. flex(플렉스).pptx
@@ -5,7 +5,7 @@
     <p:sldMasterId id="2147483648" r:id="rId1"/>
   </p:sldMasterIdLst>
   <p:notesMasterIdLst>
-    <p:notesMasterId r:id="rId37"/>
+    <p:notesMasterId r:id="rId40"/>
   </p:notesMasterIdLst>
   <p:sldIdLst>
     <p:sldId id="256" r:id="rId2"/>
@@ -43,6 +43,9 @@
     <p:sldId id="496" r:id="rId34"/>
     <p:sldId id="497" r:id="rId35"/>
     <p:sldId id="501" r:id="rId36"/>
+    <p:sldId id="502" r:id="rId37"/>
+    <p:sldId id="503" r:id="rId38"/>
+    <p:sldId id="504" r:id="rId39"/>
   </p:sldIdLst>
   <p:sldSz cx="9906000" cy="6858000" type="A4"/>
   <p:notesSz cx="6858000" cy="9144000"/>
@@ -242,7 +245,7 @@
           <a:p>
             <a:fld id="{7665CDAC-D627-4E87-877A-1B781DD4CADC}" type="datetimeFigureOut">
               <a:rPr lang="ko-KR" altLang="en-US" smtClean="0"/>
-              <a:t>2023-04-17</a:t>
+              <a:t>2023-04-19</a:t>
             </a:fld>
             <a:endParaRPr lang="ko-KR" altLang="en-US"/>
           </a:p>
@@ -2946,6 +2949,258 @@
 </p:notes>
 </file>
 
+<file path=ppt/notesSlides/notesSlide36.xml><?xml version="1.0" encoding="utf-8"?>
+<p:notes xmlns:a="http://schemas.openxmlformats.org/drawingml/2006/main" xmlns:r="http://schemas.openxmlformats.org/officeDocument/2006/relationships" xmlns:p="http://schemas.openxmlformats.org/presentationml/2006/main">
+  <p:cSld>
+    <p:spTree>
+      <p:nvGrpSpPr>
+        <p:cNvPr id="1" name=""/>
+        <p:cNvGrpSpPr/>
+        <p:nvPr/>
+      </p:nvGrpSpPr>
+      <p:grpSpPr>
+        <a:xfrm>
+          <a:off x="0" y="0"/>
+          <a:ext cx="0" cy="0"/>
+          <a:chOff x="0" y="0"/>
+          <a:chExt cx="0" cy="0"/>
+        </a:xfrm>
+      </p:grpSpPr>
+      <p:sp>
+        <p:nvSpPr>
+          <p:cNvPr id="2" name="슬라이드 이미지 개체 틀 1"/>
+          <p:cNvSpPr>
+            <a:spLocks noGrp="1" noRot="1" noChangeAspect="1"/>
+          </p:cNvSpPr>
+          <p:nvPr>
+            <p:ph type="sldImg"/>
+          </p:nvPr>
+        </p:nvSpPr>
+        <p:spPr/>
+      </p:sp>
+      <p:sp>
+        <p:nvSpPr>
+          <p:cNvPr id="3" name="슬라이드 노트 개체 틀 2"/>
+          <p:cNvSpPr>
+            <a:spLocks noGrp="1"/>
+          </p:cNvSpPr>
+          <p:nvPr>
+            <p:ph type="body" idx="1"/>
+          </p:nvPr>
+        </p:nvSpPr>
+        <p:spPr/>
+        <p:txBody>
+          <a:bodyPr/>
+          <a:lstStyle/>
+          <a:p>
+            <a:endParaRPr lang="ko-KR" altLang="en-US" dirty="0"/>
+          </a:p>
+        </p:txBody>
+      </p:sp>
+      <p:sp>
+        <p:nvSpPr>
+          <p:cNvPr id="4" name="슬라이드 번호 개체 틀 3"/>
+          <p:cNvSpPr>
+            <a:spLocks noGrp="1"/>
+          </p:cNvSpPr>
+          <p:nvPr>
+            <p:ph type="sldNum" sz="quarter" idx="10"/>
+          </p:nvPr>
+        </p:nvSpPr>
+        <p:spPr/>
+        <p:txBody>
+          <a:bodyPr/>
+          <a:lstStyle/>
+          <a:p>
+            <a:fld id="{0FADDD8A-FD4C-4C63-90D4-202AFE8080B2}" type="slidenum">
+              <a:rPr lang="ko-KR" altLang="en-US" smtClean="0"/>
+              <a:t>36</a:t>
+            </a:fld>
+            <a:endParaRPr lang="ko-KR" altLang="en-US"/>
+          </a:p>
+        </p:txBody>
+      </p:sp>
+    </p:spTree>
+    <p:extLst>
+      <p:ext uri="{BB962C8B-B14F-4D97-AF65-F5344CB8AC3E}">
+        <p14:creationId xmlns:p14="http://schemas.microsoft.com/office/powerpoint/2010/main" val="998808843"/>
+      </p:ext>
+    </p:extLst>
+  </p:cSld>
+  <p:clrMapOvr>
+    <a:masterClrMapping/>
+  </p:clrMapOvr>
+</p:notes>
+</file>
+
+<file path=ppt/notesSlides/notesSlide37.xml><?xml version="1.0" encoding="utf-8"?>
+<p:notes xmlns:a="http://schemas.openxmlformats.org/drawingml/2006/main" xmlns:r="http://schemas.openxmlformats.org/officeDocument/2006/relationships" xmlns:p="http://schemas.openxmlformats.org/presentationml/2006/main">
+  <p:cSld>
+    <p:spTree>
+      <p:nvGrpSpPr>
+        <p:cNvPr id="1" name=""/>
+        <p:cNvGrpSpPr/>
+        <p:nvPr/>
+      </p:nvGrpSpPr>
+      <p:grpSpPr>
+        <a:xfrm>
+          <a:off x="0" y="0"/>
+          <a:ext cx="0" cy="0"/>
+          <a:chOff x="0" y="0"/>
+          <a:chExt cx="0" cy="0"/>
+        </a:xfrm>
+      </p:grpSpPr>
+      <p:sp>
+        <p:nvSpPr>
+          <p:cNvPr id="2" name="슬라이드 이미지 개체 틀 1"/>
+          <p:cNvSpPr>
+            <a:spLocks noGrp="1" noRot="1" noChangeAspect="1"/>
+          </p:cNvSpPr>
+          <p:nvPr>
+            <p:ph type="sldImg"/>
+          </p:nvPr>
+        </p:nvSpPr>
+        <p:spPr/>
+      </p:sp>
+      <p:sp>
+        <p:nvSpPr>
+          <p:cNvPr id="3" name="슬라이드 노트 개체 틀 2"/>
+          <p:cNvSpPr>
+            <a:spLocks noGrp="1"/>
+          </p:cNvSpPr>
+          <p:nvPr>
+            <p:ph type="body" idx="1"/>
+          </p:nvPr>
+        </p:nvSpPr>
+        <p:spPr/>
+        <p:txBody>
+          <a:bodyPr/>
+          <a:lstStyle/>
+          <a:p>
+            <a:endParaRPr lang="ko-KR" altLang="en-US" dirty="0"/>
+          </a:p>
+        </p:txBody>
+      </p:sp>
+      <p:sp>
+        <p:nvSpPr>
+          <p:cNvPr id="4" name="슬라이드 번호 개체 틀 3"/>
+          <p:cNvSpPr>
+            <a:spLocks noGrp="1"/>
+          </p:cNvSpPr>
+          <p:nvPr>
+            <p:ph type="sldNum" sz="quarter" idx="10"/>
+          </p:nvPr>
+        </p:nvSpPr>
+        <p:spPr/>
+        <p:txBody>
+          <a:bodyPr/>
+          <a:lstStyle/>
+          <a:p>
+            <a:fld id="{0FADDD8A-FD4C-4C63-90D4-202AFE8080B2}" type="slidenum">
+              <a:rPr lang="ko-KR" altLang="en-US" smtClean="0"/>
+              <a:t>37</a:t>
+            </a:fld>
+            <a:endParaRPr lang="ko-KR" altLang="en-US"/>
+          </a:p>
+        </p:txBody>
+      </p:sp>
+    </p:spTree>
+    <p:extLst>
+      <p:ext uri="{BB962C8B-B14F-4D97-AF65-F5344CB8AC3E}">
+        <p14:creationId xmlns:p14="http://schemas.microsoft.com/office/powerpoint/2010/main" val="1001013612"/>
+      </p:ext>
+    </p:extLst>
+  </p:cSld>
+  <p:clrMapOvr>
+    <a:masterClrMapping/>
+  </p:clrMapOvr>
+</p:notes>
+</file>
+
+<file path=ppt/notesSlides/notesSlide38.xml><?xml version="1.0" encoding="utf-8"?>
+<p:notes xmlns:a="http://schemas.openxmlformats.org/drawingml/2006/main" xmlns:r="http://schemas.openxmlformats.org/officeDocument/2006/relationships" xmlns:p="http://schemas.openxmlformats.org/presentationml/2006/main">
+  <p:cSld>
+    <p:spTree>
+      <p:nvGrpSpPr>
+        <p:cNvPr id="1" name=""/>
+        <p:cNvGrpSpPr/>
+        <p:nvPr/>
+      </p:nvGrpSpPr>
+      <p:grpSpPr>
+        <a:xfrm>
+          <a:off x="0" y="0"/>
+          <a:ext cx="0" cy="0"/>
+          <a:chOff x="0" y="0"/>
+          <a:chExt cx="0" cy="0"/>
+        </a:xfrm>
+      </p:grpSpPr>
+      <p:sp>
+        <p:nvSpPr>
+          <p:cNvPr id="2" name="슬라이드 이미지 개체 틀 1"/>
+          <p:cNvSpPr>
+            <a:spLocks noGrp="1" noRot="1" noChangeAspect="1"/>
+          </p:cNvSpPr>
+          <p:nvPr>
+            <p:ph type="sldImg"/>
+          </p:nvPr>
+        </p:nvSpPr>
+        <p:spPr/>
+      </p:sp>
+      <p:sp>
+        <p:nvSpPr>
+          <p:cNvPr id="3" name="슬라이드 노트 개체 틀 2"/>
+          <p:cNvSpPr>
+            <a:spLocks noGrp="1"/>
+          </p:cNvSpPr>
+          <p:nvPr>
+            <p:ph type="body" idx="1"/>
+          </p:nvPr>
+        </p:nvSpPr>
+        <p:spPr/>
+        <p:txBody>
+          <a:bodyPr/>
+          <a:lstStyle/>
+          <a:p>
+            <a:endParaRPr lang="ko-KR" altLang="en-US" dirty="0"/>
+          </a:p>
+        </p:txBody>
+      </p:sp>
+      <p:sp>
+        <p:nvSpPr>
+          <p:cNvPr id="4" name="슬라이드 번호 개체 틀 3"/>
+          <p:cNvSpPr>
+            <a:spLocks noGrp="1"/>
+          </p:cNvSpPr>
+          <p:nvPr>
+            <p:ph type="sldNum" sz="quarter" idx="10"/>
+          </p:nvPr>
+        </p:nvSpPr>
+        <p:spPr/>
+        <p:txBody>
+          <a:bodyPr/>
+          <a:lstStyle/>
+          <a:p>
+            <a:fld id="{0FADDD8A-FD4C-4C63-90D4-202AFE8080B2}" type="slidenum">
+              <a:rPr lang="ko-KR" altLang="en-US" smtClean="0"/>
+              <a:t>38</a:t>
+            </a:fld>
+            <a:endParaRPr lang="ko-KR" altLang="en-US"/>
+          </a:p>
+        </p:txBody>
+      </p:sp>
+    </p:spTree>
+    <p:extLst>
+      <p:ext uri="{BB962C8B-B14F-4D97-AF65-F5344CB8AC3E}">
+        <p14:creationId xmlns:p14="http://schemas.microsoft.com/office/powerpoint/2010/main" val="4160213863"/>
+      </p:ext>
+    </p:extLst>
+  </p:cSld>
+  <p:clrMapOvr>
+    <a:masterClrMapping/>
+  </p:clrMapOvr>
+</p:notes>
+</file>
+
 <file path=ppt/notesSlides/notesSlide4.xml><?xml version="1.0" encoding="utf-8"?>
 <p:notes xmlns:a="http://schemas.openxmlformats.org/drawingml/2006/main" xmlns:r="http://schemas.openxmlformats.org/officeDocument/2006/relationships" xmlns:p="http://schemas.openxmlformats.org/presentationml/2006/main">
   <p:cSld>
@@ -3512,7 +3767,7 @@
           <a:p>
             <a:fld id="{C25BCFD5-C4DF-4EBC-B718-C69ED2FBDE6F}" type="datetime1">
               <a:rPr lang="ko-KR" altLang="en-US" smtClean="0"/>
-              <a:t>2023-04-17</a:t>
+              <a:t>2023-04-19</a:t>
             </a:fld>
             <a:endParaRPr lang="ko-KR" altLang="en-US"/>
           </a:p>
@@ -3930,7 +4185,7 @@
           <a:p>
             <a:fld id="{AB448CD7-D367-43D5-B461-ACE552E75063}" type="datetime1">
               <a:rPr lang="ko-KR" altLang="en-US" smtClean="0"/>
-              <a:t>2023-04-17</a:t>
+              <a:t>2023-04-19</a:t>
             </a:fld>
             <a:endParaRPr lang="ko-KR" altLang="en-US"/>
           </a:p>
@@ -4110,7 +4365,7 @@
           <a:p>
             <a:fld id="{B6E49E79-7361-4780-8BEF-7EDE3708298A}" type="datetime1">
               <a:rPr lang="ko-KR" altLang="en-US" smtClean="0"/>
-              <a:t>2023-04-17</a:t>
+              <a:t>2023-04-19</a:t>
             </a:fld>
             <a:endParaRPr lang="ko-KR" altLang="en-US"/>
           </a:p>
@@ -4284,7 +4539,7 @@
           <a:p>
             <a:fld id="{A4D42E3C-B70B-437C-85CF-1286301B9CBA}" type="datetime1">
               <a:rPr lang="ko-KR" altLang="en-US" smtClean="0"/>
-              <a:t>2023-04-17</a:t>
+              <a:t>2023-04-19</a:t>
             </a:fld>
             <a:endParaRPr lang="ko-KR" altLang="en-US"/>
           </a:p>
@@ -4530,7 +4785,7 @@
           <a:p>
             <a:fld id="{B3369A20-5B3D-4D98-A822-26B93D177A40}" type="datetime1">
               <a:rPr lang="ko-KR" altLang="en-US" smtClean="0"/>
-              <a:t>2023-04-17</a:t>
+              <a:t>2023-04-19</a:t>
             </a:fld>
             <a:endParaRPr lang="ko-KR" altLang="en-US"/>
           </a:p>
@@ -4818,7 +5073,7 @@
           <a:p>
             <a:fld id="{685CD4CE-9E43-4F70-A9D8-A2130CA7D92A}" type="datetime1">
               <a:rPr lang="ko-KR" altLang="en-US" smtClean="0"/>
-              <a:t>2023-04-17</a:t>
+              <a:t>2023-04-19</a:t>
             </a:fld>
             <a:endParaRPr lang="ko-KR" altLang="en-US"/>
           </a:p>
@@ -5240,7 +5495,7 @@
           <a:p>
             <a:fld id="{F752BD92-DA3E-4A0B-90C9-7DE5E15B6E96}" type="datetime1">
               <a:rPr lang="ko-KR" altLang="en-US" smtClean="0"/>
-              <a:t>2023-04-17</a:t>
+              <a:t>2023-04-19</a:t>
             </a:fld>
             <a:endParaRPr lang="ko-KR" altLang="en-US"/>
           </a:p>
@@ -5358,7 +5613,7 @@
           <a:p>
             <a:fld id="{8EA2B83A-F366-424E-B742-340ACF856BB5}" type="datetime1">
               <a:rPr lang="ko-KR" altLang="en-US" smtClean="0"/>
-              <a:t>2023-04-17</a:t>
+              <a:t>2023-04-19</a:t>
             </a:fld>
             <a:endParaRPr lang="ko-KR" altLang="en-US"/>
           </a:p>
@@ -5453,7 +5708,7 @@
           <a:p>
             <a:fld id="{9A49D68B-5DBD-48E9-A8D4-FCBC4B3DD9C6}" type="datetime1">
               <a:rPr lang="ko-KR" altLang="en-US" smtClean="0"/>
-              <a:t>2023-04-17</a:t>
+              <a:t>2023-04-19</a:t>
             </a:fld>
             <a:endParaRPr lang="ko-KR" altLang="en-US"/>
           </a:p>
@@ -5730,7 +5985,7 @@
           <a:p>
             <a:fld id="{4CAB534F-7D16-467B-9320-91F98915D181}" type="datetime1">
               <a:rPr lang="ko-KR" altLang="en-US" smtClean="0"/>
-              <a:t>2023-04-17</a:t>
+              <a:t>2023-04-19</a:t>
             </a:fld>
             <a:endParaRPr lang="ko-KR" altLang="en-US"/>
           </a:p>
@@ -5983,7 +6238,7 @@
           <a:p>
             <a:fld id="{A390A91F-2F8D-4486-A69D-D680F95444B0}" type="datetime1">
               <a:rPr lang="ko-KR" altLang="en-US" smtClean="0"/>
-              <a:t>2023-04-17</a:t>
+              <a:t>2023-04-19</a:t>
             </a:fld>
             <a:endParaRPr lang="ko-KR" altLang="en-US"/>
           </a:p>
@@ -6163,7 +6418,7 @@
           <a:p>
             <a:fld id="{2238BBEA-E8DD-414A-BF68-FC2AFA7CFF2D}" type="datetime1">
               <a:rPr lang="ko-KR" altLang="en-US" smtClean="0"/>
-              <a:t>2023-04-17</a:t>
+              <a:t>2023-04-19</a:t>
             </a:fld>
             <a:endParaRPr lang="ko-KR" altLang="en-US"/>
           </a:p>
@@ -17960,6 +18215,737 @@
     <p:extLst>
       <p:ext uri="{BB962C8B-B14F-4D97-AF65-F5344CB8AC3E}">
         <p14:creationId xmlns:p14="http://schemas.microsoft.com/office/powerpoint/2010/main" val="3327980537"/>
+      </p:ext>
+    </p:extLst>
+  </p:cSld>
+  <p:clrMapOvr>
+    <a:masterClrMapping/>
+  </p:clrMapOvr>
+  <p:timing>
+    <p:tnLst>
+      <p:par>
+        <p:cTn id="1" dur="indefinite" restart="never" nodeType="tmRoot"/>
+      </p:par>
+    </p:tnLst>
+  </p:timing>
+</p:sld>
+</file>
+
+<file path=ppt/slides/slide36.xml><?xml version="1.0" encoding="utf-8"?>
+<p:sld xmlns:a="http://schemas.openxmlformats.org/drawingml/2006/main" xmlns:r="http://schemas.openxmlformats.org/officeDocument/2006/relationships" xmlns:p="http://schemas.openxmlformats.org/presentationml/2006/main">
+  <p:cSld>
+    <p:spTree>
+      <p:nvGrpSpPr>
+        <p:cNvPr id="1" name=""/>
+        <p:cNvGrpSpPr/>
+        <p:nvPr/>
+      </p:nvGrpSpPr>
+      <p:grpSpPr>
+        <a:xfrm>
+          <a:off x="0" y="0"/>
+          <a:ext cx="0" cy="0"/>
+          <a:chOff x="0" y="0"/>
+          <a:chExt cx="0" cy="0"/>
+        </a:xfrm>
+      </p:grpSpPr>
+      <p:sp>
+        <p:nvSpPr>
+          <p:cNvPr id="6" name="제목 5"/>
+          <p:cNvSpPr>
+            <a:spLocks noGrp="1"/>
+          </p:cNvSpPr>
+          <p:nvPr>
+            <p:ph type="title"/>
+          </p:nvPr>
+        </p:nvSpPr>
+        <p:spPr/>
+        <p:txBody>
+          <a:bodyPr/>
+          <a:lstStyle/>
+          <a:p>
+            <a:r>
+              <a:rPr lang="en-US" altLang="ko-KR" dirty="0" smtClean="0"/>
+              <a:t> </a:t>
+            </a:r>
+            <a:r>
+              <a:rPr lang="en-US" altLang="ko-KR" dirty="0" err="1" smtClean="0"/>
+              <a:t>calc</a:t>
+            </a:r>
+            <a:r>
+              <a:rPr lang="en-US" altLang="ko-KR" dirty="0" smtClean="0"/>
+              <a:t>() </a:t>
+            </a:r>
+            <a:r>
+              <a:rPr lang="ko-KR" altLang="en-US" dirty="0" smtClean="0"/>
+              <a:t>함수</a:t>
+            </a:r>
+            <a:endParaRPr lang="ko-KR" altLang="en-US" sz="2800" dirty="0"/>
+          </a:p>
+        </p:txBody>
+      </p:sp>
+      <p:sp>
+        <p:nvSpPr>
+          <p:cNvPr id="5" name="슬라이드 번호 개체 틀 4"/>
+          <p:cNvSpPr>
+            <a:spLocks noGrp="1"/>
+          </p:cNvSpPr>
+          <p:nvPr>
+            <p:ph type="sldNum" sz="quarter" idx="12"/>
+          </p:nvPr>
+        </p:nvSpPr>
+        <p:spPr/>
+        <p:txBody>
+          <a:bodyPr/>
+          <a:lstStyle/>
+          <a:p>
+            <a:fld id="{1BDE3FE7-3AEA-4B05-AC5A-802D1816ACF0}" type="slidenum">
+              <a:rPr lang="ko-KR" altLang="en-US" smtClean="0"/>
+              <a:t>36</a:t>
+            </a:fld>
+            <a:endParaRPr lang="ko-KR" altLang="en-US"/>
+          </a:p>
+        </p:txBody>
+      </p:sp>
+      <p:sp>
+        <p:nvSpPr>
+          <p:cNvPr id="24" name="내용 개체 틀 2">
+            <a:extLst>
+              <a:ext uri="{FF2B5EF4-FFF2-40B4-BE49-F238E27FC236}">
+                <a16:creationId xmlns:a16="http://schemas.microsoft.com/office/drawing/2014/main" id="{98AF3A4E-7D90-4241-89FE-799D6F9D5A94}"/>
+              </a:ext>
+            </a:extLst>
+          </p:cNvPr>
+          <p:cNvSpPr txBox="1">
+            <a:spLocks/>
+          </p:cNvSpPr>
+          <p:nvPr/>
+        </p:nvSpPr>
+        <p:spPr>
+          <a:xfrm>
+            <a:off x="848544" y="1247872"/>
+            <a:ext cx="6192688" cy="596952"/>
+          </a:xfrm>
+          <a:prstGeom prst="rect">
+            <a:avLst/>
+          </a:prstGeom>
+        </p:spPr>
+        <p:txBody>
+          <a:bodyPr/>
+          <a:lstStyle>
+            <a:lvl1pPr marL="228600" indent="-228600" algn="l" defTabSz="914400" rtl="0" eaLnBrk="1" latinLnBrk="1" hangingPunct="1">
+              <a:lnSpc>
+                <a:spcPct val="90000"/>
+              </a:lnSpc>
+              <a:spcBef>
+                <a:spcPts val="1000"/>
+              </a:spcBef>
+              <a:buFont typeface="Arial" panose="020B0604020202020204" pitchFamily="34" charset="0"/>
+              <a:buChar char="•"/>
+              <a:defRPr sz="2800" kern="1200">
+                <a:solidFill>
+                  <a:schemeClr val="tx1"/>
+                </a:solidFill>
+                <a:latin typeface="+mn-lt"/>
+                <a:ea typeface="+mn-ea"/>
+                <a:cs typeface="+mn-cs"/>
+              </a:defRPr>
+            </a:lvl1pPr>
+            <a:lvl2pPr marL="685800" indent="-228600" algn="l" defTabSz="914400" rtl="0" eaLnBrk="1" latinLnBrk="1" hangingPunct="1">
+              <a:lnSpc>
+                <a:spcPct val="90000"/>
+              </a:lnSpc>
+              <a:spcBef>
+                <a:spcPts val="500"/>
+              </a:spcBef>
+              <a:buFont typeface="Arial" panose="020B0604020202020204" pitchFamily="34" charset="0"/>
+              <a:buChar char="•"/>
+              <a:defRPr sz="2400" kern="1200">
+                <a:solidFill>
+                  <a:schemeClr val="tx1"/>
+                </a:solidFill>
+                <a:latin typeface="+mn-lt"/>
+                <a:ea typeface="+mn-ea"/>
+                <a:cs typeface="+mn-cs"/>
+              </a:defRPr>
+            </a:lvl2pPr>
+            <a:lvl3pPr marL="1143000" indent="-228600" algn="l" defTabSz="914400" rtl="0" eaLnBrk="1" latinLnBrk="1" hangingPunct="1">
+              <a:lnSpc>
+                <a:spcPct val="90000"/>
+              </a:lnSpc>
+              <a:spcBef>
+                <a:spcPts val="500"/>
+              </a:spcBef>
+              <a:buFont typeface="Arial" panose="020B0604020202020204" pitchFamily="34" charset="0"/>
+              <a:buChar char="•"/>
+              <a:defRPr sz="2000" kern="1200">
+                <a:solidFill>
+                  <a:schemeClr val="tx1"/>
+                </a:solidFill>
+                <a:latin typeface="+mn-lt"/>
+                <a:ea typeface="+mn-ea"/>
+                <a:cs typeface="+mn-cs"/>
+              </a:defRPr>
+            </a:lvl3pPr>
+            <a:lvl4pPr marL="1600200" indent="-228600" algn="l" defTabSz="914400" rtl="0" eaLnBrk="1" latinLnBrk="1" hangingPunct="1">
+              <a:lnSpc>
+                <a:spcPct val="90000"/>
+              </a:lnSpc>
+              <a:spcBef>
+                <a:spcPts val="500"/>
+              </a:spcBef>
+              <a:buFont typeface="Arial" panose="020B0604020202020204" pitchFamily="34" charset="0"/>
+              <a:buChar char="•"/>
+              <a:defRPr sz="1800" kern="1200">
+                <a:solidFill>
+                  <a:schemeClr val="tx1"/>
+                </a:solidFill>
+                <a:latin typeface="+mn-lt"/>
+                <a:ea typeface="+mn-ea"/>
+                <a:cs typeface="+mn-cs"/>
+              </a:defRPr>
+            </a:lvl4pPr>
+            <a:lvl5pPr marL="2057400" indent="-228600" algn="l" defTabSz="914400" rtl="0" eaLnBrk="1" latinLnBrk="1" hangingPunct="1">
+              <a:lnSpc>
+                <a:spcPct val="90000"/>
+              </a:lnSpc>
+              <a:spcBef>
+                <a:spcPts val="500"/>
+              </a:spcBef>
+              <a:buFont typeface="Arial" panose="020B0604020202020204" pitchFamily="34" charset="0"/>
+              <a:buChar char="•"/>
+              <a:defRPr sz="1800" kern="1200">
+                <a:solidFill>
+                  <a:schemeClr val="tx1"/>
+                </a:solidFill>
+                <a:latin typeface="+mn-lt"/>
+                <a:ea typeface="+mn-ea"/>
+                <a:cs typeface="+mn-cs"/>
+              </a:defRPr>
+            </a:lvl5pPr>
+            <a:lvl6pPr marL="2514600" indent="-228600" algn="l" defTabSz="914400" rtl="0" eaLnBrk="1" latinLnBrk="1" hangingPunct="1">
+              <a:lnSpc>
+                <a:spcPct val="90000"/>
+              </a:lnSpc>
+              <a:spcBef>
+                <a:spcPts val="500"/>
+              </a:spcBef>
+              <a:buFont typeface="Arial" panose="020B0604020202020204" pitchFamily="34" charset="0"/>
+              <a:buChar char="•"/>
+              <a:defRPr sz="1800" kern="1200">
+                <a:solidFill>
+                  <a:schemeClr val="tx1"/>
+                </a:solidFill>
+                <a:latin typeface="+mn-lt"/>
+                <a:ea typeface="+mn-ea"/>
+                <a:cs typeface="+mn-cs"/>
+              </a:defRPr>
+            </a:lvl6pPr>
+            <a:lvl7pPr marL="2971800" indent="-228600" algn="l" defTabSz="914400" rtl="0" eaLnBrk="1" latinLnBrk="1" hangingPunct="1">
+              <a:lnSpc>
+                <a:spcPct val="90000"/>
+              </a:lnSpc>
+              <a:spcBef>
+                <a:spcPts val="500"/>
+              </a:spcBef>
+              <a:buFont typeface="Arial" panose="020B0604020202020204" pitchFamily="34" charset="0"/>
+              <a:buChar char="•"/>
+              <a:defRPr sz="1800" kern="1200">
+                <a:solidFill>
+                  <a:schemeClr val="tx1"/>
+                </a:solidFill>
+                <a:latin typeface="+mn-lt"/>
+                <a:ea typeface="+mn-ea"/>
+                <a:cs typeface="+mn-cs"/>
+              </a:defRPr>
+            </a:lvl7pPr>
+            <a:lvl8pPr marL="3429000" indent="-228600" algn="l" defTabSz="914400" rtl="0" eaLnBrk="1" latinLnBrk="1" hangingPunct="1">
+              <a:lnSpc>
+                <a:spcPct val="90000"/>
+              </a:lnSpc>
+              <a:spcBef>
+                <a:spcPts val="500"/>
+              </a:spcBef>
+              <a:buFont typeface="Arial" panose="020B0604020202020204" pitchFamily="34" charset="0"/>
+              <a:buChar char="•"/>
+              <a:defRPr sz="1800" kern="1200">
+                <a:solidFill>
+                  <a:schemeClr val="tx1"/>
+                </a:solidFill>
+                <a:latin typeface="+mn-lt"/>
+                <a:ea typeface="+mn-ea"/>
+                <a:cs typeface="+mn-cs"/>
+              </a:defRPr>
+            </a:lvl8pPr>
+            <a:lvl9pPr marL="3886200" indent="-228600" algn="l" defTabSz="914400" rtl="0" eaLnBrk="1" latinLnBrk="1" hangingPunct="1">
+              <a:lnSpc>
+                <a:spcPct val="90000"/>
+              </a:lnSpc>
+              <a:spcBef>
+                <a:spcPts val="500"/>
+              </a:spcBef>
+              <a:buFont typeface="Arial" panose="020B0604020202020204" pitchFamily="34" charset="0"/>
+              <a:buChar char="•"/>
+              <a:defRPr sz="1800" kern="1200">
+                <a:solidFill>
+                  <a:schemeClr val="tx1"/>
+                </a:solidFill>
+                <a:latin typeface="+mn-lt"/>
+                <a:ea typeface="+mn-ea"/>
+                <a:cs typeface="+mn-cs"/>
+              </a:defRPr>
+            </a:lvl9pPr>
+          </a:lstStyle>
+          <a:p>
+            <a:pPr>
+              <a:lnSpc>
+                <a:spcPct val="150000"/>
+              </a:lnSpc>
+              <a:buFont typeface="Wingdings" panose="05000000000000000000" pitchFamily="2" charset="2"/>
+              <a:buChar char="§"/>
+            </a:pPr>
+            <a:r>
+              <a:rPr lang="en-US" altLang="ko-KR" sz="2000" b="1" dirty="0" smtClean="0">
+                <a:solidFill>
+                  <a:srgbClr val="002060"/>
+                </a:solidFill>
+              </a:rPr>
+              <a:t>CSS</a:t>
+            </a:r>
+            <a:r>
+              <a:rPr lang="ko-KR" altLang="en-US" sz="2000" b="1" dirty="0" smtClean="0">
+                <a:solidFill>
+                  <a:srgbClr val="002060"/>
+                </a:solidFill>
+              </a:rPr>
+              <a:t>의 </a:t>
+            </a:r>
+            <a:r>
+              <a:rPr lang="en-US" altLang="ko-KR" sz="2000" b="1" dirty="0" err="1" smtClean="0">
+                <a:solidFill>
+                  <a:srgbClr val="002060"/>
+                </a:solidFill>
+              </a:rPr>
+              <a:t>calc</a:t>
+            </a:r>
+            <a:r>
+              <a:rPr lang="en-US" altLang="ko-KR" sz="2000" b="1" dirty="0" smtClean="0">
+                <a:solidFill>
+                  <a:srgbClr val="002060"/>
+                </a:solidFill>
+              </a:rPr>
+              <a:t>() </a:t>
+            </a:r>
+            <a:r>
+              <a:rPr lang="ko-KR" altLang="en-US" sz="2000" b="1" dirty="0" smtClean="0">
+                <a:solidFill>
+                  <a:srgbClr val="002060"/>
+                </a:solidFill>
+              </a:rPr>
+              <a:t>함수</a:t>
+            </a:r>
+            <a:endParaRPr lang="en-US" altLang="ko-KR" sz="2000" b="1" dirty="0">
+              <a:solidFill>
+                <a:srgbClr val="002060"/>
+              </a:solidFill>
+            </a:endParaRPr>
+          </a:p>
+        </p:txBody>
+      </p:sp>
+      <p:sp>
+        <p:nvSpPr>
+          <p:cNvPr id="2" name="직사각형 1"/>
+          <p:cNvSpPr/>
+          <p:nvPr/>
+        </p:nvSpPr>
+        <p:spPr>
+          <a:xfrm>
+            <a:off x="1064568" y="1844824"/>
+            <a:ext cx="6552728" cy="369332"/>
+          </a:xfrm>
+          <a:prstGeom prst="rect">
+            <a:avLst/>
+          </a:prstGeom>
+        </p:spPr>
+        <p:txBody>
+          <a:bodyPr wrap="square">
+            <a:spAutoFit/>
+          </a:bodyPr>
+          <a:lstStyle/>
+          <a:p>
+            <a:r>
+              <a:rPr lang="ko-KR" altLang="en-US" dirty="0">
+                <a:solidFill>
+                  <a:srgbClr val="008000"/>
+                </a:solidFill>
+                <a:latin typeface="Consolas" panose="020B0609020204030204" pitchFamily="49" charset="0"/>
+              </a:rPr>
+              <a:t>박스는 가변적이되 마진이나 패딩은 </a:t>
+            </a:r>
+            <a:r>
+              <a:rPr lang="ko-KR" altLang="en-US" dirty="0" err="1">
+                <a:solidFill>
+                  <a:srgbClr val="008000"/>
+                </a:solidFill>
+                <a:latin typeface="Consolas" panose="020B0609020204030204" pitchFamily="49" charset="0"/>
+              </a:rPr>
+              <a:t>고정시킬때</a:t>
+            </a:r>
+            <a:r>
+              <a:rPr lang="ko-KR" altLang="en-US" dirty="0">
+                <a:solidFill>
+                  <a:srgbClr val="008000"/>
+                </a:solidFill>
+                <a:latin typeface="Consolas" panose="020B0609020204030204" pitchFamily="49" charset="0"/>
+              </a:rPr>
+              <a:t> 사용</a:t>
+            </a:r>
+            <a:r>
+              <a:rPr lang="en-US" altLang="ko-KR" dirty="0">
+                <a:solidFill>
+                  <a:srgbClr val="008000"/>
+                </a:solidFill>
+                <a:latin typeface="Consolas" panose="020B0609020204030204" pitchFamily="49" charset="0"/>
+              </a:rPr>
+              <a:t>.</a:t>
+            </a:r>
+            <a:endParaRPr lang="ko-KR" altLang="en-US" b="0" dirty="0">
+              <a:solidFill>
+                <a:srgbClr val="000000"/>
+              </a:solidFill>
+              <a:effectLst/>
+              <a:latin typeface="Consolas" panose="020B0609020204030204" pitchFamily="49" charset="0"/>
+            </a:endParaRPr>
+          </a:p>
+        </p:txBody>
+      </p:sp>
+      <p:pic>
+        <p:nvPicPr>
+          <p:cNvPr id="3" name="그림 2"/>
+          <p:cNvPicPr>
+            <a:picLocks noChangeAspect="1"/>
+          </p:cNvPicPr>
+          <p:nvPr/>
+        </p:nvPicPr>
+        <p:blipFill>
+          <a:blip r:embed="rId3">
+            <a:extLst>
+              <a:ext uri="{28A0092B-C50C-407E-A947-70E740481C1C}">
+                <a14:useLocalDpi xmlns:a14="http://schemas.microsoft.com/office/drawing/2010/main" val="0"/>
+              </a:ext>
+            </a:extLst>
+          </a:blip>
+          <a:stretch>
+            <a:fillRect/>
+          </a:stretch>
+        </p:blipFill>
+        <p:spPr>
+          <a:xfrm>
+            <a:off x="1280592" y="2492896"/>
+            <a:ext cx="5887987" cy="2592288"/>
+          </a:xfrm>
+          <a:prstGeom prst="rect">
+            <a:avLst/>
+          </a:prstGeom>
+        </p:spPr>
+      </p:pic>
+    </p:spTree>
+    <p:extLst>
+      <p:ext uri="{BB962C8B-B14F-4D97-AF65-F5344CB8AC3E}">
+        <p14:creationId xmlns:p14="http://schemas.microsoft.com/office/powerpoint/2010/main" val="3311722640"/>
+      </p:ext>
+    </p:extLst>
+  </p:cSld>
+  <p:clrMapOvr>
+    <a:masterClrMapping/>
+  </p:clrMapOvr>
+  <p:timing>
+    <p:tnLst>
+      <p:par>
+        <p:cTn id="1" dur="indefinite" restart="never" nodeType="tmRoot"/>
+      </p:par>
+    </p:tnLst>
+  </p:timing>
+</p:sld>
+</file>
+
+<file path=ppt/slides/slide37.xml><?xml version="1.0" encoding="utf-8"?>
+<p:sld xmlns:a="http://schemas.openxmlformats.org/drawingml/2006/main" xmlns:r="http://schemas.openxmlformats.org/officeDocument/2006/relationships" xmlns:p="http://schemas.openxmlformats.org/presentationml/2006/main">
+  <p:cSld>
+    <p:spTree>
+      <p:nvGrpSpPr>
+        <p:cNvPr id="1" name=""/>
+        <p:cNvGrpSpPr/>
+        <p:nvPr/>
+      </p:nvGrpSpPr>
+      <p:grpSpPr>
+        <a:xfrm>
+          <a:off x="0" y="0"/>
+          <a:ext cx="0" cy="0"/>
+          <a:chOff x="0" y="0"/>
+          <a:chExt cx="0" cy="0"/>
+        </a:xfrm>
+      </p:grpSpPr>
+      <p:sp>
+        <p:nvSpPr>
+          <p:cNvPr id="6" name="제목 5"/>
+          <p:cNvSpPr>
+            <a:spLocks noGrp="1"/>
+          </p:cNvSpPr>
+          <p:nvPr>
+            <p:ph type="title"/>
+          </p:nvPr>
+        </p:nvSpPr>
+        <p:spPr/>
+        <p:txBody>
+          <a:bodyPr/>
+          <a:lstStyle/>
+          <a:p>
+            <a:r>
+              <a:rPr lang="en-US" altLang="ko-KR" dirty="0" smtClean="0"/>
+              <a:t> </a:t>
+            </a:r>
+            <a:r>
+              <a:rPr lang="en-US" altLang="ko-KR" dirty="0" err="1" smtClean="0"/>
+              <a:t>calc</a:t>
+            </a:r>
+            <a:r>
+              <a:rPr lang="en-US" altLang="ko-KR" dirty="0" smtClean="0"/>
+              <a:t>() </a:t>
+            </a:r>
+            <a:r>
+              <a:rPr lang="ko-KR" altLang="en-US" dirty="0" smtClean="0"/>
+              <a:t>함수</a:t>
+            </a:r>
+            <a:endParaRPr lang="ko-KR" altLang="en-US" sz="2800" dirty="0"/>
+          </a:p>
+        </p:txBody>
+      </p:sp>
+      <p:sp>
+        <p:nvSpPr>
+          <p:cNvPr id="5" name="슬라이드 번호 개체 틀 4"/>
+          <p:cNvSpPr>
+            <a:spLocks noGrp="1"/>
+          </p:cNvSpPr>
+          <p:nvPr>
+            <p:ph type="sldNum" sz="quarter" idx="12"/>
+          </p:nvPr>
+        </p:nvSpPr>
+        <p:spPr/>
+        <p:txBody>
+          <a:bodyPr/>
+          <a:lstStyle/>
+          <a:p>
+            <a:fld id="{1BDE3FE7-3AEA-4B05-AC5A-802D1816ACF0}" type="slidenum">
+              <a:rPr lang="ko-KR" altLang="en-US" smtClean="0"/>
+              <a:t>37</a:t>
+            </a:fld>
+            <a:endParaRPr lang="ko-KR" altLang="en-US"/>
+          </a:p>
+        </p:txBody>
+      </p:sp>
+      <p:pic>
+        <p:nvPicPr>
+          <p:cNvPr id="4" name="그림 3"/>
+          <p:cNvPicPr>
+            <a:picLocks noChangeAspect="1"/>
+          </p:cNvPicPr>
+          <p:nvPr/>
+        </p:nvPicPr>
+        <p:blipFill>
+          <a:blip r:embed="rId3">
+            <a:extLst>
+              <a:ext uri="{28A0092B-C50C-407E-A947-70E740481C1C}">
+                <a14:useLocalDpi xmlns:a14="http://schemas.microsoft.com/office/drawing/2010/main" val="0"/>
+              </a:ext>
+            </a:extLst>
+          </a:blip>
+          <a:stretch>
+            <a:fillRect/>
+          </a:stretch>
+        </p:blipFill>
+        <p:spPr>
+          <a:xfrm>
+            <a:off x="1208584" y="1412776"/>
+            <a:ext cx="6652837" cy="4686706"/>
+          </a:xfrm>
+          <a:prstGeom prst="rect">
+            <a:avLst/>
+          </a:prstGeom>
+          <a:ln>
+            <a:solidFill>
+              <a:schemeClr val="bg1">
+                <a:lumMod val="85000"/>
+              </a:schemeClr>
+            </a:solidFill>
+          </a:ln>
+        </p:spPr>
+      </p:pic>
+    </p:spTree>
+    <p:extLst>
+      <p:ext uri="{BB962C8B-B14F-4D97-AF65-F5344CB8AC3E}">
+        <p14:creationId xmlns:p14="http://schemas.microsoft.com/office/powerpoint/2010/main" val="2547842873"/>
+      </p:ext>
+    </p:extLst>
+  </p:cSld>
+  <p:clrMapOvr>
+    <a:masterClrMapping/>
+  </p:clrMapOvr>
+  <p:timing>
+    <p:tnLst>
+      <p:par>
+        <p:cTn id="1" dur="indefinite" restart="never" nodeType="tmRoot"/>
+      </p:par>
+    </p:tnLst>
+  </p:timing>
+</p:sld>
+</file>
+
+<file path=ppt/slides/slide38.xml><?xml version="1.0" encoding="utf-8"?>
+<p:sld xmlns:a="http://schemas.openxmlformats.org/drawingml/2006/main" xmlns:r="http://schemas.openxmlformats.org/officeDocument/2006/relationships" xmlns:p="http://schemas.openxmlformats.org/presentationml/2006/main">
+  <p:cSld>
+    <p:spTree>
+      <p:nvGrpSpPr>
+        <p:cNvPr id="1" name=""/>
+        <p:cNvGrpSpPr/>
+        <p:nvPr/>
+      </p:nvGrpSpPr>
+      <p:grpSpPr>
+        <a:xfrm>
+          <a:off x="0" y="0"/>
+          <a:ext cx="0" cy="0"/>
+          <a:chOff x="0" y="0"/>
+          <a:chExt cx="0" cy="0"/>
+        </a:xfrm>
+      </p:grpSpPr>
+      <p:sp>
+        <p:nvSpPr>
+          <p:cNvPr id="6" name="제목 5"/>
+          <p:cNvSpPr>
+            <a:spLocks noGrp="1"/>
+          </p:cNvSpPr>
+          <p:nvPr>
+            <p:ph type="title"/>
+          </p:nvPr>
+        </p:nvSpPr>
+        <p:spPr/>
+        <p:txBody>
+          <a:bodyPr/>
+          <a:lstStyle/>
+          <a:p>
+            <a:r>
+              <a:rPr lang="en-US" altLang="ko-KR" dirty="0" smtClean="0"/>
+              <a:t> </a:t>
+            </a:r>
+            <a:r>
+              <a:rPr lang="en-US" altLang="ko-KR" dirty="0" err="1" smtClean="0"/>
+              <a:t>calc</a:t>
+            </a:r>
+            <a:r>
+              <a:rPr lang="en-US" altLang="ko-KR" dirty="0" smtClean="0"/>
+              <a:t>() </a:t>
+            </a:r>
+            <a:r>
+              <a:rPr lang="ko-KR" altLang="en-US" dirty="0" smtClean="0"/>
+              <a:t>함수</a:t>
+            </a:r>
+            <a:endParaRPr lang="ko-KR" altLang="en-US" sz="2800" dirty="0"/>
+          </a:p>
+        </p:txBody>
+      </p:sp>
+      <p:sp>
+        <p:nvSpPr>
+          <p:cNvPr id="5" name="슬라이드 번호 개체 틀 4"/>
+          <p:cNvSpPr>
+            <a:spLocks noGrp="1"/>
+          </p:cNvSpPr>
+          <p:nvPr>
+            <p:ph type="sldNum" sz="quarter" idx="12"/>
+          </p:nvPr>
+        </p:nvSpPr>
+        <p:spPr/>
+        <p:txBody>
+          <a:bodyPr/>
+          <a:lstStyle/>
+          <a:p>
+            <a:fld id="{1BDE3FE7-3AEA-4B05-AC5A-802D1816ACF0}" type="slidenum">
+              <a:rPr lang="ko-KR" altLang="en-US" smtClean="0"/>
+              <a:t>38</a:t>
+            </a:fld>
+            <a:endParaRPr lang="ko-KR" altLang="en-US"/>
+          </a:p>
+        </p:txBody>
+      </p:sp>
+      <p:pic>
+        <p:nvPicPr>
+          <p:cNvPr id="4" name="그림 3"/>
+          <p:cNvPicPr>
+            <a:picLocks noChangeAspect="1"/>
+          </p:cNvPicPr>
+          <p:nvPr/>
+        </p:nvPicPr>
+        <p:blipFill>
+          <a:blip r:embed="rId3">
+            <a:extLst>
+              <a:ext uri="{28A0092B-C50C-407E-A947-70E740481C1C}">
+                <a14:useLocalDpi xmlns:a14="http://schemas.microsoft.com/office/drawing/2010/main" val="0"/>
+              </a:ext>
+            </a:extLst>
+          </a:blip>
+          <a:stretch>
+            <a:fillRect/>
+          </a:stretch>
+        </p:blipFill>
+        <p:spPr>
+          <a:xfrm>
+            <a:off x="2432720" y="2606396"/>
+            <a:ext cx="5268584" cy="3498983"/>
+          </a:xfrm>
+          <a:prstGeom prst="rect">
+            <a:avLst/>
+          </a:prstGeom>
+          <a:ln>
+            <a:solidFill>
+              <a:schemeClr val="bg1">
+                <a:lumMod val="85000"/>
+              </a:schemeClr>
+            </a:solidFill>
+          </a:ln>
+        </p:spPr>
+      </p:pic>
+      <p:pic>
+        <p:nvPicPr>
+          <p:cNvPr id="7" name="그림 6"/>
+          <p:cNvPicPr>
+            <a:picLocks noChangeAspect="1"/>
+          </p:cNvPicPr>
+          <p:nvPr/>
+        </p:nvPicPr>
+        <p:blipFill>
+          <a:blip r:embed="rId4">
+            <a:extLst>
+              <a:ext uri="{28A0092B-C50C-407E-A947-70E740481C1C}">
+                <a14:useLocalDpi xmlns:a14="http://schemas.microsoft.com/office/drawing/2010/main" val="0"/>
+              </a:ext>
+            </a:extLst>
+          </a:blip>
+          <a:stretch>
+            <a:fillRect/>
+          </a:stretch>
+        </p:blipFill>
+        <p:spPr>
+          <a:xfrm>
+            <a:off x="106426" y="1668356"/>
+            <a:ext cx="9337080" cy="936805"/>
+          </a:xfrm>
+          <a:prstGeom prst="rect">
+            <a:avLst/>
+          </a:prstGeom>
+        </p:spPr>
+      </p:pic>
+    </p:spTree>
+    <p:extLst>
+      <p:ext uri="{BB962C8B-B14F-4D97-AF65-F5344CB8AC3E}">
+        <p14:creationId xmlns:p14="http://schemas.microsoft.com/office/powerpoint/2010/main" val="810429300"/>
       </p:ext>
     </p:extLst>
   </p:cSld>

--- a/html-css_ppt/12강. flex(플렉스).pptx
+++ b/html-css_ppt/12강. flex(플렉스).pptx
@@ -5,7 +5,7 @@
     <p:sldMasterId id="2147483648" r:id="rId1"/>
   </p:sldMasterIdLst>
   <p:notesMasterIdLst>
-    <p:notesMasterId r:id="rId40"/>
+    <p:notesMasterId r:id="rId44"/>
   </p:notesMasterIdLst>
   <p:sldIdLst>
     <p:sldId id="256" r:id="rId2"/>
@@ -21,31 +21,35 @@
     <p:sldId id="464" r:id="rId12"/>
     <p:sldId id="465" r:id="rId13"/>
     <p:sldId id="466" r:id="rId14"/>
-    <p:sldId id="462" r:id="rId15"/>
-    <p:sldId id="479" r:id="rId16"/>
-    <p:sldId id="480" r:id="rId17"/>
-    <p:sldId id="500" r:id="rId18"/>
-    <p:sldId id="481" r:id="rId19"/>
-    <p:sldId id="482" r:id="rId20"/>
-    <p:sldId id="483" r:id="rId21"/>
-    <p:sldId id="484" r:id="rId22"/>
-    <p:sldId id="485" r:id="rId23"/>
-    <p:sldId id="486" r:id="rId24"/>
-    <p:sldId id="487" r:id="rId25"/>
-    <p:sldId id="488" r:id="rId26"/>
-    <p:sldId id="489" r:id="rId27"/>
-    <p:sldId id="490" r:id="rId28"/>
-    <p:sldId id="491" r:id="rId29"/>
-    <p:sldId id="492" r:id="rId30"/>
-    <p:sldId id="493" r:id="rId31"/>
-    <p:sldId id="498" r:id="rId32"/>
-    <p:sldId id="495" r:id="rId33"/>
-    <p:sldId id="496" r:id="rId34"/>
-    <p:sldId id="497" r:id="rId35"/>
-    <p:sldId id="501" r:id="rId36"/>
-    <p:sldId id="502" r:id="rId37"/>
-    <p:sldId id="503" r:id="rId38"/>
-    <p:sldId id="504" r:id="rId39"/>
+    <p:sldId id="506" r:id="rId15"/>
+    <p:sldId id="462" r:id="rId16"/>
+    <p:sldId id="479" r:id="rId17"/>
+    <p:sldId id="480" r:id="rId18"/>
+    <p:sldId id="500" r:id="rId19"/>
+    <p:sldId id="481" r:id="rId20"/>
+    <p:sldId id="482" r:id="rId21"/>
+    <p:sldId id="483" r:id="rId22"/>
+    <p:sldId id="484" r:id="rId23"/>
+    <p:sldId id="485" r:id="rId24"/>
+    <p:sldId id="486" r:id="rId25"/>
+    <p:sldId id="487" r:id="rId26"/>
+    <p:sldId id="488" r:id="rId27"/>
+    <p:sldId id="489" r:id="rId28"/>
+    <p:sldId id="490" r:id="rId29"/>
+    <p:sldId id="491" r:id="rId30"/>
+    <p:sldId id="492" r:id="rId31"/>
+    <p:sldId id="493" r:id="rId32"/>
+    <p:sldId id="498" r:id="rId33"/>
+    <p:sldId id="495" r:id="rId34"/>
+    <p:sldId id="496" r:id="rId35"/>
+    <p:sldId id="497" r:id="rId36"/>
+    <p:sldId id="501" r:id="rId37"/>
+    <p:sldId id="502" r:id="rId38"/>
+    <p:sldId id="507" r:id="rId39"/>
+    <p:sldId id="505" r:id="rId40"/>
+    <p:sldId id="503" r:id="rId41"/>
+    <p:sldId id="504" r:id="rId42"/>
+    <p:sldId id="508" r:id="rId43"/>
   </p:sldIdLst>
   <p:sldSz cx="9906000" cy="6858000" type="A4"/>
   <p:notesSz cx="6858000" cy="9144000"/>
@@ -245,7 +249,7 @@
           <a:p>
             <a:fld id="{7665CDAC-D627-4E87-877A-1B781DD4CADC}" type="datetimeFigureOut">
               <a:rPr lang="ko-KR" altLang="en-US" smtClean="0"/>
-              <a:t>2023-04-19</a:t>
+              <a:t>2023-04-20</a:t>
             </a:fld>
             <a:endParaRPr lang="ko-KR" altLang="en-US"/>
           </a:p>
@@ -1007,7 +1011,7 @@
     </p:spTree>
     <p:extLst>
       <p:ext uri="{BB962C8B-B14F-4D97-AF65-F5344CB8AC3E}">
-        <p14:creationId xmlns:p14="http://schemas.microsoft.com/office/powerpoint/2010/main" val="198399458"/>
+        <p14:creationId xmlns:p14="http://schemas.microsoft.com/office/powerpoint/2010/main" val="3471090244"/>
       </p:ext>
     </p:extLst>
   </p:cSld>
@@ -1091,7 +1095,7 @@
     </p:spTree>
     <p:extLst>
       <p:ext uri="{BB962C8B-B14F-4D97-AF65-F5344CB8AC3E}">
-        <p14:creationId xmlns:p14="http://schemas.microsoft.com/office/powerpoint/2010/main" val="2195582259"/>
+        <p14:creationId xmlns:p14="http://schemas.microsoft.com/office/powerpoint/2010/main" val="198399458"/>
       </p:ext>
     </p:extLst>
   </p:cSld>
@@ -1175,7 +1179,7 @@
     </p:spTree>
     <p:extLst>
       <p:ext uri="{BB962C8B-B14F-4D97-AF65-F5344CB8AC3E}">
-        <p14:creationId xmlns:p14="http://schemas.microsoft.com/office/powerpoint/2010/main" val="750943835"/>
+        <p14:creationId xmlns:p14="http://schemas.microsoft.com/office/powerpoint/2010/main" val="2195582259"/>
       </p:ext>
     </p:extLst>
   </p:cSld>
@@ -1259,7 +1263,7 @@
     </p:spTree>
     <p:extLst>
       <p:ext uri="{BB962C8B-B14F-4D97-AF65-F5344CB8AC3E}">
-        <p14:creationId xmlns:p14="http://schemas.microsoft.com/office/powerpoint/2010/main" val="741281839"/>
+        <p14:creationId xmlns:p14="http://schemas.microsoft.com/office/powerpoint/2010/main" val="750943835"/>
       </p:ext>
     </p:extLst>
   </p:cSld>
@@ -1343,7 +1347,7 @@
     </p:spTree>
     <p:extLst>
       <p:ext uri="{BB962C8B-B14F-4D97-AF65-F5344CB8AC3E}">
-        <p14:creationId xmlns:p14="http://schemas.microsoft.com/office/powerpoint/2010/main" val="3381303709"/>
+        <p14:creationId xmlns:p14="http://schemas.microsoft.com/office/powerpoint/2010/main" val="741281839"/>
       </p:ext>
     </p:extLst>
   </p:cSld>
@@ -1427,7 +1431,7 @@
     </p:spTree>
     <p:extLst>
       <p:ext uri="{BB962C8B-B14F-4D97-AF65-F5344CB8AC3E}">
-        <p14:creationId xmlns:p14="http://schemas.microsoft.com/office/powerpoint/2010/main" val="727288578"/>
+        <p14:creationId xmlns:p14="http://schemas.microsoft.com/office/powerpoint/2010/main" val="3381303709"/>
       </p:ext>
     </p:extLst>
   </p:cSld>
@@ -1595,7 +1599,7 @@
     </p:spTree>
     <p:extLst>
       <p:ext uri="{BB962C8B-B14F-4D97-AF65-F5344CB8AC3E}">
-        <p14:creationId xmlns:p14="http://schemas.microsoft.com/office/powerpoint/2010/main" val="295971418"/>
+        <p14:creationId xmlns:p14="http://schemas.microsoft.com/office/powerpoint/2010/main" val="727288578"/>
       </p:ext>
     </p:extLst>
   </p:cSld>
@@ -1679,7 +1683,7 @@
     </p:spTree>
     <p:extLst>
       <p:ext uri="{BB962C8B-B14F-4D97-AF65-F5344CB8AC3E}">
-        <p14:creationId xmlns:p14="http://schemas.microsoft.com/office/powerpoint/2010/main" val="1293847903"/>
+        <p14:creationId xmlns:p14="http://schemas.microsoft.com/office/powerpoint/2010/main" val="295971418"/>
       </p:ext>
     </p:extLst>
   </p:cSld>
@@ -1763,7 +1767,7 @@
     </p:spTree>
     <p:extLst>
       <p:ext uri="{BB962C8B-B14F-4D97-AF65-F5344CB8AC3E}">
-        <p14:creationId xmlns:p14="http://schemas.microsoft.com/office/powerpoint/2010/main" val="652574492"/>
+        <p14:creationId xmlns:p14="http://schemas.microsoft.com/office/powerpoint/2010/main" val="1293847903"/>
       </p:ext>
     </p:extLst>
   </p:cSld>
@@ -1847,7 +1851,7 @@
     </p:spTree>
     <p:extLst>
       <p:ext uri="{BB962C8B-B14F-4D97-AF65-F5344CB8AC3E}">
-        <p14:creationId xmlns:p14="http://schemas.microsoft.com/office/powerpoint/2010/main" val="2665275740"/>
+        <p14:creationId xmlns:p14="http://schemas.microsoft.com/office/powerpoint/2010/main" val="652574492"/>
       </p:ext>
     </p:extLst>
   </p:cSld>
@@ -1931,7 +1935,7 @@
     </p:spTree>
     <p:extLst>
       <p:ext uri="{BB962C8B-B14F-4D97-AF65-F5344CB8AC3E}">
-        <p14:creationId xmlns:p14="http://schemas.microsoft.com/office/powerpoint/2010/main" val="2883171591"/>
+        <p14:creationId xmlns:p14="http://schemas.microsoft.com/office/powerpoint/2010/main" val="2665275740"/>
       </p:ext>
     </p:extLst>
   </p:cSld>
@@ -2015,7 +2019,7 @@
     </p:spTree>
     <p:extLst>
       <p:ext uri="{BB962C8B-B14F-4D97-AF65-F5344CB8AC3E}">
-        <p14:creationId xmlns:p14="http://schemas.microsoft.com/office/powerpoint/2010/main" val="3441677648"/>
+        <p14:creationId xmlns:p14="http://schemas.microsoft.com/office/powerpoint/2010/main" val="2883171591"/>
       </p:ext>
     </p:extLst>
   </p:cSld>
@@ -2099,7 +2103,7 @@
     </p:spTree>
     <p:extLst>
       <p:ext uri="{BB962C8B-B14F-4D97-AF65-F5344CB8AC3E}">
-        <p14:creationId xmlns:p14="http://schemas.microsoft.com/office/powerpoint/2010/main" val="2875278310"/>
+        <p14:creationId xmlns:p14="http://schemas.microsoft.com/office/powerpoint/2010/main" val="3441677648"/>
       </p:ext>
     </p:extLst>
   </p:cSld>
@@ -2183,7 +2187,7 @@
     </p:spTree>
     <p:extLst>
       <p:ext uri="{BB962C8B-B14F-4D97-AF65-F5344CB8AC3E}">
-        <p14:creationId xmlns:p14="http://schemas.microsoft.com/office/powerpoint/2010/main" val="467885931"/>
+        <p14:creationId xmlns:p14="http://schemas.microsoft.com/office/powerpoint/2010/main" val="2875278310"/>
       </p:ext>
     </p:extLst>
   </p:cSld>
@@ -2267,7 +2271,7 @@
     </p:spTree>
     <p:extLst>
       <p:ext uri="{BB962C8B-B14F-4D97-AF65-F5344CB8AC3E}">
-        <p14:creationId xmlns:p14="http://schemas.microsoft.com/office/powerpoint/2010/main" val="2636633509"/>
+        <p14:creationId xmlns:p14="http://schemas.microsoft.com/office/powerpoint/2010/main" val="467885931"/>
       </p:ext>
     </p:extLst>
   </p:cSld>
@@ -2351,7 +2355,7 @@
     </p:spTree>
     <p:extLst>
       <p:ext uri="{BB962C8B-B14F-4D97-AF65-F5344CB8AC3E}">
-        <p14:creationId xmlns:p14="http://schemas.microsoft.com/office/powerpoint/2010/main" val="1720107053"/>
+        <p14:creationId xmlns:p14="http://schemas.microsoft.com/office/powerpoint/2010/main" val="2636633509"/>
       </p:ext>
     </p:extLst>
   </p:cSld>
@@ -2519,7 +2523,7 @@
     </p:spTree>
     <p:extLst>
       <p:ext uri="{BB962C8B-B14F-4D97-AF65-F5344CB8AC3E}">
-        <p14:creationId xmlns:p14="http://schemas.microsoft.com/office/powerpoint/2010/main" val="2828749025"/>
+        <p14:creationId xmlns:p14="http://schemas.microsoft.com/office/powerpoint/2010/main" val="1720107053"/>
       </p:ext>
     </p:extLst>
   </p:cSld>
@@ -2603,7 +2607,7 @@
     </p:spTree>
     <p:extLst>
       <p:ext uri="{BB962C8B-B14F-4D97-AF65-F5344CB8AC3E}">
-        <p14:creationId xmlns:p14="http://schemas.microsoft.com/office/powerpoint/2010/main" val="476055742"/>
+        <p14:creationId xmlns:p14="http://schemas.microsoft.com/office/powerpoint/2010/main" val="2828749025"/>
       </p:ext>
     </p:extLst>
   </p:cSld>
@@ -2687,7 +2691,7 @@
     </p:spTree>
     <p:extLst>
       <p:ext uri="{BB962C8B-B14F-4D97-AF65-F5344CB8AC3E}">
-        <p14:creationId xmlns:p14="http://schemas.microsoft.com/office/powerpoint/2010/main" val="1847897301"/>
+        <p14:creationId xmlns:p14="http://schemas.microsoft.com/office/powerpoint/2010/main" val="476055742"/>
       </p:ext>
     </p:extLst>
   </p:cSld>
@@ -2771,7 +2775,7 @@
     </p:spTree>
     <p:extLst>
       <p:ext uri="{BB962C8B-B14F-4D97-AF65-F5344CB8AC3E}">
-        <p14:creationId xmlns:p14="http://schemas.microsoft.com/office/powerpoint/2010/main" val="808374559"/>
+        <p14:creationId xmlns:p14="http://schemas.microsoft.com/office/powerpoint/2010/main" val="1847897301"/>
       </p:ext>
     </p:extLst>
   </p:cSld>
@@ -2855,7 +2859,7 @@
     </p:spTree>
     <p:extLst>
       <p:ext uri="{BB962C8B-B14F-4D97-AF65-F5344CB8AC3E}">
-        <p14:creationId xmlns:p14="http://schemas.microsoft.com/office/powerpoint/2010/main" val="3291962782"/>
+        <p14:creationId xmlns:p14="http://schemas.microsoft.com/office/powerpoint/2010/main" val="808374559"/>
       </p:ext>
     </p:extLst>
   </p:cSld>
@@ -2939,7 +2943,7 @@
     </p:spTree>
     <p:extLst>
       <p:ext uri="{BB962C8B-B14F-4D97-AF65-F5344CB8AC3E}">
-        <p14:creationId xmlns:p14="http://schemas.microsoft.com/office/powerpoint/2010/main" val="1961141745"/>
+        <p14:creationId xmlns:p14="http://schemas.microsoft.com/office/powerpoint/2010/main" val="3291962782"/>
       </p:ext>
     </p:extLst>
   </p:cSld>
@@ -3023,7 +3027,7 @@
     </p:spTree>
     <p:extLst>
       <p:ext uri="{BB962C8B-B14F-4D97-AF65-F5344CB8AC3E}">
-        <p14:creationId xmlns:p14="http://schemas.microsoft.com/office/powerpoint/2010/main" val="998808843"/>
+        <p14:creationId xmlns:p14="http://schemas.microsoft.com/office/powerpoint/2010/main" val="1961141745"/>
       </p:ext>
     </p:extLst>
   </p:cSld>
@@ -3107,7 +3111,7 @@
     </p:spTree>
     <p:extLst>
       <p:ext uri="{BB962C8B-B14F-4D97-AF65-F5344CB8AC3E}">
-        <p14:creationId xmlns:p14="http://schemas.microsoft.com/office/powerpoint/2010/main" val="1001013612"/>
+        <p14:creationId xmlns:p14="http://schemas.microsoft.com/office/powerpoint/2010/main" val="998808843"/>
       </p:ext>
     </p:extLst>
   </p:cSld>
@@ -3191,7 +3195,91 @@
     </p:spTree>
     <p:extLst>
       <p:ext uri="{BB962C8B-B14F-4D97-AF65-F5344CB8AC3E}">
-        <p14:creationId xmlns:p14="http://schemas.microsoft.com/office/powerpoint/2010/main" val="4160213863"/>
+        <p14:creationId xmlns:p14="http://schemas.microsoft.com/office/powerpoint/2010/main" val="1982155006"/>
+      </p:ext>
+    </p:extLst>
+  </p:cSld>
+  <p:clrMapOvr>
+    <a:masterClrMapping/>
+  </p:clrMapOvr>
+</p:notes>
+</file>
+
+<file path=ppt/notesSlides/notesSlide39.xml><?xml version="1.0" encoding="utf-8"?>
+<p:notes xmlns:a="http://schemas.openxmlformats.org/drawingml/2006/main" xmlns:r="http://schemas.openxmlformats.org/officeDocument/2006/relationships" xmlns:p="http://schemas.openxmlformats.org/presentationml/2006/main">
+  <p:cSld>
+    <p:spTree>
+      <p:nvGrpSpPr>
+        <p:cNvPr id="1" name=""/>
+        <p:cNvGrpSpPr/>
+        <p:nvPr/>
+      </p:nvGrpSpPr>
+      <p:grpSpPr>
+        <a:xfrm>
+          <a:off x="0" y="0"/>
+          <a:ext cx="0" cy="0"/>
+          <a:chOff x="0" y="0"/>
+          <a:chExt cx="0" cy="0"/>
+        </a:xfrm>
+      </p:grpSpPr>
+      <p:sp>
+        <p:nvSpPr>
+          <p:cNvPr id="2" name="슬라이드 이미지 개체 틀 1"/>
+          <p:cNvSpPr>
+            <a:spLocks noGrp="1" noRot="1" noChangeAspect="1"/>
+          </p:cNvSpPr>
+          <p:nvPr>
+            <p:ph type="sldImg"/>
+          </p:nvPr>
+        </p:nvSpPr>
+        <p:spPr/>
+      </p:sp>
+      <p:sp>
+        <p:nvSpPr>
+          <p:cNvPr id="3" name="슬라이드 노트 개체 틀 2"/>
+          <p:cNvSpPr>
+            <a:spLocks noGrp="1"/>
+          </p:cNvSpPr>
+          <p:nvPr>
+            <p:ph type="body" idx="1"/>
+          </p:nvPr>
+        </p:nvSpPr>
+        <p:spPr/>
+        <p:txBody>
+          <a:bodyPr/>
+          <a:lstStyle/>
+          <a:p>
+            <a:endParaRPr lang="ko-KR" altLang="en-US" dirty="0"/>
+          </a:p>
+        </p:txBody>
+      </p:sp>
+      <p:sp>
+        <p:nvSpPr>
+          <p:cNvPr id="4" name="슬라이드 번호 개체 틀 3"/>
+          <p:cNvSpPr>
+            <a:spLocks noGrp="1"/>
+          </p:cNvSpPr>
+          <p:nvPr>
+            <p:ph type="sldNum" sz="quarter" idx="10"/>
+          </p:nvPr>
+        </p:nvSpPr>
+        <p:spPr/>
+        <p:txBody>
+          <a:bodyPr/>
+          <a:lstStyle/>
+          <a:p>
+            <a:fld id="{0FADDD8A-FD4C-4C63-90D4-202AFE8080B2}" type="slidenum">
+              <a:rPr lang="ko-KR" altLang="en-US" smtClean="0"/>
+              <a:t>39</a:t>
+            </a:fld>
+            <a:endParaRPr lang="ko-KR" altLang="en-US"/>
+          </a:p>
+        </p:txBody>
+      </p:sp>
+    </p:spTree>
+    <p:extLst>
+      <p:ext uri="{BB962C8B-B14F-4D97-AF65-F5344CB8AC3E}">
+        <p14:creationId xmlns:p14="http://schemas.microsoft.com/office/powerpoint/2010/main" val="1295693030"/>
       </p:ext>
     </p:extLst>
   </p:cSld>
@@ -3276,6 +3364,258 @@
     <p:extLst>
       <p:ext uri="{BB962C8B-B14F-4D97-AF65-F5344CB8AC3E}">
         <p14:creationId xmlns:p14="http://schemas.microsoft.com/office/powerpoint/2010/main" val="2340826736"/>
+      </p:ext>
+    </p:extLst>
+  </p:cSld>
+  <p:clrMapOvr>
+    <a:masterClrMapping/>
+  </p:clrMapOvr>
+</p:notes>
+</file>
+
+<file path=ppt/notesSlides/notesSlide40.xml><?xml version="1.0" encoding="utf-8"?>
+<p:notes xmlns:a="http://schemas.openxmlformats.org/drawingml/2006/main" xmlns:r="http://schemas.openxmlformats.org/officeDocument/2006/relationships" xmlns:p="http://schemas.openxmlformats.org/presentationml/2006/main">
+  <p:cSld>
+    <p:spTree>
+      <p:nvGrpSpPr>
+        <p:cNvPr id="1" name=""/>
+        <p:cNvGrpSpPr/>
+        <p:nvPr/>
+      </p:nvGrpSpPr>
+      <p:grpSpPr>
+        <a:xfrm>
+          <a:off x="0" y="0"/>
+          <a:ext cx="0" cy="0"/>
+          <a:chOff x="0" y="0"/>
+          <a:chExt cx="0" cy="0"/>
+        </a:xfrm>
+      </p:grpSpPr>
+      <p:sp>
+        <p:nvSpPr>
+          <p:cNvPr id="2" name="슬라이드 이미지 개체 틀 1"/>
+          <p:cNvSpPr>
+            <a:spLocks noGrp="1" noRot="1" noChangeAspect="1"/>
+          </p:cNvSpPr>
+          <p:nvPr>
+            <p:ph type="sldImg"/>
+          </p:nvPr>
+        </p:nvSpPr>
+        <p:spPr/>
+      </p:sp>
+      <p:sp>
+        <p:nvSpPr>
+          <p:cNvPr id="3" name="슬라이드 노트 개체 틀 2"/>
+          <p:cNvSpPr>
+            <a:spLocks noGrp="1"/>
+          </p:cNvSpPr>
+          <p:nvPr>
+            <p:ph type="body" idx="1"/>
+          </p:nvPr>
+        </p:nvSpPr>
+        <p:spPr/>
+        <p:txBody>
+          <a:bodyPr/>
+          <a:lstStyle/>
+          <a:p>
+            <a:endParaRPr lang="ko-KR" altLang="en-US" dirty="0"/>
+          </a:p>
+        </p:txBody>
+      </p:sp>
+      <p:sp>
+        <p:nvSpPr>
+          <p:cNvPr id="4" name="슬라이드 번호 개체 틀 3"/>
+          <p:cNvSpPr>
+            <a:spLocks noGrp="1"/>
+          </p:cNvSpPr>
+          <p:nvPr>
+            <p:ph type="sldNum" sz="quarter" idx="10"/>
+          </p:nvPr>
+        </p:nvSpPr>
+        <p:spPr/>
+        <p:txBody>
+          <a:bodyPr/>
+          <a:lstStyle/>
+          <a:p>
+            <a:fld id="{0FADDD8A-FD4C-4C63-90D4-202AFE8080B2}" type="slidenum">
+              <a:rPr lang="ko-KR" altLang="en-US" smtClean="0"/>
+              <a:t>40</a:t>
+            </a:fld>
+            <a:endParaRPr lang="ko-KR" altLang="en-US"/>
+          </a:p>
+        </p:txBody>
+      </p:sp>
+    </p:spTree>
+    <p:extLst>
+      <p:ext uri="{BB962C8B-B14F-4D97-AF65-F5344CB8AC3E}">
+        <p14:creationId xmlns:p14="http://schemas.microsoft.com/office/powerpoint/2010/main" val="1001013612"/>
+      </p:ext>
+    </p:extLst>
+  </p:cSld>
+  <p:clrMapOvr>
+    <a:masterClrMapping/>
+  </p:clrMapOvr>
+</p:notes>
+</file>
+
+<file path=ppt/notesSlides/notesSlide41.xml><?xml version="1.0" encoding="utf-8"?>
+<p:notes xmlns:a="http://schemas.openxmlformats.org/drawingml/2006/main" xmlns:r="http://schemas.openxmlformats.org/officeDocument/2006/relationships" xmlns:p="http://schemas.openxmlformats.org/presentationml/2006/main">
+  <p:cSld>
+    <p:spTree>
+      <p:nvGrpSpPr>
+        <p:cNvPr id="1" name=""/>
+        <p:cNvGrpSpPr/>
+        <p:nvPr/>
+      </p:nvGrpSpPr>
+      <p:grpSpPr>
+        <a:xfrm>
+          <a:off x="0" y="0"/>
+          <a:ext cx="0" cy="0"/>
+          <a:chOff x="0" y="0"/>
+          <a:chExt cx="0" cy="0"/>
+        </a:xfrm>
+      </p:grpSpPr>
+      <p:sp>
+        <p:nvSpPr>
+          <p:cNvPr id="2" name="슬라이드 이미지 개체 틀 1"/>
+          <p:cNvSpPr>
+            <a:spLocks noGrp="1" noRot="1" noChangeAspect="1"/>
+          </p:cNvSpPr>
+          <p:nvPr>
+            <p:ph type="sldImg"/>
+          </p:nvPr>
+        </p:nvSpPr>
+        <p:spPr/>
+      </p:sp>
+      <p:sp>
+        <p:nvSpPr>
+          <p:cNvPr id="3" name="슬라이드 노트 개체 틀 2"/>
+          <p:cNvSpPr>
+            <a:spLocks noGrp="1"/>
+          </p:cNvSpPr>
+          <p:nvPr>
+            <p:ph type="body" idx="1"/>
+          </p:nvPr>
+        </p:nvSpPr>
+        <p:spPr/>
+        <p:txBody>
+          <a:bodyPr/>
+          <a:lstStyle/>
+          <a:p>
+            <a:endParaRPr lang="ko-KR" altLang="en-US" dirty="0"/>
+          </a:p>
+        </p:txBody>
+      </p:sp>
+      <p:sp>
+        <p:nvSpPr>
+          <p:cNvPr id="4" name="슬라이드 번호 개체 틀 3"/>
+          <p:cNvSpPr>
+            <a:spLocks noGrp="1"/>
+          </p:cNvSpPr>
+          <p:nvPr>
+            <p:ph type="sldNum" sz="quarter" idx="10"/>
+          </p:nvPr>
+        </p:nvSpPr>
+        <p:spPr/>
+        <p:txBody>
+          <a:bodyPr/>
+          <a:lstStyle/>
+          <a:p>
+            <a:fld id="{0FADDD8A-FD4C-4C63-90D4-202AFE8080B2}" type="slidenum">
+              <a:rPr lang="ko-KR" altLang="en-US" smtClean="0"/>
+              <a:t>41</a:t>
+            </a:fld>
+            <a:endParaRPr lang="ko-KR" altLang="en-US"/>
+          </a:p>
+        </p:txBody>
+      </p:sp>
+    </p:spTree>
+    <p:extLst>
+      <p:ext uri="{BB962C8B-B14F-4D97-AF65-F5344CB8AC3E}">
+        <p14:creationId xmlns:p14="http://schemas.microsoft.com/office/powerpoint/2010/main" val="4160213863"/>
+      </p:ext>
+    </p:extLst>
+  </p:cSld>
+  <p:clrMapOvr>
+    <a:masterClrMapping/>
+  </p:clrMapOvr>
+</p:notes>
+</file>
+
+<file path=ppt/notesSlides/notesSlide42.xml><?xml version="1.0" encoding="utf-8"?>
+<p:notes xmlns:a="http://schemas.openxmlformats.org/drawingml/2006/main" xmlns:r="http://schemas.openxmlformats.org/officeDocument/2006/relationships" xmlns:p="http://schemas.openxmlformats.org/presentationml/2006/main">
+  <p:cSld>
+    <p:spTree>
+      <p:nvGrpSpPr>
+        <p:cNvPr id="1" name=""/>
+        <p:cNvGrpSpPr/>
+        <p:nvPr/>
+      </p:nvGrpSpPr>
+      <p:grpSpPr>
+        <a:xfrm>
+          <a:off x="0" y="0"/>
+          <a:ext cx="0" cy="0"/>
+          <a:chOff x="0" y="0"/>
+          <a:chExt cx="0" cy="0"/>
+        </a:xfrm>
+      </p:grpSpPr>
+      <p:sp>
+        <p:nvSpPr>
+          <p:cNvPr id="2" name="슬라이드 이미지 개체 틀 1"/>
+          <p:cNvSpPr>
+            <a:spLocks noGrp="1" noRot="1" noChangeAspect="1"/>
+          </p:cNvSpPr>
+          <p:nvPr>
+            <p:ph type="sldImg"/>
+          </p:nvPr>
+        </p:nvSpPr>
+        <p:spPr/>
+      </p:sp>
+      <p:sp>
+        <p:nvSpPr>
+          <p:cNvPr id="3" name="슬라이드 노트 개체 틀 2"/>
+          <p:cNvSpPr>
+            <a:spLocks noGrp="1"/>
+          </p:cNvSpPr>
+          <p:nvPr>
+            <p:ph type="body" idx="1"/>
+          </p:nvPr>
+        </p:nvSpPr>
+        <p:spPr/>
+        <p:txBody>
+          <a:bodyPr/>
+          <a:lstStyle/>
+          <a:p>
+            <a:endParaRPr lang="ko-KR" altLang="en-US" dirty="0"/>
+          </a:p>
+        </p:txBody>
+      </p:sp>
+      <p:sp>
+        <p:nvSpPr>
+          <p:cNvPr id="4" name="슬라이드 번호 개체 틀 3"/>
+          <p:cNvSpPr>
+            <a:spLocks noGrp="1"/>
+          </p:cNvSpPr>
+          <p:nvPr>
+            <p:ph type="sldNum" sz="quarter" idx="10"/>
+          </p:nvPr>
+        </p:nvSpPr>
+        <p:spPr/>
+        <p:txBody>
+          <a:bodyPr/>
+          <a:lstStyle/>
+          <a:p>
+            <a:fld id="{0FADDD8A-FD4C-4C63-90D4-202AFE8080B2}" type="slidenum">
+              <a:rPr lang="ko-KR" altLang="en-US" smtClean="0"/>
+              <a:t>42</a:t>
+            </a:fld>
+            <a:endParaRPr lang="ko-KR" altLang="en-US"/>
+          </a:p>
+        </p:txBody>
+      </p:sp>
+    </p:spTree>
+    <p:extLst>
+      <p:ext uri="{BB962C8B-B14F-4D97-AF65-F5344CB8AC3E}">
+        <p14:creationId xmlns:p14="http://schemas.microsoft.com/office/powerpoint/2010/main" val="2535606871"/>
       </p:ext>
     </p:extLst>
   </p:cSld>
@@ -3767,7 +4107,7 @@
           <a:p>
             <a:fld id="{C25BCFD5-C4DF-4EBC-B718-C69ED2FBDE6F}" type="datetime1">
               <a:rPr lang="ko-KR" altLang="en-US" smtClean="0"/>
-              <a:t>2023-04-19</a:t>
+              <a:t>2023-04-20</a:t>
             </a:fld>
             <a:endParaRPr lang="ko-KR" altLang="en-US"/>
           </a:p>
@@ -4185,7 +4525,7 @@
           <a:p>
             <a:fld id="{AB448CD7-D367-43D5-B461-ACE552E75063}" type="datetime1">
               <a:rPr lang="ko-KR" altLang="en-US" smtClean="0"/>
-              <a:t>2023-04-19</a:t>
+              <a:t>2023-04-20</a:t>
             </a:fld>
             <a:endParaRPr lang="ko-KR" altLang="en-US"/>
           </a:p>
@@ -4365,7 +4705,7 @@
           <a:p>
             <a:fld id="{B6E49E79-7361-4780-8BEF-7EDE3708298A}" type="datetime1">
               <a:rPr lang="ko-KR" altLang="en-US" smtClean="0"/>
-              <a:t>2023-04-19</a:t>
+              <a:t>2023-04-20</a:t>
             </a:fld>
             <a:endParaRPr lang="ko-KR" altLang="en-US"/>
           </a:p>
@@ -4539,7 +4879,7 @@
           <a:p>
             <a:fld id="{A4D42E3C-B70B-437C-85CF-1286301B9CBA}" type="datetime1">
               <a:rPr lang="ko-KR" altLang="en-US" smtClean="0"/>
-              <a:t>2023-04-19</a:t>
+              <a:t>2023-04-20</a:t>
             </a:fld>
             <a:endParaRPr lang="ko-KR" altLang="en-US"/>
           </a:p>
@@ -4785,7 +5125,7 @@
           <a:p>
             <a:fld id="{B3369A20-5B3D-4D98-A822-26B93D177A40}" type="datetime1">
               <a:rPr lang="ko-KR" altLang="en-US" smtClean="0"/>
-              <a:t>2023-04-19</a:t>
+              <a:t>2023-04-20</a:t>
             </a:fld>
             <a:endParaRPr lang="ko-KR" altLang="en-US"/>
           </a:p>
@@ -5073,7 +5413,7 @@
           <a:p>
             <a:fld id="{685CD4CE-9E43-4F70-A9D8-A2130CA7D92A}" type="datetime1">
               <a:rPr lang="ko-KR" altLang="en-US" smtClean="0"/>
-              <a:t>2023-04-19</a:t>
+              <a:t>2023-04-20</a:t>
             </a:fld>
             <a:endParaRPr lang="ko-KR" altLang="en-US"/>
           </a:p>
@@ -5495,7 +5835,7 @@
           <a:p>
             <a:fld id="{F752BD92-DA3E-4A0B-90C9-7DE5E15B6E96}" type="datetime1">
               <a:rPr lang="ko-KR" altLang="en-US" smtClean="0"/>
-              <a:t>2023-04-19</a:t>
+              <a:t>2023-04-20</a:t>
             </a:fld>
             <a:endParaRPr lang="ko-KR" altLang="en-US"/>
           </a:p>
@@ -5613,7 +5953,7 @@
           <a:p>
             <a:fld id="{8EA2B83A-F366-424E-B742-340ACF856BB5}" type="datetime1">
               <a:rPr lang="ko-KR" altLang="en-US" smtClean="0"/>
-              <a:t>2023-04-19</a:t>
+              <a:t>2023-04-20</a:t>
             </a:fld>
             <a:endParaRPr lang="ko-KR" altLang="en-US"/>
           </a:p>
@@ -5708,7 +6048,7 @@
           <a:p>
             <a:fld id="{9A49D68B-5DBD-48E9-A8D4-FCBC4B3DD9C6}" type="datetime1">
               <a:rPr lang="ko-KR" altLang="en-US" smtClean="0"/>
-              <a:t>2023-04-19</a:t>
+              <a:t>2023-04-20</a:t>
             </a:fld>
             <a:endParaRPr lang="ko-KR" altLang="en-US"/>
           </a:p>
@@ -5985,7 +6325,7 @@
           <a:p>
             <a:fld id="{4CAB534F-7D16-467B-9320-91F98915D181}" type="datetime1">
               <a:rPr lang="ko-KR" altLang="en-US" smtClean="0"/>
-              <a:t>2023-04-19</a:t>
+              <a:t>2023-04-20</a:t>
             </a:fld>
             <a:endParaRPr lang="ko-KR" altLang="en-US"/>
           </a:p>
@@ -6238,7 +6578,7 @@
           <a:p>
             <a:fld id="{A390A91F-2F8D-4486-A69D-D680F95444B0}" type="datetime1">
               <a:rPr lang="ko-KR" altLang="en-US" smtClean="0"/>
-              <a:t>2023-04-19</a:t>
+              <a:t>2023-04-20</a:t>
             </a:fld>
             <a:endParaRPr lang="ko-KR" altLang="en-US"/>
           </a:p>
@@ -6418,7 +6758,7 @@
           <a:p>
             <a:fld id="{2238BBEA-E8DD-414A-BF68-FC2AFA7CFF2D}" type="datetime1">
               <a:rPr lang="ko-KR" altLang="en-US" smtClean="0"/>
-              <a:t>2023-04-19</a:t>
+              <a:t>2023-04-20</a:t>
             </a:fld>
             <a:endParaRPr lang="ko-KR" altLang="en-US"/>
           </a:p>
@@ -9136,6 +9476,381 @@
         </p:nvSpPr>
         <p:spPr>
           <a:xfrm>
+            <a:off x="910922" y="1245051"/>
+            <a:ext cx="7426454" cy="596952"/>
+          </a:xfrm>
+          <a:prstGeom prst="rect">
+            <a:avLst/>
+          </a:prstGeom>
+        </p:spPr>
+        <p:txBody>
+          <a:bodyPr/>
+          <a:lstStyle>
+            <a:lvl1pPr marL="228600" indent="-228600" algn="l" defTabSz="914400" rtl="0" eaLnBrk="1" latinLnBrk="1" hangingPunct="1">
+              <a:lnSpc>
+                <a:spcPct val="90000"/>
+              </a:lnSpc>
+              <a:spcBef>
+                <a:spcPts val="1000"/>
+              </a:spcBef>
+              <a:buFont typeface="Arial" panose="020B0604020202020204" pitchFamily="34" charset="0"/>
+              <a:buChar char="•"/>
+              <a:defRPr sz="2800" kern="1200">
+                <a:solidFill>
+                  <a:schemeClr val="tx1"/>
+                </a:solidFill>
+                <a:latin typeface="+mn-lt"/>
+                <a:ea typeface="+mn-ea"/>
+                <a:cs typeface="+mn-cs"/>
+              </a:defRPr>
+            </a:lvl1pPr>
+            <a:lvl2pPr marL="685800" indent="-228600" algn="l" defTabSz="914400" rtl="0" eaLnBrk="1" latinLnBrk="1" hangingPunct="1">
+              <a:lnSpc>
+                <a:spcPct val="90000"/>
+              </a:lnSpc>
+              <a:spcBef>
+                <a:spcPts val="500"/>
+              </a:spcBef>
+              <a:buFont typeface="Arial" panose="020B0604020202020204" pitchFamily="34" charset="0"/>
+              <a:buChar char="•"/>
+              <a:defRPr sz="2400" kern="1200">
+                <a:solidFill>
+                  <a:schemeClr val="tx1"/>
+                </a:solidFill>
+                <a:latin typeface="+mn-lt"/>
+                <a:ea typeface="+mn-ea"/>
+                <a:cs typeface="+mn-cs"/>
+              </a:defRPr>
+            </a:lvl2pPr>
+            <a:lvl3pPr marL="1143000" indent="-228600" algn="l" defTabSz="914400" rtl="0" eaLnBrk="1" latinLnBrk="1" hangingPunct="1">
+              <a:lnSpc>
+                <a:spcPct val="90000"/>
+              </a:lnSpc>
+              <a:spcBef>
+                <a:spcPts val="500"/>
+              </a:spcBef>
+              <a:buFont typeface="Arial" panose="020B0604020202020204" pitchFamily="34" charset="0"/>
+              <a:buChar char="•"/>
+              <a:defRPr sz="2000" kern="1200">
+                <a:solidFill>
+                  <a:schemeClr val="tx1"/>
+                </a:solidFill>
+                <a:latin typeface="+mn-lt"/>
+                <a:ea typeface="+mn-ea"/>
+                <a:cs typeface="+mn-cs"/>
+              </a:defRPr>
+            </a:lvl3pPr>
+            <a:lvl4pPr marL="1600200" indent="-228600" algn="l" defTabSz="914400" rtl="0" eaLnBrk="1" latinLnBrk="1" hangingPunct="1">
+              <a:lnSpc>
+                <a:spcPct val="90000"/>
+              </a:lnSpc>
+              <a:spcBef>
+                <a:spcPts val="500"/>
+              </a:spcBef>
+              <a:buFont typeface="Arial" panose="020B0604020202020204" pitchFamily="34" charset="0"/>
+              <a:buChar char="•"/>
+              <a:defRPr sz="1800" kern="1200">
+                <a:solidFill>
+                  <a:schemeClr val="tx1"/>
+                </a:solidFill>
+                <a:latin typeface="+mn-lt"/>
+                <a:ea typeface="+mn-ea"/>
+                <a:cs typeface="+mn-cs"/>
+              </a:defRPr>
+            </a:lvl4pPr>
+            <a:lvl5pPr marL="2057400" indent="-228600" algn="l" defTabSz="914400" rtl="0" eaLnBrk="1" latinLnBrk="1" hangingPunct="1">
+              <a:lnSpc>
+                <a:spcPct val="90000"/>
+              </a:lnSpc>
+              <a:spcBef>
+                <a:spcPts val="500"/>
+              </a:spcBef>
+              <a:buFont typeface="Arial" panose="020B0604020202020204" pitchFamily="34" charset="0"/>
+              <a:buChar char="•"/>
+              <a:defRPr sz="1800" kern="1200">
+                <a:solidFill>
+                  <a:schemeClr val="tx1"/>
+                </a:solidFill>
+                <a:latin typeface="+mn-lt"/>
+                <a:ea typeface="+mn-ea"/>
+                <a:cs typeface="+mn-cs"/>
+              </a:defRPr>
+            </a:lvl5pPr>
+            <a:lvl6pPr marL="2514600" indent="-228600" algn="l" defTabSz="914400" rtl="0" eaLnBrk="1" latinLnBrk="1" hangingPunct="1">
+              <a:lnSpc>
+                <a:spcPct val="90000"/>
+              </a:lnSpc>
+              <a:spcBef>
+                <a:spcPts val="500"/>
+              </a:spcBef>
+              <a:buFont typeface="Arial" panose="020B0604020202020204" pitchFamily="34" charset="0"/>
+              <a:buChar char="•"/>
+              <a:defRPr sz="1800" kern="1200">
+                <a:solidFill>
+                  <a:schemeClr val="tx1"/>
+                </a:solidFill>
+                <a:latin typeface="+mn-lt"/>
+                <a:ea typeface="+mn-ea"/>
+                <a:cs typeface="+mn-cs"/>
+              </a:defRPr>
+            </a:lvl6pPr>
+            <a:lvl7pPr marL="2971800" indent="-228600" algn="l" defTabSz="914400" rtl="0" eaLnBrk="1" latinLnBrk="1" hangingPunct="1">
+              <a:lnSpc>
+                <a:spcPct val="90000"/>
+              </a:lnSpc>
+              <a:spcBef>
+                <a:spcPts val="500"/>
+              </a:spcBef>
+              <a:buFont typeface="Arial" panose="020B0604020202020204" pitchFamily="34" charset="0"/>
+              <a:buChar char="•"/>
+              <a:defRPr sz="1800" kern="1200">
+                <a:solidFill>
+                  <a:schemeClr val="tx1"/>
+                </a:solidFill>
+                <a:latin typeface="+mn-lt"/>
+                <a:ea typeface="+mn-ea"/>
+                <a:cs typeface="+mn-cs"/>
+              </a:defRPr>
+            </a:lvl7pPr>
+            <a:lvl8pPr marL="3429000" indent="-228600" algn="l" defTabSz="914400" rtl="0" eaLnBrk="1" latinLnBrk="1" hangingPunct="1">
+              <a:lnSpc>
+                <a:spcPct val="90000"/>
+              </a:lnSpc>
+              <a:spcBef>
+                <a:spcPts val="500"/>
+              </a:spcBef>
+              <a:buFont typeface="Arial" panose="020B0604020202020204" pitchFamily="34" charset="0"/>
+              <a:buChar char="•"/>
+              <a:defRPr sz="1800" kern="1200">
+                <a:solidFill>
+                  <a:schemeClr val="tx1"/>
+                </a:solidFill>
+                <a:latin typeface="+mn-lt"/>
+                <a:ea typeface="+mn-ea"/>
+                <a:cs typeface="+mn-cs"/>
+              </a:defRPr>
+            </a:lvl8pPr>
+            <a:lvl9pPr marL="3886200" indent="-228600" algn="l" defTabSz="914400" rtl="0" eaLnBrk="1" latinLnBrk="1" hangingPunct="1">
+              <a:lnSpc>
+                <a:spcPct val="90000"/>
+              </a:lnSpc>
+              <a:spcBef>
+                <a:spcPts val="500"/>
+              </a:spcBef>
+              <a:buFont typeface="Arial" panose="020B0604020202020204" pitchFamily="34" charset="0"/>
+              <a:buChar char="•"/>
+              <a:defRPr sz="1800" kern="1200">
+                <a:solidFill>
+                  <a:schemeClr val="tx1"/>
+                </a:solidFill>
+                <a:latin typeface="+mn-lt"/>
+                <a:ea typeface="+mn-ea"/>
+                <a:cs typeface="+mn-cs"/>
+              </a:defRPr>
+            </a:lvl9pPr>
+          </a:lstStyle>
+          <a:p>
+            <a:pPr>
+              <a:lnSpc>
+                <a:spcPct val="150000"/>
+              </a:lnSpc>
+              <a:buFont typeface="Wingdings" panose="05000000000000000000" pitchFamily="2" charset="2"/>
+              <a:buChar char="§"/>
+            </a:pPr>
+            <a:r>
+              <a:rPr lang="ko-KR" altLang="en-US" sz="2000" b="1" dirty="0" smtClean="0"/>
+              <a:t>가변 크기 </a:t>
+            </a:r>
+            <a:r>
+              <a:rPr lang="en-US" altLang="ko-KR" sz="2000" b="1" dirty="0" smtClean="0"/>
+              <a:t>– </a:t>
+            </a:r>
+            <a:r>
+              <a:rPr lang="ko-KR" altLang="en-US" sz="2000" b="1" dirty="0" smtClean="0"/>
+              <a:t>가변 패딩</a:t>
+            </a:r>
+            <a:endParaRPr lang="en-US" altLang="ko-KR" sz="2000" b="1" dirty="0"/>
+          </a:p>
+        </p:txBody>
+      </p:sp>
+      <p:pic>
+        <p:nvPicPr>
+          <p:cNvPr id="2" name="그림 1"/>
+          <p:cNvPicPr>
+            <a:picLocks noChangeAspect="1"/>
+          </p:cNvPicPr>
+          <p:nvPr/>
+        </p:nvPicPr>
+        <p:blipFill>
+          <a:blip r:embed="rId3">
+            <a:extLst>
+              <a:ext uri="{28A0092B-C50C-407E-A947-70E740481C1C}">
+                <a14:useLocalDpi xmlns:a14="http://schemas.microsoft.com/office/drawing/2010/main" val="0"/>
+              </a:ext>
+            </a:extLst>
+          </a:blip>
+          <a:stretch>
+            <a:fillRect/>
+          </a:stretch>
+        </p:blipFill>
+        <p:spPr>
+          <a:xfrm>
+            <a:off x="776536" y="1916832"/>
+            <a:ext cx="3528392" cy="3544854"/>
+          </a:xfrm>
+          <a:prstGeom prst="rect">
+            <a:avLst/>
+          </a:prstGeom>
+        </p:spPr>
+      </p:pic>
+      <p:pic>
+        <p:nvPicPr>
+          <p:cNvPr id="3" name="그림 2"/>
+          <p:cNvPicPr>
+            <a:picLocks noChangeAspect="1"/>
+          </p:cNvPicPr>
+          <p:nvPr/>
+        </p:nvPicPr>
+        <p:blipFill>
+          <a:blip r:embed="rId4">
+            <a:extLst>
+              <a:ext uri="{28A0092B-C50C-407E-A947-70E740481C1C}">
+                <a14:useLocalDpi xmlns:a14="http://schemas.microsoft.com/office/drawing/2010/main" val="0"/>
+              </a:ext>
+            </a:extLst>
+          </a:blip>
+          <a:stretch>
+            <a:fillRect/>
+          </a:stretch>
+        </p:blipFill>
+        <p:spPr>
+          <a:xfrm>
+            <a:off x="4681992" y="1273910"/>
+            <a:ext cx="3672408" cy="5449177"/>
+          </a:xfrm>
+          <a:prstGeom prst="rect">
+            <a:avLst/>
+          </a:prstGeom>
+          <a:ln>
+            <a:solidFill>
+              <a:schemeClr val="bg1">
+                <a:lumMod val="75000"/>
+              </a:schemeClr>
+            </a:solidFill>
+          </a:ln>
+        </p:spPr>
+      </p:pic>
+    </p:spTree>
+    <p:extLst>
+      <p:ext uri="{BB962C8B-B14F-4D97-AF65-F5344CB8AC3E}">
+        <p14:creationId xmlns:p14="http://schemas.microsoft.com/office/powerpoint/2010/main" val="2164019525"/>
+      </p:ext>
+    </p:extLst>
+  </p:cSld>
+  <p:clrMapOvr>
+    <a:masterClrMapping/>
+  </p:clrMapOvr>
+  <p:timing>
+    <p:tnLst>
+      <p:par>
+        <p:cTn id="1" dur="indefinite" restart="never" nodeType="tmRoot"/>
+      </p:par>
+    </p:tnLst>
+  </p:timing>
+</p:sld>
+</file>
+
+<file path=ppt/slides/slide15.xml><?xml version="1.0" encoding="utf-8"?>
+<p:sld xmlns:a="http://schemas.openxmlformats.org/drawingml/2006/main" xmlns:r="http://schemas.openxmlformats.org/officeDocument/2006/relationships" xmlns:p="http://schemas.openxmlformats.org/presentationml/2006/main">
+  <p:cSld>
+    <p:spTree>
+      <p:nvGrpSpPr>
+        <p:cNvPr id="1" name=""/>
+        <p:cNvGrpSpPr/>
+        <p:nvPr/>
+      </p:nvGrpSpPr>
+      <p:grpSpPr>
+        <a:xfrm>
+          <a:off x="0" y="0"/>
+          <a:ext cx="0" cy="0"/>
+          <a:chOff x="0" y="0"/>
+          <a:chExt cx="0" cy="0"/>
+        </a:xfrm>
+      </p:grpSpPr>
+      <p:sp>
+        <p:nvSpPr>
+          <p:cNvPr id="6" name="제목 5"/>
+          <p:cNvSpPr>
+            <a:spLocks noGrp="1"/>
+          </p:cNvSpPr>
+          <p:nvPr>
+            <p:ph type="title"/>
+          </p:nvPr>
+        </p:nvSpPr>
+        <p:spPr/>
+        <p:txBody>
+          <a:bodyPr/>
+          <a:lstStyle/>
+          <a:p>
+            <a:r>
+              <a:rPr lang="en-US" altLang="ko-KR" dirty="0" smtClean="0"/>
+              <a:t> </a:t>
+            </a:r>
+            <a:r>
+              <a:rPr lang="ko-KR" altLang="en-US" dirty="0" err="1" smtClean="0"/>
+              <a:t>그리드</a:t>
+            </a:r>
+            <a:r>
+              <a:rPr lang="ko-KR" altLang="en-US" dirty="0" smtClean="0"/>
+              <a:t> 레이아웃 </a:t>
+            </a:r>
+            <a:r>
+              <a:rPr lang="en-US" altLang="ko-KR" dirty="0" smtClean="0"/>
+              <a:t>- flex</a:t>
+            </a:r>
+            <a:endParaRPr lang="ko-KR" altLang="en-US" dirty="0"/>
+          </a:p>
+        </p:txBody>
+      </p:sp>
+      <p:sp>
+        <p:nvSpPr>
+          <p:cNvPr id="5" name="슬라이드 번호 개체 틀 4"/>
+          <p:cNvSpPr>
+            <a:spLocks noGrp="1"/>
+          </p:cNvSpPr>
+          <p:nvPr>
+            <p:ph type="sldNum" sz="quarter" idx="12"/>
+          </p:nvPr>
+        </p:nvSpPr>
+        <p:spPr/>
+        <p:txBody>
+          <a:bodyPr/>
+          <a:lstStyle/>
+          <a:p>
+            <a:fld id="{1BDE3FE7-3AEA-4B05-AC5A-802D1816ACF0}" type="slidenum">
+              <a:rPr lang="ko-KR" altLang="en-US" smtClean="0"/>
+              <a:t>15</a:t>
+            </a:fld>
+            <a:endParaRPr lang="ko-KR" altLang="en-US"/>
+          </a:p>
+        </p:txBody>
+      </p:sp>
+      <p:sp>
+        <p:nvSpPr>
+          <p:cNvPr id="13" name="내용 개체 틀 2">
+            <a:extLst>
+              <a:ext uri="{FF2B5EF4-FFF2-40B4-BE49-F238E27FC236}">
+                <a16:creationId xmlns:a16="http://schemas.microsoft.com/office/drawing/2014/main" id="{98AF3A4E-7D90-4241-89FE-799D6F9D5A94}"/>
+              </a:ext>
+            </a:extLst>
+          </p:cNvPr>
+          <p:cNvSpPr txBox="1">
+            <a:spLocks/>
+          </p:cNvSpPr>
+          <p:nvPr/>
+        </p:nvSpPr>
+        <p:spPr>
+          <a:xfrm>
             <a:off x="910923" y="1245051"/>
             <a:ext cx="3672408" cy="596952"/>
           </a:xfrm>
@@ -9391,7 +10106,7 @@
 </p:sld>
 </file>
 
-<file path=ppt/slides/slide15.xml><?xml version="1.0" encoding="utf-8"?>
+<file path=ppt/slides/slide16.xml><?xml version="1.0" encoding="utf-8"?>
 <p:sld xmlns:a="http://schemas.openxmlformats.org/drawingml/2006/main" xmlns:r="http://schemas.openxmlformats.org/officeDocument/2006/relationships" xmlns:p="http://schemas.openxmlformats.org/presentationml/2006/main">
   <p:cSld>
     <p:spTree>
@@ -9425,7 +10140,7 @@
           <a:p>
             <a:fld id="{1BDE3FE7-3AEA-4B05-AC5A-802D1816ACF0}" type="slidenum">
               <a:rPr lang="ko-KR" altLang="en-US" smtClean="0"/>
-              <a:t>15</a:t>
+              <a:t>16</a:t>
             </a:fld>
             <a:endParaRPr lang="ko-KR" altLang="en-US"/>
           </a:p>
@@ -9808,7 +10523,7 @@
 </p:sld>
 </file>
 
-<file path=ppt/slides/slide16.xml><?xml version="1.0" encoding="utf-8"?>
+<file path=ppt/slides/slide17.xml><?xml version="1.0" encoding="utf-8"?>
 <p:sld xmlns:a="http://schemas.openxmlformats.org/drawingml/2006/main" xmlns:r="http://schemas.openxmlformats.org/officeDocument/2006/relationships" xmlns:p="http://schemas.openxmlformats.org/presentationml/2006/main">
   <p:cSld>
     <p:spTree>
@@ -9842,7 +10557,7 @@
           <a:p>
             <a:fld id="{1BDE3FE7-3AEA-4B05-AC5A-802D1816ACF0}" type="slidenum">
               <a:rPr lang="ko-KR" altLang="en-US" smtClean="0"/>
-              <a:t>16</a:t>
+              <a:t>17</a:t>
             </a:fld>
             <a:endParaRPr lang="ko-KR" altLang="en-US"/>
           </a:p>
@@ -10265,7 +10980,7 @@
 </p:sld>
 </file>
 
-<file path=ppt/slides/slide17.xml><?xml version="1.0" encoding="utf-8"?>
+<file path=ppt/slides/slide18.xml><?xml version="1.0" encoding="utf-8"?>
 <p:sld xmlns:a="http://schemas.openxmlformats.org/drawingml/2006/main" xmlns:r="http://schemas.openxmlformats.org/officeDocument/2006/relationships" xmlns:p="http://schemas.openxmlformats.org/presentationml/2006/main">
   <p:cSld>
     <p:spTree>
@@ -10299,7 +11014,7 @@
           <a:p>
             <a:fld id="{1BDE3FE7-3AEA-4B05-AC5A-802D1816ACF0}" type="slidenum">
               <a:rPr lang="ko-KR" altLang="en-US" smtClean="0"/>
-              <a:t>17</a:t>
+              <a:t>18</a:t>
             </a:fld>
             <a:endParaRPr lang="ko-KR" altLang="en-US"/>
           </a:p>
@@ -10402,7 +11117,7 @@
 </p:sld>
 </file>
 
-<file path=ppt/slides/slide18.xml><?xml version="1.0" encoding="utf-8"?>
+<file path=ppt/slides/slide19.xml><?xml version="1.0" encoding="utf-8"?>
 <p:sld xmlns:a="http://schemas.openxmlformats.org/drawingml/2006/main" xmlns:r="http://schemas.openxmlformats.org/officeDocument/2006/relationships" xmlns:p="http://schemas.openxmlformats.org/presentationml/2006/main">
   <p:cSld>
     <p:spTree>
@@ -10436,7 +11151,7 @@
           <a:p>
             <a:fld id="{1BDE3FE7-3AEA-4B05-AC5A-802D1816ACF0}" type="slidenum">
               <a:rPr lang="ko-KR" altLang="en-US" smtClean="0"/>
-              <a:t>18</a:t>
+              <a:t>19</a:t>
             </a:fld>
             <a:endParaRPr lang="ko-KR" altLang="en-US"/>
           </a:p>
@@ -10817,7 +11532,7 @@
 </p:sld>
 </file>
 
-<file path=ppt/slides/slide19.xml><?xml version="1.0" encoding="utf-8"?>
+<file path=ppt/slides/slide2.xml><?xml version="1.0" encoding="utf-8"?>
 <p:sld xmlns:a="http://schemas.openxmlformats.org/drawingml/2006/main" xmlns:r="http://schemas.openxmlformats.org/officeDocument/2006/relationships" xmlns:p="http://schemas.openxmlformats.org/presentationml/2006/main">
   <p:cSld>
     <p:spTree>
@@ -10854,6 +11569,851 @@
               <a:t> </a:t>
             </a:r>
             <a:r>
+              <a:rPr lang="ko-KR" altLang="en-US" dirty="0" err="1" smtClean="0"/>
+              <a:t>그리드</a:t>
+            </a:r>
+            <a:r>
+              <a:rPr lang="ko-KR" altLang="en-US" dirty="0" smtClean="0"/>
+              <a:t> 레이아웃</a:t>
+            </a:r>
+            <a:endParaRPr lang="ko-KR" altLang="en-US" dirty="0"/>
+          </a:p>
+        </p:txBody>
+      </p:sp>
+      <p:sp>
+        <p:nvSpPr>
+          <p:cNvPr id="5" name="슬라이드 번호 개체 틀 4"/>
+          <p:cNvSpPr>
+            <a:spLocks noGrp="1"/>
+          </p:cNvSpPr>
+          <p:nvPr>
+            <p:ph type="sldNum" sz="quarter" idx="12"/>
+          </p:nvPr>
+        </p:nvSpPr>
+        <p:spPr/>
+        <p:txBody>
+          <a:bodyPr/>
+          <a:lstStyle/>
+          <a:p>
+            <a:fld id="{1BDE3FE7-3AEA-4B05-AC5A-802D1816ACF0}" type="slidenum">
+              <a:rPr lang="ko-KR" altLang="en-US" smtClean="0"/>
+              <a:t>2</a:t>
+            </a:fld>
+            <a:endParaRPr lang="ko-KR" altLang="en-US"/>
+          </a:p>
+        </p:txBody>
+      </p:sp>
+      <p:sp>
+        <p:nvSpPr>
+          <p:cNvPr id="13" name="내용 개체 틀 2">
+            <a:extLst>
+              <a:ext uri="{FF2B5EF4-FFF2-40B4-BE49-F238E27FC236}">
+                <a16:creationId xmlns:a16="http://schemas.microsoft.com/office/drawing/2014/main" id="{98AF3A4E-7D90-4241-89FE-799D6F9D5A94}"/>
+              </a:ext>
+            </a:extLst>
+          </p:cNvPr>
+          <p:cNvSpPr txBox="1">
+            <a:spLocks/>
+          </p:cNvSpPr>
+          <p:nvPr/>
+        </p:nvSpPr>
+        <p:spPr>
+          <a:xfrm>
+            <a:off x="848544" y="1245050"/>
+            <a:ext cx="6264696" cy="455758"/>
+          </a:xfrm>
+          <a:prstGeom prst="rect">
+            <a:avLst/>
+          </a:prstGeom>
+        </p:spPr>
+        <p:txBody>
+          <a:bodyPr/>
+          <a:lstStyle>
+            <a:lvl1pPr marL="228600" indent="-228600" algn="l" defTabSz="914400" rtl="0" eaLnBrk="1" latinLnBrk="1" hangingPunct="1">
+              <a:lnSpc>
+                <a:spcPct val="90000"/>
+              </a:lnSpc>
+              <a:spcBef>
+                <a:spcPts val="1000"/>
+              </a:spcBef>
+              <a:buFont typeface="Arial" panose="020B0604020202020204" pitchFamily="34" charset="0"/>
+              <a:buChar char="•"/>
+              <a:defRPr sz="2800" kern="1200">
+                <a:solidFill>
+                  <a:schemeClr val="tx1"/>
+                </a:solidFill>
+                <a:latin typeface="+mn-lt"/>
+                <a:ea typeface="+mn-ea"/>
+                <a:cs typeface="+mn-cs"/>
+              </a:defRPr>
+            </a:lvl1pPr>
+            <a:lvl2pPr marL="685800" indent="-228600" algn="l" defTabSz="914400" rtl="0" eaLnBrk="1" latinLnBrk="1" hangingPunct="1">
+              <a:lnSpc>
+                <a:spcPct val="90000"/>
+              </a:lnSpc>
+              <a:spcBef>
+                <a:spcPts val="500"/>
+              </a:spcBef>
+              <a:buFont typeface="Arial" panose="020B0604020202020204" pitchFamily="34" charset="0"/>
+              <a:buChar char="•"/>
+              <a:defRPr sz="2400" kern="1200">
+                <a:solidFill>
+                  <a:schemeClr val="tx1"/>
+                </a:solidFill>
+                <a:latin typeface="+mn-lt"/>
+                <a:ea typeface="+mn-ea"/>
+                <a:cs typeface="+mn-cs"/>
+              </a:defRPr>
+            </a:lvl2pPr>
+            <a:lvl3pPr marL="1143000" indent="-228600" algn="l" defTabSz="914400" rtl="0" eaLnBrk="1" latinLnBrk="1" hangingPunct="1">
+              <a:lnSpc>
+                <a:spcPct val="90000"/>
+              </a:lnSpc>
+              <a:spcBef>
+                <a:spcPts val="500"/>
+              </a:spcBef>
+              <a:buFont typeface="Arial" panose="020B0604020202020204" pitchFamily="34" charset="0"/>
+              <a:buChar char="•"/>
+              <a:defRPr sz="2000" kern="1200">
+                <a:solidFill>
+                  <a:schemeClr val="tx1"/>
+                </a:solidFill>
+                <a:latin typeface="+mn-lt"/>
+                <a:ea typeface="+mn-ea"/>
+                <a:cs typeface="+mn-cs"/>
+              </a:defRPr>
+            </a:lvl3pPr>
+            <a:lvl4pPr marL="1600200" indent="-228600" algn="l" defTabSz="914400" rtl="0" eaLnBrk="1" latinLnBrk="1" hangingPunct="1">
+              <a:lnSpc>
+                <a:spcPct val="90000"/>
+              </a:lnSpc>
+              <a:spcBef>
+                <a:spcPts val="500"/>
+              </a:spcBef>
+              <a:buFont typeface="Arial" panose="020B0604020202020204" pitchFamily="34" charset="0"/>
+              <a:buChar char="•"/>
+              <a:defRPr sz="1800" kern="1200">
+                <a:solidFill>
+                  <a:schemeClr val="tx1"/>
+                </a:solidFill>
+                <a:latin typeface="+mn-lt"/>
+                <a:ea typeface="+mn-ea"/>
+                <a:cs typeface="+mn-cs"/>
+              </a:defRPr>
+            </a:lvl4pPr>
+            <a:lvl5pPr marL="2057400" indent="-228600" algn="l" defTabSz="914400" rtl="0" eaLnBrk="1" latinLnBrk="1" hangingPunct="1">
+              <a:lnSpc>
+                <a:spcPct val="90000"/>
+              </a:lnSpc>
+              <a:spcBef>
+                <a:spcPts val="500"/>
+              </a:spcBef>
+              <a:buFont typeface="Arial" panose="020B0604020202020204" pitchFamily="34" charset="0"/>
+              <a:buChar char="•"/>
+              <a:defRPr sz="1800" kern="1200">
+                <a:solidFill>
+                  <a:schemeClr val="tx1"/>
+                </a:solidFill>
+                <a:latin typeface="+mn-lt"/>
+                <a:ea typeface="+mn-ea"/>
+                <a:cs typeface="+mn-cs"/>
+              </a:defRPr>
+            </a:lvl5pPr>
+            <a:lvl6pPr marL="2514600" indent="-228600" algn="l" defTabSz="914400" rtl="0" eaLnBrk="1" latinLnBrk="1" hangingPunct="1">
+              <a:lnSpc>
+                <a:spcPct val="90000"/>
+              </a:lnSpc>
+              <a:spcBef>
+                <a:spcPts val="500"/>
+              </a:spcBef>
+              <a:buFont typeface="Arial" panose="020B0604020202020204" pitchFamily="34" charset="0"/>
+              <a:buChar char="•"/>
+              <a:defRPr sz="1800" kern="1200">
+                <a:solidFill>
+                  <a:schemeClr val="tx1"/>
+                </a:solidFill>
+                <a:latin typeface="+mn-lt"/>
+                <a:ea typeface="+mn-ea"/>
+                <a:cs typeface="+mn-cs"/>
+              </a:defRPr>
+            </a:lvl6pPr>
+            <a:lvl7pPr marL="2971800" indent="-228600" algn="l" defTabSz="914400" rtl="0" eaLnBrk="1" latinLnBrk="1" hangingPunct="1">
+              <a:lnSpc>
+                <a:spcPct val="90000"/>
+              </a:lnSpc>
+              <a:spcBef>
+                <a:spcPts val="500"/>
+              </a:spcBef>
+              <a:buFont typeface="Arial" panose="020B0604020202020204" pitchFamily="34" charset="0"/>
+              <a:buChar char="•"/>
+              <a:defRPr sz="1800" kern="1200">
+                <a:solidFill>
+                  <a:schemeClr val="tx1"/>
+                </a:solidFill>
+                <a:latin typeface="+mn-lt"/>
+                <a:ea typeface="+mn-ea"/>
+                <a:cs typeface="+mn-cs"/>
+              </a:defRPr>
+            </a:lvl7pPr>
+            <a:lvl8pPr marL="3429000" indent="-228600" algn="l" defTabSz="914400" rtl="0" eaLnBrk="1" latinLnBrk="1" hangingPunct="1">
+              <a:lnSpc>
+                <a:spcPct val="90000"/>
+              </a:lnSpc>
+              <a:spcBef>
+                <a:spcPts val="500"/>
+              </a:spcBef>
+              <a:buFont typeface="Arial" panose="020B0604020202020204" pitchFamily="34" charset="0"/>
+              <a:buChar char="•"/>
+              <a:defRPr sz="1800" kern="1200">
+                <a:solidFill>
+                  <a:schemeClr val="tx1"/>
+                </a:solidFill>
+                <a:latin typeface="+mn-lt"/>
+                <a:ea typeface="+mn-ea"/>
+                <a:cs typeface="+mn-cs"/>
+              </a:defRPr>
+            </a:lvl8pPr>
+            <a:lvl9pPr marL="3886200" indent="-228600" algn="l" defTabSz="914400" rtl="0" eaLnBrk="1" latinLnBrk="1" hangingPunct="1">
+              <a:lnSpc>
+                <a:spcPct val="90000"/>
+              </a:lnSpc>
+              <a:spcBef>
+                <a:spcPts val="500"/>
+              </a:spcBef>
+              <a:buFont typeface="Arial" panose="020B0604020202020204" pitchFamily="34" charset="0"/>
+              <a:buChar char="•"/>
+              <a:defRPr sz="1800" kern="1200">
+                <a:solidFill>
+                  <a:schemeClr val="tx1"/>
+                </a:solidFill>
+                <a:latin typeface="+mn-lt"/>
+                <a:ea typeface="+mn-ea"/>
+                <a:cs typeface="+mn-cs"/>
+              </a:defRPr>
+            </a:lvl9pPr>
+          </a:lstStyle>
+          <a:p>
+            <a:pPr>
+              <a:lnSpc>
+                <a:spcPct val="100000"/>
+              </a:lnSpc>
+              <a:buFont typeface="Wingdings" panose="05000000000000000000" pitchFamily="2" charset="2"/>
+              <a:buChar char="§"/>
+            </a:pPr>
+            <a:r>
+              <a:rPr lang="ko-KR" altLang="en-US" sz="2000" b="1" dirty="0" err="1" smtClean="0">
+                <a:solidFill>
+                  <a:srgbClr val="C00000"/>
+                </a:solidFill>
+              </a:rPr>
+              <a:t>그리</a:t>
+            </a:r>
+            <a:r>
+              <a:rPr lang="ko-KR" altLang="en-US" sz="2000" b="1" dirty="0" err="1">
+                <a:solidFill>
+                  <a:srgbClr val="C00000"/>
+                </a:solidFill>
+              </a:rPr>
+              <a:t>드</a:t>
+            </a:r>
+            <a:r>
+              <a:rPr lang="ko-KR" altLang="en-US" sz="2000" b="1" dirty="0" smtClean="0">
+                <a:solidFill>
+                  <a:srgbClr val="C00000"/>
+                </a:solidFill>
+              </a:rPr>
+              <a:t> 레이아웃</a:t>
+            </a:r>
+            <a:r>
+              <a:rPr lang="en-US" altLang="ko-KR" sz="2000" b="1" dirty="0" smtClean="0">
+                <a:solidFill>
+                  <a:srgbClr val="C00000"/>
+                </a:solidFill>
+              </a:rPr>
+              <a:t>(Grid Layout)</a:t>
+            </a:r>
+            <a:endParaRPr lang="en-US" altLang="ko-KR" sz="2000" b="1" dirty="0">
+              <a:solidFill>
+                <a:srgbClr val="C00000"/>
+              </a:solidFill>
+            </a:endParaRPr>
+          </a:p>
+        </p:txBody>
+      </p:sp>
+      <p:sp>
+        <p:nvSpPr>
+          <p:cNvPr id="3" name="직사각형 2"/>
+          <p:cNvSpPr/>
+          <p:nvPr/>
+        </p:nvSpPr>
+        <p:spPr>
+          <a:xfrm>
+            <a:off x="1136576" y="1691223"/>
+            <a:ext cx="8064896" cy="1246495"/>
+          </a:xfrm>
+          <a:prstGeom prst="rect">
+            <a:avLst/>
+          </a:prstGeom>
+        </p:spPr>
+        <p:txBody>
+          <a:bodyPr wrap="square">
+            <a:spAutoFit/>
+          </a:bodyPr>
+          <a:lstStyle/>
+          <a:p>
+            <a:pPr marL="285750" indent="-285750">
+              <a:lnSpc>
+                <a:spcPct val="150000"/>
+              </a:lnSpc>
+              <a:buFontTx/>
+              <a:buChar char="-"/>
+            </a:pPr>
+            <a:r>
+              <a:rPr lang="ko-KR" altLang="en-US" sz="1600" dirty="0" err="1" smtClean="0"/>
+              <a:t>반응형</a:t>
+            </a:r>
+            <a:r>
+              <a:rPr lang="ko-KR" altLang="en-US" sz="1600" dirty="0" smtClean="0"/>
+              <a:t> 웹 디자인에서 웹 문서 요소를 배치하는 기준</a:t>
+            </a:r>
+            <a:endParaRPr lang="en-US" altLang="ko-KR" sz="1600" dirty="0" smtClean="0"/>
+          </a:p>
+          <a:p>
+            <a:pPr marL="285750" indent="-285750">
+              <a:lnSpc>
+                <a:spcPct val="150000"/>
+              </a:lnSpc>
+              <a:buFontTx/>
+              <a:buChar char="-"/>
+            </a:pPr>
+            <a:r>
+              <a:rPr lang="ko-KR" altLang="en-US" sz="1600" dirty="0" smtClean="0"/>
+              <a:t>웹 사이트 화면을 여러 개의 칼럼</a:t>
+            </a:r>
+            <a:r>
+              <a:rPr lang="en-US" altLang="ko-KR" sz="1600" dirty="0" smtClean="0"/>
+              <a:t>(column)</a:t>
+            </a:r>
+            <a:r>
+              <a:rPr lang="ko-KR" altLang="en-US" sz="1600" dirty="0" smtClean="0"/>
+              <a:t>으로 나눈 후 웹 요소를 배치</a:t>
+            </a:r>
+            <a:endParaRPr lang="en-US" altLang="ko-KR" sz="1600" dirty="0" smtClean="0"/>
+          </a:p>
+          <a:p>
+            <a:pPr marL="285750" indent="-285750">
+              <a:lnSpc>
+                <a:spcPct val="150000"/>
+              </a:lnSpc>
+              <a:buFontTx/>
+              <a:buChar char="-"/>
+            </a:pPr>
+            <a:r>
+              <a:rPr lang="ko-KR" altLang="en-US" sz="1600" dirty="0" smtClean="0"/>
+              <a:t>화면을 규칙적으로 배열하므로 레이아웃을 일관성 있게 유지</a:t>
+            </a:r>
+            <a:endParaRPr lang="ko-KR" altLang="en-US" sz="1600" dirty="0"/>
+          </a:p>
+        </p:txBody>
+      </p:sp>
+      <p:sp>
+        <p:nvSpPr>
+          <p:cNvPr id="10" name="모서리가 둥근 직사각형 9"/>
+          <p:cNvSpPr/>
+          <p:nvPr/>
+        </p:nvSpPr>
+        <p:spPr>
+          <a:xfrm>
+            <a:off x="2144688" y="5145115"/>
+            <a:ext cx="1368152" cy="360040"/>
+          </a:xfrm>
+          <a:prstGeom prst="roundRect">
+            <a:avLst/>
+          </a:prstGeom>
+          <a:noFill/>
+          <a:ln w="28575"/>
+        </p:spPr>
+        <p:style>
+          <a:lnRef idx="2">
+            <a:schemeClr val="accent1">
+              <a:shade val="50000"/>
+            </a:schemeClr>
+          </a:lnRef>
+          <a:fillRef idx="1">
+            <a:schemeClr val="accent1"/>
+          </a:fillRef>
+          <a:effectRef idx="0">
+            <a:schemeClr val="accent1"/>
+          </a:effectRef>
+          <a:fontRef idx="minor">
+            <a:schemeClr val="lt1"/>
+          </a:fontRef>
+        </p:style>
+        <p:txBody>
+          <a:bodyPr rtlCol="0" anchor="ctr"/>
+          <a:lstStyle/>
+          <a:p>
+            <a:pPr algn="ctr"/>
+            <a:endParaRPr lang="ko-KR" altLang="en-US"/>
+          </a:p>
+        </p:txBody>
+      </p:sp>
+      <p:sp>
+        <p:nvSpPr>
+          <p:cNvPr id="16" name="모서리가 둥근 직사각형 15"/>
+          <p:cNvSpPr/>
+          <p:nvPr/>
+        </p:nvSpPr>
+        <p:spPr>
+          <a:xfrm>
+            <a:off x="3584848" y="5145115"/>
+            <a:ext cx="1368152" cy="360040"/>
+          </a:xfrm>
+          <a:prstGeom prst="roundRect">
+            <a:avLst/>
+          </a:prstGeom>
+          <a:noFill/>
+          <a:ln w="28575"/>
+        </p:spPr>
+        <p:style>
+          <a:lnRef idx="2">
+            <a:schemeClr val="accent1">
+              <a:shade val="50000"/>
+            </a:schemeClr>
+          </a:lnRef>
+          <a:fillRef idx="1">
+            <a:schemeClr val="accent1"/>
+          </a:fillRef>
+          <a:effectRef idx="0">
+            <a:schemeClr val="accent1"/>
+          </a:effectRef>
+          <a:fontRef idx="minor">
+            <a:schemeClr val="lt1"/>
+          </a:fontRef>
+        </p:style>
+        <p:txBody>
+          <a:bodyPr rtlCol="0" anchor="ctr"/>
+          <a:lstStyle/>
+          <a:p>
+            <a:pPr algn="ctr"/>
+            <a:endParaRPr lang="ko-KR" altLang="en-US"/>
+          </a:p>
+        </p:txBody>
+      </p:sp>
+      <p:sp>
+        <p:nvSpPr>
+          <p:cNvPr id="17" name="모서리가 둥근 직사각형 16"/>
+          <p:cNvSpPr/>
+          <p:nvPr/>
+        </p:nvSpPr>
+        <p:spPr>
+          <a:xfrm>
+            <a:off x="5025008" y="5145115"/>
+            <a:ext cx="1368152" cy="360040"/>
+          </a:xfrm>
+          <a:prstGeom prst="roundRect">
+            <a:avLst/>
+          </a:prstGeom>
+          <a:noFill/>
+          <a:ln w="28575"/>
+        </p:spPr>
+        <p:style>
+          <a:lnRef idx="2">
+            <a:schemeClr val="accent1">
+              <a:shade val="50000"/>
+            </a:schemeClr>
+          </a:lnRef>
+          <a:fillRef idx="1">
+            <a:schemeClr val="accent1"/>
+          </a:fillRef>
+          <a:effectRef idx="0">
+            <a:schemeClr val="accent1"/>
+          </a:effectRef>
+          <a:fontRef idx="minor">
+            <a:schemeClr val="lt1"/>
+          </a:fontRef>
+        </p:style>
+        <p:txBody>
+          <a:bodyPr rtlCol="0" anchor="ctr"/>
+          <a:lstStyle/>
+          <a:p>
+            <a:pPr algn="ctr"/>
+            <a:endParaRPr lang="ko-KR" altLang="en-US"/>
+          </a:p>
+        </p:txBody>
+      </p:sp>
+      <p:sp>
+        <p:nvSpPr>
+          <p:cNvPr id="25" name="모서리가 둥근 직사각형 24"/>
+          <p:cNvSpPr/>
+          <p:nvPr/>
+        </p:nvSpPr>
+        <p:spPr>
+          <a:xfrm>
+            <a:off x="3008784" y="5589240"/>
+            <a:ext cx="792088" cy="360040"/>
+          </a:xfrm>
+          <a:prstGeom prst="roundRect">
+            <a:avLst/>
+          </a:prstGeom>
+          <a:noFill/>
+          <a:ln w="28575"/>
+        </p:spPr>
+        <p:style>
+          <a:lnRef idx="2">
+            <a:schemeClr val="accent1">
+              <a:shade val="50000"/>
+            </a:schemeClr>
+          </a:lnRef>
+          <a:fillRef idx="1">
+            <a:schemeClr val="accent1"/>
+          </a:fillRef>
+          <a:effectRef idx="0">
+            <a:schemeClr val="accent1"/>
+          </a:effectRef>
+          <a:fontRef idx="minor">
+            <a:schemeClr val="lt1"/>
+          </a:fontRef>
+        </p:style>
+        <p:txBody>
+          <a:bodyPr rtlCol="0" anchor="ctr"/>
+          <a:lstStyle/>
+          <a:p>
+            <a:pPr algn="ctr"/>
+            <a:endParaRPr lang="ko-KR" altLang="en-US"/>
+          </a:p>
+        </p:txBody>
+      </p:sp>
+      <p:sp>
+        <p:nvSpPr>
+          <p:cNvPr id="26" name="모서리가 둥근 직사각형 25"/>
+          <p:cNvSpPr/>
+          <p:nvPr/>
+        </p:nvSpPr>
+        <p:spPr>
+          <a:xfrm>
+            <a:off x="3872880" y="5589240"/>
+            <a:ext cx="792088" cy="360040"/>
+          </a:xfrm>
+          <a:prstGeom prst="roundRect">
+            <a:avLst/>
+          </a:prstGeom>
+          <a:noFill/>
+          <a:ln w="28575"/>
+        </p:spPr>
+        <p:style>
+          <a:lnRef idx="2">
+            <a:schemeClr val="accent1">
+              <a:shade val="50000"/>
+            </a:schemeClr>
+          </a:lnRef>
+          <a:fillRef idx="1">
+            <a:schemeClr val="accent1"/>
+          </a:fillRef>
+          <a:effectRef idx="0">
+            <a:schemeClr val="accent1"/>
+          </a:effectRef>
+          <a:fontRef idx="minor">
+            <a:schemeClr val="lt1"/>
+          </a:fontRef>
+        </p:style>
+        <p:txBody>
+          <a:bodyPr rtlCol="0" anchor="ctr"/>
+          <a:lstStyle/>
+          <a:p>
+            <a:pPr algn="ctr"/>
+            <a:endParaRPr lang="ko-KR" altLang="en-US"/>
+          </a:p>
+        </p:txBody>
+      </p:sp>
+      <p:sp>
+        <p:nvSpPr>
+          <p:cNvPr id="27" name="모서리가 둥근 직사각형 26"/>
+          <p:cNvSpPr/>
+          <p:nvPr/>
+        </p:nvSpPr>
+        <p:spPr>
+          <a:xfrm>
+            <a:off x="4736976" y="5589240"/>
+            <a:ext cx="792088" cy="360040"/>
+          </a:xfrm>
+          <a:prstGeom prst="roundRect">
+            <a:avLst/>
+          </a:prstGeom>
+          <a:noFill/>
+          <a:ln w="28575"/>
+        </p:spPr>
+        <p:style>
+          <a:lnRef idx="2">
+            <a:schemeClr val="accent1">
+              <a:shade val="50000"/>
+            </a:schemeClr>
+          </a:lnRef>
+          <a:fillRef idx="1">
+            <a:schemeClr val="accent1"/>
+          </a:fillRef>
+          <a:effectRef idx="0">
+            <a:schemeClr val="accent1"/>
+          </a:effectRef>
+          <a:fontRef idx="minor">
+            <a:schemeClr val="lt1"/>
+          </a:fontRef>
+        </p:style>
+        <p:txBody>
+          <a:bodyPr rtlCol="0" anchor="ctr"/>
+          <a:lstStyle/>
+          <a:p>
+            <a:pPr algn="ctr"/>
+            <a:endParaRPr lang="ko-KR" altLang="en-US"/>
+          </a:p>
+        </p:txBody>
+      </p:sp>
+      <p:sp>
+        <p:nvSpPr>
+          <p:cNvPr id="28" name="모서리가 둥근 직사각형 27"/>
+          <p:cNvSpPr/>
+          <p:nvPr/>
+        </p:nvSpPr>
+        <p:spPr>
+          <a:xfrm>
+            <a:off x="5601072" y="5589240"/>
+            <a:ext cx="792088" cy="360040"/>
+          </a:xfrm>
+          <a:prstGeom prst="roundRect">
+            <a:avLst/>
+          </a:prstGeom>
+          <a:noFill/>
+          <a:ln w="28575"/>
+        </p:spPr>
+        <p:style>
+          <a:lnRef idx="2">
+            <a:schemeClr val="accent1">
+              <a:shade val="50000"/>
+            </a:schemeClr>
+          </a:lnRef>
+          <a:fillRef idx="1">
+            <a:schemeClr val="accent1"/>
+          </a:fillRef>
+          <a:effectRef idx="0">
+            <a:schemeClr val="accent1"/>
+          </a:effectRef>
+          <a:fontRef idx="minor">
+            <a:schemeClr val="lt1"/>
+          </a:fontRef>
+        </p:style>
+        <p:txBody>
+          <a:bodyPr rtlCol="0" anchor="ctr"/>
+          <a:lstStyle/>
+          <a:p>
+            <a:pPr algn="ctr"/>
+            <a:endParaRPr lang="ko-KR" altLang="en-US"/>
+          </a:p>
+        </p:txBody>
+      </p:sp>
+      <p:sp>
+        <p:nvSpPr>
+          <p:cNvPr id="29" name="TextBox 28"/>
+          <p:cNvSpPr txBox="1"/>
+          <p:nvPr/>
+        </p:nvSpPr>
+        <p:spPr>
+          <a:xfrm>
+            <a:off x="2000672" y="3068960"/>
+            <a:ext cx="4536504" cy="2031325"/>
+          </a:xfrm>
+          <a:prstGeom prst="rect">
+            <a:avLst/>
+          </a:prstGeom>
+          <a:noFill/>
+        </p:spPr>
+        <p:txBody>
+          <a:bodyPr wrap="square" rtlCol="0">
+            <a:spAutoFit/>
+          </a:bodyPr>
+          <a:lstStyle/>
+          <a:p>
+            <a:pPr>
+              <a:lnSpc>
+                <a:spcPct val="150000"/>
+              </a:lnSpc>
+            </a:pPr>
+            <a:r>
+              <a:rPr lang="ko-KR" altLang="en-US" dirty="0" smtClean="0"/>
+              <a:t>▶ </a:t>
+            </a:r>
+            <a:r>
+              <a:rPr lang="ko-KR" altLang="en-US" dirty="0" err="1" smtClean="0"/>
+              <a:t>플렉스</a:t>
+            </a:r>
+            <a:r>
+              <a:rPr lang="ko-KR" altLang="en-US" dirty="0" smtClean="0"/>
+              <a:t> 박스 레이아웃</a:t>
+            </a:r>
+            <a:endParaRPr lang="en-US" altLang="ko-KR" dirty="0" smtClean="0"/>
+          </a:p>
+          <a:p>
+            <a:pPr>
+              <a:lnSpc>
+                <a:spcPct val="150000"/>
+              </a:lnSpc>
+            </a:pPr>
+            <a:r>
+              <a:rPr lang="en-US" altLang="ko-KR" dirty="0" smtClean="0"/>
+              <a:t> </a:t>
+            </a:r>
+            <a:r>
+              <a:rPr lang="en-US" altLang="ko-KR" sz="1600" dirty="0" smtClean="0"/>
+              <a:t>- </a:t>
+            </a:r>
+            <a:r>
+              <a:rPr lang="ko-KR" altLang="en-US" sz="1600" dirty="0" smtClean="0"/>
+              <a:t>수평이나 수직 방향 중 하나를 주축으로 정하</a:t>
+            </a:r>
+            <a:endParaRPr lang="en-US" altLang="ko-KR" sz="1600" dirty="0" smtClean="0"/>
+          </a:p>
+          <a:p>
+            <a:pPr>
+              <a:lnSpc>
+                <a:spcPct val="150000"/>
+              </a:lnSpc>
+            </a:pPr>
+            <a:r>
+              <a:rPr lang="en-US" altLang="ko-KR" sz="1600" dirty="0"/>
+              <a:t> </a:t>
+            </a:r>
+            <a:r>
+              <a:rPr lang="en-US" altLang="ko-KR" sz="1600" dirty="0" smtClean="0"/>
+              <a:t>   </a:t>
+            </a:r>
+            <a:r>
+              <a:rPr lang="ko-KR" altLang="en-US" sz="1600" dirty="0" smtClean="0"/>
+              <a:t>고 박스를 배치</a:t>
+            </a:r>
+            <a:endParaRPr lang="en-US" altLang="ko-KR" sz="1600" dirty="0" smtClean="0"/>
+          </a:p>
+          <a:p>
+            <a:pPr marL="285750" indent="-285750">
+              <a:lnSpc>
+                <a:spcPct val="150000"/>
+              </a:lnSpc>
+              <a:buFontTx/>
+              <a:buChar char="-"/>
+            </a:pPr>
+            <a:r>
+              <a:rPr lang="ko-KR" altLang="en-US" sz="1600" dirty="0" smtClean="0"/>
+              <a:t>여유 공간이 생길 경우 너비나 높이를 적절하게 늘리거나 줄일 수</a:t>
+            </a:r>
+            <a:r>
+              <a:rPr lang="en-US" altLang="ko-KR" sz="1600" dirty="0"/>
+              <a:t> </a:t>
+            </a:r>
+            <a:r>
+              <a:rPr lang="ko-KR" altLang="en-US" sz="1600" dirty="0" smtClean="0"/>
+              <a:t>있음</a:t>
+            </a:r>
+            <a:endParaRPr lang="ko-KR" altLang="en-US" sz="1600" dirty="0"/>
+          </a:p>
+        </p:txBody>
+      </p:sp>
+      <p:sp>
+        <p:nvSpPr>
+          <p:cNvPr id="36" name="모서리가 둥근 직사각형 35"/>
+          <p:cNvSpPr/>
+          <p:nvPr/>
+        </p:nvSpPr>
+        <p:spPr>
+          <a:xfrm>
+            <a:off x="2144688" y="5589240"/>
+            <a:ext cx="792088" cy="360040"/>
+          </a:xfrm>
+          <a:prstGeom prst="roundRect">
+            <a:avLst/>
+          </a:prstGeom>
+          <a:noFill/>
+          <a:ln w="28575"/>
+        </p:spPr>
+        <p:style>
+          <a:lnRef idx="2">
+            <a:schemeClr val="accent1">
+              <a:shade val="50000"/>
+            </a:schemeClr>
+          </a:lnRef>
+          <a:fillRef idx="1">
+            <a:schemeClr val="accent1"/>
+          </a:fillRef>
+          <a:effectRef idx="0">
+            <a:schemeClr val="accent1"/>
+          </a:effectRef>
+          <a:fontRef idx="minor">
+            <a:schemeClr val="lt1"/>
+          </a:fontRef>
+        </p:style>
+        <p:txBody>
+          <a:bodyPr rtlCol="0" anchor="ctr"/>
+          <a:lstStyle/>
+          <a:p>
+            <a:pPr algn="ctr"/>
+            <a:endParaRPr lang="ko-KR" altLang="en-US"/>
+          </a:p>
+        </p:txBody>
+      </p:sp>
+    </p:spTree>
+    <p:extLst>
+      <p:ext uri="{BB962C8B-B14F-4D97-AF65-F5344CB8AC3E}">
+        <p14:creationId xmlns:p14="http://schemas.microsoft.com/office/powerpoint/2010/main" val="1379887232"/>
+      </p:ext>
+    </p:extLst>
+  </p:cSld>
+  <p:clrMapOvr>
+    <a:masterClrMapping/>
+  </p:clrMapOvr>
+  <p:timing>
+    <p:tnLst>
+      <p:par>
+        <p:cTn id="1" dur="indefinite" restart="never" nodeType="tmRoot"/>
+      </p:par>
+    </p:tnLst>
+  </p:timing>
+</p:sld>
+</file>
+
+<file path=ppt/slides/slide20.xml><?xml version="1.0" encoding="utf-8"?>
+<p:sld xmlns:a="http://schemas.openxmlformats.org/drawingml/2006/main" xmlns:r="http://schemas.openxmlformats.org/officeDocument/2006/relationships" xmlns:p="http://schemas.openxmlformats.org/presentationml/2006/main">
+  <p:cSld>
+    <p:spTree>
+      <p:nvGrpSpPr>
+        <p:cNvPr id="1" name=""/>
+        <p:cNvGrpSpPr/>
+        <p:nvPr/>
+      </p:nvGrpSpPr>
+      <p:grpSpPr>
+        <a:xfrm>
+          <a:off x="0" y="0"/>
+          <a:ext cx="0" cy="0"/>
+          <a:chOff x="0" y="0"/>
+          <a:chExt cx="0" cy="0"/>
+        </a:xfrm>
+      </p:grpSpPr>
+      <p:sp>
+        <p:nvSpPr>
+          <p:cNvPr id="6" name="제목 5"/>
+          <p:cNvSpPr>
+            <a:spLocks noGrp="1"/>
+          </p:cNvSpPr>
+          <p:nvPr>
+            <p:ph type="title"/>
+          </p:nvPr>
+        </p:nvSpPr>
+        <p:spPr/>
+        <p:txBody>
+          <a:bodyPr/>
+          <a:lstStyle/>
+          <a:p>
+            <a:r>
+              <a:rPr lang="en-US" altLang="ko-KR" dirty="0" smtClean="0"/>
+              <a:t> </a:t>
+            </a:r>
+            <a:r>
               <a:rPr lang="en-US" altLang="ko-KR" sz="2800" dirty="0" smtClean="0"/>
               <a:t>Components</a:t>
             </a:r>
@@ -10886,7 +12446,7 @@
           <a:p>
             <a:fld id="{1BDE3FE7-3AEA-4B05-AC5A-802D1816ACF0}" type="slidenum">
               <a:rPr lang="ko-KR" altLang="en-US" smtClean="0"/>
-              <a:t>19</a:t>
+              <a:t>20</a:t>
             </a:fld>
             <a:endParaRPr lang="ko-KR" altLang="en-US"/>
           </a:p>
@@ -11077,7 +12637,7 @@
 </p:sld>
 </file>
 
-<file path=ppt/slides/slide2.xml><?xml version="1.0" encoding="utf-8"?>
+<file path=ppt/slides/slide21.xml><?xml version="1.0" encoding="utf-8"?>
 <p:sld xmlns:a="http://schemas.openxmlformats.org/drawingml/2006/main" xmlns:r="http://schemas.openxmlformats.org/officeDocument/2006/relationships" xmlns:p="http://schemas.openxmlformats.org/presentationml/2006/main">
   <p:cSld>
     <p:spTree>
@@ -11114,14 +12674,18 @@
               <a:t> </a:t>
             </a:r>
             <a:r>
-              <a:rPr lang="ko-KR" altLang="en-US" dirty="0" err="1" smtClean="0"/>
-              <a:t>그리드</a:t>
-            </a:r>
-            <a:r>
-              <a:rPr lang="ko-KR" altLang="en-US" dirty="0" smtClean="0"/>
-              <a:t> 레이아웃</a:t>
-            </a:r>
-            <a:endParaRPr lang="ko-KR" altLang="en-US" dirty="0"/>
+              <a:rPr lang="en-US" altLang="ko-KR" sz="2800" dirty="0" smtClean="0"/>
+              <a:t>components</a:t>
+            </a:r>
+            <a:r>
+              <a:rPr lang="ko-KR" altLang="en-US" sz="2800" dirty="0" smtClean="0"/>
+              <a:t> </a:t>
+            </a:r>
+            <a:r>
+              <a:rPr lang="en-US" altLang="ko-KR" sz="2800" dirty="0" smtClean="0"/>
+              <a:t>– Badge</a:t>
+            </a:r>
+            <a:endParaRPr lang="ko-KR" altLang="en-US" sz="2800" dirty="0"/>
           </a:p>
         </p:txBody>
       </p:sp>
@@ -11142,856 +12706,7 @@
           <a:p>
             <a:fld id="{1BDE3FE7-3AEA-4B05-AC5A-802D1816ACF0}" type="slidenum">
               <a:rPr lang="ko-KR" altLang="en-US" smtClean="0"/>
-              <a:t>2</a:t>
-            </a:fld>
-            <a:endParaRPr lang="ko-KR" altLang="en-US"/>
-          </a:p>
-        </p:txBody>
-      </p:sp>
-      <p:sp>
-        <p:nvSpPr>
-          <p:cNvPr id="13" name="내용 개체 틀 2">
-            <a:extLst>
-              <a:ext uri="{FF2B5EF4-FFF2-40B4-BE49-F238E27FC236}">
-                <a16:creationId xmlns:a16="http://schemas.microsoft.com/office/drawing/2014/main" id="{98AF3A4E-7D90-4241-89FE-799D6F9D5A94}"/>
-              </a:ext>
-            </a:extLst>
-          </p:cNvPr>
-          <p:cNvSpPr txBox="1">
-            <a:spLocks/>
-          </p:cNvSpPr>
-          <p:nvPr/>
-        </p:nvSpPr>
-        <p:spPr>
-          <a:xfrm>
-            <a:off x="848544" y="1245050"/>
-            <a:ext cx="6264696" cy="455758"/>
-          </a:xfrm>
-          <a:prstGeom prst="rect">
-            <a:avLst/>
-          </a:prstGeom>
-        </p:spPr>
-        <p:txBody>
-          <a:bodyPr/>
-          <a:lstStyle>
-            <a:lvl1pPr marL="228600" indent="-228600" algn="l" defTabSz="914400" rtl="0" eaLnBrk="1" latinLnBrk="1" hangingPunct="1">
-              <a:lnSpc>
-                <a:spcPct val="90000"/>
-              </a:lnSpc>
-              <a:spcBef>
-                <a:spcPts val="1000"/>
-              </a:spcBef>
-              <a:buFont typeface="Arial" panose="020B0604020202020204" pitchFamily="34" charset="0"/>
-              <a:buChar char="•"/>
-              <a:defRPr sz="2800" kern="1200">
-                <a:solidFill>
-                  <a:schemeClr val="tx1"/>
-                </a:solidFill>
-                <a:latin typeface="+mn-lt"/>
-                <a:ea typeface="+mn-ea"/>
-                <a:cs typeface="+mn-cs"/>
-              </a:defRPr>
-            </a:lvl1pPr>
-            <a:lvl2pPr marL="685800" indent="-228600" algn="l" defTabSz="914400" rtl="0" eaLnBrk="1" latinLnBrk="1" hangingPunct="1">
-              <a:lnSpc>
-                <a:spcPct val="90000"/>
-              </a:lnSpc>
-              <a:spcBef>
-                <a:spcPts val="500"/>
-              </a:spcBef>
-              <a:buFont typeface="Arial" panose="020B0604020202020204" pitchFamily="34" charset="0"/>
-              <a:buChar char="•"/>
-              <a:defRPr sz="2400" kern="1200">
-                <a:solidFill>
-                  <a:schemeClr val="tx1"/>
-                </a:solidFill>
-                <a:latin typeface="+mn-lt"/>
-                <a:ea typeface="+mn-ea"/>
-                <a:cs typeface="+mn-cs"/>
-              </a:defRPr>
-            </a:lvl2pPr>
-            <a:lvl3pPr marL="1143000" indent="-228600" algn="l" defTabSz="914400" rtl="0" eaLnBrk="1" latinLnBrk="1" hangingPunct="1">
-              <a:lnSpc>
-                <a:spcPct val="90000"/>
-              </a:lnSpc>
-              <a:spcBef>
-                <a:spcPts val="500"/>
-              </a:spcBef>
-              <a:buFont typeface="Arial" panose="020B0604020202020204" pitchFamily="34" charset="0"/>
-              <a:buChar char="•"/>
-              <a:defRPr sz="2000" kern="1200">
-                <a:solidFill>
-                  <a:schemeClr val="tx1"/>
-                </a:solidFill>
-                <a:latin typeface="+mn-lt"/>
-                <a:ea typeface="+mn-ea"/>
-                <a:cs typeface="+mn-cs"/>
-              </a:defRPr>
-            </a:lvl3pPr>
-            <a:lvl4pPr marL="1600200" indent="-228600" algn="l" defTabSz="914400" rtl="0" eaLnBrk="1" latinLnBrk="1" hangingPunct="1">
-              <a:lnSpc>
-                <a:spcPct val="90000"/>
-              </a:lnSpc>
-              <a:spcBef>
-                <a:spcPts val="500"/>
-              </a:spcBef>
-              <a:buFont typeface="Arial" panose="020B0604020202020204" pitchFamily="34" charset="0"/>
-              <a:buChar char="•"/>
-              <a:defRPr sz="1800" kern="1200">
-                <a:solidFill>
-                  <a:schemeClr val="tx1"/>
-                </a:solidFill>
-                <a:latin typeface="+mn-lt"/>
-                <a:ea typeface="+mn-ea"/>
-                <a:cs typeface="+mn-cs"/>
-              </a:defRPr>
-            </a:lvl4pPr>
-            <a:lvl5pPr marL="2057400" indent="-228600" algn="l" defTabSz="914400" rtl="0" eaLnBrk="1" latinLnBrk="1" hangingPunct="1">
-              <a:lnSpc>
-                <a:spcPct val="90000"/>
-              </a:lnSpc>
-              <a:spcBef>
-                <a:spcPts val="500"/>
-              </a:spcBef>
-              <a:buFont typeface="Arial" panose="020B0604020202020204" pitchFamily="34" charset="0"/>
-              <a:buChar char="•"/>
-              <a:defRPr sz="1800" kern="1200">
-                <a:solidFill>
-                  <a:schemeClr val="tx1"/>
-                </a:solidFill>
-                <a:latin typeface="+mn-lt"/>
-                <a:ea typeface="+mn-ea"/>
-                <a:cs typeface="+mn-cs"/>
-              </a:defRPr>
-            </a:lvl5pPr>
-            <a:lvl6pPr marL="2514600" indent="-228600" algn="l" defTabSz="914400" rtl="0" eaLnBrk="1" latinLnBrk="1" hangingPunct="1">
-              <a:lnSpc>
-                <a:spcPct val="90000"/>
-              </a:lnSpc>
-              <a:spcBef>
-                <a:spcPts val="500"/>
-              </a:spcBef>
-              <a:buFont typeface="Arial" panose="020B0604020202020204" pitchFamily="34" charset="0"/>
-              <a:buChar char="•"/>
-              <a:defRPr sz="1800" kern="1200">
-                <a:solidFill>
-                  <a:schemeClr val="tx1"/>
-                </a:solidFill>
-                <a:latin typeface="+mn-lt"/>
-                <a:ea typeface="+mn-ea"/>
-                <a:cs typeface="+mn-cs"/>
-              </a:defRPr>
-            </a:lvl6pPr>
-            <a:lvl7pPr marL="2971800" indent="-228600" algn="l" defTabSz="914400" rtl="0" eaLnBrk="1" latinLnBrk="1" hangingPunct="1">
-              <a:lnSpc>
-                <a:spcPct val="90000"/>
-              </a:lnSpc>
-              <a:spcBef>
-                <a:spcPts val="500"/>
-              </a:spcBef>
-              <a:buFont typeface="Arial" panose="020B0604020202020204" pitchFamily="34" charset="0"/>
-              <a:buChar char="•"/>
-              <a:defRPr sz="1800" kern="1200">
-                <a:solidFill>
-                  <a:schemeClr val="tx1"/>
-                </a:solidFill>
-                <a:latin typeface="+mn-lt"/>
-                <a:ea typeface="+mn-ea"/>
-                <a:cs typeface="+mn-cs"/>
-              </a:defRPr>
-            </a:lvl7pPr>
-            <a:lvl8pPr marL="3429000" indent="-228600" algn="l" defTabSz="914400" rtl="0" eaLnBrk="1" latinLnBrk="1" hangingPunct="1">
-              <a:lnSpc>
-                <a:spcPct val="90000"/>
-              </a:lnSpc>
-              <a:spcBef>
-                <a:spcPts val="500"/>
-              </a:spcBef>
-              <a:buFont typeface="Arial" panose="020B0604020202020204" pitchFamily="34" charset="0"/>
-              <a:buChar char="•"/>
-              <a:defRPr sz="1800" kern="1200">
-                <a:solidFill>
-                  <a:schemeClr val="tx1"/>
-                </a:solidFill>
-                <a:latin typeface="+mn-lt"/>
-                <a:ea typeface="+mn-ea"/>
-                <a:cs typeface="+mn-cs"/>
-              </a:defRPr>
-            </a:lvl8pPr>
-            <a:lvl9pPr marL="3886200" indent="-228600" algn="l" defTabSz="914400" rtl="0" eaLnBrk="1" latinLnBrk="1" hangingPunct="1">
-              <a:lnSpc>
-                <a:spcPct val="90000"/>
-              </a:lnSpc>
-              <a:spcBef>
-                <a:spcPts val="500"/>
-              </a:spcBef>
-              <a:buFont typeface="Arial" panose="020B0604020202020204" pitchFamily="34" charset="0"/>
-              <a:buChar char="•"/>
-              <a:defRPr sz="1800" kern="1200">
-                <a:solidFill>
-                  <a:schemeClr val="tx1"/>
-                </a:solidFill>
-                <a:latin typeface="+mn-lt"/>
-                <a:ea typeface="+mn-ea"/>
-                <a:cs typeface="+mn-cs"/>
-              </a:defRPr>
-            </a:lvl9pPr>
-          </a:lstStyle>
-          <a:p>
-            <a:pPr>
-              <a:lnSpc>
-                <a:spcPct val="100000"/>
-              </a:lnSpc>
-              <a:buFont typeface="Wingdings" panose="05000000000000000000" pitchFamily="2" charset="2"/>
-              <a:buChar char="§"/>
-            </a:pPr>
-            <a:r>
-              <a:rPr lang="ko-KR" altLang="en-US" sz="2000" b="1" dirty="0" err="1" smtClean="0">
-                <a:solidFill>
-                  <a:srgbClr val="C00000"/>
-                </a:solidFill>
-              </a:rPr>
-              <a:t>그리</a:t>
-            </a:r>
-            <a:r>
-              <a:rPr lang="ko-KR" altLang="en-US" sz="2000" b="1" dirty="0" err="1">
-                <a:solidFill>
-                  <a:srgbClr val="C00000"/>
-                </a:solidFill>
-              </a:rPr>
-              <a:t>드</a:t>
-            </a:r>
-            <a:r>
-              <a:rPr lang="ko-KR" altLang="en-US" sz="2000" b="1" dirty="0" smtClean="0">
-                <a:solidFill>
-                  <a:srgbClr val="C00000"/>
-                </a:solidFill>
-              </a:rPr>
-              <a:t> 레이아웃</a:t>
-            </a:r>
-            <a:r>
-              <a:rPr lang="en-US" altLang="ko-KR" sz="2000" b="1" dirty="0" smtClean="0">
-                <a:solidFill>
-                  <a:srgbClr val="C00000"/>
-                </a:solidFill>
-              </a:rPr>
-              <a:t>(Grid Layout)</a:t>
-            </a:r>
-            <a:endParaRPr lang="en-US" altLang="ko-KR" sz="2000" b="1" dirty="0">
-              <a:solidFill>
-                <a:srgbClr val="C00000"/>
-              </a:solidFill>
-            </a:endParaRPr>
-          </a:p>
-        </p:txBody>
-      </p:sp>
-      <p:sp>
-        <p:nvSpPr>
-          <p:cNvPr id="3" name="직사각형 2"/>
-          <p:cNvSpPr/>
-          <p:nvPr/>
-        </p:nvSpPr>
-        <p:spPr>
-          <a:xfrm>
-            <a:off x="1136576" y="1691223"/>
-            <a:ext cx="8064896" cy="1246495"/>
-          </a:xfrm>
-          <a:prstGeom prst="rect">
-            <a:avLst/>
-          </a:prstGeom>
-        </p:spPr>
-        <p:txBody>
-          <a:bodyPr wrap="square">
-            <a:spAutoFit/>
-          </a:bodyPr>
-          <a:lstStyle/>
-          <a:p>
-            <a:pPr marL="285750" indent="-285750">
-              <a:lnSpc>
-                <a:spcPct val="150000"/>
-              </a:lnSpc>
-              <a:buFontTx/>
-              <a:buChar char="-"/>
-            </a:pPr>
-            <a:r>
-              <a:rPr lang="ko-KR" altLang="en-US" sz="1600" dirty="0" err="1" smtClean="0"/>
-              <a:t>반응형</a:t>
-            </a:r>
-            <a:r>
-              <a:rPr lang="ko-KR" altLang="en-US" sz="1600" dirty="0" smtClean="0"/>
-              <a:t> 웹 디자인에서 웹 문서 요소를 배치하는 기준</a:t>
-            </a:r>
-            <a:endParaRPr lang="en-US" altLang="ko-KR" sz="1600" dirty="0" smtClean="0"/>
-          </a:p>
-          <a:p>
-            <a:pPr marL="285750" indent="-285750">
-              <a:lnSpc>
-                <a:spcPct val="150000"/>
-              </a:lnSpc>
-              <a:buFontTx/>
-              <a:buChar char="-"/>
-            </a:pPr>
-            <a:r>
-              <a:rPr lang="ko-KR" altLang="en-US" sz="1600" dirty="0" smtClean="0"/>
-              <a:t>웹 사이트 화면을 여러 개의 칼럼</a:t>
-            </a:r>
-            <a:r>
-              <a:rPr lang="en-US" altLang="ko-KR" sz="1600" dirty="0" smtClean="0"/>
-              <a:t>(column)</a:t>
-            </a:r>
-            <a:r>
-              <a:rPr lang="ko-KR" altLang="en-US" sz="1600" dirty="0" smtClean="0"/>
-              <a:t>으로 나눈 후 웹 요소를 배치</a:t>
-            </a:r>
-            <a:endParaRPr lang="en-US" altLang="ko-KR" sz="1600" dirty="0" smtClean="0"/>
-          </a:p>
-          <a:p>
-            <a:pPr marL="285750" indent="-285750">
-              <a:lnSpc>
-                <a:spcPct val="150000"/>
-              </a:lnSpc>
-              <a:buFontTx/>
-              <a:buChar char="-"/>
-            </a:pPr>
-            <a:r>
-              <a:rPr lang="ko-KR" altLang="en-US" sz="1600" dirty="0" smtClean="0"/>
-              <a:t>화면을 규칙적으로 배열하므로 레이아웃을 일관성 있게 유지</a:t>
-            </a:r>
-            <a:endParaRPr lang="ko-KR" altLang="en-US" sz="1600" dirty="0"/>
-          </a:p>
-        </p:txBody>
-      </p:sp>
-      <p:sp>
-        <p:nvSpPr>
-          <p:cNvPr id="10" name="모서리가 둥근 직사각형 9"/>
-          <p:cNvSpPr/>
-          <p:nvPr/>
-        </p:nvSpPr>
-        <p:spPr>
-          <a:xfrm>
-            <a:off x="2144688" y="5145115"/>
-            <a:ext cx="1368152" cy="360040"/>
-          </a:xfrm>
-          <a:prstGeom prst="roundRect">
-            <a:avLst/>
-          </a:prstGeom>
-          <a:noFill/>
-          <a:ln w="28575"/>
-        </p:spPr>
-        <p:style>
-          <a:lnRef idx="2">
-            <a:schemeClr val="accent1">
-              <a:shade val="50000"/>
-            </a:schemeClr>
-          </a:lnRef>
-          <a:fillRef idx="1">
-            <a:schemeClr val="accent1"/>
-          </a:fillRef>
-          <a:effectRef idx="0">
-            <a:schemeClr val="accent1"/>
-          </a:effectRef>
-          <a:fontRef idx="minor">
-            <a:schemeClr val="lt1"/>
-          </a:fontRef>
-        </p:style>
-        <p:txBody>
-          <a:bodyPr rtlCol="0" anchor="ctr"/>
-          <a:lstStyle/>
-          <a:p>
-            <a:pPr algn="ctr"/>
-            <a:endParaRPr lang="ko-KR" altLang="en-US"/>
-          </a:p>
-        </p:txBody>
-      </p:sp>
-      <p:sp>
-        <p:nvSpPr>
-          <p:cNvPr id="16" name="모서리가 둥근 직사각형 15"/>
-          <p:cNvSpPr/>
-          <p:nvPr/>
-        </p:nvSpPr>
-        <p:spPr>
-          <a:xfrm>
-            <a:off x="3584848" y="5145115"/>
-            <a:ext cx="1368152" cy="360040"/>
-          </a:xfrm>
-          <a:prstGeom prst="roundRect">
-            <a:avLst/>
-          </a:prstGeom>
-          <a:noFill/>
-          <a:ln w="28575"/>
-        </p:spPr>
-        <p:style>
-          <a:lnRef idx="2">
-            <a:schemeClr val="accent1">
-              <a:shade val="50000"/>
-            </a:schemeClr>
-          </a:lnRef>
-          <a:fillRef idx="1">
-            <a:schemeClr val="accent1"/>
-          </a:fillRef>
-          <a:effectRef idx="0">
-            <a:schemeClr val="accent1"/>
-          </a:effectRef>
-          <a:fontRef idx="minor">
-            <a:schemeClr val="lt1"/>
-          </a:fontRef>
-        </p:style>
-        <p:txBody>
-          <a:bodyPr rtlCol="0" anchor="ctr"/>
-          <a:lstStyle/>
-          <a:p>
-            <a:pPr algn="ctr"/>
-            <a:endParaRPr lang="ko-KR" altLang="en-US"/>
-          </a:p>
-        </p:txBody>
-      </p:sp>
-      <p:sp>
-        <p:nvSpPr>
-          <p:cNvPr id="17" name="모서리가 둥근 직사각형 16"/>
-          <p:cNvSpPr/>
-          <p:nvPr/>
-        </p:nvSpPr>
-        <p:spPr>
-          <a:xfrm>
-            <a:off x="5025008" y="5145115"/>
-            <a:ext cx="1368152" cy="360040"/>
-          </a:xfrm>
-          <a:prstGeom prst="roundRect">
-            <a:avLst/>
-          </a:prstGeom>
-          <a:noFill/>
-          <a:ln w="28575"/>
-        </p:spPr>
-        <p:style>
-          <a:lnRef idx="2">
-            <a:schemeClr val="accent1">
-              <a:shade val="50000"/>
-            </a:schemeClr>
-          </a:lnRef>
-          <a:fillRef idx="1">
-            <a:schemeClr val="accent1"/>
-          </a:fillRef>
-          <a:effectRef idx="0">
-            <a:schemeClr val="accent1"/>
-          </a:effectRef>
-          <a:fontRef idx="minor">
-            <a:schemeClr val="lt1"/>
-          </a:fontRef>
-        </p:style>
-        <p:txBody>
-          <a:bodyPr rtlCol="0" anchor="ctr"/>
-          <a:lstStyle/>
-          <a:p>
-            <a:pPr algn="ctr"/>
-            <a:endParaRPr lang="ko-KR" altLang="en-US"/>
-          </a:p>
-        </p:txBody>
-      </p:sp>
-      <p:sp>
-        <p:nvSpPr>
-          <p:cNvPr id="25" name="모서리가 둥근 직사각형 24"/>
-          <p:cNvSpPr/>
-          <p:nvPr/>
-        </p:nvSpPr>
-        <p:spPr>
-          <a:xfrm>
-            <a:off x="3008784" y="5589240"/>
-            <a:ext cx="792088" cy="360040"/>
-          </a:xfrm>
-          <a:prstGeom prst="roundRect">
-            <a:avLst/>
-          </a:prstGeom>
-          <a:noFill/>
-          <a:ln w="28575"/>
-        </p:spPr>
-        <p:style>
-          <a:lnRef idx="2">
-            <a:schemeClr val="accent1">
-              <a:shade val="50000"/>
-            </a:schemeClr>
-          </a:lnRef>
-          <a:fillRef idx="1">
-            <a:schemeClr val="accent1"/>
-          </a:fillRef>
-          <a:effectRef idx="0">
-            <a:schemeClr val="accent1"/>
-          </a:effectRef>
-          <a:fontRef idx="minor">
-            <a:schemeClr val="lt1"/>
-          </a:fontRef>
-        </p:style>
-        <p:txBody>
-          <a:bodyPr rtlCol="0" anchor="ctr"/>
-          <a:lstStyle/>
-          <a:p>
-            <a:pPr algn="ctr"/>
-            <a:endParaRPr lang="ko-KR" altLang="en-US"/>
-          </a:p>
-        </p:txBody>
-      </p:sp>
-      <p:sp>
-        <p:nvSpPr>
-          <p:cNvPr id="26" name="모서리가 둥근 직사각형 25"/>
-          <p:cNvSpPr/>
-          <p:nvPr/>
-        </p:nvSpPr>
-        <p:spPr>
-          <a:xfrm>
-            <a:off x="3872880" y="5589240"/>
-            <a:ext cx="792088" cy="360040"/>
-          </a:xfrm>
-          <a:prstGeom prst="roundRect">
-            <a:avLst/>
-          </a:prstGeom>
-          <a:noFill/>
-          <a:ln w="28575"/>
-        </p:spPr>
-        <p:style>
-          <a:lnRef idx="2">
-            <a:schemeClr val="accent1">
-              <a:shade val="50000"/>
-            </a:schemeClr>
-          </a:lnRef>
-          <a:fillRef idx="1">
-            <a:schemeClr val="accent1"/>
-          </a:fillRef>
-          <a:effectRef idx="0">
-            <a:schemeClr val="accent1"/>
-          </a:effectRef>
-          <a:fontRef idx="minor">
-            <a:schemeClr val="lt1"/>
-          </a:fontRef>
-        </p:style>
-        <p:txBody>
-          <a:bodyPr rtlCol="0" anchor="ctr"/>
-          <a:lstStyle/>
-          <a:p>
-            <a:pPr algn="ctr"/>
-            <a:endParaRPr lang="ko-KR" altLang="en-US"/>
-          </a:p>
-        </p:txBody>
-      </p:sp>
-      <p:sp>
-        <p:nvSpPr>
-          <p:cNvPr id="27" name="모서리가 둥근 직사각형 26"/>
-          <p:cNvSpPr/>
-          <p:nvPr/>
-        </p:nvSpPr>
-        <p:spPr>
-          <a:xfrm>
-            <a:off x="4736976" y="5589240"/>
-            <a:ext cx="792088" cy="360040"/>
-          </a:xfrm>
-          <a:prstGeom prst="roundRect">
-            <a:avLst/>
-          </a:prstGeom>
-          <a:noFill/>
-          <a:ln w="28575"/>
-        </p:spPr>
-        <p:style>
-          <a:lnRef idx="2">
-            <a:schemeClr val="accent1">
-              <a:shade val="50000"/>
-            </a:schemeClr>
-          </a:lnRef>
-          <a:fillRef idx="1">
-            <a:schemeClr val="accent1"/>
-          </a:fillRef>
-          <a:effectRef idx="0">
-            <a:schemeClr val="accent1"/>
-          </a:effectRef>
-          <a:fontRef idx="minor">
-            <a:schemeClr val="lt1"/>
-          </a:fontRef>
-        </p:style>
-        <p:txBody>
-          <a:bodyPr rtlCol="0" anchor="ctr"/>
-          <a:lstStyle/>
-          <a:p>
-            <a:pPr algn="ctr"/>
-            <a:endParaRPr lang="ko-KR" altLang="en-US"/>
-          </a:p>
-        </p:txBody>
-      </p:sp>
-      <p:sp>
-        <p:nvSpPr>
-          <p:cNvPr id="28" name="모서리가 둥근 직사각형 27"/>
-          <p:cNvSpPr/>
-          <p:nvPr/>
-        </p:nvSpPr>
-        <p:spPr>
-          <a:xfrm>
-            <a:off x="5601072" y="5589240"/>
-            <a:ext cx="792088" cy="360040"/>
-          </a:xfrm>
-          <a:prstGeom prst="roundRect">
-            <a:avLst/>
-          </a:prstGeom>
-          <a:noFill/>
-          <a:ln w="28575"/>
-        </p:spPr>
-        <p:style>
-          <a:lnRef idx="2">
-            <a:schemeClr val="accent1">
-              <a:shade val="50000"/>
-            </a:schemeClr>
-          </a:lnRef>
-          <a:fillRef idx="1">
-            <a:schemeClr val="accent1"/>
-          </a:fillRef>
-          <a:effectRef idx="0">
-            <a:schemeClr val="accent1"/>
-          </a:effectRef>
-          <a:fontRef idx="minor">
-            <a:schemeClr val="lt1"/>
-          </a:fontRef>
-        </p:style>
-        <p:txBody>
-          <a:bodyPr rtlCol="0" anchor="ctr"/>
-          <a:lstStyle/>
-          <a:p>
-            <a:pPr algn="ctr"/>
-            <a:endParaRPr lang="ko-KR" altLang="en-US"/>
-          </a:p>
-        </p:txBody>
-      </p:sp>
-      <p:sp>
-        <p:nvSpPr>
-          <p:cNvPr id="29" name="TextBox 28"/>
-          <p:cNvSpPr txBox="1"/>
-          <p:nvPr/>
-        </p:nvSpPr>
-        <p:spPr>
-          <a:xfrm>
-            <a:off x="2000672" y="3068960"/>
-            <a:ext cx="4536504" cy="2031325"/>
-          </a:xfrm>
-          <a:prstGeom prst="rect">
-            <a:avLst/>
-          </a:prstGeom>
-          <a:noFill/>
-        </p:spPr>
-        <p:txBody>
-          <a:bodyPr wrap="square" rtlCol="0">
-            <a:spAutoFit/>
-          </a:bodyPr>
-          <a:lstStyle/>
-          <a:p>
-            <a:pPr>
-              <a:lnSpc>
-                <a:spcPct val="150000"/>
-              </a:lnSpc>
-            </a:pPr>
-            <a:r>
-              <a:rPr lang="ko-KR" altLang="en-US" dirty="0" smtClean="0"/>
-              <a:t>▶ </a:t>
-            </a:r>
-            <a:r>
-              <a:rPr lang="ko-KR" altLang="en-US" dirty="0" err="1" smtClean="0"/>
-              <a:t>플렉스</a:t>
-            </a:r>
-            <a:r>
-              <a:rPr lang="ko-KR" altLang="en-US" dirty="0" smtClean="0"/>
-              <a:t> 박스 레이아웃</a:t>
-            </a:r>
-            <a:endParaRPr lang="en-US" altLang="ko-KR" dirty="0" smtClean="0"/>
-          </a:p>
-          <a:p>
-            <a:pPr>
-              <a:lnSpc>
-                <a:spcPct val="150000"/>
-              </a:lnSpc>
-            </a:pPr>
-            <a:r>
-              <a:rPr lang="en-US" altLang="ko-KR" dirty="0" smtClean="0"/>
-              <a:t> </a:t>
-            </a:r>
-            <a:r>
-              <a:rPr lang="en-US" altLang="ko-KR" sz="1600" dirty="0" smtClean="0"/>
-              <a:t>- </a:t>
-            </a:r>
-            <a:r>
-              <a:rPr lang="ko-KR" altLang="en-US" sz="1600" dirty="0" smtClean="0"/>
-              <a:t>수평이나 수직 방향 중 하나를 주축으로 정하</a:t>
-            </a:r>
-            <a:endParaRPr lang="en-US" altLang="ko-KR" sz="1600" dirty="0" smtClean="0"/>
-          </a:p>
-          <a:p>
-            <a:pPr>
-              <a:lnSpc>
-                <a:spcPct val="150000"/>
-              </a:lnSpc>
-            </a:pPr>
-            <a:r>
-              <a:rPr lang="en-US" altLang="ko-KR" sz="1600" dirty="0"/>
-              <a:t> </a:t>
-            </a:r>
-            <a:r>
-              <a:rPr lang="en-US" altLang="ko-KR" sz="1600" dirty="0" smtClean="0"/>
-              <a:t>   </a:t>
-            </a:r>
-            <a:r>
-              <a:rPr lang="ko-KR" altLang="en-US" sz="1600" dirty="0" smtClean="0"/>
-              <a:t>고 박스를 배치</a:t>
-            </a:r>
-            <a:endParaRPr lang="en-US" altLang="ko-KR" sz="1600" dirty="0" smtClean="0"/>
-          </a:p>
-          <a:p>
-            <a:pPr marL="285750" indent="-285750">
-              <a:lnSpc>
-                <a:spcPct val="150000"/>
-              </a:lnSpc>
-              <a:buFontTx/>
-              <a:buChar char="-"/>
-            </a:pPr>
-            <a:r>
-              <a:rPr lang="ko-KR" altLang="en-US" sz="1600" dirty="0" smtClean="0"/>
-              <a:t>여유 공간이 생길 경우 너비나 높이를 적절하게 늘리거나 줄일 수</a:t>
-            </a:r>
-            <a:r>
-              <a:rPr lang="en-US" altLang="ko-KR" sz="1600" dirty="0"/>
-              <a:t> </a:t>
-            </a:r>
-            <a:r>
-              <a:rPr lang="ko-KR" altLang="en-US" sz="1600" dirty="0" smtClean="0"/>
-              <a:t>있음</a:t>
-            </a:r>
-            <a:endParaRPr lang="ko-KR" altLang="en-US" sz="1600" dirty="0"/>
-          </a:p>
-        </p:txBody>
-      </p:sp>
-      <p:sp>
-        <p:nvSpPr>
-          <p:cNvPr id="36" name="모서리가 둥근 직사각형 35"/>
-          <p:cNvSpPr/>
-          <p:nvPr/>
-        </p:nvSpPr>
-        <p:spPr>
-          <a:xfrm>
-            <a:off x="2144688" y="5589240"/>
-            <a:ext cx="792088" cy="360040"/>
-          </a:xfrm>
-          <a:prstGeom prst="roundRect">
-            <a:avLst/>
-          </a:prstGeom>
-          <a:noFill/>
-          <a:ln w="28575"/>
-        </p:spPr>
-        <p:style>
-          <a:lnRef idx="2">
-            <a:schemeClr val="accent1">
-              <a:shade val="50000"/>
-            </a:schemeClr>
-          </a:lnRef>
-          <a:fillRef idx="1">
-            <a:schemeClr val="accent1"/>
-          </a:fillRef>
-          <a:effectRef idx="0">
-            <a:schemeClr val="accent1"/>
-          </a:effectRef>
-          <a:fontRef idx="minor">
-            <a:schemeClr val="lt1"/>
-          </a:fontRef>
-        </p:style>
-        <p:txBody>
-          <a:bodyPr rtlCol="0" anchor="ctr"/>
-          <a:lstStyle/>
-          <a:p>
-            <a:pPr algn="ctr"/>
-            <a:endParaRPr lang="ko-KR" altLang="en-US"/>
-          </a:p>
-        </p:txBody>
-      </p:sp>
-    </p:spTree>
-    <p:extLst>
-      <p:ext uri="{BB962C8B-B14F-4D97-AF65-F5344CB8AC3E}">
-        <p14:creationId xmlns:p14="http://schemas.microsoft.com/office/powerpoint/2010/main" val="1379887232"/>
-      </p:ext>
-    </p:extLst>
-  </p:cSld>
-  <p:clrMapOvr>
-    <a:masterClrMapping/>
-  </p:clrMapOvr>
-  <p:timing>
-    <p:tnLst>
-      <p:par>
-        <p:cTn id="1" dur="indefinite" restart="never" nodeType="tmRoot"/>
-      </p:par>
-    </p:tnLst>
-  </p:timing>
-</p:sld>
-</file>
-
-<file path=ppt/slides/slide20.xml><?xml version="1.0" encoding="utf-8"?>
-<p:sld xmlns:a="http://schemas.openxmlformats.org/drawingml/2006/main" xmlns:r="http://schemas.openxmlformats.org/officeDocument/2006/relationships" xmlns:p="http://schemas.openxmlformats.org/presentationml/2006/main">
-  <p:cSld>
-    <p:spTree>
-      <p:nvGrpSpPr>
-        <p:cNvPr id="1" name=""/>
-        <p:cNvGrpSpPr/>
-        <p:nvPr/>
-      </p:nvGrpSpPr>
-      <p:grpSpPr>
-        <a:xfrm>
-          <a:off x="0" y="0"/>
-          <a:ext cx="0" cy="0"/>
-          <a:chOff x="0" y="0"/>
-          <a:chExt cx="0" cy="0"/>
-        </a:xfrm>
-      </p:grpSpPr>
-      <p:sp>
-        <p:nvSpPr>
-          <p:cNvPr id="6" name="제목 5"/>
-          <p:cNvSpPr>
-            <a:spLocks noGrp="1"/>
-          </p:cNvSpPr>
-          <p:nvPr>
-            <p:ph type="title"/>
-          </p:nvPr>
-        </p:nvSpPr>
-        <p:spPr/>
-        <p:txBody>
-          <a:bodyPr/>
-          <a:lstStyle/>
-          <a:p>
-            <a:r>
-              <a:rPr lang="en-US" altLang="ko-KR" dirty="0" smtClean="0"/>
-              <a:t> </a:t>
-            </a:r>
-            <a:r>
-              <a:rPr lang="en-US" altLang="ko-KR" sz="2800" dirty="0" smtClean="0"/>
-              <a:t>components</a:t>
-            </a:r>
-            <a:r>
-              <a:rPr lang="ko-KR" altLang="en-US" sz="2800" dirty="0" smtClean="0"/>
-              <a:t> </a:t>
-            </a:r>
-            <a:r>
-              <a:rPr lang="en-US" altLang="ko-KR" sz="2800" dirty="0" smtClean="0"/>
-              <a:t>– Badge</a:t>
-            </a:r>
-            <a:endParaRPr lang="ko-KR" altLang="en-US" sz="2800" dirty="0"/>
-          </a:p>
-        </p:txBody>
-      </p:sp>
-      <p:sp>
-        <p:nvSpPr>
-          <p:cNvPr id="5" name="슬라이드 번호 개체 틀 4"/>
-          <p:cNvSpPr>
-            <a:spLocks noGrp="1"/>
-          </p:cNvSpPr>
-          <p:nvPr>
-            <p:ph type="sldNum" sz="quarter" idx="12"/>
-          </p:nvPr>
-        </p:nvSpPr>
-        <p:spPr/>
-        <p:txBody>
-          <a:bodyPr/>
-          <a:lstStyle/>
-          <a:p>
-            <a:fld id="{1BDE3FE7-3AEA-4B05-AC5A-802D1816ACF0}" type="slidenum">
-              <a:rPr lang="ko-KR" altLang="en-US" smtClean="0"/>
-              <a:t>20</a:t>
+              <a:t>21</a:t>
             </a:fld>
             <a:endParaRPr lang="ko-KR" altLang="en-US"/>
           </a:p>
@@ -12299,7 +13014,7 @@
 </p:sld>
 </file>
 
-<file path=ppt/slides/slide21.xml><?xml version="1.0" encoding="utf-8"?>
+<file path=ppt/slides/slide22.xml><?xml version="1.0" encoding="utf-8"?>
 <p:sld xmlns:a="http://schemas.openxmlformats.org/drawingml/2006/main" xmlns:r="http://schemas.openxmlformats.org/officeDocument/2006/relationships" xmlns:p="http://schemas.openxmlformats.org/presentationml/2006/main">
   <p:cSld>
     <p:spTree>
@@ -12366,7 +13081,7 @@
           <a:p>
             <a:fld id="{1BDE3FE7-3AEA-4B05-AC5A-802D1816ACF0}" type="slidenum">
               <a:rPr lang="ko-KR" altLang="en-US" smtClean="0"/>
-              <a:t>21</a:t>
+              <a:t>22</a:t>
             </a:fld>
             <a:endParaRPr lang="ko-KR" altLang="en-US"/>
           </a:p>
@@ -12674,7 +13389,7 @@
 </p:sld>
 </file>
 
-<file path=ppt/slides/slide22.xml><?xml version="1.0" encoding="utf-8"?>
+<file path=ppt/slides/slide23.xml><?xml version="1.0" encoding="utf-8"?>
 <p:sld xmlns:a="http://schemas.openxmlformats.org/drawingml/2006/main" xmlns:r="http://schemas.openxmlformats.org/officeDocument/2006/relationships" xmlns:p="http://schemas.openxmlformats.org/presentationml/2006/main">
   <p:cSld>
     <p:spTree>
@@ -12743,7 +13458,7 @@
           <a:p>
             <a:fld id="{1BDE3FE7-3AEA-4B05-AC5A-802D1816ACF0}" type="slidenum">
               <a:rPr lang="ko-KR" altLang="en-US" smtClean="0"/>
-              <a:t>22</a:t>
+              <a:t>23</a:t>
             </a:fld>
             <a:endParaRPr lang="ko-KR" altLang="en-US"/>
           </a:p>
@@ -13051,7 +13766,7 @@
 </p:sld>
 </file>
 
-<file path=ppt/slides/slide23.xml><?xml version="1.0" encoding="utf-8"?>
+<file path=ppt/slides/slide24.xml><?xml version="1.0" encoding="utf-8"?>
 <p:sld xmlns:a="http://schemas.openxmlformats.org/drawingml/2006/main" xmlns:r="http://schemas.openxmlformats.org/officeDocument/2006/relationships" xmlns:p="http://schemas.openxmlformats.org/presentationml/2006/main">
   <p:cSld>
     <p:spTree>
@@ -13112,7 +13827,7 @@
           <a:p>
             <a:fld id="{1BDE3FE7-3AEA-4B05-AC5A-802D1816ACF0}" type="slidenum">
               <a:rPr lang="ko-KR" altLang="en-US" smtClean="0"/>
-              <a:t>23</a:t>
+              <a:t>24</a:t>
             </a:fld>
             <a:endParaRPr lang="ko-KR" altLang="en-US"/>
           </a:p>
@@ -13420,7 +14135,7 @@
 </p:sld>
 </file>
 
-<file path=ppt/slides/slide24.xml><?xml version="1.0" encoding="utf-8"?>
+<file path=ppt/slides/slide25.xml><?xml version="1.0" encoding="utf-8"?>
 <p:sld xmlns:a="http://schemas.openxmlformats.org/drawingml/2006/main" xmlns:r="http://schemas.openxmlformats.org/officeDocument/2006/relationships" xmlns:p="http://schemas.openxmlformats.org/presentationml/2006/main">
   <p:cSld>
     <p:spTree>
@@ -13489,7 +14204,7 @@
           <a:p>
             <a:fld id="{1BDE3FE7-3AEA-4B05-AC5A-802D1816ACF0}" type="slidenum">
               <a:rPr lang="ko-KR" altLang="en-US" smtClean="0"/>
-              <a:t>24</a:t>
+              <a:t>25</a:t>
             </a:fld>
             <a:endParaRPr lang="ko-KR" altLang="en-US"/>
           </a:p>
@@ -13797,7 +14512,7 @@
 </p:sld>
 </file>
 
-<file path=ppt/slides/slide25.xml><?xml version="1.0" encoding="utf-8"?>
+<file path=ppt/slides/slide26.xml><?xml version="1.0" encoding="utf-8"?>
 <p:sld xmlns:a="http://schemas.openxmlformats.org/drawingml/2006/main" xmlns:r="http://schemas.openxmlformats.org/officeDocument/2006/relationships" xmlns:p="http://schemas.openxmlformats.org/presentationml/2006/main">
   <p:cSld>
     <p:spTree>
@@ -13866,7 +14581,7 @@
           <a:p>
             <a:fld id="{1BDE3FE7-3AEA-4B05-AC5A-802D1816ACF0}" type="slidenum">
               <a:rPr lang="ko-KR" altLang="en-US" smtClean="0"/>
-              <a:t>25</a:t>
+              <a:t>26</a:t>
             </a:fld>
             <a:endParaRPr lang="ko-KR" altLang="en-US"/>
           </a:p>
@@ -14244,7 +14959,7 @@
 </p:sld>
 </file>
 
-<file path=ppt/slides/slide26.xml><?xml version="1.0" encoding="utf-8"?>
+<file path=ppt/slides/slide27.xml><?xml version="1.0" encoding="utf-8"?>
 <p:sld xmlns:a="http://schemas.openxmlformats.org/drawingml/2006/main" xmlns:r="http://schemas.openxmlformats.org/officeDocument/2006/relationships" xmlns:p="http://schemas.openxmlformats.org/presentationml/2006/main">
   <p:cSld>
     <p:spTree>
@@ -14339,7 +15054,7 @@
           <a:p>
             <a:fld id="{1BDE3FE7-3AEA-4B05-AC5A-802D1816ACF0}" type="slidenum">
               <a:rPr lang="ko-KR" altLang="en-US" smtClean="0"/>
-              <a:t>26</a:t>
+              <a:t>27</a:t>
             </a:fld>
             <a:endParaRPr lang="ko-KR" altLang="en-US"/>
           </a:p>
@@ -14857,7 +15572,7 @@
 </p:sld>
 </file>
 
-<file path=ppt/slides/slide27.xml><?xml version="1.0" encoding="utf-8"?>
+<file path=ppt/slides/slide28.xml><?xml version="1.0" encoding="utf-8"?>
 <p:sld xmlns:a="http://schemas.openxmlformats.org/drawingml/2006/main" xmlns:r="http://schemas.openxmlformats.org/officeDocument/2006/relationships" xmlns:p="http://schemas.openxmlformats.org/presentationml/2006/main">
   <p:cSld>
     <p:spTree>
@@ -14922,7 +15637,7 @@
           <a:p>
             <a:fld id="{1BDE3FE7-3AEA-4B05-AC5A-802D1816ACF0}" type="slidenum">
               <a:rPr lang="ko-KR" altLang="en-US" smtClean="0"/>
-              <a:t>27</a:t>
+              <a:t>28</a:t>
             </a:fld>
             <a:endParaRPr lang="ko-KR" altLang="en-US"/>
           </a:p>
@@ -15199,7 +15914,7 @@
 </p:sld>
 </file>
 
-<file path=ppt/slides/slide28.xml><?xml version="1.0" encoding="utf-8"?>
+<file path=ppt/slides/slide29.xml><?xml version="1.0" encoding="utf-8"?>
 <p:sld xmlns:a="http://schemas.openxmlformats.org/drawingml/2006/main" xmlns:r="http://schemas.openxmlformats.org/officeDocument/2006/relationships" xmlns:p="http://schemas.openxmlformats.org/presentationml/2006/main">
   <p:cSld>
     <p:spTree>
@@ -15264,7 +15979,7 @@
           <a:p>
             <a:fld id="{1BDE3FE7-3AEA-4B05-AC5A-802D1816ACF0}" type="slidenum">
               <a:rPr lang="ko-KR" altLang="en-US" smtClean="0"/>
-              <a:t>28</a:t>
+              <a:t>29</a:t>
             </a:fld>
             <a:endParaRPr lang="ko-KR" altLang="en-US"/>
           </a:p>
@@ -15532,130 +16247,6 @@
     <p:extLst>
       <p:ext uri="{BB962C8B-B14F-4D97-AF65-F5344CB8AC3E}">
         <p14:creationId xmlns:p14="http://schemas.microsoft.com/office/powerpoint/2010/main" val="3188143425"/>
-      </p:ext>
-    </p:extLst>
-  </p:cSld>
-  <p:clrMapOvr>
-    <a:masterClrMapping/>
-  </p:clrMapOvr>
-  <p:timing>
-    <p:tnLst>
-      <p:par>
-        <p:cTn id="1" dur="indefinite" restart="never" nodeType="tmRoot"/>
-      </p:par>
-    </p:tnLst>
-  </p:timing>
-</p:sld>
-</file>
-
-<file path=ppt/slides/slide29.xml><?xml version="1.0" encoding="utf-8"?>
-<p:sld xmlns:a="http://schemas.openxmlformats.org/drawingml/2006/main" xmlns:r="http://schemas.openxmlformats.org/officeDocument/2006/relationships" xmlns:p="http://schemas.openxmlformats.org/presentationml/2006/main">
-  <p:cSld>
-    <p:spTree>
-      <p:nvGrpSpPr>
-        <p:cNvPr id="1" name=""/>
-        <p:cNvGrpSpPr/>
-        <p:nvPr/>
-      </p:nvGrpSpPr>
-      <p:grpSpPr>
-        <a:xfrm>
-          <a:off x="0" y="0"/>
-          <a:ext cx="0" cy="0"/>
-          <a:chOff x="0" y="0"/>
-          <a:chExt cx="0" cy="0"/>
-        </a:xfrm>
-      </p:grpSpPr>
-      <p:sp>
-        <p:nvSpPr>
-          <p:cNvPr id="6" name="제목 5"/>
-          <p:cNvSpPr>
-            <a:spLocks noGrp="1"/>
-          </p:cNvSpPr>
-          <p:nvPr>
-            <p:ph type="title"/>
-          </p:nvPr>
-        </p:nvSpPr>
-        <p:spPr/>
-        <p:txBody>
-          <a:bodyPr/>
-          <a:lstStyle/>
-          <a:p>
-            <a:r>
-              <a:rPr lang="en-US" altLang="ko-KR" dirty="0" smtClean="0"/>
-              <a:t> </a:t>
-            </a:r>
-            <a:r>
-              <a:rPr lang="ko-KR" altLang="en-US" sz="2800" dirty="0" smtClean="0"/>
-              <a:t>쇼핑몰 메인 페이지</a:t>
-            </a:r>
-            <a:endParaRPr lang="ko-KR" altLang="en-US" sz="2800" dirty="0"/>
-          </a:p>
-        </p:txBody>
-      </p:sp>
-      <p:sp>
-        <p:nvSpPr>
-          <p:cNvPr id="5" name="슬라이드 번호 개체 틀 4"/>
-          <p:cNvSpPr>
-            <a:spLocks noGrp="1"/>
-          </p:cNvSpPr>
-          <p:nvPr>
-            <p:ph type="sldNum" sz="quarter" idx="12"/>
-          </p:nvPr>
-        </p:nvSpPr>
-        <p:spPr/>
-        <p:txBody>
-          <a:bodyPr/>
-          <a:lstStyle/>
-          <a:p>
-            <a:fld id="{1BDE3FE7-3AEA-4B05-AC5A-802D1816ACF0}" type="slidenum">
-              <a:rPr lang="ko-KR" altLang="en-US" smtClean="0"/>
-              <a:t>29</a:t>
-            </a:fld>
-            <a:endParaRPr lang="ko-KR" altLang="en-US"/>
-          </a:p>
-        </p:txBody>
-      </p:sp>
-      <p:pic>
-        <p:nvPicPr>
-          <p:cNvPr id="2" name="그림 1"/>
-          <p:cNvPicPr>
-            <a:picLocks noChangeAspect="1"/>
-          </p:cNvPicPr>
-          <p:nvPr/>
-        </p:nvPicPr>
-        <p:blipFill>
-          <a:blip r:embed="rId3">
-            <a:extLst>
-              <a:ext uri="{28A0092B-C50C-407E-A947-70E740481C1C}">
-                <a14:useLocalDpi xmlns:a14="http://schemas.microsoft.com/office/drawing/2010/main" val="0"/>
-              </a:ext>
-            </a:extLst>
-          </a:blip>
-          <a:stretch>
-            <a:fillRect/>
-          </a:stretch>
-        </p:blipFill>
-        <p:spPr>
-          <a:xfrm>
-            <a:off x="1280592" y="1484784"/>
-            <a:ext cx="7435217" cy="4837864"/>
-          </a:xfrm>
-          <a:prstGeom prst="rect">
-            <a:avLst/>
-          </a:prstGeom>
-          <a:ln>
-            <a:solidFill>
-              <a:schemeClr val="bg1">
-                <a:lumMod val="85000"/>
-              </a:schemeClr>
-            </a:solidFill>
-          </a:ln>
-        </p:spPr>
-      </p:pic>
-    </p:spTree>
-    <p:extLst>
-      <p:ext uri="{BB962C8B-B14F-4D97-AF65-F5344CB8AC3E}">
-        <p14:creationId xmlns:p14="http://schemas.microsoft.com/office/powerpoint/2010/main" val="2497380285"/>
       </p:ext>
     </p:extLst>
   </p:cSld>
@@ -16276,24 +16867,8 @@
               <a:t> </a:t>
             </a:r>
             <a:r>
-              <a:rPr lang="ko-KR" altLang="en-US" sz="2800" dirty="0" err="1"/>
-              <a:t>네비게이션</a:t>
-            </a:r>
-            <a:r>
-              <a:rPr lang="ko-KR" altLang="en-US" sz="2800" dirty="0"/>
-              <a:t> 바</a:t>
-            </a:r>
-            <a:r>
-              <a:rPr lang="en-US" altLang="ko-KR" sz="2800" dirty="0"/>
-              <a:t>(</a:t>
-            </a:r>
-            <a:r>
-              <a:rPr lang="en-US" altLang="ko-KR" sz="2800" dirty="0" err="1"/>
-              <a:t>navbar</a:t>
-            </a:r>
-            <a:r>
-              <a:rPr lang="en-US" altLang="ko-KR" sz="2800" dirty="0"/>
-              <a:t>)</a:t>
+              <a:rPr lang="ko-KR" altLang="en-US" sz="2800" dirty="0" smtClean="0"/>
+              <a:t>쇼핑몰 메인 페이지</a:t>
             </a:r>
             <a:endParaRPr lang="ko-KR" altLang="en-US" sz="2800" dirty="0"/>
           </a:p>
@@ -16317,6 +16892,146 @@
             <a:fld id="{1BDE3FE7-3AEA-4B05-AC5A-802D1816ACF0}" type="slidenum">
               <a:rPr lang="ko-KR" altLang="en-US" smtClean="0"/>
               <a:t>30</a:t>
+            </a:fld>
+            <a:endParaRPr lang="ko-KR" altLang="en-US"/>
+          </a:p>
+        </p:txBody>
+      </p:sp>
+      <p:pic>
+        <p:nvPicPr>
+          <p:cNvPr id="2" name="그림 1"/>
+          <p:cNvPicPr>
+            <a:picLocks noChangeAspect="1"/>
+          </p:cNvPicPr>
+          <p:nvPr/>
+        </p:nvPicPr>
+        <p:blipFill>
+          <a:blip r:embed="rId3">
+            <a:extLst>
+              <a:ext uri="{28A0092B-C50C-407E-A947-70E740481C1C}">
+                <a14:useLocalDpi xmlns:a14="http://schemas.microsoft.com/office/drawing/2010/main" val="0"/>
+              </a:ext>
+            </a:extLst>
+          </a:blip>
+          <a:stretch>
+            <a:fillRect/>
+          </a:stretch>
+        </p:blipFill>
+        <p:spPr>
+          <a:xfrm>
+            <a:off x="1280592" y="1484784"/>
+            <a:ext cx="7435217" cy="4837864"/>
+          </a:xfrm>
+          <a:prstGeom prst="rect">
+            <a:avLst/>
+          </a:prstGeom>
+          <a:ln>
+            <a:solidFill>
+              <a:schemeClr val="bg1">
+                <a:lumMod val="85000"/>
+              </a:schemeClr>
+            </a:solidFill>
+          </a:ln>
+        </p:spPr>
+      </p:pic>
+    </p:spTree>
+    <p:extLst>
+      <p:ext uri="{BB962C8B-B14F-4D97-AF65-F5344CB8AC3E}">
+        <p14:creationId xmlns:p14="http://schemas.microsoft.com/office/powerpoint/2010/main" val="2497380285"/>
+      </p:ext>
+    </p:extLst>
+  </p:cSld>
+  <p:clrMapOvr>
+    <a:masterClrMapping/>
+  </p:clrMapOvr>
+  <p:timing>
+    <p:tnLst>
+      <p:par>
+        <p:cTn id="1" dur="indefinite" restart="never" nodeType="tmRoot"/>
+      </p:par>
+    </p:tnLst>
+  </p:timing>
+</p:sld>
+</file>
+
+<file path=ppt/slides/slide31.xml><?xml version="1.0" encoding="utf-8"?>
+<p:sld xmlns:a="http://schemas.openxmlformats.org/drawingml/2006/main" xmlns:r="http://schemas.openxmlformats.org/officeDocument/2006/relationships" xmlns:p="http://schemas.openxmlformats.org/presentationml/2006/main">
+  <p:cSld>
+    <p:spTree>
+      <p:nvGrpSpPr>
+        <p:cNvPr id="1" name=""/>
+        <p:cNvGrpSpPr/>
+        <p:nvPr/>
+      </p:nvGrpSpPr>
+      <p:grpSpPr>
+        <a:xfrm>
+          <a:off x="0" y="0"/>
+          <a:ext cx="0" cy="0"/>
+          <a:chOff x="0" y="0"/>
+          <a:chExt cx="0" cy="0"/>
+        </a:xfrm>
+      </p:grpSpPr>
+      <p:sp>
+        <p:nvSpPr>
+          <p:cNvPr id="6" name="제목 5"/>
+          <p:cNvSpPr>
+            <a:spLocks noGrp="1"/>
+          </p:cNvSpPr>
+          <p:nvPr>
+            <p:ph type="title"/>
+          </p:nvPr>
+        </p:nvSpPr>
+        <p:spPr/>
+        <p:txBody>
+          <a:bodyPr/>
+          <a:lstStyle/>
+          <a:p>
+            <a:r>
+              <a:rPr lang="en-US" altLang="ko-KR" dirty="0" smtClean="0"/>
+              <a:t> </a:t>
+            </a:r>
+            <a:r>
+              <a:rPr lang="ko-KR" altLang="en-US" sz="2800" dirty="0" err="1"/>
+              <a:t>네비게이션</a:t>
+            </a:r>
+            <a:r>
+              <a:rPr lang="ko-KR" altLang="en-US" sz="2800" dirty="0"/>
+              <a:t> 바</a:t>
+            </a:r>
+            <a:r>
+              <a:rPr lang="en-US" altLang="ko-KR" sz="2800" dirty="0"/>
+              <a:t>(</a:t>
+            </a:r>
+            <a:r>
+              <a:rPr lang="en-US" altLang="ko-KR" sz="2800" dirty="0" err="1"/>
+              <a:t>navbar</a:t>
+            </a:r>
+            <a:r>
+              <a:rPr lang="en-US" altLang="ko-KR" sz="2800" dirty="0"/>
+              <a:t>)</a:t>
+            </a:r>
+            <a:endParaRPr lang="ko-KR" altLang="en-US" sz="2800" dirty="0"/>
+          </a:p>
+        </p:txBody>
+      </p:sp>
+      <p:sp>
+        <p:nvSpPr>
+          <p:cNvPr id="5" name="슬라이드 번호 개체 틀 4"/>
+          <p:cNvSpPr>
+            <a:spLocks noGrp="1"/>
+          </p:cNvSpPr>
+          <p:nvPr>
+            <p:ph type="sldNum" sz="quarter" idx="12"/>
+          </p:nvPr>
+        </p:nvSpPr>
+        <p:spPr/>
+        <p:txBody>
+          <a:bodyPr/>
+          <a:lstStyle/>
+          <a:p>
+            <a:fld id="{1BDE3FE7-3AEA-4B05-AC5A-802D1816ACF0}" type="slidenum">
+              <a:rPr lang="ko-KR" altLang="en-US" smtClean="0"/>
+              <a:t>31</a:t>
             </a:fld>
             <a:endParaRPr lang="ko-KR" altLang="en-US"/>
           </a:p>
@@ -16677,7 +17392,7 @@
 </p:sld>
 </file>
 
-<file path=ppt/slides/slide31.xml><?xml version="1.0" encoding="utf-8"?>
+<file path=ppt/slides/slide32.xml><?xml version="1.0" encoding="utf-8"?>
 <p:sld xmlns:a="http://schemas.openxmlformats.org/drawingml/2006/main" xmlns:r="http://schemas.openxmlformats.org/officeDocument/2006/relationships" xmlns:p="http://schemas.openxmlformats.org/presentationml/2006/main">
   <p:cSld>
     <p:spTree>
@@ -16754,7 +17469,7 @@
           <a:p>
             <a:fld id="{1BDE3FE7-3AEA-4B05-AC5A-802D1816ACF0}" type="slidenum">
               <a:rPr lang="ko-KR" altLang="en-US" smtClean="0"/>
-              <a:t>31</a:t>
+              <a:t>32</a:t>
             </a:fld>
             <a:endParaRPr lang="ko-KR" altLang="en-US"/>
           </a:p>
@@ -17160,7 +17875,7 @@
 </p:sld>
 </file>
 
-<file path=ppt/slides/slide32.xml><?xml version="1.0" encoding="utf-8"?>
+<file path=ppt/slides/slide33.xml><?xml version="1.0" encoding="utf-8"?>
 <p:sld xmlns:a="http://schemas.openxmlformats.org/drawingml/2006/main" xmlns:r="http://schemas.openxmlformats.org/officeDocument/2006/relationships" xmlns:p="http://schemas.openxmlformats.org/presentationml/2006/main">
   <p:cSld>
     <p:spTree>
@@ -17278,7 +17993,7 @@
           <a:p>
             <a:fld id="{1BDE3FE7-3AEA-4B05-AC5A-802D1816ACF0}" type="slidenum">
               <a:rPr lang="ko-KR" altLang="en-US" smtClean="0"/>
-              <a:t>32</a:t>
+              <a:t>33</a:t>
             </a:fld>
             <a:endParaRPr lang="ko-KR" altLang="en-US"/>
           </a:p>
@@ -17507,7 +18222,7 @@
 </p:sld>
 </file>
 
-<file path=ppt/slides/slide33.xml><?xml version="1.0" encoding="utf-8"?>
+<file path=ppt/slides/slide34.xml><?xml version="1.0" encoding="utf-8"?>
 <p:sld xmlns:a="http://schemas.openxmlformats.org/drawingml/2006/main" xmlns:r="http://schemas.openxmlformats.org/officeDocument/2006/relationships" xmlns:p="http://schemas.openxmlformats.org/presentationml/2006/main">
   <p:cSld>
     <p:spTree>
@@ -17588,7 +18303,7 @@
           <a:p>
             <a:fld id="{1BDE3FE7-3AEA-4B05-AC5A-802D1816ACF0}" type="slidenum">
               <a:rPr lang="ko-KR" altLang="en-US" smtClean="0"/>
-              <a:t>33</a:t>
+              <a:t>34</a:t>
             </a:fld>
             <a:endParaRPr lang="ko-KR" altLang="en-US"/>
           </a:p>
@@ -17651,7 +18366,7 @@
 </p:sld>
 </file>
 
-<file path=ppt/slides/slide34.xml><?xml version="1.0" encoding="utf-8"?>
+<file path=ppt/slides/slide35.xml><?xml version="1.0" encoding="utf-8"?>
 <p:sld xmlns:a="http://schemas.openxmlformats.org/drawingml/2006/main" xmlns:r="http://schemas.openxmlformats.org/officeDocument/2006/relationships" xmlns:p="http://schemas.openxmlformats.org/presentationml/2006/main">
   <p:cSld>
     <p:spTree>
@@ -17724,7 +18439,7 @@
           <a:p>
             <a:fld id="{1BDE3FE7-3AEA-4B05-AC5A-802D1816ACF0}" type="slidenum">
               <a:rPr lang="ko-KR" altLang="en-US" smtClean="0"/>
-              <a:t>34</a:t>
+              <a:t>35</a:t>
             </a:fld>
             <a:endParaRPr lang="ko-KR" altLang="en-US"/>
           </a:p>
@@ -18054,7 +18769,7 @@
 </p:sld>
 </file>
 
-<file path=ppt/slides/slide35.xml><?xml version="1.0" encoding="utf-8"?>
+<file path=ppt/slides/slide36.xml><?xml version="1.0" encoding="utf-8"?>
 <p:sld xmlns:a="http://schemas.openxmlformats.org/drawingml/2006/main" xmlns:r="http://schemas.openxmlformats.org/officeDocument/2006/relationships" xmlns:p="http://schemas.openxmlformats.org/presentationml/2006/main">
   <p:cSld>
     <p:spTree>
@@ -18131,7 +18846,7 @@
           <a:p>
             <a:fld id="{1BDE3FE7-3AEA-4B05-AC5A-802D1816ACF0}" type="slidenum">
               <a:rPr lang="ko-KR" altLang="en-US" smtClean="0"/>
-              <a:t>35</a:t>
+              <a:t>36</a:t>
             </a:fld>
             <a:endParaRPr lang="ko-KR" altLang="en-US"/>
           </a:p>
@@ -18231,7 +18946,7 @@
 </p:sld>
 </file>
 
-<file path=ppt/slides/slide36.xml><?xml version="1.0" encoding="utf-8"?>
+<file path=ppt/slides/slide37.xml><?xml version="1.0" encoding="utf-8"?>
 <p:sld xmlns:a="http://schemas.openxmlformats.org/drawingml/2006/main" xmlns:r="http://schemas.openxmlformats.org/officeDocument/2006/relationships" xmlns:p="http://schemas.openxmlformats.org/presentationml/2006/main">
   <p:cSld>
     <p:spTree>
@@ -18268,6 +18983,772 @@
               <a:t> </a:t>
             </a:r>
             <a:r>
+              <a:rPr lang="ko-KR" altLang="en-US" dirty="0" smtClean="0"/>
+              <a:t>가변 크기 </a:t>
+            </a:r>
+            <a:r>
+              <a:rPr lang="en-US" altLang="ko-KR" dirty="0" smtClean="0"/>
+              <a:t>- </a:t>
+            </a:r>
+            <a:r>
+              <a:rPr lang="ko-KR" altLang="en-US" dirty="0" err="1" smtClean="0"/>
+              <a:t>가변패딩</a:t>
+            </a:r>
+            <a:endParaRPr lang="ko-KR" altLang="en-US" sz="2800" dirty="0"/>
+          </a:p>
+        </p:txBody>
+      </p:sp>
+      <p:sp>
+        <p:nvSpPr>
+          <p:cNvPr id="5" name="슬라이드 번호 개체 틀 4"/>
+          <p:cNvSpPr>
+            <a:spLocks noGrp="1"/>
+          </p:cNvSpPr>
+          <p:nvPr>
+            <p:ph type="sldNum" sz="quarter" idx="12"/>
+          </p:nvPr>
+        </p:nvSpPr>
+        <p:spPr/>
+        <p:txBody>
+          <a:bodyPr/>
+          <a:lstStyle/>
+          <a:p>
+            <a:fld id="{1BDE3FE7-3AEA-4B05-AC5A-802D1816ACF0}" type="slidenum">
+              <a:rPr lang="ko-KR" altLang="en-US" smtClean="0"/>
+              <a:t>37</a:t>
+            </a:fld>
+            <a:endParaRPr lang="ko-KR" altLang="en-US"/>
+          </a:p>
+        </p:txBody>
+      </p:sp>
+      <p:sp>
+        <p:nvSpPr>
+          <p:cNvPr id="24" name="내용 개체 틀 2">
+            <a:extLst>
+              <a:ext uri="{FF2B5EF4-FFF2-40B4-BE49-F238E27FC236}">
+                <a16:creationId xmlns:a16="http://schemas.microsoft.com/office/drawing/2014/main" id="{98AF3A4E-7D90-4241-89FE-799D6F9D5A94}"/>
+              </a:ext>
+            </a:extLst>
+          </p:cNvPr>
+          <p:cNvSpPr txBox="1">
+            <a:spLocks/>
+          </p:cNvSpPr>
+          <p:nvPr/>
+        </p:nvSpPr>
+        <p:spPr>
+          <a:xfrm>
+            <a:off x="848544" y="1247872"/>
+            <a:ext cx="6192688" cy="596952"/>
+          </a:xfrm>
+          <a:prstGeom prst="rect">
+            <a:avLst/>
+          </a:prstGeom>
+        </p:spPr>
+        <p:txBody>
+          <a:bodyPr/>
+          <a:lstStyle>
+            <a:lvl1pPr marL="228600" indent="-228600" algn="l" defTabSz="914400" rtl="0" eaLnBrk="1" latinLnBrk="1" hangingPunct="1">
+              <a:lnSpc>
+                <a:spcPct val="90000"/>
+              </a:lnSpc>
+              <a:spcBef>
+                <a:spcPts val="1000"/>
+              </a:spcBef>
+              <a:buFont typeface="Arial" panose="020B0604020202020204" pitchFamily="34" charset="0"/>
+              <a:buChar char="•"/>
+              <a:defRPr sz="2800" kern="1200">
+                <a:solidFill>
+                  <a:schemeClr val="tx1"/>
+                </a:solidFill>
+                <a:latin typeface="+mn-lt"/>
+                <a:ea typeface="+mn-ea"/>
+                <a:cs typeface="+mn-cs"/>
+              </a:defRPr>
+            </a:lvl1pPr>
+            <a:lvl2pPr marL="685800" indent="-228600" algn="l" defTabSz="914400" rtl="0" eaLnBrk="1" latinLnBrk="1" hangingPunct="1">
+              <a:lnSpc>
+                <a:spcPct val="90000"/>
+              </a:lnSpc>
+              <a:spcBef>
+                <a:spcPts val="500"/>
+              </a:spcBef>
+              <a:buFont typeface="Arial" panose="020B0604020202020204" pitchFamily="34" charset="0"/>
+              <a:buChar char="•"/>
+              <a:defRPr sz="2400" kern="1200">
+                <a:solidFill>
+                  <a:schemeClr val="tx1"/>
+                </a:solidFill>
+                <a:latin typeface="+mn-lt"/>
+                <a:ea typeface="+mn-ea"/>
+                <a:cs typeface="+mn-cs"/>
+              </a:defRPr>
+            </a:lvl2pPr>
+            <a:lvl3pPr marL="1143000" indent="-228600" algn="l" defTabSz="914400" rtl="0" eaLnBrk="1" latinLnBrk="1" hangingPunct="1">
+              <a:lnSpc>
+                <a:spcPct val="90000"/>
+              </a:lnSpc>
+              <a:spcBef>
+                <a:spcPts val="500"/>
+              </a:spcBef>
+              <a:buFont typeface="Arial" panose="020B0604020202020204" pitchFamily="34" charset="0"/>
+              <a:buChar char="•"/>
+              <a:defRPr sz="2000" kern="1200">
+                <a:solidFill>
+                  <a:schemeClr val="tx1"/>
+                </a:solidFill>
+                <a:latin typeface="+mn-lt"/>
+                <a:ea typeface="+mn-ea"/>
+                <a:cs typeface="+mn-cs"/>
+              </a:defRPr>
+            </a:lvl3pPr>
+            <a:lvl4pPr marL="1600200" indent="-228600" algn="l" defTabSz="914400" rtl="0" eaLnBrk="1" latinLnBrk="1" hangingPunct="1">
+              <a:lnSpc>
+                <a:spcPct val="90000"/>
+              </a:lnSpc>
+              <a:spcBef>
+                <a:spcPts val="500"/>
+              </a:spcBef>
+              <a:buFont typeface="Arial" panose="020B0604020202020204" pitchFamily="34" charset="0"/>
+              <a:buChar char="•"/>
+              <a:defRPr sz="1800" kern="1200">
+                <a:solidFill>
+                  <a:schemeClr val="tx1"/>
+                </a:solidFill>
+                <a:latin typeface="+mn-lt"/>
+                <a:ea typeface="+mn-ea"/>
+                <a:cs typeface="+mn-cs"/>
+              </a:defRPr>
+            </a:lvl4pPr>
+            <a:lvl5pPr marL="2057400" indent="-228600" algn="l" defTabSz="914400" rtl="0" eaLnBrk="1" latinLnBrk="1" hangingPunct="1">
+              <a:lnSpc>
+                <a:spcPct val="90000"/>
+              </a:lnSpc>
+              <a:spcBef>
+                <a:spcPts val="500"/>
+              </a:spcBef>
+              <a:buFont typeface="Arial" panose="020B0604020202020204" pitchFamily="34" charset="0"/>
+              <a:buChar char="•"/>
+              <a:defRPr sz="1800" kern="1200">
+                <a:solidFill>
+                  <a:schemeClr val="tx1"/>
+                </a:solidFill>
+                <a:latin typeface="+mn-lt"/>
+                <a:ea typeface="+mn-ea"/>
+                <a:cs typeface="+mn-cs"/>
+              </a:defRPr>
+            </a:lvl5pPr>
+            <a:lvl6pPr marL="2514600" indent="-228600" algn="l" defTabSz="914400" rtl="0" eaLnBrk="1" latinLnBrk="1" hangingPunct="1">
+              <a:lnSpc>
+                <a:spcPct val="90000"/>
+              </a:lnSpc>
+              <a:spcBef>
+                <a:spcPts val="500"/>
+              </a:spcBef>
+              <a:buFont typeface="Arial" panose="020B0604020202020204" pitchFamily="34" charset="0"/>
+              <a:buChar char="•"/>
+              <a:defRPr sz="1800" kern="1200">
+                <a:solidFill>
+                  <a:schemeClr val="tx1"/>
+                </a:solidFill>
+                <a:latin typeface="+mn-lt"/>
+                <a:ea typeface="+mn-ea"/>
+                <a:cs typeface="+mn-cs"/>
+              </a:defRPr>
+            </a:lvl6pPr>
+            <a:lvl7pPr marL="2971800" indent="-228600" algn="l" defTabSz="914400" rtl="0" eaLnBrk="1" latinLnBrk="1" hangingPunct="1">
+              <a:lnSpc>
+                <a:spcPct val="90000"/>
+              </a:lnSpc>
+              <a:spcBef>
+                <a:spcPts val="500"/>
+              </a:spcBef>
+              <a:buFont typeface="Arial" panose="020B0604020202020204" pitchFamily="34" charset="0"/>
+              <a:buChar char="•"/>
+              <a:defRPr sz="1800" kern="1200">
+                <a:solidFill>
+                  <a:schemeClr val="tx1"/>
+                </a:solidFill>
+                <a:latin typeface="+mn-lt"/>
+                <a:ea typeface="+mn-ea"/>
+                <a:cs typeface="+mn-cs"/>
+              </a:defRPr>
+            </a:lvl7pPr>
+            <a:lvl8pPr marL="3429000" indent="-228600" algn="l" defTabSz="914400" rtl="0" eaLnBrk="1" latinLnBrk="1" hangingPunct="1">
+              <a:lnSpc>
+                <a:spcPct val="90000"/>
+              </a:lnSpc>
+              <a:spcBef>
+                <a:spcPts val="500"/>
+              </a:spcBef>
+              <a:buFont typeface="Arial" panose="020B0604020202020204" pitchFamily="34" charset="0"/>
+              <a:buChar char="•"/>
+              <a:defRPr sz="1800" kern="1200">
+                <a:solidFill>
+                  <a:schemeClr val="tx1"/>
+                </a:solidFill>
+                <a:latin typeface="+mn-lt"/>
+                <a:ea typeface="+mn-ea"/>
+                <a:cs typeface="+mn-cs"/>
+              </a:defRPr>
+            </a:lvl8pPr>
+            <a:lvl9pPr marL="3886200" indent="-228600" algn="l" defTabSz="914400" rtl="0" eaLnBrk="1" latinLnBrk="1" hangingPunct="1">
+              <a:lnSpc>
+                <a:spcPct val="90000"/>
+              </a:lnSpc>
+              <a:spcBef>
+                <a:spcPts val="500"/>
+              </a:spcBef>
+              <a:buFont typeface="Arial" panose="020B0604020202020204" pitchFamily="34" charset="0"/>
+              <a:buChar char="•"/>
+              <a:defRPr sz="1800" kern="1200">
+                <a:solidFill>
+                  <a:schemeClr val="tx1"/>
+                </a:solidFill>
+                <a:latin typeface="+mn-lt"/>
+                <a:ea typeface="+mn-ea"/>
+                <a:cs typeface="+mn-cs"/>
+              </a:defRPr>
+            </a:lvl9pPr>
+          </a:lstStyle>
+          <a:p>
+            <a:pPr>
+              <a:lnSpc>
+                <a:spcPct val="150000"/>
+              </a:lnSpc>
+              <a:buFont typeface="Wingdings" panose="05000000000000000000" pitchFamily="2" charset="2"/>
+              <a:buChar char="§"/>
+            </a:pPr>
+            <a:r>
+              <a:rPr lang="ko-KR" altLang="en-US" sz="2000" b="1" dirty="0" smtClean="0">
+                <a:solidFill>
+                  <a:srgbClr val="002060"/>
+                </a:solidFill>
+              </a:rPr>
+              <a:t>가변 크기 </a:t>
+            </a:r>
+            <a:r>
+              <a:rPr lang="en-US" altLang="ko-KR" sz="2000" b="1" dirty="0" smtClean="0">
+                <a:solidFill>
+                  <a:srgbClr val="002060"/>
+                </a:solidFill>
+              </a:rPr>
+              <a:t>– </a:t>
+            </a:r>
+            <a:r>
+              <a:rPr lang="ko-KR" altLang="en-US" sz="2000" b="1" dirty="0" smtClean="0">
+                <a:solidFill>
+                  <a:srgbClr val="002060"/>
+                </a:solidFill>
+              </a:rPr>
+              <a:t>가변 패딩</a:t>
+            </a:r>
+            <a:endParaRPr lang="en-US" altLang="ko-KR" sz="2000" b="1" dirty="0">
+              <a:solidFill>
+                <a:srgbClr val="002060"/>
+              </a:solidFill>
+            </a:endParaRPr>
+          </a:p>
+        </p:txBody>
+      </p:sp>
+      <p:pic>
+        <p:nvPicPr>
+          <p:cNvPr id="4" name="그림 3"/>
+          <p:cNvPicPr>
+            <a:picLocks noChangeAspect="1"/>
+          </p:cNvPicPr>
+          <p:nvPr/>
+        </p:nvPicPr>
+        <p:blipFill>
+          <a:blip r:embed="rId3">
+            <a:extLst>
+              <a:ext uri="{28A0092B-C50C-407E-A947-70E740481C1C}">
+                <a14:useLocalDpi xmlns:a14="http://schemas.microsoft.com/office/drawing/2010/main" val="0"/>
+              </a:ext>
+            </a:extLst>
+          </a:blip>
+          <a:stretch>
+            <a:fillRect/>
+          </a:stretch>
+        </p:blipFill>
+        <p:spPr>
+          <a:xfrm>
+            <a:off x="5033931" y="1267688"/>
+            <a:ext cx="3590689" cy="5194777"/>
+          </a:xfrm>
+          <a:prstGeom prst="rect">
+            <a:avLst/>
+          </a:prstGeom>
+          <a:ln>
+            <a:solidFill>
+              <a:schemeClr val="bg1">
+                <a:lumMod val="75000"/>
+              </a:schemeClr>
+            </a:solidFill>
+          </a:ln>
+        </p:spPr>
+      </p:pic>
+      <p:pic>
+        <p:nvPicPr>
+          <p:cNvPr id="7" name="그림 6"/>
+          <p:cNvPicPr>
+            <a:picLocks noChangeAspect="1"/>
+          </p:cNvPicPr>
+          <p:nvPr/>
+        </p:nvPicPr>
+        <p:blipFill>
+          <a:blip r:embed="rId4">
+            <a:extLst>
+              <a:ext uri="{28A0092B-C50C-407E-A947-70E740481C1C}">
+                <a14:useLocalDpi xmlns:a14="http://schemas.microsoft.com/office/drawing/2010/main" val="0"/>
+              </a:ext>
+            </a:extLst>
+          </a:blip>
+          <a:stretch>
+            <a:fillRect/>
+          </a:stretch>
+        </p:blipFill>
+        <p:spPr>
+          <a:xfrm>
+            <a:off x="1008956" y="2204864"/>
+            <a:ext cx="3824723" cy="3160196"/>
+          </a:xfrm>
+          <a:prstGeom prst="rect">
+            <a:avLst/>
+          </a:prstGeom>
+        </p:spPr>
+      </p:pic>
+    </p:spTree>
+    <p:extLst>
+      <p:ext uri="{BB962C8B-B14F-4D97-AF65-F5344CB8AC3E}">
+        <p14:creationId xmlns:p14="http://schemas.microsoft.com/office/powerpoint/2010/main" val="3311722640"/>
+      </p:ext>
+    </p:extLst>
+  </p:cSld>
+  <p:clrMapOvr>
+    <a:masterClrMapping/>
+  </p:clrMapOvr>
+  <p:timing>
+    <p:tnLst>
+      <p:par>
+        <p:cTn id="1" dur="indefinite" restart="never" nodeType="tmRoot"/>
+      </p:par>
+    </p:tnLst>
+  </p:timing>
+</p:sld>
+</file>
+
+<file path=ppt/slides/slide38.xml><?xml version="1.0" encoding="utf-8"?>
+<p:sld xmlns:a="http://schemas.openxmlformats.org/drawingml/2006/main" xmlns:r="http://schemas.openxmlformats.org/officeDocument/2006/relationships" xmlns:p="http://schemas.openxmlformats.org/presentationml/2006/main">
+  <p:cSld>
+    <p:spTree>
+      <p:nvGrpSpPr>
+        <p:cNvPr id="1" name=""/>
+        <p:cNvGrpSpPr/>
+        <p:nvPr/>
+      </p:nvGrpSpPr>
+      <p:grpSpPr>
+        <a:xfrm>
+          <a:off x="0" y="0"/>
+          <a:ext cx="0" cy="0"/>
+          <a:chOff x="0" y="0"/>
+          <a:chExt cx="0" cy="0"/>
+        </a:xfrm>
+      </p:grpSpPr>
+      <p:sp>
+        <p:nvSpPr>
+          <p:cNvPr id="6" name="제목 5"/>
+          <p:cNvSpPr>
+            <a:spLocks noGrp="1"/>
+          </p:cNvSpPr>
+          <p:nvPr>
+            <p:ph type="title"/>
+          </p:nvPr>
+        </p:nvSpPr>
+        <p:spPr/>
+        <p:txBody>
+          <a:bodyPr/>
+          <a:lstStyle/>
+          <a:p>
+            <a:r>
+              <a:rPr lang="en-US" altLang="ko-KR" dirty="0" smtClean="0"/>
+              <a:t> </a:t>
+            </a:r>
+            <a:r>
+              <a:rPr lang="ko-KR" altLang="en-US" dirty="0" smtClean="0"/>
+              <a:t>가변 크기</a:t>
+            </a:r>
+            <a:endParaRPr lang="ko-KR" altLang="en-US" sz="2800" dirty="0"/>
+          </a:p>
+        </p:txBody>
+      </p:sp>
+      <p:sp>
+        <p:nvSpPr>
+          <p:cNvPr id="5" name="슬라이드 번호 개체 틀 4"/>
+          <p:cNvSpPr>
+            <a:spLocks noGrp="1"/>
+          </p:cNvSpPr>
+          <p:nvPr>
+            <p:ph type="sldNum" sz="quarter" idx="12"/>
+          </p:nvPr>
+        </p:nvSpPr>
+        <p:spPr/>
+        <p:txBody>
+          <a:bodyPr/>
+          <a:lstStyle/>
+          <a:p>
+            <a:fld id="{1BDE3FE7-3AEA-4B05-AC5A-802D1816ACF0}" type="slidenum">
+              <a:rPr lang="ko-KR" altLang="en-US" smtClean="0"/>
+              <a:t>38</a:t>
+            </a:fld>
+            <a:endParaRPr lang="ko-KR" altLang="en-US"/>
+          </a:p>
+        </p:txBody>
+      </p:sp>
+      <p:sp>
+        <p:nvSpPr>
+          <p:cNvPr id="24" name="내용 개체 틀 2">
+            <a:extLst>
+              <a:ext uri="{FF2B5EF4-FFF2-40B4-BE49-F238E27FC236}">
+                <a16:creationId xmlns:a16="http://schemas.microsoft.com/office/drawing/2014/main" id="{98AF3A4E-7D90-4241-89FE-799D6F9D5A94}"/>
+              </a:ext>
+            </a:extLst>
+          </p:cNvPr>
+          <p:cNvSpPr txBox="1">
+            <a:spLocks/>
+          </p:cNvSpPr>
+          <p:nvPr/>
+        </p:nvSpPr>
+        <p:spPr>
+          <a:xfrm>
+            <a:off x="848544" y="1247872"/>
+            <a:ext cx="6192688" cy="596952"/>
+          </a:xfrm>
+          <a:prstGeom prst="rect">
+            <a:avLst/>
+          </a:prstGeom>
+        </p:spPr>
+        <p:txBody>
+          <a:bodyPr/>
+          <a:lstStyle>
+            <a:lvl1pPr marL="228600" indent="-228600" algn="l" defTabSz="914400" rtl="0" eaLnBrk="1" latinLnBrk="1" hangingPunct="1">
+              <a:lnSpc>
+                <a:spcPct val="90000"/>
+              </a:lnSpc>
+              <a:spcBef>
+                <a:spcPts val="1000"/>
+              </a:spcBef>
+              <a:buFont typeface="Arial" panose="020B0604020202020204" pitchFamily="34" charset="0"/>
+              <a:buChar char="•"/>
+              <a:defRPr sz="2800" kern="1200">
+                <a:solidFill>
+                  <a:schemeClr val="tx1"/>
+                </a:solidFill>
+                <a:latin typeface="+mn-lt"/>
+                <a:ea typeface="+mn-ea"/>
+                <a:cs typeface="+mn-cs"/>
+              </a:defRPr>
+            </a:lvl1pPr>
+            <a:lvl2pPr marL="685800" indent="-228600" algn="l" defTabSz="914400" rtl="0" eaLnBrk="1" latinLnBrk="1" hangingPunct="1">
+              <a:lnSpc>
+                <a:spcPct val="90000"/>
+              </a:lnSpc>
+              <a:spcBef>
+                <a:spcPts val="500"/>
+              </a:spcBef>
+              <a:buFont typeface="Arial" panose="020B0604020202020204" pitchFamily="34" charset="0"/>
+              <a:buChar char="•"/>
+              <a:defRPr sz="2400" kern="1200">
+                <a:solidFill>
+                  <a:schemeClr val="tx1"/>
+                </a:solidFill>
+                <a:latin typeface="+mn-lt"/>
+                <a:ea typeface="+mn-ea"/>
+                <a:cs typeface="+mn-cs"/>
+              </a:defRPr>
+            </a:lvl2pPr>
+            <a:lvl3pPr marL="1143000" indent="-228600" algn="l" defTabSz="914400" rtl="0" eaLnBrk="1" latinLnBrk="1" hangingPunct="1">
+              <a:lnSpc>
+                <a:spcPct val="90000"/>
+              </a:lnSpc>
+              <a:spcBef>
+                <a:spcPts val="500"/>
+              </a:spcBef>
+              <a:buFont typeface="Arial" panose="020B0604020202020204" pitchFamily="34" charset="0"/>
+              <a:buChar char="•"/>
+              <a:defRPr sz="2000" kern="1200">
+                <a:solidFill>
+                  <a:schemeClr val="tx1"/>
+                </a:solidFill>
+                <a:latin typeface="+mn-lt"/>
+                <a:ea typeface="+mn-ea"/>
+                <a:cs typeface="+mn-cs"/>
+              </a:defRPr>
+            </a:lvl3pPr>
+            <a:lvl4pPr marL="1600200" indent="-228600" algn="l" defTabSz="914400" rtl="0" eaLnBrk="1" latinLnBrk="1" hangingPunct="1">
+              <a:lnSpc>
+                <a:spcPct val="90000"/>
+              </a:lnSpc>
+              <a:spcBef>
+                <a:spcPts val="500"/>
+              </a:spcBef>
+              <a:buFont typeface="Arial" panose="020B0604020202020204" pitchFamily="34" charset="0"/>
+              <a:buChar char="•"/>
+              <a:defRPr sz="1800" kern="1200">
+                <a:solidFill>
+                  <a:schemeClr val="tx1"/>
+                </a:solidFill>
+                <a:latin typeface="+mn-lt"/>
+                <a:ea typeface="+mn-ea"/>
+                <a:cs typeface="+mn-cs"/>
+              </a:defRPr>
+            </a:lvl4pPr>
+            <a:lvl5pPr marL="2057400" indent="-228600" algn="l" defTabSz="914400" rtl="0" eaLnBrk="1" latinLnBrk="1" hangingPunct="1">
+              <a:lnSpc>
+                <a:spcPct val="90000"/>
+              </a:lnSpc>
+              <a:spcBef>
+                <a:spcPts val="500"/>
+              </a:spcBef>
+              <a:buFont typeface="Arial" panose="020B0604020202020204" pitchFamily="34" charset="0"/>
+              <a:buChar char="•"/>
+              <a:defRPr sz="1800" kern="1200">
+                <a:solidFill>
+                  <a:schemeClr val="tx1"/>
+                </a:solidFill>
+                <a:latin typeface="+mn-lt"/>
+                <a:ea typeface="+mn-ea"/>
+                <a:cs typeface="+mn-cs"/>
+              </a:defRPr>
+            </a:lvl5pPr>
+            <a:lvl6pPr marL="2514600" indent="-228600" algn="l" defTabSz="914400" rtl="0" eaLnBrk="1" latinLnBrk="1" hangingPunct="1">
+              <a:lnSpc>
+                <a:spcPct val="90000"/>
+              </a:lnSpc>
+              <a:spcBef>
+                <a:spcPts val="500"/>
+              </a:spcBef>
+              <a:buFont typeface="Arial" panose="020B0604020202020204" pitchFamily="34" charset="0"/>
+              <a:buChar char="•"/>
+              <a:defRPr sz="1800" kern="1200">
+                <a:solidFill>
+                  <a:schemeClr val="tx1"/>
+                </a:solidFill>
+                <a:latin typeface="+mn-lt"/>
+                <a:ea typeface="+mn-ea"/>
+                <a:cs typeface="+mn-cs"/>
+              </a:defRPr>
+            </a:lvl6pPr>
+            <a:lvl7pPr marL="2971800" indent="-228600" algn="l" defTabSz="914400" rtl="0" eaLnBrk="1" latinLnBrk="1" hangingPunct="1">
+              <a:lnSpc>
+                <a:spcPct val="90000"/>
+              </a:lnSpc>
+              <a:spcBef>
+                <a:spcPts val="500"/>
+              </a:spcBef>
+              <a:buFont typeface="Arial" panose="020B0604020202020204" pitchFamily="34" charset="0"/>
+              <a:buChar char="•"/>
+              <a:defRPr sz="1800" kern="1200">
+                <a:solidFill>
+                  <a:schemeClr val="tx1"/>
+                </a:solidFill>
+                <a:latin typeface="+mn-lt"/>
+                <a:ea typeface="+mn-ea"/>
+                <a:cs typeface="+mn-cs"/>
+              </a:defRPr>
+            </a:lvl7pPr>
+            <a:lvl8pPr marL="3429000" indent="-228600" algn="l" defTabSz="914400" rtl="0" eaLnBrk="1" latinLnBrk="1" hangingPunct="1">
+              <a:lnSpc>
+                <a:spcPct val="90000"/>
+              </a:lnSpc>
+              <a:spcBef>
+                <a:spcPts val="500"/>
+              </a:spcBef>
+              <a:buFont typeface="Arial" panose="020B0604020202020204" pitchFamily="34" charset="0"/>
+              <a:buChar char="•"/>
+              <a:defRPr sz="1800" kern="1200">
+                <a:solidFill>
+                  <a:schemeClr val="tx1"/>
+                </a:solidFill>
+                <a:latin typeface="+mn-lt"/>
+                <a:ea typeface="+mn-ea"/>
+                <a:cs typeface="+mn-cs"/>
+              </a:defRPr>
+            </a:lvl8pPr>
+            <a:lvl9pPr marL="3886200" indent="-228600" algn="l" defTabSz="914400" rtl="0" eaLnBrk="1" latinLnBrk="1" hangingPunct="1">
+              <a:lnSpc>
+                <a:spcPct val="90000"/>
+              </a:lnSpc>
+              <a:spcBef>
+                <a:spcPts val="500"/>
+              </a:spcBef>
+              <a:buFont typeface="Arial" panose="020B0604020202020204" pitchFamily="34" charset="0"/>
+              <a:buChar char="•"/>
+              <a:defRPr sz="1800" kern="1200">
+                <a:solidFill>
+                  <a:schemeClr val="tx1"/>
+                </a:solidFill>
+                <a:latin typeface="+mn-lt"/>
+                <a:ea typeface="+mn-ea"/>
+                <a:cs typeface="+mn-cs"/>
+              </a:defRPr>
+            </a:lvl9pPr>
+          </a:lstStyle>
+          <a:p>
+            <a:pPr>
+              <a:lnSpc>
+                <a:spcPct val="150000"/>
+              </a:lnSpc>
+              <a:buFont typeface="Wingdings" panose="05000000000000000000" pitchFamily="2" charset="2"/>
+              <a:buChar char="§"/>
+            </a:pPr>
+            <a:r>
+              <a:rPr lang="ko-KR" altLang="en-US" sz="2000" b="1" dirty="0" smtClean="0">
+                <a:solidFill>
+                  <a:srgbClr val="002060"/>
+                </a:solidFill>
+              </a:rPr>
+              <a:t>가변 크기 </a:t>
+            </a:r>
+            <a:r>
+              <a:rPr lang="en-US" altLang="ko-KR" sz="2000" b="1" dirty="0" smtClean="0">
+                <a:solidFill>
+                  <a:srgbClr val="002060"/>
+                </a:solidFill>
+              </a:rPr>
+              <a:t>– max-width</a:t>
+            </a:r>
+            <a:endParaRPr lang="en-US" altLang="ko-KR" sz="2000" b="1" dirty="0">
+              <a:solidFill>
+                <a:srgbClr val="002060"/>
+              </a:solidFill>
+            </a:endParaRPr>
+          </a:p>
+        </p:txBody>
+      </p:sp>
+      <p:pic>
+        <p:nvPicPr>
+          <p:cNvPr id="8" name="그림 7"/>
+          <p:cNvPicPr>
+            <a:picLocks noChangeAspect="1"/>
+          </p:cNvPicPr>
+          <p:nvPr/>
+        </p:nvPicPr>
+        <p:blipFill>
+          <a:blip r:embed="rId3">
+            <a:extLst>
+              <a:ext uri="{28A0092B-C50C-407E-A947-70E740481C1C}">
+                <a14:useLocalDpi xmlns:a14="http://schemas.microsoft.com/office/drawing/2010/main" val="0"/>
+              </a:ext>
+            </a:extLst>
+          </a:blip>
+          <a:stretch>
+            <a:fillRect/>
+          </a:stretch>
+        </p:blipFill>
+        <p:spPr>
+          <a:xfrm>
+            <a:off x="1568624" y="1862823"/>
+            <a:ext cx="5585338" cy="4493659"/>
+          </a:xfrm>
+          <a:prstGeom prst="rect">
+            <a:avLst/>
+          </a:prstGeom>
+          <a:ln>
+            <a:solidFill>
+              <a:schemeClr val="bg1">
+                <a:lumMod val="75000"/>
+              </a:schemeClr>
+            </a:solidFill>
+          </a:ln>
+        </p:spPr>
+      </p:pic>
+      <p:pic>
+        <p:nvPicPr>
+          <p:cNvPr id="2" name="그림 1"/>
+          <p:cNvPicPr>
+            <a:picLocks noChangeAspect="1"/>
+          </p:cNvPicPr>
+          <p:nvPr/>
+        </p:nvPicPr>
+        <p:blipFill>
+          <a:blip r:embed="rId4">
+            <a:extLst>
+              <a:ext uri="{28A0092B-C50C-407E-A947-70E740481C1C}">
+                <a14:useLocalDpi xmlns:a14="http://schemas.microsoft.com/office/drawing/2010/main" val="0"/>
+              </a:ext>
+            </a:extLst>
+          </a:blip>
+          <a:stretch>
+            <a:fillRect/>
+          </a:stretch>
+        </p:blipFill>
+        <p:spPr>
+          <a:xfrm>
+            <a:off x="5135591" y="2039960"/>
+            <a:ext cx="3811282" cy="2901208"/>
+          </a:xfrm>
+          <a:prstGeom prst="rect">
+            <a:avLst/>
+          </a:prstGeom>
+        </p:spPr>
+      </p:pic>
+    </p:spTree>
+    <p:extLst>
+      <p:ext uri="{BB962C8B-B14F-4D97-AF65-F5344CB8AC3E}">
+        <p14:creationId xmlns:p14="http://schemas.microsoft.com/office/powerpoint/2010/main" val="972497226"/>
+      </p:ext>
+    </p:extLst>
+  </p:cSld>
+  <p:clrMapOvr>
+    <a:masterClrMapping/>
+  </p:clrMapOvr>
+  <p:timing>
+    <p:tnLst>
+      <p:par>
+        <p:cTn id="1" dur="indefinite" restart="never" nodeType="tmRoot"/>
+      </p:par>
+    </p:tnLst>
+  </p:timing>
+</p:sld>
+</file>
+
+<file path=ppt/slides/slide39.xml><?xml version="1.0" encoding="utf-8"?>
+<p:sld xmlns:a="http://schemas.openxmlformats.org/drawingml/2006/main" xmlns:r="http://schemas.openxmlformats.org/officeDocument/2006/relationships" xmlns:p="http://schemas.openxmlformats.org/presentationml/2006/main">
+  <p:cSld>
+    <p:spTree>
+      <p:nvGrpSpPr>
+        <p:cNvPr id="1" name=""/>
+        <p:cNvGrpSpPr/>
+        <p:nvPr/>
+      </p:nvGrpSpPr>
+      <p:grpSpPr>
+        <a:xfrm>
+          <a:off x="0" y="0"/>
+          <a:ext cx="0" cy="0"/>
+          <a:chOff x="0" y="0"/>
+          <a:chExt cx="0" cy="0"/>
+        </a:xfrm>
+      </p:grpSpPr>
+      <p:sp>
+        <p:nvSpPr>
+          <p:cNvPr id="6" name="제목 5"/>
+          <p:cNvSpPr>
+            <a:spLocks noGrp="1"/>
+          </p:cNvSpPr>
+          <p:nvPr>
+            <p:ph type="title"/>
+          </p:nvPr>
+        </p:nvSpPr>
+        <p:spPr/>
+        <p:txBody>
+          <a:bodyPr/>
+          <a:lstStyle/>
+          <a:p>
+            <a:r>
+              <a:rPr lang="en-US" altLang="ko-KR" dirty="0" smtClean="0"/>
+              <a:t> </a:t>
+            </a:r>
+            <a:r>
               <a:rPr lang="en-US" altLang="ko-KR" dirty="0" err="1" smtClean="0"/>
               <a:t>calc</a:t>
             </a:r>
@@ -18300,7 +19781,7 @@
           <a:p>
             <a:fld id="{1BDE3FE7-3AEA-4B05-AC5A-802D1816ACF0}" type="slidenum">
               <a:rPr lang="ko-KR" altLang="en-US" smtClean="0"/>
-              <a:t>36</a:t>
+              <a:t>39</a:t>
             </a:fld>
             <a:endParaRPr lang="ko-KR" altLang="en-US"/>
           </a:p>
@@ -18651,7 +20132,7 @@
     </p:spTree>
     <p:extLst>
       <p:ext uri="{BB962C8B-B14F-4D97-AF65-F5344CB8AC3E}">
-        <p14:creationId xmlns:p14="http://schemas.microsoft.com/office/powerpoint/2010/main" val="3311722640"/>
+        <p14:creationId xmlns:p14="http://schemas.microsoft.com/office/powerpoint/2010/main" val="3534303238"/>
       </p:ext>
     </p:extLst>
   </p:cSld>
@@ -18668,7 +20149,7 @@
 </p:sld>
 </file>
 
-<file path=ppt/slides/slide37.xml><?xml version="1.0" encoding="utf-8"?>
+<file path=ppt/slides/slide4.xml><?xml version="1.0" encoding="utf-8"?>
 <p:sld xmlns:a="http://schemas.openxmlformats.org/drawingml/2006/main" xmlns:r="http://schemas.openxmlformats.org/officeDocument/2006/relationships" xmlns:p="http://schemas.openxmlformats.org/presentationml/2006/main">
   <p:cSld>
     <p:spTree>
@@ -18705,6 +20186,352 @@
               <a:t> </a:t>
             </a:r>
             <a:r>
+              <a:rPr lang="ko-KR" altLang="en-US" dirty="0" err="1" smtClean="0"/>
+              <a:t>그리드</a:t>
+            </a:r>
+            <a:r>
+              <a:rPr lang="ko-KR" altLang="en-US" dirty="0" smtClean="0"/>
+              <a:t> 레이아웃 </a:t>
+            </a:r>
+            <a:r>
+              <a:rPr lang="en-US" altLang="ko-KR" dirty="0" smtClean="0"/>
+              <a:t>- flex</a:t>
+            </a:r>
+            <a:endParaRPr lang="ko-KR" altLang="en-US" dirty="0"/>
+          </a:p>
+        </p:txBody>
+      </p:sp>
+      <p:sp>
+        <p:nvSpPr>
+          <p:cNvPr id="5" name="슬라이드 번호 개체 틀 4"/>
+          <p:cNvSpPr>
+            <a:spLocks noGrp="1"/>
+          </p:cNvSpPr>
+          <p:nvPr>
+            <p:ph type="sldNum" sz="quarter" idx="12"/>
+          </p:nvPr>
+        </p:nvSpPr>
+        <p:spPr/>
+        <p:txBody>
+          <a:bodyPr/>
+          <a:lstStyle/>
+          <a:p>
+            <a:fld id="{1BDE3FE7-3AEA-4B05-AC5A-802D1816ACF0}" type="slidenum">
+              <a:rPr lang="ko-KR" altLang="en-US" smtClean="0"/>
+              <a:t>4</a:t>
+            </a:fld>
+            <a:endParaRPr lang="ko-KR" altLang="en-US"/>
+          </a:p>
+        </p:txBody>
+      </p:sp>
+      <p:sp>
+        <p:nvSpPr>
+          <p:cNvPr id="13" name="내용 개체 틀 2">
+            <a:extLst>
+              <a:ext uri="{FF2B5EF4-FFF2-40B4-BE49-F238E27FC236}">
+                <a16:creationId xmlns:a16="http://schemas.microsoft.com/office/drawing/2014/main" id="{98AF3A4E-7D90-4241-89FE-799D6F9D5A94}"/>
+              </a:ext>
+            </a:extLst>
+          </p:cNvPr>
+          <p:cNvSpPr txBox="1">
+            <a:spLocks/>
+          </p:cNvSpPr>
+          <p:nvPr/>
+        </p:nvSpPr>
+        <p:spPr>
+          <a:xfrm>
+            <a:off x="910923" y="1245051"/>
+            <a:ext cx="3672408" cy="596952"/>
+          </a:xfrm>
+          <a:prstGeom prst="rect">
+            <a:avLst/>
+          </a:prstGeom>
+        </p:spPr>
+        <p:txBody>
+          <a:bodyPr/>
+          <a:lstStyle>
+            <a:lvl1pPr marL="228600" indent="-228600" algn="l" defTabSz="914400" rtl="0" eaLnBrk="1" latinLnBrk="1" hangingPunct="1">
+              <a:lnSpc>
+                <a:spcPct val="90000"/>
+              </a:lnSpc>
+              <a:spcBef>
+                <a:spcPts val="1000"/>
+              </a:spcBef>
+              <a:buFont typeface="Arial" panose="020B0604020202020204" pitchFamily="34" charset="0"/>
+              <a:buChar char="•"/>
+              <a:defRPr sz="2800" kern="1200">
+                <a:solidFill>
+                  <a:schemeClr val="tx1"/>
+                </a:solidFill>
+                <a:latin typeface="+mn-lt"/>
+                <a:ea typeface="+mn-ea"/>
+                <a:cs typeface="+mn-cs"/>
+              </a:defRPr>
+            </a:lvl1pPr>
+            <a:lvl2pPr marL="685800" indent="-228600" algn="l" defTabSz="914400" rtl="0" eaLnBrk="1" latinLnBrk="1" hangingPunct="1">
+              <a:lnSpc>
+                <a:spcPct val="90000"/>
+              </a:lnSpc>
+              <a:spcBef>
+                <a:spcPts val="500"/>
+              </a:spcBef>
+              <a:buFont typeface="Arial" panose="020B0604020202020204" pitchFamily="34" charset="0"/>
+              <a:buChar char="•"/>
+              <a:defRPr sz="2400" kern="1200">
+                <a:solidFill>
+                  <a:schemeClr val="tx1"/>
+                </a:solidFill>
+                <a:latin typeface="+mn-lt"/>
+                <a:ea typeface="+mn-ea"/>
+                <a:cs typeface="+mn-cs"/>
+              </a:defRPr>
+            </a:lvl2pPr>
+            <a:lvl3pPr marL="1143000" indent="-228600" algn="l" defTabSz="914400" rtl="0" eaLnBrk="1" latinLnBrk="1" hangingPunct="1">
+              <a:lnSpc>
+                <a:spcPct val="90000"/>
+              </a:lnSpc>
+              <a:spcBef>
+                <a:spcPts val="500"/>
+              </a:spcBef>
+              <a:buFont typeface="Arial" panose="020B0604020202020204" pitchFamily="34" charset="0"/>
+              <a:buChar char="•"/>
+              <a:defRPr sz="2000" kern="1200">
+                <a:solidFill>
+                  <a:schemeClr val="tx1"/>
+                </a:solidFill>
+                <a:latin typeface="+mn-lt"/>
+                <a:ea typeface="+mn-ea"/>
+                <a:cs typeface="+mn-cs"/>
+              </a:defRPr>
+            </a:lvl3pPr>
+            <a:lvl4pPr marL="1600200" indent="-228600" algn="l" defTabSz="914400" rtl="0" eaLnBrk="1" latinLnBrk="1" hangingPunct="1">
+              <a:lnSpc>
+                <a:spcPct val="90000"/>
+              </a:lnSpc>
+              <a:spcBef>
+                <a:spcPts val="500"/>
+              </a:spcBef>
+              <a:buFont typeface="Arial" panose="020B0604020202020204" pitchFamily="34" charset="0"/>
+              <a:buChar char="•"/>
+              <a:defRPr sz="1800" kern="1200">
+                <a:solidFill>
+                  <a:schemeClr val="tx1"/>
+                </a:solidFill>
+                <a:latin typeface="+mn-lt"/>
+                <a:ea typeface="+mn-ea"/>
+                <a:cs typeface="+mn-cs"/>
+              </a:defRPr>
+            </a:lvl4pPr>
+            <a:lvl5pPr marL="2057400" indent="-228600" algn="l" defTabSz="914400" rtl="0" eaLnBrk="1" latinLnBrk="1" hangingPunct="1">
+              <a:lnSpc>
+                <a:spcPct val="90000"/>
+              </a:lnSpc>
+              <a:spcBef>
+                <a:spcPts val="500"/>
+              </a:spcBef>
+              <a:buFont typeface="Arial" panose="020B0604020202020204" pitchFamily="34" charset="0"/>
+              <a:buChar char="•"/>
+              <a:defRPr sz="1800" kern="1200">
+                <a:solidFill>
+                  <a:schemeClr val="tx1"/>
+                </a:solidFill>
+                <a:latin typeface="+mn-lt"/>
+                <a:ea typeface="+mn-ea"/>
+                <a:cs typeface="+mn-cs"/>
+              </a:defRPr>
+            </a:lvl5pPr>
+            <a:lvl6pPr marL="2514600" indent="-228600" algn="l" defTabSz="914400" rtl="0" eaLnBrk="1" latinLnBrk="1" hangingPunct="1">
+              <a:lnSpc>
+                <a:spcPct val="90000"/>
+              </a:lnSpc>
+              <a:spcBef>
+                <a:spcPts val="500"/>
+              </a:spcBef>
+              <a:buFont typeface="Arial" panose="020B0604020202020204" pitchFamily="34" charset="0"/>
+              <a:buChar char="•"/>
+              <a:defRPr sz="1800" kern="1200">
+                <a:solidFill>
+                  <a:schemeClr val="tx1"/>
+                </a:solidFill>
+                <a:latin typeface="+mn-lt"/>
+                <a:ea typeface="+mn-ea"/>
+                <a:cs typeface="+mn-cs"/>
+              </a:defRPr>
+            </a:lvl6pPr>
+            <a:lvl7pPr marL="2971800" indent="-228600" algn="l" defTabSz="914400" rtl="0" eaLnBrk="1" latinLnBrk="1" hangingPunct="1">
+              <a:lnSpc>
+                <a:spcPct val="90000"/>
+              </a:lnSpc>
+              <a:spcBef>
+                <a:spcPts val="500"/>
+              </a:spcBef>
+              <a:buFont typeface="Arial" panose="020B0604020202020204" pitchFamily="34" charset="0"/>
+              <a:buChar char="•"/>
+              <a:defRPr sz="1800" kern="1200">
+                <a:solidFill>
+                  <a:schemeClr val="tx1"/>
+                </a:solidFill>
+                <a:latin typeface="+mn-lt"/>
+                <a:ea typeface="+mn-ea"/>
+                <a:cs typeface="+mn-cs"/>
+              </a:defRPr>
+            </a:lvl7pPr>
+            <a:lvl8pPr marL="3429000" indent="-228600" algn="l" defTabSz="914400" rtl="0" eaLnBrk="1" latinLnBrk="1" hangingPunct="1">
+              <a:lnSpc>
+                <a:spcPct val="90000"/>
+              </a:lnSpc>
+              <a:spcBef>
+                <a:spcPts val="500"/>
+              </a:spcBef>
+              <a:buFont typeface="Arial" panose="020B0604020202020204" pitchFamily="34" charset="0"/>
+              <a:buChar char="•"/>
+              <a:defRPr sz="1800" kern="1200">
+                <a:solidFill>
+                  <a:schemeClr val="tx1"/>
+                </a:solidFill>
+                <a:latin typeface="+mn-lt"/>
+                <a:ea typeface="+mn-ea"/>
+                <a:cs typeface="+mn-cs"/>
+              </a:defRPr>
+            </a:lvl8pPr>
+            <a:lvl9pPr marL="3886200" indent="-228600" algn="l" defTabSz="914400" rtl="0" eaLnBrk="1" latinLnBrk="1" hangingPunct="1">
+              <a:lnSpc>
+                <a:spcPct val="90000"/>
+              </a:lnSpc>
+              <a:spcBef>
+                <a:spcPts val="500"/>
+              </a:spcBef>
+              <a:buFont typeface="Arial" panose="020B0604020202020204" pitchFamily="34" charset="0"/>
+              <a:buChar char="•"/>
+              <a:defRPr sz="1800" kern="1200">
+                <a:solidFill>
+                  <a:schemeClr val="tx1"/>
+                </a:solidFill>
+                <a:latin typeface="+mn-lt"/>
+                <a:ea typeface="+mn-ea"/>
+                <a:cs typeface="+mn-cs"/>
+              </a:defRPr>
+            </a:lvl9pPr>
+          </a:lstStyle>
+          <a:p>
+            <a:pPr>
+              <a:lnSpc>
+                <a:spcPct val="150000"/>
+              </a:lnSpc>
+              <a:buFont typeface="Wingdings" panose="05000000000000000000" pitchFamily="2" charset="2"/>
+              <a:buChar char="§"/>
+            </a:pPr>
+            <a:r>
+              <a:rPr lang="ko-KR" altLang="en-US" sz="2000" b="1" dirty="0" err="1" smtClean="0">
+                <a:solidFill>
+                  <a:srgbClr val="C00000"/>
+                </a:solidFill>
+              </a:rPr>
+              <a:t>플렉스</a:t>
+            </a:r>
+            <a:r>
+              <a:rPr lang="ko-KR" altLang="en-US" sz="2000" b="1" dirty="0" smtClean="0">
+                <a:solidFill>
+                  <a:srgbClr val="C00000"/>
+                </a:solidFill>
+              </a:rPr>
+              <a:t> 박스</a:t>
+            </a:r>
+            <a:endParaRPr lang="en-US" altLang="ko-KR" sz="2000" b="1" dirty="0">
+              <a:solidFill>
+                <a:srgbClr val="C00000"/>
+              </a:solidFill>
+            </a:endParaRPr>
+          </a:p>
+        </p:txBody>
+      </p:sp>
+      <p:pic>
+        <p:nvPicPr>
+          <p:cNvPr id="10" name="그림 9"/>
+          <p:cNvPicPr>
+            <a:picLocks noChangeAspect="1"/>
+          </p:cNvPicPr>
+          <p:nvPr/>
+        </p:nvPicPr>
+        <p:blipFill>
+          <a:blip r:embed="rId3">
+            <a:extLst>
+              <a:ext uri="{28A0092B-C50C-407E-A947-70E740481C1C}">
+                <a14:useLocalDpi xmlns:a14="http://schemas.microsoft.com/office/drawing/2010/main" val="0"/>
+              </a:ext>
+            </a:extLst>
+          </a:blip>
+          <a:stretch>
+            <a:fillRect/>
+          </a:stretch>
+        </p:blipFill>
+        <p:spPr>
+          <a:xfrm>
+            <a:off x="2216696" y="1842003"/>
+            <a:ext cx="3398815" cy="3901778"/>
+          </a:xfrm>
+          <a:prstGeom prst="rect">
+            <a:avLst/>
+          </a:prstGeom>
+        </p:spPr>
+      </p:pic>
+    </p:spTree>
+    <p:extLst>
+      <p:ext uri="{BB962C8B-B14F-4D97-AF65-F5344CB8AC3E}">
+        <p14:creationId xmlns:p14="http://schemas.microsoft.com/office/powerpoint/2010/main" val="782708906"/>
+      </p:ext>
+    </p:extLst>
+  </p:cSld>
+  <p:clrMapOvr>
+    <a:masterClrMapping/>
+  </p:clrMapOvr>
+  <p:timing>
+    <p:tnLst>
+      <p:par>
+        <p:cTn id="1" dur="indefinite" restart="never" nodeType="tmRoot"/>
+      </p:par>
+    </p:tnLst>
+  </p:timing>
+</p:sld>
+</file>
+
+<file path=ppt/slides/slide40.xml><?xml version="1.0" encoding="utf-8"?>
+<p:sld xmlns:a="http://schemas.openxmlformats.org/drawingml/2006/main" xmlns:r="http://schemas.openxmlformats.org/officeDocument/2006/relationships" xmlns:p="http://schemas.openxmlformats.org/presentationml/2006/main">
+  <p:cSld>
+    <p:spTree>
+      <p:nvGrpSpPr>
+        <p:cNvPr id="1" name=""/>
+        <p:cNvGrpSpPr/>
+        <p:nvPr/>
+      </p:nvGrpSpPr>
+      <p:grpSpPr>
+        <a:xfrm>
+          <a:off x="0" y="0"/>
+          <a:ext cx="0" cy="0"/>
+          <a:chOff x="0" y="0"/>
+          <a:chExt cx="0" cy="0"/>
+        </a:xfrm>
+      </p:grpSpPr>
+      <p:sp>
+        <p:nvSpPr>
+          <p:cNvPr id="6" name="제목 5"/>
+          <p:cNvSpPr>
+            <a:spLocks noGrp="1"/>
+          </p:cNvSpPr>
+          <p:nvPr>
+            <p:ph type="title"/>
+          </p:nvPr>
+        </p:nvSpPr>
+        <p:spPr/>
+        <p:txBody>
+          <a:bodyPr/>
+          <a:lstStyle/>
+          <a:p>
+            <a:r>
+              <a:rPr lang="en-US" altLang="ko-KR" dirty="0" smtClean="0"/>
+              <a:t> </a:t>
+            </a:r>
+            <a:r>
               <a:rPr lang="en-US" altLang="ko-KR" dirty="0" err="1" smtClean="0"/>
               <a:t>calc</a:t>
             </a:r>
@@ -18737,7 +20564,7 @@
           <a:p>
             <a:fld id="{1BDE3FE7-3AEA-4B05-AC5A-802D1816ACF0}" type="slidenum">
               <a:rPr lang="ko-KR" altLang="en-US" smtClean="0"/>
-              <a:t>37</a:t>
+              <a:t>40</a:t>
             </a:fld>
             <a:endParaRPr lang="ko-KR" altLang="en-US"/>
           </a:p>
@@ -18800,7 +20627,7 @@
 </p:sld>
 </file>
 
-<file path=ppt/slides/slide38.xml><?xml version="1.0" encoding="utf-8"?>
+<file path=ppt/slides/slide41.xml><?xml version="1.0" encoding="utf-8"?>
 <p:sld xmlns:a="http://schemas.openxmlformats.org/drawingml/2006/main" xmlns:r="http://schemas.openxmlformats.org/officeDocument/2006/relationships" xmlns:p="http://schemas.openxmlformats.org/presentationml/2006/main">
   <p:cSld>
     <p:spTree>
@@ -18869,7 +20696,7 @@
           <a:p>
             <a:fld id="{1BDE3FE7-3AEA-4B05-AC5A-802D1816ACF0}" type="slidenum">
               <a:rPr lang="ko-KR" altLang="en-US" smtClean="0"/>
-              <a:t>38</a:t>
+              <a:t>41</a:t>
             </a:fld>
             <a:endParaRPr lang="ko-KR" altLang="en-US"/>
           </a:p>
@@ -18962,7 +20789,7 @@
 </p:sld>
 </file>
 
-<file path=ppt/slides/slide4.xml><?xml version="1.0" encoding="utf-8"?>
+<file path=ppt/slides/slide42.xml><?xml version="1.0" encoding="utf-8"?>
 <p:sld xmlns:a="http://schemas.openxmlformats.org/drawingml/2006/main" xmlns:r="http://schemas.openxmlformats.org/officeDocument/2006/relationships" xmlns:p="http://schemas.openxmlformats.org/presentationml/2006/main">
   <p:cSld>
     <p:spTree>
@@ -18999,18 +20826,18 @@
               <a:t> </a:t>
             </a:r>
             <a:r>
-              <a:rPr lang="ko-KR" altLang="en-US" dirty="0" err="1" smtClean="0"/>
-              <a:t>그리드</a:t>
+              <a:rPr lang="en-US" altLang="ko-KR" dirty="0" err="1" smtClean="0"/>
+              <a:t>var</a:t>
+            </a:r>
+            <a:r>
+              <a:rPr lang="en-US" altLang="ko-KR" dirty="0" smtClean="0"/>
+              <a:t>() </a:t>
             </a:r>
             <a:r>
               <a:rPr lang="ko-KR" altLang="en-US" dirty="0" smtClean="0"/>
-              <a:t> 레이아웃 </a:t>
-            </a:r>
-            <a:r>
-              <a:rPr lang="en-US" altLang="ko-KR" dirty="0" smtClean="0"/>
-              <a:t>- flex</a:t>
-            </a:r>
-            <a:endParaRPr lang="ko-KR" altLang="en-US" dirty="0"/>
+              <a:t>함수</a:t>
+            </a:r>
+            <a:endParaRPr lang="ko-KR" altLang="en-US" sz="2800" dirty="0"/>
           </a:p>
         </p:txBody>
       </p:sp>
@@ -19031,236 +20858,15 @@
           <a:p>
             <a:fld id="{1BDE3FE7-3AEA-4B05-AC5A-802D1816ACF0}" type="slidenum">
               <a:rPr lang="ko-KR" altLang="en-US" smtClean="0"/>
-              <a:t>4</a:t>
+              <a:t>42</a:t>
             </a:fld>
             <a:endParaRPr lang="ko-KR" altLang="en-US"/>
           </a:p>
         </p:txBody>
       </p:sp>
-      <p:sp>
-        <p:nvSpPr>
-          <p:cNvPr id="13" name="내용 개체 틀 2">
-            <a:extLst>
-              <a:ext uri="{FF2B5EF4-FFF2-40B4-BE49-F238E27FC236}">
-                <a16:creationId xmlns:a16="http://schemas.microsoft.com/office/drawing/2014/main" id="{98AF3A4E-7D90-4241-89FE-799D6F9D5A94}"/>
-              </a:ext>
-            </a:extLst>
-          </p:cNvPr>
-          <p:cNvSpPr txBox="1">
-            <a:spLocks/>
-          </p:cNvSpPr>
-          <p:nvPr/>
-        </p:nvSpPr>
-        <p:spPr>
-          <a:xfrm>
-            <a:off x="910923" y="1245051"/>
-            <a:ext cx="3672408" cy="596952"/>
-          </a:xfrm>
-          <a:prstGeom prst="rect">
-            <a:avLst/>
-          </a:prstGeom>
-        </p:spPr>
-        <p:txBody>
-          <a:bodyPr/>
-          <a:lstStyle>
-            <a:lvl1pPr marL="228600" indent="-228600" algn="l" defTabSz="914400" rtl="0" eaLnBrk="1" latinLnBrk="1" hangingPunct="1">
-              <a:lnSpc>
-                <a:spcPct val="90000"/>
-              </a:lnSpc>
-              <a:spcBef>
-                <a:spcPts val="1000"/>
-              </a:spcBef>
-              <a:buFont typeface="Arial" panose="020B0604020202020204" pitchFamily="34" charset="0"/>
-              <a:buChar char="•"/>
-              <a:defRPr sz="2800" kern="1200">
-                <a:solidFill>
-                  <a:schemeClr val="tx1"/>
-                </a:solidFill>
-                <a:latin typeface="+mn-lt"/>
-                <a:ea typeface="+mn-ea"/>
-                <a:cs typeface="+mn-cs"/>
-              </a:defRPr>
-            </a:lvl1pPr>
-            <a:lvl2pPr marL="685800" indent="-228600" algn="l" defTabSz="914400" rtl="0" eaLnBrk="1" latinLnBrk="1" hangingPunct="1">
-              <a:lnSpc>
-                <a:spcPct val="90000"/>
-              </a:lnSpc>
-              <a:spcBef>
-                <a:spcPts val="500"/>
-              </a:spcBef>
-              <a:buFont typeface="Arial" panose="020B0604020202020204" pitchFamily="34" charset="0"/>
-              <a:buChar char="•"/>
-              <a:defRPr sz="2400" kern="1200">
-                <a:solidFill>
-                  <a:schemeClr val="tx1"/>
-                </a:solidFill>
-                <a:latin typeface="+mn-lt"/>
-                <a:ea typeface="+mn-ea"/>
-                <a:cs typeface="+mn-cs"/>
-              </a:defRPr>
-            </a:lvl2pPr>
-            <a:lvl3pPr marL="1143000" indent="-228600" algn="l" defTabSz="914400" rtl="0" eaLnBrk="1" latinLnBrk="1" hangingPunct="1">
-              <a:lnSpc>
-                <a:spcPct val="90000"/>
-              </a:lnSpc>
-              <a:spcBef>
-                <a:spcPts val="500"/>
-              </a:spcBef>
-              <a:buFont typeface="Arial" panose="020B0604020202020204" pitchFamily="34" charset="0"/>
-              <a:buChar char="•"/>
-              <a:defRPr sz="2000" kern="1200">
-                <a:solidFill>
-                  <a:schemeClr val="tx1"/>
-                </a:solidFill>
-                <a:latin typeface="+mn-lt"/>
-                <a:ea typeface="+mn-ea"/>
-                <a:cs typeface="+mn-cs"/>
-              </a:defRPr>
-            </a:lvl3pPr>
-            <a:lvl4pPr marL="1600200" indent="-228600" algn="l" defTabSz="914400" rtl="0" eaLnBrk="1" latinLnBrk="1" hangingPunct="1">
-              <a:lnSpc>
-                <a:spcPct val="90000"/>
-              </a:lnSpc>
-              <a:spcBef>
-                <a:spcPts val="500"/>
-              </a:spcBef>
-              <a:buFont typeface="Arial" panose="020B0604020202020204" pitchFamily="34" charset="0"/>
-              <a:buChar char="•"/>
-              <a:defRPr sz="1800" kern="1200">
-                <a:solidFill>
-                  <a:schemeClr val="tx1"/>
-                </a:solidFill>
-                <a:latin typeface="+mn-lt"/>
-                <a:ea typeface="+mn-ea"/>
-                <a:cs typeface="+mn-cs"/>
-              </a:defRPr>
-            </a:lvl4pPr>
-            <a:lvl5pPr marL="2057400" indent="-228600" algn="l" defTabSz="914400" rtl="0" eaLnBrk="1" latinLnBrk="1" hangingPunct="1">
-              <a:lnSpc>
-                <a:spcPct val="90000"/>
-              </a:lnSpc>
-              <a:spcBef>
-                <a:spcPts val="500"/>
-              </a:spcBef>
-              <a:buFont typeface="Arial" panose="020B0604020202020204" pitchFamily="34" charset="0"/>
-              <a:buChar char="•"/>
-              <a:defRPr sz="1800" kern="1200">
-                <a:solidFill>
-                  <a:schemeClr val="tx1"/>
-                </a:solidFill>
-                <a:latin typeface="+mn-lt"/>
-                <a:ea typeface="+mn-ea"/>
-                <a:cs typeface="+mn-cs"/>
-              </a:defRPr>
-            </a:lvl5pPr>
-            <a:lvl6pPr marL="2514600" indent="-228600" algn="l" defTabSz="914400" rtl="0" eaLnBrk="1" latinLnBrk="1" hangingPunct="1">
-              <a:lnSpc>
-                <a:spcPct val="90000"/>
-              </a:lnSpc>
-              <a:spcBef>
-                <a:spcPts val="500"/>
-              </a:spcBef>
-              <a:buFont typeface="Arial" panose="020B0604020202020204" pitchFamily="34" charset="0"/>
-              <a:buChar char="•"/>
-              <a:defRPr sz="1800" kern="1200">
-                <a:solidFill>
-                  <a:schemeClr val="tx1"/>
-                </a:solidFill>
-                <a:latin typeface="+mn-lt"/>
-                <a:ea typeface="+mn-ea"/>
-                <a:cs typeface="+mn-cs"/>
-              </a:defRPr>
-            </a:lvl6pPr>
-            <a:lvl7pPr marL="2971800" indent="-228600" algn="l" defTabSz="914400" rtl="0" eaLnBrk="1" latinLnBrk="1" hangingPunct="1">
-              <a:lnSpc>
-                <a:spcPct val="90000"/>
-              </a:lnSpc>
-              <a:spcBef>
-                <a:spcPts val="500"/>
-              </a:spcBef>
-              <a:buFont typeface="Arial" panose="020B0604020202020204" pitchFamily="34" charset="0"/>
-              <a:buChar char="•"/>
-              <a:defRPr sz="1800" kern="1200">
-                <a:solidFill>
-                  <a:schemeClr val="tx1"/>
-                </a:solidFill>
-                <a:latin typeface="+mn-lt"/>
-                <a:ea typeface="+mn-ea"/>
-                <a:cs typeface="+mn-cs"/>
-              </a:defRPr>
-            </a:lvl7pPr>
-            <a:lvl8pPr marL="3429000" indent="-228600" algn="l" defTabSz="914400" rtl="0" eaLnBrk="1" latinLnBrk="1" hangingPunct="1">
-              <a:lnSpc>
-                <a:spcPct val="90000"/>
-              </a:lnSpc>
-              <a:spcBef>
-                <a:spcPts val="500"/>
-              </a:spcBef>
-              <a:buFont typeface="Arial" panose="020B0604020202020204" pitchFamily="34" charset="0"/>
-              <a:buChar char="•"/>
-              <a:defRPr sz="1800" kern="1200">
-                <a:solidFill>
-                  <a:schemeClr val="tx1"/>
-                </a:solidFill>
-                <a:latin typeface="+mn-lt"/>
-                <a:ea typeface="+mn-ea"/>
-                <a:cs typeface="+mn-cs"/>
-              </a:defRPr>
-            </a:lvl8pPr>
-            <a:lvl9pPr marL="3886200" indent="-228600" algn="l" defTabSz="914400" rtl="0" eaLnBrk="1" latinLnBrk="1" hangingPunct="1">
-              <a:lnSpc>
-                <a:spcPct val="90000"/>
-              </a:lnSpc>
-              <a:spcBef>
-                <a:spcPts val="500"/>
-              </a:spcBef>
-              <a:buFont typeface="Arial" panose="020B0604020202020204" pitchFamily="34" charset="0"/>
-              <a:buChar char="•"/>
-              <a:defRPr sz="1800" kern="1200">
-                <a:solidFill>
-                  <a:schemeClr val="tx1"/>
-                </a:solidFill>
-                <a:latin typeface="+mn-lt"/>
-                <a:ea typeface="+mn-ea"/>
-                <a:cs typeface="+mn-cs"/>
-              </a:defRPr>
-            </a:lvl9pPr>
-          </a:lstStyle>
-          <a:p>
-            <a:pPr>
-              <a:lnSpc>
-                <a:spcPct val="150000"/>
-              </a:lnSpc>
-              <a:buFont typeface="Wingdings" panose="05000000000000000000" pitchFamily="2" charset="2"/>
-              <a:buChar char="§"/>
-            </a:pPr>
-            <a:r>
-              <a:rPr lang="ko-KR" altLang="en-US" sz="2000" b="1" dirty="0" err="1" smtClean="0">
-                <a:solidFill>
-                  <a:srgbClr val="C00000"/>
-                </a:solidFill>
-              </a:rPr>
-              <a:t>플렉스</a:t>
-            </a:r>
-            <a:r>
-              <a:rPr lang="ko-KR" altLang="en-US" sz="2000" b="1" dirty="0" smtClean="0">
-                <a:solidFill>
-                  <a:srgbClr val="C00000"/>
-                </a:solidFill>
-              </a:rPr>
-              <a:t> 박스</a:t>
-            </a:r>
-            <a:endParaRPr lang="en-US" altLang="ko-KR" sz="2000" b="1" dirty="0">
-              <a:solidFill>
-                <a:srgbClr val="C00000"/>
-              </a:solidFill>
-            </a:endParaRPr>
-          </a:p>
-        </p:txBody>
-      </p:sp>
       <p:pic>
         <p:nvPicPr>
-          <p:cNvPr id="10" name="그림 9"/>
+          <p:cNvPr id="2" name="그림 1"/>
           <p:cNvPicPr>
             <a:picLocks noChangeAspect="1"/>
           </p:cNvPicPr>
@@ -19280,18 +20886,115 @@
         </p:blipFill>
         <p:spPr>
           <a:xfrm>
-            <a:off x="2216696" y="1842003"/>
-            <a:ext cx="3398815" cy="3901778"/>
+            <a:off x="1568624" y="3501008"/>
+            <a:ext cx="2987299" cy="2034716"/>
+          </a:xfrm>
+          <a:prstGeom prst="rect">
+            <a:avLst/>
+          </a:prstGeom>
+          <a:ln>
+            <a:solidFill>
+              <a:schemeClr val="bg1">
+                <a:lumMod val="85000"/>
+              </a:schemeClr>
+            </a:solidFill>
+          </a:ln>
+        </p:spPr>
+      </p:pic>
+      <p:pic>
+        <p:nvPicPr>
+          <p:cNvPr id="3" name="그림 2"/>
+          <p:cNvPicPr>
+            <a:picLocks noChangeAspect="1"/>
+          </p:cNvPicPr>
+          <p:nvPr/>
+        </p:nvPicPr>
+        <p:blipFill>
+          <a:blip r:embed="rId4">
+            <a:extLst>
+              <a:ext uri="{28A0092B-C50C-407E-A947-70E740481C1C}">
+                <a14:useLocalDpi xmlns:a14="http://schemas.microsoft.com/office/drawing/2010/main" val="0"/>
+              </a:ext>
+            </a:extLst>
+          </a:blip>
+          <a:stretch>
+            <a:fillRect/>
+          </a:stretch>
+        </p:blipFill>
+        <p:spPr>
+          <a:xfrm>
+            <a:off x="4981903" y="1930513"/>
+            <a:ext cx="3694746" cy="4705386"/>
+          </a:xfrm>
+          <a:prstGeom prst="rect">
+            <a:avLst/>
+          </a:prstGeom>
+          <a:ln>
+            <a:solidFill>
+              <a:schemeClr val="bg1">
+                <a:lumMod val="85000"/>
+              </a:schemeClr>
+            </a:solidFill>
+          </a:ln>
+        </p:spPr>
+      </p:pic>
+      <p:sp>
+        <p:nvSpPr>
+          <p:cNvPr id="8" name="직사각형 7"/>
+          <p:cNvSpPr/>
+          <p:nvPr/>
+        </p:nvSpPr>
+        <p:spPr>
+          <a:xfrm>
+            <a:off x="848543" y="1268760"/>
+            <a:ext cx="7828105" cy="507831"/>
           </a:xfrm>
           <a:prstGeom prst="rect">
             <a:avLst/>
           </a:prstGeom>
         </p:spPr>
-      </p:pic>
+        <p:txBody>
+          <a:bodyPr wrap="square">
+            <a:spAutoFit/>
+          </a:bodyPr>
+          <a:lstStyle/>
+          <a:p>
+            <a:pPr>
+              <a:lnSpc>
+                <a:spcPct val="150000"/>
+              </a:lnSpc>
+            </a:pPr>
+            <a:r>
+              <a:rPr lang="ko-KR" altLang="en-US" dirty="0" err="1"/>
+              <a:t>var</a:t>
+            </a:r>
+            <a:r>
+              <a:rPr lang="ko-KR" altLang="en-US" dirty="0"/>
+              <a:t>() 함수는 </a:t>
+            </a:r>
+            <a:r>
+              <a:rPr lang="ko-KR" altLang="en-US" dirty="0" smtClean="0"/>
+              <a:t>"</a:t>
+            </a:r>
+            <a:r>
+              <a:rPr lang="ko-KR" altLang="en-US" dirty="0"/>
+              <a:t>CSS </a:t>
+            </a:r>
+            <a:r>
+              <a:rPr lang="ko-KR" altLang="en-US" dirty="0" err="1"/>
+              <a:t>변수"의</a:t>
+            </a:r>
+            <a:r>
+              <a:rPr lang="ko-KR" altLang="en-US" dirty="0"/>
+              <a:t> 값을 다른 속성의 값으로 지정할 때 사용합니다.</a:t>
+            </a:r>
+          </a:p>
+        </p:txBody>
+      </p:sp>
     </p:spTree>
     <p:extLst>
       <p:ext uri="{BB962C8B-B14F-4D97-AF65-F5344CB8AC3E}">
-        <p14:creationId xmlns:p14="http://schemas.microsoft.com/office/powerpoint/2010/main" val="782708906"/>
+        <p14:creationId xmlns:p14="http://schemas.microsoft.com/office/powerpoint/2010/main" val="2590587510"/>
       </p:ext>
     </p:extLst>
   </p:cSld>
